--- a/source/_posts/algorithm/mrc.pptx
+++ b/source/_posts/algorithm/mrc.pptx
@@ -7,6 +7,8 @@
   <p:sldIdLst>
     <p:sldId id="256" r:id="rId2"/>
     <p:sldId id="257" r:id="rId3"/>
+    <p:sldId id="258" r:id="rId4"/>
+    <p:sldId id="259" r:id="rId5"/>
   </p:sldIdLst>
   <p:sldSz cx="12192000" cy="6858000"/>
   <p:notesSz cx="6858000" cy="9144000"/>
@@ -260,7 +262,7 @@
           <a:p>
             <a:fld id="{17BF8233-8D73-4EB7-BD27-B44F7DC549DF}" type="datetimeFigureOut">
               <a:rPr lang="zh-CN" altLang="en-US" smtClean="0"/>
-              <a:t>2019/9/26</a:t>
+              <a:t>2019/9/28</a:t>
             </a:fld>
             <a:endParaRPr lang="zh-CN" altLang="en-US"/>
           </a:p>
@@ -458,7 +460,7 @@
           <a:p>
             <a:fld id="{17BF8233-8D73-4EB7-BD27-B44F7DC549DF}" type="datetimeFigureOut">
               <a:rPr lang="zh-CN" altLang="en-US" smtClean="0"/>
-              <a:t>2019/9/26</a:t>
+              <a:t>2019/9/28</a:t>
             </a:fld>
             <a:endParaRPr lang="zh-CN" altLang="en-US"/>
           </a:p>
@@ -666,7 +668,7 @@
           <a:p>
             <a:fld id="{17BF8233-8D73-4EB7-BD27-B44F7DC549DF}" type="datetimeFigureOut">
               <a:rPr lang="zh-CN" altLang="en-US" smtClean="0"/>
-              <a:t>2019/9/26</a:t>
+              <a:t>2019/9/28</a:t>
             </a:fld>
             <a:endParaRPr lang="zh-CN" altLang="en-US"/>
           </a:p>
@@ -864,7 +866,7 @@
           <a:p>
             <a:fld id="{17BF8233-8D73-4EB7-BD27-B44F7DC549DF}" type="datetimeFigureOut">
               <a:rPr lang="zh-CN" altLang="en-US" smtClean="0"/>
-              <a:t>2019/9/26</a:t>
+              <a:t>2019/9/28</a:t>
             </a:fld>
             <a:endParaRPr lang="zh-CN" altLang="en-US"/>
           </a:p>
@@ -1139,7 +1141,7 @@
           <a:p>
             <a:fld id="{17BF8233-8D73-4EB7-BD27-B44F7DC549DF}" type="datetimeFigureOut">
               <a:rPr lang="zh-CN" altLang="en-US" smtClean="0"/>
-              <a:t>2019/9/26</a:t>
+              <a:t>2019/9/28</a:t>
             </a:fld>
             <a:endParaRPr lang="zh-CN" altLang="en-US"/>
           </a:p>
@@ -1404,7 +1406,7 @@
           <a:p>
             <a:fld id="{17BF8233-8D73-4EB7-BD27-B44F7DC549DF}" type="datetimeFigureOut">
               <a:rPr lang="zh-CN" altLang="en-US" smtClean="0"/>
-              <a:t>2019/9/26</a:t>
+              <a:t>2019/9/28</a:t>
             </a:fld>
             <a:endParaRPr lang="zh-CN" altLang="en-US"/>
           </a:p>
@@ -1816,7 +1818,7 @@
           <a:p>
             <a:fld id="{17BF8233-8D73-4EB7-BD27-B44F7DC549DF}" type="datetimeFigureOut">
               <a:rPr lang="zh-CN" altLang="en-US" smtClean="0"/>
-              <a:t>2019/9/26</a:t>
+              <a:t>2019/9/28</a:t>
             </a:fld>
             <a:endParaRPr lang="zh-CN" altLang="en-US"/>
           </a:p>
@@ -1957,7 +1959,7 @@
           <a:p>
             <a:fld id="{17BF8233-8D73-4EB7-BD27-B44F7DC549DF}" type="datetimeFigureOut">
               <a:rPr lang="zh-CN" altLang="en-US" smtClean="0"/>
-              <a:t>2019/9/26</a:t>
+              <a:t>2019/9/28</a:t>
             </a:fld>
             <a:endParaRPr lang="zh-CN" altLang="en-US"/>
           </a:p>
@@ -2070,7 +2072,7 @@
           <a:p>
             <a:fld id="{17BF8233-8D73-4EB7-BD27-B44F7DC549DF}" type="datetimeFigureOut">
               <a:rPr lang="zh-CN" altLang="en-US" smtClean="0"/>
-              <a:t>2019/9/26</a:t>
+              <a:t>2019/9/28</a:t>
             </a:fld>
             <a:endParaRPr lang="zh-CN" altLang="en-US"/>
           </a:p>
@@ -2381,7 +2383,7 @@
           <a:p>
             <a:fld id="{17BF8233-8D73-4EB7-BD27-B44F7DC549DF}" type="datetimeFigureOut">
               <a:rPr lang="zh-CN" altLang="en-US" smtClean="0"/>
-              <a:t>2019/9/26</a:t>
+              <a:t>2019/9/28</a:t>
             </a:fld>
             <a:endParaRPr lang="zh-CN" altLang="en-US"/>
           </a:p>
@@ -2669,7 +2671,7 @@
           <a:p>
             <a:fld id="{17BF8233-8D73-4EB7-BD27-B44F7DC549DF}" type="datetimeFigureOut">
               <a:rPr lang="zh-CN" altLang="en-US" smtClean="0"/>
-              <a:t>2019/9/26</a:t>
+              <a:t>2019/9/28</a:t>
             </a:fld>
             <a:endParaRPr lang="zh-CN" altLang="en-US"/>
           </a:p>
@@ -2910,7 +2912,7 @@
           <a:p>
             <a:fld id="{17BF8233-8D73-4EB7-BD27-B44F7DC549DF}" type="datetimeFigureOut">
               <a:rPr lang="zh-CN" altLang="en-US" smtClean="0"/>
-              <a:t>2019/9/26</a:t>
+              <a:t>2019/9/28</a:t>
             </a:fld>
             <a:endParaRPr lang="zh-CN" altLang="en-US"/>
           </a:p>
@@ -22213,6 +22215,9408 @@
 </p:sld>
 </file>
 
+<file path=ppt/slides/slide3.xml><?xml version="1.0" encoding="utf-8"?>
+<p:sld xmlns:a="http://schemas.openxmlformats.org/drawingml/2006/main" xmlns:r="http://schemas.openxmlformats.org/officeDocument/2006/relationships" xmlns:p="http://schemas.openxmlformats.org/presentationml/2006/main">
+  <p:cSld>
+    <p:spTree>
+      <p:nvGrpSpPr>
+        <p:cNvPr id="1" name=""/>
+        <p:cNvGrpSpPr/>
+        <p:nvPr/>
+      </p:nvGrpSpPr>
+      <p:grpSpPr>
+        <a:xfrm>
+          <a:off x="0" y="0"/>
+          <a:ext cx="0" cy="0"/>
+          <a:chOff x="0" y="0"/>
+          <a:chExt cx="0" cy="0"/>
+        </a:xfrm>
+      </p:grpSpPr>
+      <p:graphicFrame>
+        <p:nvGraphicFramePr>
+          <p:cNvPr id="4" name="表格 3">
+            <a:extLst>
+              <a:ext uri="{FF2B5EF4-FFF2-40B4-BE49-F238E27FC236}">
+                <a16:creationId xmlns:a16="http://schemas.microsoft.com/office/drawing/2014/main" id="{8F2F67D8-2552-4301-BC36-900984A1BFC9}"/>
+              </a:ext>
+            </a:extLst>
+          </p:cNvPr>
+          <p:cNvGraphicFramePr>
+            <a:graphicFrameLocks noGrp="1"/>
+          </p:cNvGraphicFramePr>
+          <p:nvPr>
+            <p:extLst>
+              <p:ext uri="{D42A27DB-BD31-4B8C-83A1-F6EECF244321}">
+                <p14:modId xmlns:p14="http://schemas.microsoft.com/office/powerpoint/2010/main" val="2554007564"/>
+              </p:ext>
+            </p:extLst>
+          </p:nvPr>
+        </p:nvGraphicFramePr>
+        <p:xfrm>
+          <a:off x="2643907" y="1323264"/>
+          <a:ext cx="2467210" cy="370840"/>
+        </p:xfrm>
+        <a:graphic>
+          <a:graphicData uri="http://schemas.openxmlformats.org/drawingml/2006/table">
+            <a:tbl>
+              <a:tblPr firstRow="1" bandRow="1">
+                <a:tableStyleId>{5C22544A-7EE6-4342-B048-85BDC9FD1C3A}</a:tableStyleId>
+              </a:tblPr>
+              <a:tblGrid>
+                <a:gridCol w="493442">
+                  <a:extLst>
+                    <a:ext uri="{9D8B030D-6E8A-4147-A177-3AD203B41FA5}">
+                      <a16:colId xmlns:a16="http://schemas.microsoft.com/office/drawing/2014/main" val="1776970664"/>
+                    </a:ext>
+                  </a:extLst>
+                </a:gridCol>
+                <a:gridCol w="493442">
+                  <a:extLst>
+                    <a:ext uri="{9D8B030D-6E8A-4147-A177-3AD203B41FA5}">
+                      <a16:colId xmlns:a16="http://schemas.microsoft.com/office/drawing/2014/main" val="1156629452"/>
+                    </a:ext>
+                  </a:extLst>
+                </a:gridCol>
+                <a:gridCol w="493442">
+                  <a:extLst>
+                    <a:ext uri="{9D8B030D-6E8A-4147-A177-3AD203B41FA5}">
+                      <a16:colId xmlns:a16="http://schemas.microsoft.com/office/drawing/2014/main" val="177419232"/>
+                    </a:ext>
+                  </a:extLst>
+                </a:gridCol>
+                <a:gridCol w="493442">
+                  <a:extLst>
+                    <a:ext uri="{9D8B030D-6E8A-4147-A177-3AD203B41FA5}">
+                      <a16:colId xmlns:a16="http://schemas.microsoft.com/office/drawing/2014/main" val="3270505710"/>
+                    </a:ext>
+                  </a:extLst>
+                </a:gridCol>
+                <a:gridCol w="493442">
+                  <a:extLst>
+                    <a:ext uri="{9D8B030D-6E8A-4147-A177-3AD203B41FA5}">
+                      <a16:colId xmlns:a16="http://schemas.microsoft.com/office/drawing/2014/main" val="3791515130"/>
+                    </a:ext>
+                  </a:extLst>
+                </a:gridCol>
+              </a:tblGrid>
+              <a:tr h="370840">
+                <a:tc>
+                  <a:txBody>
+                    <a:bodyPr/>
+                    <a:lstStyle/>
+                    <a:p>
+                      <a:pPr algn="ctr"/>
+                      <a:r>
+                        <a:rPr lang="en-US" altLang="zh-CN" sz="1600" b="0" dirty="0">
+                          <a:solidFill>
+                            <a:sysClr val="windowText" lastClr="000000"/>
+                          </a:solidFill>
+                          <a:latin typeface="Noto Sans CJK SC Regular" panose="020B0500000000000000" pitchFamily="34" charset="-122"/>
+                          <a:ea typeface="Noto Sans CJK SC Regular" panose="020B0500000000000000" pitchFamily="34" charset="-122"/>
+                        </a:rPr>
+                        <a:t>h</a:t>
+                      </a:r>
+                      <a:endParaRPr lang="zh-CN" altLang="en-US" sz="1600" b="0" dirty="0">
+                        <a:solidFill>
+                          <a:sysClr val="windowText" lastClr="000000"/>
+                        </a:solidFill>
+                        <a:latin typeface="Noto Sans CJK SC Regular" panose="020B0500000000000000" pitchFamily="34" charset="-122"/>
+                        <a:ea typeface="Noto Sans CJK SC Regular" panose="020B0500000000000000" pitchFamily="34" charset="-122"/>
+                      </a:endParaRPr>
+                    </a:p>
+                  </a:txBody>
+                  <a:tcPr anchor="ctr">
+                    <a:lnL w="12700" cap="flat" cmpd="sng" algn="ctr">
+                      <a:solidFill>
+                        <a:schemeClr val="tx1"/>
+                      </a:solidFill>
+                      <a:prstDash val="solid"/>
+                      <a:round/>
+                      <a:headEnd type="none" w="med" len="med"/>
+                      <a:tailEnd type="none" w="med" len="med"/>
+                    </a:lnL>
+                    <a:lnR w="12700" cap="flat" cmpd="sng" algn="ctr">
+                      <a:solidFill>
+                        <a:schemeClr val="tx1"/>
+                      </a:solidFill>
+                      <a:prstDash val="solid"/>
+                      <a:round/>
+                      <a:headEnd type="none" w="med" len="med"/>
+                      <a:tailEnd type="none" w="med" len="med"/>
+                    </a:lnR>
+                    <a:lnT w="12700" cap="flat" cmpd="sng" algn="ctr">
+                      <a:solidFill>
+                        <a:schemeClr val="tx1"/>
+                      </a:solidFill>
+                      <a:prstDash val="solid"/>
+                      <a:round/>
+                      <a:headEnd type="none" w="med" len="med"/>
+                      <a:tailEnd type="none" w="med" len="med"/>
+                    </a:lnT>
+                    <a:lnB w="12700" cap="flat" cmpd="sng" algn="ctr">
+                      <a:solidFill>
+                        <a:schemeClr val="tx1"/>
+                      </a:solidFill>
+                      <a:prstDash val="solid"/>
+                      <a:round/>
+                      <a:headEnd type="none" w="med" len="med"/>
+                      <a:tailEnd type="none" w="med" len="med"/>
+                    </a:lnB>
+                    <a:solidFill>
+                      <a:schemeClr val="accent2">
+                        <a:lumMod val="20000"/>
+                        <a:lumOff val="80000"/>
+                      </a:schemeClr>
+                    </a:solidFill>
+                  </a:tcPr>
+                </a:tc>
+                <a:tc>
+                  <a:txBody>
+                    <a:bodyPr/>
+                    <a:lstStyle/>
+                    <a:p>
+                      <a:pPr algn="ctr"/>
+                      <a:r>
+                        <a:rPr lang="en-US" altLang="zh-CN" sz="1600" b="0" dirty="0">
+                          <a:solidFill>
+                            <a:sysClr val="windowText" lastClr="000000"/>
+                          </a:solidFill>
+                          <a:latin typeface="Noto Sans CJK SC Regular" panose="020B0500000000000000" pitchFamily="34" charset="-122"/>
+                          <a:ea typeface="Noto Sans CJK SC Regular" panose="020B0500000000000000" pitchFamily="34" charset="-122"/>
+                        </a:rPr>
+                        <a:t>o</a:t>
+                      </a:r>
+                      <a:endParaRPr lang="zh-CN" altLang="en-US" sz="1600" b="0" dirty="0">
+                        <a:solidFill>
+                          <a:sysClr val="windowText" lastClr="000000"/>
+                        </a:solidFill>
+                        <a:latin typeface="Noto Sans CJK SC Regular" panose="020B0500000000000000" pitchFamily="34" charset="-122"/>
+                        <a:ea typeface="Noto Sans CJK SC Regular" panose="020B0500000000000000" pitchFamily="34" charset="-122"/>
+                      </a:endParaRPr>
+                    </a:p>
+                  </a:txBody>
+                  <a:tcPr anchor="ctr">
+                    <a:lnL w="12700" cap="flat" cmpd="sng" algn="ctr">
+                      <a:solidFill>
+                        <a:schemeClr val="tx1"/>
+                      </a:solidFill>
+                      <a:prstDash val="solid"/>
+                      <a:round/>
+                      <a:headEnd type="none" w="med" len="med"/>
+                      <a:tailEnd type="none" w="med" len="med"/>
+                    </a:lnL>
+                    <a:lnR w="12700" cap="flat" cmpd="sng" algn="ctr">
+                      <a:solidFill>
+                        <a:schemeClr val="tx1"/>
+                      </a:solidFill>
+                      <a:prstDash val="solid"/>
+                      <a:round/>
+                      <a:headEnd type="none" w="med" len="med"/>
+                      <a:tailEnd type="none" w="med" len="med"/>
+                    </a:lnR>
+                    <a:lnT w="12700" cap="flat" cmpd="sng" algn="ctr">
+                      <a:solidFill>
+                        <a:schemeClr val="tx1"/>
+                      </a:solidFill>
+                      <a:prstDash val="solid"/>
+                      <a:round/>
+                      <a:headEnd type="none" w="med" len="med"/>
+                      <a:tailEnd type="none" w="med" len="med"/>
+                    </a:lnT>
+                    <a:lnB w="12700" cap="flat" cmpd="sng" algn="ctr">
+                      <a:solidFill>
+                        <a:schemeClr val="tx1"/>
+                      </a:solidFill>
+                      <a:prstDash val="solid"/>
+                      <a:round/>
+                      <a:headEnd type="none" w="med" len="med"/>
+                      <a:tailEnd type="none" w="med" len="med"/>
+                    </a:lnB>
+                    <a:solidFill>
+                      <a:schemeClr val="accent2">
+                        <a:lumMod val="20000"/>
+                        <a:lumOff val="80000"/>
+                      </a:schemeClr>
+                    </a:solidFill>
+                  </a:tcPr>
+                </a:tc>
+                <a:tc>
+                  <a:txBody>
+                    <a:bodyPr/>
+                    <a:lstStyle/>
+                    <a:p>
+                      <a:pPr algn="ctr"/>
+                      <a:r>
+                        <a:rPr lang="en-US" altLang="zh-CN" sz="1600" b="0" dirty="0">
+                          <a:solidFill>
+                            <a:sysClr val="windowText" lastClr="000000"/>
+                          </a:solidFill>
+                          <a:latin typeface="Noto Sans CJK SC Regular" panose="020B0500000000000000" pitchFamily="34" charset="-122"/>
+                          <a:ea typeface="Noto Sans CJK SC Regular" panose="020B0500000000000000" pitchFamily="34" charset="-122"/>
+                        </a:rPr>
+                        <a:t>r</a:t>
+                      </a:r>
+                      <a:endParaRPr lang="zh-CN" altLang="en-US" sz="1600" b="0" dirty="0">
+                        <a:solidFill>
+                          <a:sysClr val="windowText" lastClr="000000"/>
+                        </a:solidFill>
+                        <a:latin typeface="Noto Sans CJK SC Regular" panose="020B0500000000000000" pitchFamily="34" charset="-122"/>
+                        <a:ea typeface="Noto Sans CJK SC Regular" panose="020B0500000000000000" pitchFamily="34" charset="-122"/>
+                      </a:endParaRPr>
+                    </a:p>
+                  </a:txBody>
+                  <a:tcPr anchor="ctr">
+                    <a:lnL w="12700" cap="flat" cmpd="sng" algn="ctr">
+                      <a:solidFill>
+                        <a:schemeClr val="tx1"/>
+                      </a:solidFill>
+                      <a:prstDash val="solid"/>
+                      <a:round/>
+                      <a:headEnd type="none" w="med" len="med"/>
+                      <a:tailEnd type="none" w="med" len="med"/>
+                    </a:lnL>
+                    <a:lnR w="12700" cap="flat" cmpd="sng" algn="ctr">
+                      <a:solidFill>
+                        <a:schemeClr val="tx1"/>
+                      </a:solidFill>
+                      <a:prstDash val="solid"/>
+                      <a:round/>
+                      <a:headEnd type="none" w="med" len="med"/>
+                      <a:tailEnd type="none" w="med" len="med"/>
+                    </a:lnR>
+                    <a:lnT w="12700" cap="flat" cmpd="sng" algn="ctr">
+                      <a:solidFill>
+                        <a:schemeClr val="tx1"/>
+                      </a:solidFill>
+                      <a:prstDash val="solid"/>
+                      <a:round/>
+                      <a:headEnd type="none" w="med" len="med"/>
+                      <a:tailEnd type="none" w="med" len="med"/>
+                    </a:lnT>
+                    <a:lnB w="12700" cap="flat" cmpd="sng" algn="ctr">
+                      <a:solidFill>
+                        <a:schemeClr val="tx1"/>
+                      </a:solidFill>
+                      <a:prstDash val="solid"/>
+                      <a:round/>
+                      <a:headEnd type="none" w="med" len="med"/>
+                      <a:tailEnd type="none" w="med" len="med"/>
+                    </a:lnB>
+                    <a:solidFill>
+                      <a:schemeClr val="accent2">
+                        <a:lumMod val="20000"/>
+                        <a:lumOff val="80000"/>
+                      </a:schemeClr>
+                    </a:solidFill>
+                  </a:tcPr>
+                </a:tc>
+                <a:tc>
+                  <a:txBody>
+                    <a:bodyPr/>
+                    <a:lstStyle/>
+                    <a:p>
+                      <a:pPr algn="ctr"/>
+                      <a:r>
+                        <a:rPr lang="en-US" altLang="zh-CN" sz="1600" b="0" dirty="0">
+                          <a:solidFill>
+                            <a:sysClr val="windowText" lastClr="000000"/>
+                          </a:solidFill>
+                          <a:latin typeface="Noto Sans CJK SC Regular" panose="020B0500000000000000" pitchFamily="34" charset="-122"/>
+                          <a:ea typeface="Noto Sans CJK SC Regular" panose="020B0500000000000000" pitchFamily="34" charset="-122"/>
+                        </a:rPr>
+                        <a:t>s</a:t>
+                      </a:r>
+                      <a:endParaRPr lang="zh-CN" altLang="en-US" sz="1600" b="0" dirty="0">
+                        <a:solidFill>
+                          <a:sysClr val="windowText" lastClr="000000"/>
+                        </a:solidFill>
+                        <a:latin typeface="Noto Sans CJK SC Regular" panose="020B0500000000000000" pitchFamily="34" charset="-122"/>
+                        <a:ea typeface="Noto Sans CJK SC Regular" panose="020B0500000000000000" pitchFamily="34" charset="-122"/>
+                      </a:endParaRPr>
+                    </a:p>
+                  </a:txBody>
+                  <a:tcPr anchor="ctr">
+                    <a:lnL w="12700" cap="flat" cmpd="sng" algn="ctr">
+                      <a:solidFill>
+                        <a:schemeClr val="tx1"/>
+                      </a:solidFill>
+                      <a:prstDash val="solid"/>
+                      <a:round/>
+                      <a:headEnd type="none" w="med" len="med"/>
+                      <a:tailEnd type="none" w="med" len="med"/>
+                    </a:lnL>
+                    <a:lnR w="12700" cap="flat" cmpd="sng" algn="ctr">
+                      <a:solidFill>
+                        <a:schemeClr val="tx1"/>
+                      </a:solidFill>
+                      <a:prstDash val="solid"/>
+                      <a:round/>
+                      <a:headEnd type="none" w="med" len="med"/>
+                      <a:tailEnd type="none" w="med" len="med"/>
+                    </a:lnR>
+                    <a:lnT w="12700" cap="flat" cmpd="sng" algn="ctr">
+                      <a:solidFill>
+                        <a:schemeClr val="tx1"/>
+                      </a:solidFill>
+                      <a:prstDash val="solid"/>
+                      <a:round/>
+                      <a:headEnd type="none" w="med" len="med"/>
+                      <a:tailEnd type="none" w="med" len="med"/>
+                    </a:lnT>
+                    <a:lnB w="12700" cap="flat" cmpd="sng" algn="ctr">
+                      <a:solidFill>
+                        <a:schemeClr val="tx1"/>
+                      </a:solidFill>
+                      <a:prstDash val="solid"/>
+                      <a:round/>
+                      <a:headEnd type="none" w="med" len="med"/>
+                      <a:tailEnd type="none" w="med" len="med"/>
+                    </a:lnB>
+                    <a:solidFill>
+                      <a:schemeClr val="accent2">
+                        <a:lumMod val="20000"/>
+                        <a:lumOff val="80000"/>
+                      </a:schemeClr>
+                    </a:solidFill>
+                  </a:tcPr>
+                </a:tc>
+                <a:tc>
+                  <a:txBody>
+                    <a:bodyPr/>
+                    <a:lstStyle/>
+                    <a:p>
+                      <a:pPr algn="ctr"/>
+                      <a:r>
+                        <a:rPr lang="en-US" altLang="zh-CN" sz="1600" b="0" dirty="0">
+                          <a:solidFill>
+                            <a:sysClr val="windowText" lastClr="000000"/>
+                          </a:solidFill>
+                          <a:latin typeface="Noto Sans CJK SC Regular" panose="020B0500000000000000" pitchFamily="34" charset="-122"/>
+                          <a:ea typeface="Noto Sans CJK SC Regular" panose="020B0500000000000000" pitchFamily="34" charset="-122"/>
+                        </a:rPr>
+                        <a:t>e</a:t>
+                      </a:r>
+                      <a:endParaRPr lang="zh-CN" altLang="en-US" sz="1600" b="0" dirty="0">
+                        <a:solidFill>
+                          <a:sysClr val="windowText" lastClr="000000"/>
+                        </a:solidFill>
+                        <a:latin typeface="Noto Sans CJK SC Regular" panose="020B0500000000000000" pitchFamily="34" charset="-122"/>
+                        <a:ea typeface="Noto Sans CJK SC Regular" panose="020B0500000000000000" pitchFamily="34" charset="-122"/>
+                      </a:endParaRPr>
+                    </a:p>
+                  </a:txBody>
+                  <a:tcPr anchor="ctr">
+                    <a:lnL w="12700" cap="flat" cmpd="sng" algn="ctr">
+                      <a:solidFill>
+                        <a:schemeClr val="tx1"/>
+                      </a:solidFill>
+                      <a:prstDash val="solid"/>
+                      <a:round/>
+                      <a:headEnd type="none" w="med" len="med"/>
+                      <a:tailEnd type="none" w="med" len="med"/>
+                    </a:lnL>
+                    <a:lnR w="12700" cap="flat" cmpd="sng" algn="ctr">
+                      <a:solidFill>
+                        <a:schemeClr val="tx1"/>
+                      </a:solidFill>
+                      <a:prstDash val="solid"/>
+                      <a:round/>
+                      <a:headEnd type="none" w="med" len="med"/>
+                      <a:tailEnd type="none" w="med" len="med"/>
+                    </a:lnR>
+                    <a:lnT w="12700" cap="flat" cmpd="sng" algn="ctr">
+                      <a:solidFill>
+                        <a:schemeClr val="tx1"/>
+                      </a:solidFill>
+                      <a:prstDash val="solid"/>
+                      <a:round/>
+                      <a:headEnd type="none" w="med" len="med"/>
+                      <a:tailEnd type="none" w="med" len="med"/>
+                    </a:lnT>
+                    <a:lnB w="12700" cap="flat" cmpd="sng" algn="ctr">
+                      <a:solidFill>
+                        <a:schemeClr val="tx1"/>
+                      </a:solidFill>
+                      <a:prstDash val="solid"/>
+                      <a:round/>
+                      <a:headEnd type="none" w="med" len="med"/>
+                      <a:tailEnd type="none" w="med" len="med"/>
+                    </a:lnB>
+                    <a:solidFill>
+                      <a:schemeClr val="accent2">
+                        <a:lumMod val="20000"/>
+                        <a:lumOff val="80000"/>
+                      </a:schemeClr>
+                    </a:solidFill>
+                  </a:tcPr>
+                </a:tc>
+                <a:extLst>
+                  <a:ext uri="{0D108BD9-81ED-4DB2-BD59-A6C34878D82A}">
+                    <a16:rowId xmlns:a16="http://schemas.microsoft.com/office/drawing/2014/main" val="3054468741"/>
+                  </a:ext>
+                </a:extLst>
+              </a:tr>
+            </a:tbl>
+          </a:graphicData>
+        </a:graphic>
+      </p:graphicFrame>
+      <p:graphicFrame>
+        <p:nvGraphicFramePr>
+          <p:cNvPr id="5" name="表格 4">
+            <a:extLst>
+              <a:ext uri="{FF2B5EF4-FFF2-40B4-BE49-F238E27FC236}">
+                <a16:creationId xmlns:a16="http://schemas.microsoft.com/office/drawing/2014/main" id="{C98AA7C6-FCB9-4B42-8B22-B86F2C91DB15}"/>
+              </a:ext>
+            </a:extLst>
+          </p:cNvPr>
+          <p:cNvGraphicFramePr>
+            <a:graphicFrameLocks noGrp="1"/>
+          </p:cNvGraphicFramePr>
+          <p:nvPr>
+            <p:extLst>
+              <p:ext uri="{D42A27DB-BD31-4B8C-83A1-F6EECF244321}">
+                <p14:modId xmlns:p14="http://schemas.microsoft.com/office/powerpoint/2010/main" val="1389466239"/>
+              </p:ext>
+            </p:extLst>
+          </p:nvPr>
+        </p:nvGraphicFramePr>
+        <p:xfrm>
+          <a:off x="5905267" y="1323264"/>
+          <a:ext cx="1480326" cy="370840"/>
+        </p:xfrm>
+        <a:graphic>
+          <a:graphicData uri="http://schemas.openxmlformats.org/drawingml/2006/table">
+            <a:tbl>
+              <a:tblPr firstRow="1" bandRow="1">
+                <a:tableStyleId>{5C22544A-7EE6-4342-B048-85BDC9FD1C3A}</a:tableStyleId>
+              </a:tblPr>
+              <a:tblGrid>
+                <a:gridCol w="493442">
+                  <a:extLst>
+                    <a:ext uri="{9D8B030D-6E8A-4147-A177-3AD203B41FA5}">
+                      <a16:colId xmlns:a16="http://schemas.microsoft.com/office/drawing/2014/main" val="1776970664"/>
+                    </a:ext>
+                  </a:extLst>
+                </a:gridCol>
+                <a:gridCol w="493442">
+                  <a:extLst>
+                    <a:ext uri="{9D8B030D-6E8A-4147-A177-3AD203B41FA5}">
+                      <a16:colId xmlns:a16="http://schemas.microsoft.com/office/drawing/2014/main" val="1156629452"/>
+                    </a:ext>
+                  </a:extLst>
+                </a:gridCol>
+                <a:gridCol w="493442">
+                  <a:extLst>
+                    <a:ext uri="{9D8B030D-6E8A-4147-A177-3AD203B41FA5}">
+                      <a16:colId xmlns:a16="http://schemas.microsoft.com/office/drawing/2014/main" val="177419232"/>
+                    </a:ext>
+                  </a:extLst>
+                </a:gridCol>
+              </a:tblGrid>
+              <a:tr h="370840">
+                <a:tc>
+                  <a:txBody>
+                    <a:bodyPr/>
+                    <a:lstStyle/>
+                    <a:p>
+                      <a:pPr algn="ctr"/>
+                      <a:r>
+                        <a:rPr lang="en-US" altLang="zh-CN" sz="1600" b="0" dirty="0">
+                          <a:solidFill>
+                            <a:sysClr val="windowText" lastClr="000000"/>
+                          </a:solidFill>
+                          <a:latin typeface="Noto Sans CJK SC Regular" panose="020B0500000000000000" pitchFamily="34" charset="-122"/>
+                          <a:ea typeface="Noto Sans CJK SC Regular" panose="020B0500000000000000" pitchFamily="34" charset="-122"/>
+                        </a:rPr>
+                        <a:t>r</a:t>
+                      </a:r>
+                      <a:endParaRPr lang="zh-CN" altLang="en-US" sz="1600" b="0" dirty="0">
+                        <a:solidFill>
+                          <a:sysClr val="windowText" lastClr="000000"/>
+                        </a:solidFill>
+                        <a:latin typeface="Noto Sans CJK SC Regular" panose="020B0500000000000000" pitchFamily="34" charset="-122"/>
+                        <a:ea typeface="Noto Sans CJK SC Regular" panose="020B0500000000000000" pitchFamily="34" charset="-122"/>
+                      </a:endParaRPr>
+                    </a:p>
+                  </a:txBody>
+                  <a:tcPr anchor="ctr">
+                    <a:lnL w="12700" cap="flat" cmpd="sng" algn="ctr">
+                      <a:solidFill>
+                        <a:schemeClr val="tx1"/>
+                      </a:solidFill>
+                      <a:prstDash val="solid"/>
+                      <a:round/>
+                      <a:headEnd type="none" w="med" len="med"/>
+                      <a:tailEnd type="none" w="med" len="med"/>
+                    </a:lnL>
+                    <a:lnR w="12700" cap="flat" cmpd="sng" algn="ctr">
+                      <a:solidFill>
+                        <a:schemeClr val="tx1"/>
+                      </a:solidFill>
+                      <a:prstDash val="solid"/>
+                      <a:round/>
+                      <a:headEnd type="none" w="med" len="med"/>
+                      <a:tailEnd type="none" w="med" len="med"/>
+                    </a:lnR>
+                    <a:lnT w="12700" cap="flat" cmpd="sng" algn="ctr">
+                      <a:solidFill>
+                        <a:schemeClr val="tx1"/>
+                      </a:solidFill>
+                      <a:prstDash val="solid"/>
+                      <a:round/>
+                      <a:headEnd type="none" w="med" len="med"/>
+                      <a:tailEnd type="none" w="med" len="med"/>
+                    </a:lnT>
+                    <a:lnB w="12700" cap="flat" cmpd="sng" algn="ctr">
+                      <a:solidFill>
+                        <a:schemeClr val="tx1"/>
+                      </a:solidFill>
+                      <a:prstDash val="solid"/>
+                      <a:round/>
+                      <a:headEnd type="none" w="med" len="med"/>
+                      <a:tailEnd type="none" w="med" len="med"/>
+                    </a:lnB>
+                    <a:solidFill>
+                      <a:schemeClr val="accent6">
+                        <a:lumMod val="20000"/>
+                        <a:lumOff val="80000"/>
+                      </a:schemeClr>
+                    </a:solidFill>
+                  </a:tcPr>
+                </a:tc>
+                <a:tc>
+                  <a:txBody>
+                    <a:bodyPr/>
+                    <a:lstStyle/>
+                    <a:p>
+                      <a:pPr algn="ctr"/>
+                      <a:r>
+                        <a:rPr lang="en-US" altLang="zh-CN" sz="1600" b="0" dirty="0">
+                          <a:solidFill>
+                            <a:sysClr val="windowText" lastClr="000000"/>
+                          </a:solidFill>
+                          <a:latin typeface="Noto Sans CJK SC Regular" panose="020B0500000000000000" pitchFamily="34" charset="-122"/>
+                          <a:ea typeface="Noto Sans CJK SC Regular" panose="020B0500000000000000" pitchFamily="34" charset="-122"/>
+                        </a:rPr>
+                        <a:t>o</a:t>
+                      </a:r>
+                      <a:endParaRPr lang="zh-CN" altLang="en-US" sz="1600" b="0" dirty="0">
+                        <a:solidFill>
+                          <a:sysClr val="windowText" lastClr="000000"/>
+                        </a:solidFill>
+                        <a:latin typeface="Noto Sans CJK SC Regular" panose="020B0500000000000000" pitchFamily="34" charset="-122"/>
+                        <a:ea typeface="Noto Sans CJK SC Regular" panose="020B0500000000000000" pitchFamily="34" charset="-122"/>
+                      </a:endParaRPr>
+                    </a:p>
+                  </a:txBody>
+                  <a:tcPr anchor="ctr">
+                    <a:lnL w="12700" cap="flat" cmpd="sng" algn="ctr">
+                      <a:solidFill>
+                        <a:schemeClr val="tx1"/>
+                      </a:solidFill>
+                      <a:prstDash val="solid"/>
+                      <a:round/>
+                      <a:headEnd type="none" w="med" len="med"/>
+                      <a:tailEnd type="none" w="med" len="med"/>
+                    </a:lnL>
+                    <a:lnR w="12700" cap="flat" cmpd="sng" algn="ctr">
+                      <a:solidFill>
+                        <a:schemeClr val="tx1"/>
+                      </a:solidFill>
+                      <a:prstDash val="solid"/>
+                      <a:round/>
+                      <a:headEnd type="none" w="med" len="med"/>
+                      <a:tailEnd type="none" w="med" len="med"/>
+                    </a:lnR>
+                    <a:lnT w="12700" cap="flat" cmpd="sng" algn="ctr">
+                      <a:solidFill>
+                        <a:schemeClr val="tx1"/>
+                      </a:solidFill>
+                      <a:prstDash val="solid"/>
+                      <a:round/>
+                      <a:headEnd type="none" w="med" len="med"/>
+                      <a:tailEnd type="none" w="med" len="med"/>
+                    </a:lnT>
+                    <a:lnB w="12700" cap="flat" cmpd="sng" algn="ctr">
+                      <a:solidFill>
+                        <a:schemeClr val="tx1"/>
+                      </a:solidFill>
+                      <a:prstDash val="solid"/>
+                      <a:round/>
+                      <a:headEnd type="none" w="med" len="med"/>
+                      <a:tailEnd type="none" w="med" len="med"/>
+                    </a:lnB>
+                    <a:solidFill>
+                      <a:schemeClr val="accent6">
+                        <a:lumMod val="20000"/>
+                        <a:lumOff val="80000"/>
+                      </a:schemeClr>
+                    </a:solidFill>
+                  </a:tcPr>
+                </a:tc>
+                <a:tc>
+                  <a:txBody>
+                    <a:bodyPr/>
+                    <a:lstStyle/>
+                    <a:p>
+                      <a:pPr algn="ctr"/>
+                      <a:r>
+                        <a:rPr lang="en-US" altLang="zh-CN" sz="1600" b="0" dirty="0">
+                          <a:solidFill>
+                            <a:sysClr val="windowText" lastClr="000000"/>
+                          </a:solidFill>
+                          <a:latin typeface="Noto Sans CJK SC Regular" panose="020B0500000000000000" pitchFamily="34" charset="-122"/>
+                          <a:ea typeface="Noto Sans CJK SC Regular" panose="020B0500000000000000" pitchFamily="34" charset="-122"/>
+                        </a:rPr>
+                        <a:t>s</a:t>
+                      </a:r>
+                      <a:endParaRPr lang="zh-CN" altLang="en-US" sz="1600" b="0" dirty="0">
+                        <a:solidFill>
+                          <a:sysClr val="windowText" lastClr="000000"/>
+                        </a:solidFill>
+                        <a:latin typeface="Noto Sans CJK SC Regular" panose="020B0500000000000000" pitchFamily="34" charset="-122"/>
+                        <a:ea typeface="Noto Sans CJK SC Regular" panose="020B0500000000000000" pitchFamily="34" charset="-122"/>
+                      </a:endParaRPr>
+                    </a:p>
+                  </a:txBody>
+                  <a:tcPr anchor="ctr">
+                    <a:lnL w="12700" cap="flat" cmpd="sng" algn="ctr">
+                      <a:solidFill>
+                        <a:schemeClr val="tx1"/>
+                      </a:solidFill>
+                      <a:prstDash val="solid"/>
+                      <a:round/>
+                      <a:headEnd type="none" w="med" len="med"/>
+                      <a:tailEnd type="none" w="med" len="med"/>
+                    </a:lnL>
+                    <a:lnR w="12700" cap="flat" cmpd="sng" algn="ctr">
+                      <a:solidFill>
+                        <a:schemeClr val="tx1"/>
+                      </a:solidFill>
+                      <a:prstDash val="solid"/>
+                      <a:round/>
+                      <a:headEnd type="none" w="med" len="med"/>
+                      <a:tailEnd type="none" w="med" len="med"/>
+                    </a:lnR>
+                    <a:lnT w="12700" cap="flat" cmpd="sng" algn="ctr">
+                      <a:solidFill>
+                        <a:schemeClr val="tx1"/>
+                      </a:solidFill>
+                      <a:prstDash val="solid"/>
+                      <a:round/>
+                      <a:headEnd type="none" w="med" len="med"/>
+                      <a:tailEnd type="none" w="med" len="med"/>
+                    </a:lnT>
+                    <a:lnB w="12700" cap="flat" cmpd="sng" algn="ctr">
+                      <a:solidFill>
+                        <a:schemeClr val="tx1"/>
+                      </a:solidFill>
+                      <a:prstDash val="solid"/>
+                      <a:round/>
+                      <a:headEnd type="none" w="med" len="med"/>
+                      <a:tailEnd type="none" w="med" len="med"/>
+                    </a:lnB>
+                    <a:solidFill>
+                      <a:schemeClr val="accent6">
+                        <a:lumMod val="20000"/>
+                        <a:lumOff val="80000"/>
+                      </a:schemeClr>
+                    </a:solidFill>
+                  </a:tcPr>
+                </a:tc>
+                <a:extLst>
+                  <a:ext uri="{0D108BD9-81ED-4DB2-BD59-A6C34878D82A}">
+                    <a16:rowId xmlns:a16="http://schemas.microsoft.com/office/drawing/2014/main" val="3054468741"/>
+                  </a:ext>
+                </a:extLst>
+              </a:tr>
+            </a:tbl>
+          </a:graphicData>
+        </a:graphic>
+      </p:graphicFrame>
+      <p:graphicFrame>
+        <p:nvGraphicFramePr>
+          <p:cNvPr id="6" name="表格 5">
+            <a:extLst>
+              <a:ext uri="{FF2B5EF4-FFF2-40B4-BE49-F238E27FC236}">
+                <a16:creationId xmlns:a16="http://schemas.microsoft.com/office/drawing/2014/main" id="{28353E7F-D9D2-46AA-A83B-08ABD1AE5341}"/>
+              </a:ext>
+            </a:extLst>
+          </p:cNvPr>
+          <p:cNvGraphicFramePr>
+            <a:graphicFrameLocks noGrp="1"/>
+          </p:cNvGraphicFramePr>
+          <p:nvPr>
+            <p:extLst>
+              <p:ext uri="{D42A27DB-BD31-4B8C-83A1-F6EECF244321}">
+                <p14:modId xmlns:p14="http://schemas.microsoft.com/office/powerpoint/2010/main" val="1623251313"/>
+              </p:ext>
+            </p:extLst>
+          </p:nvPr>
+        </p:nvGraphicFramePr>
+        <p:xfrm>
+          <a:off x="2643907" y="2661613"/>
+          <a:ext cx="2467210" cy="370840"/>
+        </p:xfrm>
+        <a:graphic>
+          <a:graphicData uri="http://schemas.openxmlformats.org/drawingml/2006/table">
+            <a:tbl>
+              <a:tblPr firstRow="1" bandRow="1">
+                <a:tableStyleId>{5C22544A-7EE6-4342-B048-85BDC9FD1C3A}</a:tableStyleId>
+              </a:tblPr>
+              <a:tblGrid>
+                <a:gridCol w="493442">
+                  <a:extLst>
+                    <a:ext uri="{9D8B030D-6E8A-4147-A177-3AD203B41FA5}">
+                      <a16:colId xmlns:a16="http://schemas.microsoft.com/office/drawing/2014/main" val="1776970664"/>
+                    </a:ext>
+                  </a:extLst>
+                </a:gridCol>
+                <a:gridCol w="493442">
+                  <a:extLst>
+                    <a:ext uri="{9D8B030D-6E8A-4147-A177-3AD203B41FA5}">
+                      <a16:colId xmlns:a16="http://schemas.microsoft.com/office/drawing/2014/main" val="1156629452"/>
+                    </a:ext>
+                  </a:extLst>
+                </a:gridCol>
+                <a:gridCol w="493442">
+                  <a:extLst>
+                    <a:ext uri="{9D8B030D-6E8A-4147-A177-3AD203B41FA5}">
+                      <a16:colId xmlns:a16="http://schemas.microsoft.com/office/drawing/2014/main" val="177419232"/>
+                    </a:ext>
+                  </a:extLst>
+                </a:gridCol>
+                <a:gridCol w="493442">
+                  <a:extLst>
+                    <a:ext uri="{9D8B030D-6E8A-4147-A177-3AD203B41FA5}">
+                      <a16:colId xmlns:a16="http://schemas.microsoft.com/office/drawing/2014/main" val="3270505710"/>
+                    </a:ext>
+                  </a:extLst>
+                </a:gridCol>
+                <a:gridCol w="493442">
+                  <a:extLst>
+                    <a:ext uri="{9D8B030D-6E8A-4147-A177-3AD203B41FA5}">
+                      <a16:colId xmlns:a16="http://schemas.microsoft.com/office/drawing/2014/main" val="3791515130"/>
+                    </a:ext>
+                  </a:extLst>
+                </a:gridCol>
+              </a:tblGrid>
+              <a:tr h="370840">
+                <a:tc>
+                  <a:txBody>
+                    <a:bodyPr/>
+                    <a:lstStyle/>
+                    <a:p>
+                      <a:pPr algn="ctr"/>
+                      <a:r>
+                        <a:rPr lang="en-US" altLang="zh-CN" sz="1600" b="0" dirty="0">
+                          <a:solidFill>
+                            <a:sysClr val="windowText" lastClr="000000"/>
+                          </a:solidFill>
+                          <a:latin typeface="Noto Sans CJK SC Regular" panose="020B0500000000000000" pitchFamily="34" charset="-122"/>
+                          <a:ea typeface="Noto Sans CJK SC Regular" panose="020B0500000000000000" pitchFamily="34" charset="-122"/>
+                        </a:rPr>
+                        <a:t>h</a:t>
+                      </a:r>
+                      <a:endParaRPr lang="zh-CN" altLang="en-US" sz="1600" b="0" dirty="0">
+                        <a:solidFill>
+                          <a:sysClr val="windowText" lastClr="000000"/>
+                        </a:solidFill>
+                        <a:latin typeface="Noto Sans CJK SC Regular" panose="020B0500000000000000" pitchFamily="34" charset="-122"/>
+                        <a:ea typeface="Noto Sans CJK SC Regular" panose="020B0500000000000000" pitchFamily="34" charset="-122"/>
+                      </a:endParaRPr>
+                    </a:p>
+                  </a:txBody>
+                  <a:tcPr anchor="ctr">
+                    <a:lnL w="12700" cap="flat" cmpd="sng" algn="ctr">
+                      <a:solidFill>
+                        <a:schemeClr val="tx1"/>
+                      </a:solidFill>
+                      <a:prstDash val="solid"/>
+                      <a:round/>
+                      <a:headEnd type="none" w="med" len="med"/>
+                      <a:tailEnd type="none" w="med" len="med"/>
+                    </a:lnL>
+                    <a:lnR w="12700" cap="flat" cmpd="sng" algn="ctr">
+                      <a:solidFill>
+                        <a:schemeClr val="tx1"/>
+                      </a:solidFill>
+                      <a:prstDash val="solid"/>
+                      <a:round/>
+                      <a:headEnd type="none" w="med" len="med"/>
+                      <a:tailEnd type="none" w="med" len="med"/>
+                    </a:lnR>
+                    <a:lnT w="12700" cap="flat" cmpd="sng" algn="ctr">
+                      <a:solidFill>
+                        <a:schemeClr val="tx1"/>
+                      </a:solidFill>
+                      <a:prstDash val="solid"/>
+                      <a:round/>
+                      <a:headEnd type="none" w="med" len="med"/>
+                      <a:tailEnd type="none" w="med" len="med"/>
+                    </a:lnT>
+                    <a:lnB w="12700" cap="flat" cmpd="sng" algn="ctr">
+                      <a:solidFill>
+                        <a:schemeClr val="tx1"/>
+                      </a:solidFill>
+                      <a:prstDash val="solid"/>
+                      <a:round/>
+                      <a:headEnd type="none" w="med" len="med"/>
+                      <a:tailEnd type="none" w="med" len="med"/>
+                    </a:lnB>
+                    <a:solidFill>
+                      <a:schemeClr val="accent2">
+                        <a:lumMod val="20000"/>
+                        <a:lumOff val="80000"/>
+                      </a:schemeClr>
+                    </a:solidFill>
+                  </a:tcPr>
+                </a:tc>
+                <a:tc>
+                  <a:txBody>
+                    <a:bodyPr/>
+                    <a:lstStyle/>
+                    <a:p>
+                      <a:pPr algn="ctr"/>
+                      <a:r>
+                        <a:rPr lang="en-US" altLang="zh-CN" sz="1600" b="0" dirty="0">
+                          <a:solidFill>
+                            <a:sysClr val="windowText" lastClr="000000"/>
+                          </a:solidFill>
+                          <a:latin typeface="Noto Sans CJK SC Regular" panose="020B0500000000000000" pitchFamily="34" charset="-122"/>
+                          <a:ea typeface="Noto Sans CJK SC Regular" panose="020B0500000000000000" pitchFamily="34" charset="-122"/>
+                        </a:rPr>
+                        <a:t>o</a:t>
+                      </a:r>
+                      <a:endParaRPr lang="zh-CN" altLang="en-US" sz="1600" b="0" dirty="0">
+                        <a:solidFill>
+                          <a:sysClr val="windowText" lastClr="000000"/>
+                        </a:solidFill>
+                        <a:latin typeface="Noto Sans CJK SC Regular" panose="020B0500000000000000" pitchFamily="34" charset="-122"/>
+                        <a:ea typeface="Noto Sans CJK SC Regular" panose="020B0500000000000000" pitchFamily="34" charset="-122"/>
+                      </a:endParaRPr>
+                    </a:p>
+                  </a:txBody>
+                  <a:tcPr anchor="ctr">
+                    <a:lnL w="12700" cap="flat" cmpd="sng" algn="ctr">
+                      <a:solidFill>
+                        <a:schemeClr val="tx1"/>
+                      </a:solidFill>
+                      <a:prstDash val="solid"/>
+                      <a:round/>
+                      <a:headEnd type="none" w="med" len="med"/>
+                      <a:tailEnd type="none" w="med" len="med"/>
+                    </a:lnL>
+                    <a:lnR w="12700" cap="flat" cmpd="sng" algn="ctr">
+                      <a:solidFill>
+                        <a:schemeClr val="tx1"/>
+                      </a:solidFill>
+                      <a:prstDash val="solid"/>
+                      <a:round/>
+                      <a:headEnd type="none" w="med" len="med"/>
+                      <a:tailEnd type="none" w="med" len="med"/>
+                    </a:lnR>
+                    <a:lnT w="12700" cap="flat" cmpd="sng" algn="ctr">
+                      <a:solidFill>
+                        <a:schemeClr val="tx1"/>
+                      </a:solidFill>
+                      <a:prstDash val="solid"/>
+                      <a:round/>
+                      <a:headEnd type="none" w="med" len="med"/>
+                      <a:tailEnd type="none" w="med" len="med"/>
+                    </a:lnT>
+                    <a:lnB w="12700" cap="flat" cmpd="sng" algn="ctr">
+                      <a:solidFill>
+                        <a:schemeClr val="tx1"/>
+                      </a:solidFill>
+                      <a:prstDash val="solid"/>
+                      <a:round/>
+                      <a:headEnd type="none" w="med" len="med"/>
+                      <a:tailEnd type="none" w="med" len="med"/>
+                    </a:lnB>
+                    <a:solidFill>
+                      <a:schemeClr val="accent2">
+                        <a:lumMod val="20000"/>
+                        <a:lumOff val="80000"/>
+                      </a:schemeClr>
+                    </a:solidFill>
+                  </a:tcPr>
+                </a:tc>
+                <a:tc>
+                  <a:txBody>
+                    <a:bodyPr/>
+                    <a:lstStyle/>
+                    <a:p>
+                      <a:pPr algn="ctr"/>
+                      <a:r>
+                        <a:rPr lang="en-US" altLang="zh-CN" sz="1600" b="0" dirty="0">
+                          <a:solidFill>
+                            <a:sysClr val="windowText" lastClr="000000"/>
+                          </a:solidFill>
+                          <a:latin typeface="Noto Sans CJK SC Regular" panose="020B0500000000000000" pitchFamily="34" charset="-122"/>
+                          <a:ea typeface="Noto Sans CJK SC Regular" panose="020B0500000000000000" pitchFamily="34" charset="-122"/>
+                        </a:rPr>
+                        <a:t>r</a:t>
+                      </a:r>
+                      <a:endParaRPr lang="zh-CN" altLang="en-US" sz="1600" b="0" dirty="0">
+                        <a:solidFill>
+                          <a:sysClr val="windowText" lastClr="000000"/>
+                        </a:solidFill>
+                        <a:latin typeface="Noto Sans CJK SC Regular" panose="020B0500000000000000" pitchFamily="34" charset="-122"/>
+                        <a:ea typeface="Noto Sans CJK SC Regular" panose="020B0500000000000000" pitchFamily="34" charset="-122"/>
+                      </a:endParaRPr>
+                    </a:p>
+                  </a:txBody>
+                  <a:tcPr anchor="ctr">
+                    <a:lnL w="12700" cap="flat" cmpd="sng" algn="ctr">
+                      <a:solidFill>
+                        <a:schemeClr val="tx1"/>
+                      </a:solidFill>
+                      <a:prstDash val="solid"/>
+                      <a:round/>
+                      <a:headEnd type="none" w="med" len="med"/>
+                      <a:tailEnd type="none" w="med" len="med"/>
+                    </a:lnL>
+                    <a:lnR w="12700" cap="flat" cmpd="sng" algn="ctr">
+                      <a:solidFill>
+                        <a:schemeClr val="tx1"/>
+                      </a:solidFill>
+                      <a:prstDash val="solid"/>
+                      <a:round/>
+                      <a:headEnd type="none" w="med" len="med"/>
+                      <a:tailEnd type="none" w="med" len="med"/>
+                    </a:lnR>
+                    <a:lnT w="12700" cap="flat" cmpd="sng" algn="ctr">
+                      <a:solidFill>
+                        <a:schemeClr val="tx1"/>
+                      </a:solidFill>
+                      <a:prstDash val="solid"/>
+                      <a:round/>
+                      <a:headEnd type="none" w="med" len="med"/>
+                      <a:tailEnd type="none" w="med" len="med"/>
+                    </a:lnT>
+                    <a:lnB w="12700" cap="flat" cmpd="sng" algn="ctr">
+                      <a:solidFill>
+                        <a:schemeClr val="tx1"/>
+                      </a:solidFill>
+                      <a:prstDash val="solid"/>
+                      <a:round/>
+                      <a:headEnd type="none" w="med" len="med"/>
+                      <a:tailEnd type="none" w="med" len="med"/>
+                    </a:lnB>
+                    <a:solidFill>
+                      <a:schemeClr val="accent2">
+                        <a:lumMod val="20000"/>
+                        <a:lumOff val="80000"/>
+                      </a:schemeClr>
+                    </a:solidFill>
+                  </a:tcPr>
+                </a:tc>
+                <a:tc>
+                  <a:txBody>
+                    <a:bodyPr/>
+                    <a:lstStyle/>
+                    <a:p>
+                      <a:pPr algn="ctr"/>
+                      <a:r>
+                        <a:rPr lang="en-US" altLang="zh-CN" sz="1600" b="0" dirty="0">
+                          <a:solidFill>
+                            <a:sysClr val="windowText" lastClr="000000"/>
+                          </a:solidFill>
+                          <a:latin typeface="Noto Sans CJK SC Regular" panose="020B0500000000000000" pitchFamily="34" charset="-122"/>
+                          <a:ea typeface="Noto Sans CJK SC Regular" panose="020B0500000000000000" pitchFamily="34" charset="-122"/>
+                        </a:rPr>
+                        <a:t>s</a:t>
+                      </a:r>
+                      <a:endParaRPr lang="zh-CN" altLang="en-US" sz="1600" b="0" dirty="0">
+                        <a:solidFill>
+                          <a:sysClr val="windowText" lastClr="000000"/>
+                        </a:solidFill>
+                        <a:latin typeface="Noto Sans CJK SC Regular" panose="020B0500000000000000" pitchFamily="34" charset="-122"/>
+                        <a:ea typeface="Noto Sans CJK SC Regular" panose="020B0500000000000000" pitchFamily="34" charset="-122"/>
+                      </a:endParaRPr>
+                    </a:p>
+                  </a:txBody>
+                  <a:tcPr anchor="ctr">
+                    <a:lnL w="12700" cap="flat" cmpd="sng" algn="ctr">
+                      <a:solidFill>
+                        <a:schemeClr val="tx1"/>
+                      </a:solidFill>
+                      <a:prstDash val="solid"/>
+                      <a:round/>
+                      <a:headEnd type="none" w="med" len="med"/>
+                      <a:tailEnd type="none" w="med" len="med"/>
+                    </a:lnL>
+                    <a:lnR w="12700" cap="flat" cmpd="sng" algn="ctr">
+                      <a:solidFill>
+                        <a:schemeClr val="tx1"/>
+                      </a:solidFill>
+                      <a:prstDash val="solid"/>
+                      <a:round/>
+                      <a:headEnd type="none" w="med" len="med"/>
+                      <a:tailEnd type="none" w="med" len="med"/>
+                    </a:lnR>
+                    <a:lnT w="12700" cap="flat" cmpd="sng" algn="ctr">
+                      <a:solidFill>
+                        <a:schemeClr val="tx1"/>
+                      </a:solidFill>
+                      <a:prstDash val="solid"/>
+                      <a:round/>
+                      <a:headEnd type="none" w="med" len="med"/>
+                      <a:tailEnd type="none" w="med" len="med"/>
+                    </a:lnT>
+                    <a:lnB w="12700" cap="flat" cmpd="sng" algn="ctr">
+                      <a:solidFill>
+                        <a:schemeClr val="tx1"/>
+                      </a:solidFill>
+                      <a:prstDash val="solid"/>
+                      <a:round/>
+                      <a:headEnd type="none" w="med" len="med"/>
+                      <a:tailEnd type="none" w="med" len="med"/>
+                    </a:lnB>
+                    <a:solidFill>
+                      <a:schemeClr val="accent2">
+                        <a:lumMod val="20000"/>
+                        <a:lumOff val="80000"/>
+                      </a:schemeClr>
+                    </a:solidFill>
+                  </a:tcPr>
+                </a:tc>
+                <a:tc>
+                  <a:txBody>
+                    <a:bodyPr/>
+                    <a:lstStyle/>
+                    <a:p>
+                      <a:pPr algn="ctr"/>
+                      <a:r>
+                        <a:rPr lang="en-US" altLang="zh-CN" sz="1600" b="0" dirty="0">
+                          <a:solidFill>
+                            <a:sysClr val="windowText" lastClr="000000"/>
+                          </a:solidFill>
+                          <a:latin typeface="Noto Sans CJK SC Regular" panose="020B0500000000000000" pitchFamily="34" charset="-122"/>
+                          <a:ea typeface="Noto Sans CJK SC Regular" panose="020B0500000000000000" pitchFamily="34" charset="-122"/>
+                        </a:rPr>
+                        <a:t>e</a:t>
+                      </a:r>
+                      <a:endParaRPr lang="zh-CN" altLang="en-US" sz="1600" b="0" dirty="0">
+                        <a:solidFill>
+                          <a:sysClr val="windowText" lastClr="000000"/>
+                        </a:solidFill>
+                        <a:latin typeface="Noto Sans CJK SC Regular" panose="020B0500000000000000" pitchFamily="34" charset="-122"/>
+                        <a:ea typeface="Noto Sans CJK SC Regular" panose="020B0500000000000000" pitchFamily="34" charset="-122"/>
+                      </a:endParaRPr>
+                    </a:p>
+                  </a:txBody>
+                  <a:tcPr anchor="ctr">
+                    <a:lnL w="12700" cap="flat" cmpd="sng" algn="ctr">
+                      <a:solidFill>
+                        <a:schemeClr val="tx1"/>
+                      </a:solidFill>
+                      <a:prstDash val="solid"/>
+                      <a:round/>
+                      <a:headEnd type="none" w="med" len="med"/>
+                      <a:tailEnd type="none" w="med" len="med"/>
+                    </a:lnL>
+                    <a:lnR w="12700" cap="flat" cmpd="sng" algn="ctr">
+                      <a:solidFill>
+                        <a:schemeClr val="tx1"/>
+                      </a:solidFill>
+                      <a:prstDash val="solid"/>
+                      <a:round/>
+                      <a:headEnd type="none" w="med" len="med"/>
+                      <a:tailEnd type="none" w="med" len="med"/>
+                    </a:lnR>
+                    <a:lnT w="12700" cap="flat" cmpd="sng" algn="ctr">
+                      <a:solidFill>
+                        <a:schemeClr val="tx1"/>
+                      </a:solidFill>
+                      <a:prstDash val="solid"/>
+                      <a:round/>
+                      <a:headEnd type="none" w="med" len="med"/>
+                      <a:tailEnd type="none" w="med" len="med"/>
+                    </a:lnT>
+                    <a:lnB w="12700" cap="flat" cmpd="sng" algn="ctr">
+                      <a:solidFill>
+                        <a:schemeClr val="tx1"/>
+                      </a:solidFill>
+                      <a:prstDash val="solid"/>
+                      <a:round/>
+                      <a:headEnd type="none" w="med" len="med"/>
+                      <a:tailEnd type="none" w="med" len="med"/>
+                    </a:lnB>
+                    <a:solidFill>
+                      <a:schemeClr val="accent2">
+                        <a:lumMod val="60000"/>
+                        <a:lumOff val="40000"/>
+                      </a:schemeClr>
+                    </a:solidFill>
+                  </a:tcPr>
+                </a:tc>
+                <a:extLst>
+                  <a:ext uri="{0D108BD9-81ED-4DB2-BD59-A6C34878D82A}">
+                    <a16:rowId xmlns:a16="http://schemas.microsoft.com/office/drawing/2014/main" val="3054468741"/>
+                  </a:ext>
+                </a:extLst>
+              </a:tr>
+            </a:tbl>
+          </a:graphicData>
+        </a:graphic>
+      </p:graphicFrame>
+      <p:graphicFrame>
+        <p:nvGraphicFramePr>
+          <p:cNvPr id="7" name="表格 6">
+            <a:extLst>
+              <a:ext uri="{FF2B5EF4-FFF2-40B4-BE49-F238E27FC236}">
+                <a16:creationId xmlns:a16="http://schemas.microsoft.com/office/drawing/2014/main" id="{550C26E3-5FB8-42C0-8A88-72706F633D68}"/>
+              </a:ext>
+            </a:extLst>
+          </p:cNvPr>
+          <p:cNvGraphicFramePr>
+            <a:graphicFrameLocks noGrp="1"/>
+          </p:cNvGraphicFramePr>
+          <p:nvPr>
+            <p:extLst>
+              <p:ext uri="{D42A27DB-BD31-4B8C-83A1-F6EECF244321}">
+                <p14:modId xmlns:p14="http://schemas.microsoft.com/office/powerpoint/2010/main" val="3945322229"/>
+              </p:ext>
+            </p:extLst>
+          </p:nvPr>
+        </p:nvGraphicFramePr>
+        <p:xfrm>
+          <a:off x="8704199" y="2661613"/>
+          <a:ext cx="1973768" cy="370840"/>
+        </p:xfrm>
+        <a:graphic>
+          <a:graphicData uri="http://schemas.openxmlformats.org/drawingml/2006/table">
+            <a:tbl>
+              <a:tblPr firstRow="1" bandRow="1">
+                <a:tableStyleId>{5C22544A-7EE6-4342-B048-85BDC9FD1C3A}</a:tableStyleId>
+              </a:tblPr>
+              <a:tblGrid>
+                <a:gridCol w="493442">
+                  <a:extLst>
+                    <a:ext uri="{9D8B030D-6E8A-4147-A177-3AD203B41FA5}">
+                      <a16:colId xmlns:a16="http://schemas.microsoft.com/office/drawing/2014/main" val="1776970664"/>
+                    </a:ext>
+                  </a:extLst>
+                </a:gridCol>
+                <a:gridCol w="493442">
+                  <a:extLst>
+                    <a:ext uri="{9D8B030D-6E8A-4147-A177-3AD203B41FA5}">
+                      <a16:colId xmlns:a16="http://schemas.microsoft.com/office/drawing/2014/main" val="1156629452"/>
+                    </a:ext>
+                  </a:extLst>
+                </a:gridCol>
+                <a:gridCol w="493442">
+                  <a:extLst>
+                    <a:ext uri="{9D8B030D-6E8A-4147-A177-3AD203B41FA5}">
+                      <a16:colId xmlns:a16="http://schemas.microsoft.com/office/drawing/2014/main" val="177419232"/>
+                    </a:ext>
+                  </a:extLst>
+                </a:gridCol>
+                <a:gridCol w="493442">
+                  <a:extLst>
+                    <a:ext uri="{9D8B030D-6E8A-4147-A177-3AD203B41FA5}">
+                      <a16:colId xmlns:a16="http://schemas.microsoft.com/office/drawing/2014/main" val="3270505710"/>
+                    </a:ext>
+                  </a:extLst>
+                </a:gridCol>
+              </a:tblGrid>
+              <a:tr h="370840">
+                <a:tc>
+                  <a:txBody>
+                    <a:bodyPr/>
+                    <a:lstStyle/>
+                    <a:p>
+                      <a:pPr algn="ctr"/>
+                      <a:r>
+                        <a:rPr lang="en-US" altLang="zh-CN" sz="1600" b="0" dirty="0">
+                          <a:solidFill>
+                            <a:sysClr val="windowText" lastClr="000000"/>
+                          </a:solidFill>
+                          <a:latin typeface="Noto Sans CJK SC Regular" panose="020B0500000000000000" pitchFamily="34" charset="-122"/>
+                          <a:ea typeface="Noto Sans CJK SC Regular" panose="020B0500000000000000" pitchFamily="34" charset="-122"/>
+                        </a:rPr>
+                        <a:t>r</a:t>
+                      </a:r>
+                      <a:endParaRPr lang="zh-CN" altLang="en-US" sz="1600" b="0" dirty="0">
+                        <a:solidFill>
+                          <a:sysClr val="windowText" lastClr="000000"/>
+                        </a:solidFill>
+                        <a:latin typeface="Noto Sans CJK SC Regular" panose="020B0500000000000000" pitchFamily="34" charset="-122"/>
+                        <a:ea typeface="Noto Sans CJK SC Regular" panose="020B0500000000000000" pitchFamily="34" charset="-122"/>
+                      </a:endParaRPr>
+                    </a:p>
+                  </a:txBody>
+                  <a:tcPr anchor="ctr">
+                    <a:lnL w="12700" cap="flat" cmpd="sng" algn="ctr">
+                      <a:solidFill>
+                        <a:schemeClr val="tx1"/>
+                      </a:solidFill>
+                      <a:prstDash val="solid"/>
+                      <a:round/>
+                      <a:headEnd type="none" w="med" len="med"/>
+                      <a:tailEnd type="none" w="med" len="med"/>
+                    </a:lnL>
+                    <a:lnR w="12700" cap="flat" cmpd="sng" algn="ctr">
+                      <a:solidFill>
+                        <a:schemeClr val="tx1"/>
+                      </a:solidFill>
+                      <a:prstDash val="solid"/>
+                      <a:round/>
+                      <a:headEnd type="none" w="med" len="med"/>
+                      <a:tailEnd type="none" w="med" len="med"/>
+                    </a:lnR>
+                    <a:lnT w="12700" cap="flat" cmpd="sng" algn="ctr">
+                      <a:solidFill>
+                        <a:schemeClr val="tx1"/>
+                      </a:solidFill>
+                      <a:prstDash val="solid"/>
+                      <a:round/>
+                      <a:headEnd type="none" w="med" len="med"/>
+                      <a:tailEnd type="none" w="med" len="med"/>
+                    </a:lnT>
+                    <a:lnB w="12700" cap="flat" cmpd="sng" algn="ctr">
+                      <a:solidFill>
+                        <a:schemeClr val="tx1"/>
+                      </a:solidFill>
+                      <a:prstDash val="solid"/>
+                      <a:round/>
+                      <a:headEnd type="none" w="med" len="med"/>
+                      <a:tailEnd type="none" w="med" len="med"/>
+                    </a:lnB>
+                    <a:solidFill>
+                      <a:schemeClr val="accent6">
+                        <a:lumMod val="20000"/>
+                        <a:lumOff val="80000"/>
+                      </a:schemeClr>
+                    </a:solidFill>
+                  </a:tcPr>
+                </a:tc>
+                <a:tc>
+                  <a:txBody>
+                    <a:bodyPr/>
+                    <a:lstStyle/>
+                    <a:p>
+                      <a:pPr algn="ctr"/>
+                      <a:r>
+                        <a:rPr lang="en-US" altLang="zh-CN" sz="1600" b="0" dirty="0">
+                          <a:solidFill>
+                            <a:sysClr val="windowText" lastClr="000000"/>
+                          </a:solidFill>
+                          <a:latin typeface="Noto Sans CJK SC Regular" panose="020B0500000000000000" pitchFamily="34" charset="-122"/>
+                          <a:ea typeface="Noto Sans CJK SC Regular" panose="020B0500000000000000" pitchFamily="34" charset="-122"/>
+                        </a:rPr>
+                        <a:t>o</a:t>
+                      </a:r>
+                      <a:endParaRPr lang="zh-CN" altLang="en-US" sz="1600" b="0" dirty="0">
+                        <a:solidFill>
+                          <a:sysClr val="windowText" lastClr="000000"/>
+                        </a:solidFill>
+                        <a:latin typeface="Noto Sans CJK SC Regular" panose="020B0500000000000000" pitchFamily="34" charset="-122"/>
+                        <a:ea typeface="Noto Sans CJK SC Regular" panose="020B0500000000000000" pitchFamily="34" charset="-122"/>
+                      </a:endParaRPr>
+                    </a:p>
+                  </a:txBody>
+                  <a:tcPr anchor="ctr">
+                    <a:lnL w="12700" cap="flat" cmpd="sng" algn="ctr">
+                      <a:solidFill>
+                        <a:schemeClr val="tx1"/>
+                      </a:solidFill>
+                      <a:prstDash val="solid"/>
+                      <a:round/>
+                      <a:headEnd type="none" w="med" len="med"/>
+                      <a:tailEnd type="none" w="med" len="med"/>
+                    </a:lnL>
+                    <a:lnR w="12700" cap="flat" cmpd="sng" algn="ctr">
+                      <a:solidFill>
+                        <a:schemeClr val="tx1"/>
+                      </a:solidFill>
+                      <a:prstDash val="solid"/>
+                      <a:round/>
+                      <a:headEnd type="none" w="med" len="med"/>
+                      <a:tailEnd type="none" w="med" len="med"/>
+                    </a:lnR>
+                    <a:lnT w="12700" cap="flat" cmpd="sng" algn="ctr">
+                      <a:solidFill>
+                        <a:schemeClr val="tx1"/>
+                      </a:solidFill>
+                      <a:prstDash val="solid"/>
+                      <a:round/>
+                      <a:headEnd type="none" w="med" len="med"/>
+                      <a:tailEnd type="none" w="med" len="med"/>
+                    </a:lnT>
+                    <a:lnB w="12700" cap="flat" cmpd="sng" algn="ctr">
+                      <a:solidFill>
+                        <a:schemeClr val="tx1"/>
+                      </a:solidFill>
+                      <a:prstDash val="solid"/>
+                      <a:round/>
+                      <a:headEnd type="none" w="med" len="med"/>
+                      <a:tailEnd type="none" w="med" len="med"/>
+                    </a:lnB>
+                    <a:solidFill>
+                      <a:schemeClr val="accent6">
+                        <a:lumMod val="20000"/>
+                        <a:lumOff val="80000"/>
+                      </a:schemeClr>
+                    </a:solidFill>
+                  </a:tcPr>
+                </a:tc>
+                <a:tc>
+                  <a:txBody>
+                    <a:bodyPr/>
+                    <a:lstStyle/>
+                    <a:p>
+                      <a:pPr algn="ctr"/>
+                      <a:r>
+                        <a:rPr lang="en-US" altLang="zh-CN" sz="1600" b="0" dirty="0">
+                          <a:solidFill>
+                            <a:sysClr val="windowText" lastClr="000000"/>
+                          </a:solidFill>
+                          <a:latin typeface="Noto Sans CJK SC Regular" panose="020B0500000000000000" pitchFamily="34" charset="-122"/>
+                          <a:ea typeface="Noto Sans CJK SC Regular" panose="020B0500000000000000" pitchFamily="34" charset="-122"/>
+                        </a:rPr>
+                        <a:t>s</a:t>
+                      </a:r>
+                      <a:endParaRPr lang="zh-CN" altLang="en-US" sz="1600" b="0" dirty="0">
+                        <a:solidFill>
+                          <a:sysClr val="windowText" lastClr="000000"/>
+                        </a:solidFill>
+                        <a:latin typeface="Noto Sans CJK SC Regular" panose="020B0500000000000000" pitchFamily="34" charset="-122"/>
+                        <a:ea typeface="Noto Sans CJK SC Regular" panose="020B0500000000000000" pitchFamily="34" charset="-122"/>
+                      </a:endParaRPr>
+                    </a:p>
+                  </a:txBody>
+                  <a:tcPr anchor="ctr">
+                    <a:lnL w="12700" cap="flat" cmpd="sng" algn="ctr">
+                      <a:solidFill>
+                        <a:schemeClr val="tx1"/>
+                      </a:solidFill>
+                      <a:prstDash val="solid"/>
+                      <a:round/>
+                      <a:headEnd type="none" w="med" len="med"/>
+                      <a:tailEnd type="none" w="med" len="med"/>
+                    </a:lnL>
+                    <a:lnR w="12700" cap="flat" cmpd="sng" algn="ctr">
+                      <a:solidFill>
+                        <a:schemeClr val="tx1"/>
+                      </a:solidFill>
+                      <a:prstDash val="solid"/>
+                      <a:round/>
+                      <a:headEnd type="none" w="med" len="med"/>
+                      <a:tailEnd type="none" w="med" len="med"/>
+                    </a:lnR>
+                    <a:lnT w="12700" cap="flat" cmpd="sng" algn="ctr">
+                      <a:solidFill>
+                        <a:schemeClr val="tx1"/>
+                      </a:solidFill>
+                      <a:prstDash val="solid"/>
+                      <a:round/>
+                      <a:headEnd type="none" w="med" len="med"/>
+                      <a:tailEnd type="none" w="med" len="med"/>
+                    </a:lnT>
+                    <a:lnB w="12700" cap="flat" cmpd="sng" algn="ctr">
+                      <a:solidFill>
+                        <a:schemeClr val="tx1"/>
+                      </a:solidFill>
+                      <a:prstDash val="solid"/>
+                      <a:round/>
+                      <a:headEnd type="none" w="med" len="med"/>
+                      <a:tailEnd type="none" w="med" len="med"/>
+                    </a:lnB>
+                    <a:solidFill>
+                      <a:schemeClr val="accent6">
+                        <a:lumMod val="20000"/>
+                        <a:lumOff val="80000"/>
+                      </a:schemeClr>
+                    </a:solidFill>
+                  </a:tcPr>
+                </a:tc>
+                <a:tc>
+                  <a:txBody>
+                    <a:bodyPr/>
+                    <a:lstStyle/>
+                    <a:p>
+                      <a:pPr algn="ctr"/>
+                      <a:r>
+                        <a:rPr lang="en-US" altLang="zh-CN" sz="1600" b="0" dirty="0">
+                          <a:solidFill>
+                            <a:sysClr val="windowText" lastClr="000000"/>
+                          </a:solidFill>
+                          <a:latin typeface="Noto Sans CJK SC Regular" panose="020B0500000000000000" pitchFamily="34" charset="-122"/>
+                          <a:ea typeface="Noto Sans CJK SC Regular" panose="020B0500000000000000" pitchFamily="34" charset="-122"/>
+                        </a:rPr>
+                        <a:t>t</a:t>
+                      </a:r>
+                      <a:endParaRPr lang="zh-CN" altLang="en-US" sz="1600" b="0" dirty="0">
+                        <a:solidFill>
+                          <a:sysClr val="windowText" lastClr="000000"/>
+                        </a:solidFill>
+                        <a:latin typeface="Noto Sans CJK SC Regular" panose="020B0500000000000000" pitchFamily="34" charset="-122"/>
+                        <a:ea typeface="Noto Sans CJK SC Regular" panose="020B0500000000000000" pitchFamily="34" charset="-122"/>
+                      </a:endParaRPr>
+                    </a:p>
+                  </a:txBody>
+                  <a:tcPr anchor="ctr">
+                    <a:lnL w="12700" cap="flat" cmpd="sng" algn="ctr">
+                      <a:solidFill>
+                        <a:schemeClr val="tx1"/>
+                      </a:solidFill>
+                      <a:prstDash val="solid"/>
+                      <a:round/>
+                      <a:headEnd type="none" w="med" len="med"/>
+                      <a:tailEnd type="none" w="med" len="med"/>
+                    </a:lnL>
+                    <a:lnR w="12700" cap="flat" cmpd="sng" algn="ctr">
+                      <a:solidFill>
+                        <a:schemeClr val="tx1"/>
+                      </a:solidFill>
+                      <a:prstDash val="solid"/>
+                      <a:round/>
+                      <a:headEnd type="none" w="med" len="med"/>
+                      <a:tailEnd type="none" w="med" len="med"/>
+                    </a:lnR>
+                    <a:lnT w="12700" cap="flat" cmpd="sng" algn="ctr">
+                      <a:solidFill>
+                        <a:schemeClr val="tx1"/>
+                      </a:solidFill>
+                      <a:prstDash val="solid"/>
+                      <a:round/>
+                      <a:headEnd type="none" w="med" len="med"/>
+                      <a:tailEnd type="none" w="med" len="med"/>
+                    </a:lnT>
+                    <a:lnB w="12700" cap="flat" cmpd="sng" algn="ctr">
+                      <a:solidFill>
+                        <a:schemeClr val="tx1"/>
+                      </a:solidFill>
+                      <a:prstDash val="solid"/>
+                      <a:round/>
+                      <a:headEnd type="none" w="med" len="med"/>
+                      <a:tailEnd type="none" w="med" len="med"/>
+                    </a:lnB>
+                    <a:solidFill>
+                      <a:schemeClr val="accent6">
+                        <a:lumMod val="20000"/>
+                        <a:lumOff val="80000"/>
+                      </a:schemeClr>
+                    </a:solidFill>
+                  </a:tcPr>
+                </a:tc>
+                <a:extLst>
+                  <a:ext uri="{0D108BD9-81ED-4DB2-BD59-A6C34878D82A}">
+                    <a16:rowId xmlns:a16="http://schemas.microsoft.com/office/drawing/2014/main" val="3054468741"/>
+                  </a:ext>
+                </a:extLst>
+              </a:tr>
+            </a:tbl>
+          </a:graphicData>
+        </a:graphic>
+      </p:graphicFrame>
+      <p:graphicFrame>
+        <p:nvGraphicFramePr>
+          <p:cNvPr id="8" name="表格 7">
+            <a:extLst>
+              <a:ext uri="{FF2B5EF4-FFF2-40B4-BE49-F238E27FC236}">
+                <a16:creationId xmlns:a16="http://schemas.microsoft.com/office/drawing/2014/main" id="{688E5198-67BD-48B3-9ECE-6BFA37AAF3CD}"/>
+              </a:ext>
+            </a:extLst>
+          </p:cNvPr>
+          <p:cNvGraphicFramePr>
+            <a:graphicFrameLocks noGrp="1"/>
+          </p:cNvGraphicFramePr>
+          <p:nvPr>
+            <p:extLst>
+              <p:ext uri="{D42A27DB-BD31-4B8C-83A1-F6EECF244321}">
+                <p14:modId xmlns:p14="http://schemas.microsoft.com/office/powerpoint/2010/main" val="2584449682"/>
+              </p:ext>
+            </p:extLst>
+          </p:nvPr>
+        </p:nvGraphicFramePr>
+        <p:xfrm>
+          <a:off x="2643907" y="4006582"/>
+          <a:ext cx="2467210" cy="370840"/>
+        </p:xfrm>
+        <a:graphic>
+          <a:graphicData uri="http://schemas.openxmlformats.org/drawingml/2006/table">
+            <a:tbl>
+              <a:tblPr firstRow="1" bandRow="1">
+                <a:tableStyleId>{5C22544A-7EE6-4342-B048-85BDC9FD1C3A}</a:tableStyleId>
+              </a:tblPr>
+              <a:tblGrid>
+                <a:gridCol w="493442">
+                  <a:extLst>
+                    <a:ext uri="{9D8B030D-6E8A-4147-A177-3AD203B41FA5}">
+                      <a16:colId xmlns:a16="http://schemas.microsoft.com/office/drawing/2014/main" val="1776970664"/>
+                    </a:ext>
+                  </a:extLst>
+                </a:gridCol>
+                <a:gridCol w="493442">
+                  <a:extLst>
+                    <a:ext uri="{9D8B030D-6E8A-4147-A177-3AD203B41FA5}">
+                      <a16:colId xmlns:a16="http://schemas.microsoft.com/office/drawing/2014/main" val="1156629452"/>
+                    </a:ext>
+                  </a:extLst>
+                </a:gridCol>
+                <a:gridCol w="493442">
+                  <a:extLst>
+                    <a:ext uri="{9D8B030D-6E8A-4147-A177-3AD203B41FA5}">
+                      <a16:colId xmlns:a16="http://schemas.microsoft.com/office/drawing/2014/main" val="177419232"/>
+                    </a:ext>
+                  </a:extLst>
+                </a:gridCol>
+                <a:gridCol w="493442">
+                  <a:extLst>
+                    <a:ext uri="{9D8B030D-6E8A-4147-A177-3AD203B41FA5}">
+                      <a16:colId xmlns:a16="http://schemas.microsoft.com/office/drawing/2014/main" val="3270505710"/>
+                    </a:ext>
+                  </a:extLst>
+                </a:gridCol>
+                <a:gridCol w="493442">
+                  <a:extLst>
+                    <a:ext uri="{9D8B030D-6E8A-4147-A177-3AD203B41FA5}">
+                      <a16:colId xmlns:a16="http://schemas.microsoft.com/office/drawing/2014/main" val="3791515130"/>
+                    </a:ext>
+                  </a:extLst>
+                </a:gridCol>
+              </a:tblGrid>
+              <a:tr h="370840">
+                <a:tc>
+                  <a:txBody>
+                    <a:bodyPr/>
+                    <a:lstStyle/>
+                    <a:p>
+                      <a:pPr algn="ctr"/>
+                      <a:r>
+                        <a:rPr lang="en-US" altLang="zh-CN" sz="1600" b="0" dirty="0">
+                          <a:solidFill>
+                            <a:sysClr val="windowText" lastClr="000000"/>
+                          </a:solidFill>
+                          <a:latin typeface="Noto Sans CJK SC Regular" panose="020B0500000000000000" pitchFamily="34" charset="-122"/>
+                          <a:ea typeface="Noto Sans CJK SC Regular" panose="020B0500000000000000" pitchFamily="34" charset="-122"/>
+                        </a:rPr>
+                        <a:t>h</a:t>
+                      </a:r>
+                      <a:endParaRPr lang="zh-CN" altLang="en-US" sz="1600" b="0" dirty="0">
+                        <a:solidFill>
+                          <a:sysClr val="windowText" lastClr="000000"/>
+                        </a:solidFill>
+                        <a:latin typeface="Noto Sans CJK SC Regular" panose="020B0500000000000000" pitchFamily="34" charset="-122"/>
+                        <a:ea typeface="Noto Sans CJK SC Regular" panose="020B0500000000000000" pitchFamily="34" charset="-122"/>
+                      </a:endParaRPr>
+                    </a:p>
+                  </a:txBody>
+                  <a:tcPr anchor="ctr">
+                    <a:lnL w="12700" cap="flat" cmpd="sng" algn="ctr">
+                      <a:solidFill>
+                        <a:schemeClr val="tx1"/>
+                      </a:solidFill>
+                      <a:prstDash val="solid"/>
+                      <a:round/>
+                      <a:headEnd type="none" w="med" len="med"/>
+                      <a:tailEnd type="none" w="med" len="med"/>
+                    </a:lnL>
+                    <a:lnR w="12700" cap="flat" cmpd="sng" algn="ctr">
+                      <a:solidFill>
+                        <a:schemeClr val="tx1"/>
+                      </a:solidFill>
+                      <a:prstDash val="solid"/>
+                      <a:round/>
+                      <a:headEnd type="none" w="med" len="med"/>
+                      <a:tailEnd type="none" w="med" len="med"/>
+                    </a:lnR>
+                    <a:lnT w="12700" cap="flat" cmpd="sng" algn="ctr">
+                      <a:solidFill>
+                        <a:schemeClr val="tx1"/>
+                      </a:solidFill>
+                      <a:prstDash val="solid"/>
+                      <a:round/>
+                      <a:headEnd type="none" w="med" len="med"/>
+                      <a:tailEnd type="none" w="med" len="med"/>
+                    </a:lnT>
+                    <a:lnB w="12700" cap="flat" cmpd="sng" algn="ctr">
+                      <a:solidFill>
+                        <a:schemeClr val="tx1"/>
+                      </a:solidFill>
+                      <a:prstDash val="solid"/>
+                      <a:round/>
+                      <a:headEnd type="none" w="med" len="med"/>
+                      <a:tailEnd type="none" w="med" len="med"/>
+                    </a:lnB>
+                    <a:solidFill>
+                      <a:schemeClr val="accent2">
+                        <a:lumMod val="20000"/>
+                        <a:lumOff val="80000"/>
+                      </a:schemeClr>
+                    </a:solidFill>
+                  </a:tcPr>
+                </a:tc>
+                <a:tc>
+                  <a:txBody>
+                    <a:bodyPr/>
+                    <a:lstStyle/>
+                    <a:p>
+                      <a:pPr algn="ctr"/>
+                      <a:r>
+                        <a:rPr lang="en-US" altLang="zh-CN" sz="1600" b="0" dirty="0">
+                          <a:solidFill>
+                            <a:sysClr val="windowText" lastClr="000000"/>
+                          </a:solidFill>
+                          <a:latin typeface="Noto Sans CJK SC Regular" panose="020B0500000000000000" pitchFamily="34" charset="-122"/>
+                          <a:ea typeface="Noto Sans CJK SC Regular" panose="020B0500000000000000" pitchFamily="34" charset="-122"/>
+                        </a:rPr>
+                        <a:t>o</a:t>
+                      </a:r>
+                      <a:endParaRPr lang="zh-CN" altLang="en-US" sz="1600" b="0" dirty="0">
+                        <a:solidFill>
+                          <a:sysClr val="windowText" lastClr="000000"/>
+                        </a:solidFill>
+                        <a:latin typeface="Noto Sans CJK SC Regular" panose="020B0500000000000000" pitchFamily="34" charset="-122"/>
+                        <a:ea typeface="Noto Sans CJK SC Regular" panose="020B0500000000000000" pitchFamily="34" charset="-122"/>
+                      </a:endParaRPr>
+                    </a:p>
+                  </a:txBody>
+                  <a:tcPr anchor="ctr">
+                    <a:lnL w="12700" cap="flat" cmpd="sng" algn="ctr">
+                      <a:solidFill>
+                        <a:schemeClr val="tx1"/>
+                      </a:solidFill>
+                      <a:prstDash val="solid"/>
+                      <a:round/>
+                      <a:headEnd type="none" w="med" len="med"/>
+                      <a:tailEnd type="none" w="med" len="med"/>
+                    </a:lnL>
+                    <a:lnR w="12700" cap="flat" cmpd="sng" algn="ctr">
+                      <a:solidFill>
+                        <a:schemeClr val="tx1"/>
+                      </a:solidFill>
+                      <a:prstDash val="solid"/>
+                      <a:round/>
+                      <a:headEnd type="none" w="med" len="med"/>
+                      <a:tailEnd type="none" w="med" len="med"/>
+                    </a:lnR>
+                    <a:lnT w="12700" cap="flat" cmpd="sng" algn="ctr">
+                      <a:solidFill>
+                        <a:schemeClr val="tx1"/>
+                      </a:solidFill>
+                      <a:prstDash val="solid"/>
+                      <a:round/>
+                      <a:headEnd type="none" w="med" len="med"/>
+                      <a:tailEnd type="none" w="med" len="med"/>
+                    </a:lnT>
+                    <a:lnB w="12700" cap="flat" cmpd="sng" algn="ctr">
+                      <a:solidFill>
+                        <a:schemeClr val="tx1"/>
+                      </a:solidFill>
+                      <a:prstDash val="solid"/>
+                      <a:round/>
+                      <a:headEnd type="none" w="med" len="med"/>
+                      <a:tailEnd type="none" w="med" len="med"/>
+                    </a:lnB>
+                    <a:solidFill>
+                      <a:schemeClr val="accent2">
+                        <a:lumMod val="20000"/>
+                        <a:lumOff val="80000"/>
+                      </a:schemeClr>
+                    </a:solidFill>
+                  </a:tcPr>
+                </a:tc>
+                <a:tc>
+                  <a:txBody>
+                    <a:bodyPr/>
+                    <a:lstStyle/>
+                    <a:p>
+                      <a:pPr algn="ctr"/>
+                      <a:r>
+                        <a:rPr lang="en-US" altLang="zh-CN" sz="1600" b="0" dirty="0">
+                          <a:solidFill>
+                            <a:sysClr val="windowText" lastClr="000000"/>
+                          </a:solidFill>
+                          <a:latin typeface="Noto Sans CJK SC Regular" panose="020B0500000000000000" pitchFamily="34" charset="-122"/>
+                          <a:ea typeface="Noto Sans CJK SC Regular" panose="020B0500000000000000" pitchFamily="34" charset="-122"/>
+                        </a:rPr>
+                        <a:t>r</a:t>
+                      </a:r>
+                      <a:endParaRPr lang="zh-CN" altLang="en-US" sz="1600" b="0" dirty="0">
+                        <a:solidFill>
+                          <a:sysClr val="windowText" lastClr="000000"/>
+                        </a:solidFill>
+                        <a:latin typeface="Noto Sans CJK SC Regular" panose="020B0500000000000000" pitchFamily="34" charset="-122"/>
+                        <a:ea typeface="Noto Sans CJK SC Regular" panose="020B0500000000000000" pitchFamily="34" charset="-122"/>
+                      </a:endParaRPr>
+                    </a:p>
+                  </a:txBody>
+                  <a:tcPr anchor="ctr">
+                    <a:lnL w="12700" cap="flat" cmpd="sng" algn="ctr">
+                      <a:solidFill>
+                        <a:schemeClr val="tx1"/>
+                      </a:solidFill>
+                      <a:prstDash val="solid"/>
+                      <a:round/>
+                      <a:headEnd type="none" w="med" len="med"/>
+                      <a:tailEnd type="none" w="med" len="med"/>
+                    </a:lnL>
+                    <a:lnR w="12700" cap="flat" cmpd="sng" algn="ctr">
+                      <a:solidFill>
+                        <a:schemeClr val="tx1"/>
+                      </a:solidFill>
+                      <a:prstDash val="solid"/>
+                      <a:round/>
+                      <a:headEnd type="none" w="med" len="med"/>
+                      <a:tailEnd type="none" w="med" len="med"/>
+                    </a:lnR>
+                    <a:lnT w="12700" cap="flat" cmpd="sng" algn="ctr">
+                      <a:solidFill>
+                        <a:schemeClr val="tx1"/>
+                      </a:solidFill>
+                      <a:prstDash val="solid"/>
+                      <a:round/>
+                      <a:headEnd type="none" w="med" len="med"/>
+                      <a:tailEnd type="none" w="med" len="med"/>
+                    </a:lnT>
+                    <a:lnB w="12700" cap="flat" cmpd="sng" algn="ctr">
+                      <a:solidFill>
+                        <a:schemeClr val="tx1"/>
+                      </a:solidFill>
+                      <a:prstDash val="solid"/>
+                      <a:round/>
+                      <a:headEnd type="none" w="med" len="med"/>
+                      <a:tailEnd type="none" w="med" len="med"/>
+                    </a:lnB>
+                    <a:solidFill>
+                      <a:schemeClr val="accent2">
+                        <a:lumMod val="20000"/>
+                        <a:lumOff val="80000"/>
+                      </a:schemeClr>
+                    </a:solidFill>
+                  </a:tcPr>
+                </a:tc>
+                <a:tc>
+                  <a:txBody>
+                    <a:bodyPr/>
+                    <a:lstStyle/>
+                    <a:p>
+                      <a:pPr algn="ctr"/>
+                      <a:r>
+                        <a:rPr lang="en-US" altLang="zh-CN" sz="1600" b="0" dirty="0">
+                          <a:solidFill>
+                            <a:sysClr val="windowText" lastClr="000000"/>
+                          </a:solidFill>
+                          <a:latin typeface="Noto Sans CJK SC Regular" panose="020B0500000000000000" pitchFamily="34" charset="-122"/>
+                          <a:ea typeface="Noto Sans CJK SC Regular" panose="020B0500000000000000" pitchFamily="34" charset="-122"/>
+                        </a:rPr>
+                        <a:t>s</a:t>
+                      </a:r>
+                      <a:endParaRPr lang="zh-CN" altLang="en-US" sz="1600" b="0" dirty="0">
+                        <a:solidFill>
+                          <a:sysClr val="windowText" lastClr="000000"/>
+                        </a:solidFill>
+                        <a:latin typeface="Noto Sans CJK SC Regular" panose="020B0500000000000000" pitchFamily="34" charset="-122"/>
+                        <a:ea typeface="Noto Sans CJK SC Regular" panose="020B0500000000000000" pitchFamily="34" charset="-122"/>
+                      </a:endParaRPr>
+                    </a:p>
+                  </a:txBody>
+                  <a:tcPr anchor="ctr">
+                    <a:lnL w="12700" cap="flat" cmpd="sng" algn="ctr">
+                      <a:solidFill>
+                        <a:schemeClr val="tx1"/>
+                      </a:solidFill>
+                      <a:prstDash val="solid"/>
+                      <a:round/>
+                      <a:headEnd type="none" w="med" len="med"/>
+                      <a:tailEnd type="none" w="med" len="med"/>
+                    </a:lnL>
+                    <a:lnR w="12700" cap="flat" cmpd="sng" algn="ctr">
+                      <a:solidFill>
+                        <a:schemeClr val="tx1"/>
+                      </a:solidFill>
+                      <a:prstDash val="solid"/>
+                      <a:round/>
+                      <a:headEnd type="none" w="med" len="med"/>
+                      <a:tailEnd type="none" w="med" len="med"/>
+                    </a:lnR>
+                    <a:lnT w="12700" cap="flat" cmpd="sng" algn="ctr">
+                      <a:solidFill>
+                        <a:schemeClr val="tx1"/>
+                      </a:solidFill>
+                      <a:prstDash val="solid"/>
+                      <a:round/>
+                      <a:headEnd type="none" w="med" len="med"/>
+                      <a:tailEnd type="none" w="med" len="med"/>
+                    </a:lnT>
+                    <a:lnB w="12700" cap="flat" cmpd="sng" algn="ctr">
+                      <a:solidFill>
+                        <a:schemeClr val="tx1"/>
+                      </a:solidFill>
+                      <a:prstDash val="solid"/>
+                      <a:round/>
+                      <a:headEnd type="none" w="med" len="med"/>
+                      <a:tailEnd type="none" w="med" len="med"/>
+                    </a:lnB>
+                    <a:solidFill>
+                      <a:schemeClr val="accent2">
+                        <a:lumMod val="20000"/>
+                        <a:lumOff val="80000"/>
+                      </a:schemeClr>
+                    </a:solidFill>
+                  </a:tcPr>
+                </a:tc>
+                <a:tc>
+                  <a:txBody>
+                    <a:bodyPr/>
+                    <a:lstStyle/>
+                    <a:p>
+                      <a:pPr algn="ctr"/>
+                      <a:r>
+                        <a:rPr lang="en-US" altLang="zh-CN" sz="1600" b="0" dirty="0">
+                          <a:solidFill>
+                            <a:sysClr val="windowText" lastClr="000000"/>
+                          </a:solidFill>
+                          <a:latin typeface="Noto Sans CJK SC Regular" panose="020B0500000000000000" pitchFamily="34" charset="-122"/>
+                          <a:ea typeface="Noto Sans CJK SC Regular" panose="020B0500000000000000" pitchFamily="34" charset="-122"/>
+                        </a:rPr>
+                        <a:t>e</a:t>
+                      </a:r>
+                      <a:endParaRPr lang="zh-CN" altLang="en-US" sz="1600" b="0" dirty="0">
+                        <a:solidFill>
+                          <a:sysClr val="windowText" lastClr="000000"/>
+                        </a:solidFill>
+                        <a:latin typeface="Noto Sans CJK SC Regular" panose="020B0500000000000000" pitchFamily="34" charset="-122"/>
+                        <a:ea typeface="Noto Sans CJK SC Regular" panose="020B0500000000000000" pitchFamily="34" charset="-122"/>
+                      </a:endParaRPr>
+                    </a:p>
+                  </a:txBody>
+                  <a:tcPr anchor="ctr">
+                    <a:lnL w="12700" cap="flat" cmpd="sng" algn="ctr">
+                      <a:solidFill>
+                        <a:schemeClr val="tx1"/>
+                      </a:solidFill>
+                      <a:prstDash val="solid"/>
+                      <a:round/>
+                      <a:headEnd type="none" w="med" len="med"/>
+                      <a:tailEnd type="none" w="med" len="med"/>
+                    </a:lnL>
+                    <a:lnR w="12700" cap="flat" cmpd="sng" algn="ctr">
+                      <a:solidFill>
+                        <a:schemeClr val="tx1"/>
+                      </a:solidFill>
+                      <a:prstDash val="solid"/>
+                      <a:round/>
+                      <a:headEnd type="none" w="med" len="med"/>
+                      <a:tailEnd type="none" w="med" len="med"/>
+                    </a:lnR>
+                    <a:lnT w="12700" cap="flat" cmpd="sng" algn="ctr">
+                      <a:solidFill>
+                        <a:schemeClr val="tx1"/>
+                      </a:solidFill>
+                      <a:prstDash val="solid"/>
+                      <a:round/>
+                      <a:headEnd type="none" w="med" len="med"/>
+                      <a:tailEnd type="none" w="med" len="med"/>
+                    </a:lnT>
+                    <a:lnB w="12700" cap="flat" cmpd="sng" algn="ctr">
+                      <a:solidFill>
+                        <a:schemeClr val="tx1"/>
+                      </a:solidFill>
+                      <a:prstDash val="solid"/>
+                      <a:round/>
+                      <a:headEnd type="none" w="med" len="med"/>
+                      <a:tailEnd type="none" w="med" len="med"/>
+                    </a:lnB>
+                    <a:solidFill>
+                      <a:schemeClr val="accent2">
+                        <a:lumMod val="20000"/>
+                        <a:lumOff val="80000"/>
+                      </a:schemeClr>
+                    </a:solidFill>
+                  </a:tcPr>
+                </a:tc>
+                <a:extLst>
+                  <a:ext uri="{0D108BD9-81ED-4DB2-BD59-A6C34878D82A}">
+                    <a16:rowId xmlns:a16="http://schemas.microsoft.com/office/drawing/2014/main" val="3054468741"/>
+                  </a:ext>
+                </a:extLst>
+              </a:tr>
+            </a:tbl>
+          </a:graphicData>
+        </a:graphic>
+      </p:graphicFrame>
+      <p:graphicFrame>
+        <p:nvGraphicFramePr>
+          <p:cNvPr id="9" name="表格 8">
+            <a:extLst>
+              <a:ext uri="{FF2B5EF4-FFF2-40B4-BE49-F238E27FC236}">
+                <a16:creationId xmlns:a16="http://schemas.microsoft.com/office/drawing/2014/main" id="{21B8FA2A-2DCF-4EB8-B0C0-E61821066038}"/>
+              </a:ext>
+            </a:extLst>
+          </p:cNvPr>
+          <p:cNvGraphicFramePr>
+            <a:graphicFrameLocks noGrp="1"/>
+          </p:cNvGraphicFramePr>
+          <p:nvPr>
+            <p:extLst>
+              <p:ext uri="{D42A27DB-BD31-4B8C-83A1-F6EECF244321}">
+                <p14:modId xmlns:p14="http://schemas.microsoft.com/office/powerpoint/2010/main" val="1535443706"/>
+              </p:ext>
+            </p:extLst>
+          </p:nvPr>
+        </p:nvGraphicFramePr>
+        <p:xfrm>
+          <a:off x="8704199" y="4006582"/>
+          <a:ext cx="1973768" cy="370840"/>
+        </p:xfrm>
+        <a:graphic>
+          <a:graphicData uri="http://schemas.openxmlformats.org/drawingml/2006/table">
+            <a:tbl>
+              <a:tblPr firstRow="1" bandRow="1">
+                <a:tableStyleId>{5C22544A-7EE6-4342-B048-85BDC9FD1C3A}</a:tableStyleId>
+              </a:tblPr>
+              <a:tblGrid>
+                <a:gridCol w="493442">
+                  <a:extLst>
+                    <a:ext uri="{9D8B030D-6E8A-4147-A177-3AD203B41FA5}">
+                      <a16:colId xmlns:a16="http://schemas.microsoft.com/office/drawing/2014/main" val="1776970664"/>
+                    </a:ext>
+                  </a:extLst>
+                </a:gridCol>
+                <a:gridCol w="493442">
+                  <a:extLst>
+                    <a:ext uri="{9D8B030D-6E8A-4147-A177-3AD203B41FA5}">
+                      <a16:colId xmlns:a16="http://schemas.microsoft.com/office/drawing/2014/main" val="1156629452"/>
+                    </a:ext>
+                  </a:extLst>
+                </a:gridCol>
+                <a:gridCol w="493442">
+                  <a:extLst>
+                    <a:ext uri="{9D8B030D-6E8A-4147-A177-3AD203B41FA5}">
+                      <a16:colId xmlns:a16="http://schemas.microsoft.com/office/drawing/2014/main" val="177419232"/>
+                    </a:ext>
+                  </a:extLst>
+                </a:gridCol>
+                <a:gridCol w="493442">
+                  <a:extLst>
+                    <a:ext uri="{9D8B030D-6E8A-4147-A177-3AD203B41FA5}">
+                      <a16:colId xmlns:a16="http://schemas.microsoft.com/office/drawing/2014/main" val="3270505710"/>
+                    </a:ext>
+                  </a:extLst>
+                </a:gridCol>
+              </a:tblGrid>
+              <a:tr h="370840">
+                <a:tc>
+                  <a:txBody>
+                    <a:bodyPr/>
+                    <a:lstStyle/>
+                    <a:p>
+                      <a:pPr algn="ctr"/>
+                      <a:r>
+                        <a:rPr lang="en-US" altLang="zh-CN" sz="1600" b="0" dirty="0">
+                          <a:solidFill>
+                            <a:sysClr val="windowText" lastClr="000000"/>
+                          </a:solidFill>
+                          <a:latin typeface="Noto Sans CJK SC Regular" panose="020B0500000000000000" pitchFamily="34" charset="-122"/>
+                          <a:ea typeface="Noto Sans CJK SC Regular" panose="020B0500000000000000" pitchFamily="34" charset="-122"/>
+                        </a:rPr>
+                        <a:t>r</a:t>
+                      </a:r>
+                      <a:endParaRPr lang="zh-CN" altLang="en-US" sz="1600" b="0" dirty="0">
+                        <a:solidFill>
+                          <a:sysClr val="windowText" lastClr="000000"/>
+                        </a:solidFill>
+                        <a:latin typeface="Noto Sans CJK SC Regular" panose="020B0500000000000000" pitchFamily="34" charset="-122"/>
+                        <a:ea typeface="Noto Sans CJK SC Regular" panose="020B0500000000000000" pitchFamily="34" charset="-122"/>
+                      </a:endParaRPr>
+                    </a:p>
+                  </a:txBody>
+                  <a:tcPr anchor="ctr">
+                    <a:lnL w="12700" cap="flat" cmpd="sng" algn="ctr">
+                      <a:solidFill>
+                        <a:schemeClr val="tx1"/>
+                      </a:solidFill>
+                      <a:prstDash val="solid"/>
+                      <a:round/>
+                      <a:headEnd type="none" w="med" len="med"/>
+                      <a:tailEnd type="none" w="med" len="med"/>
+                    </a:lnL>
+                    <a:lnR w="12700" cap="flat" cmpd="sng" algn="ctr">
+                      <a:solidFill>
+                        <a:schemeClr val="tx1"/>
+                      </a:solidFill>
+                      <a:prstDash val="solid"/>
+                      <a:round/>
+                      <a:headEnd type="none" w="med" len="med"/>
+                      <a:tailEnd type="none" w="med" len="med"/>
+                    </a:lnR>
+                    <a:lnT w="12700" cap="flat" cmpd="sng" algn="ctr">
+                      <a:solidFill>
+                        <a:schemeClr val="tx1"/>
+                      </a:solidFill>
+                      <a:prstDash val="solid"/>
+                      <a:round/>
+                      <a:headEnd type="none" w="med" len="med"/>
+                      <a:tailEnd type="none" w="med" len="med"/>
+                    </a:lnT>
+                    <a:lnB w="12700" cap="flat" cmpd="sng" algn="ctr">
+                      <a:solidFill>
+                        <a:schemeClr val="tx1"/>
+                      </a:solidFill>
+                      <a:prstDash val="solid"/>
+                      <a:round/>
+                      <a:headEnd type="none" w="med" len="med"/>
+                      <a:tailEnd type="none" w="med" len="med"/>
+                    </a:lnB>
+                    <a:solidFill>
+                      <a:schemeClr val="accent6">
+                        <a:lumMod val="20000"/>
+                        <a:lumOff val="80000"/>
+                      </a:schemeClr>
+                    </a:solidFill>
+                  </a:tcPr>
+                </a:tc>
+                <a:tc>
+                  <a:txBody>
+                    <a:bodyPr/>
+                    <a:lstStyle/>
+                    <a:p>
+                      <a:pPr algn="ctr"/>
+                      <a:r>
+                        <a:rPr lang="en-US" altLang="zh-CN" sz="1600" b="0" dirty="0">
+                          <a:solidFill>
+                            <a:sysClr val="windowText" lastClr="000000"/>
+                          </a:solidFill>
+                          <a:latin typeface="Noto Sans CJK SC Regular" panose="020B0500000000000000" pitchFamily="34" charset="-122"/>
+                          <a:ea typeface="Noto Sans CJK SC Regular" panose="020B0500000000000000" pitchFamily="34" charset="-122"/>
+                        </a:rPr>
+                        <a:t>o</a:t>
+                      </a:r>
+                      <a:endParaRPr lang="zh-CN" altLang="en-US" sz="1600" b="0" dirty="0">
+                        <a:solidFill>
+                          <a:sysClr val="windowText" lastClr="000000"/>
+                        </a:solidFill>
+                        <a:latin typeface="Noto Sans CJK SC Regular" panose="020B0500000000000000" pitchFamily="34" charset="-122"/>
+                        <a:ea typeface="Noto Sans CJK SC Regular" panose="020B0500000000000000" pitchFamily="34" charset="-122"/>
+                      </a:endParaRPr>
+                    </a:p>
+                  </a:txBody>
+                  <a:tcPr anchor="ctr">
+                    <a:lnL w="12700" cap="flat" cmpd="sng" algn="ctr">
+                      <a:solidFill>
+                        <a:schemeClr val="tx1"/>
+                      </a:solidFill>
+                      <a:prstDash val="solid"/>
+                      <a:round/>
+                      <a:headEnd type="none" w="med" len="med"/>
+                      <a:tailEnd type="none" w="med" len="med"/>
+                    </a:lnL>
+                    <a:lnR w="12700" cap="flat" cmpd="sng" algn="ctr">
+                      <a:solidFill>
+                        <a:schemeClr val="tx1"/>
+                      </a:solidFill>
+                      <a:prstDash val="solid"/>
+                      <a:round/>
+                      <a:headEnd type="none" w="med" len="med"/>
+                      <a:tailEnd type="none" w="med" len="med"/>
+                    </a:lnR>
+                    <a:lnT w="12700" cap="flat" cmpd="sng" algn="ctr">
+                      <a:solidFill>
+                        <a:schemeClr val="tx1"/>
+                      </a:solidFill>
+                      <a:prstDash val="solid"/>
+                      <a:round/>
+                      <a:headEnd type="none" w="med" len="med"/>
+                      <a:tailEnd type="none" w="med" len="med"/>
+                    </a:lnT>
+                    <a:lnB w="12700" cap="flat" cmpd="sng" algn="ctr">
+                      <a:solidFill>
+                        <a:schemeClr val="tx1"/>
+                      </a:solidFill>
+                      <a:prstDash val="solid"/>
+                      <a:round/>
+                      <a:headEnd type="none" w="med" len="med"/>
+                      <a:tailEnd type="none" w="med" len="med"/>
+                    </a:lnB>
+                    <a:solidFill>
+                      <a:schemeClr val="accent6">
+                        <a:lumMod val="20000"/>
+                        <a:lumOff val="80000"/>
+                      </a:schemeClr>
+                    </a:solidFill>
+                  </a:tcPr>
+                </a:tc>
+                <a:tc>
+                  <a:txBody>
+                    <a:bodyPr/>
+                    <a:lstStyle/>
+                    <a:p>
+                      <a:pPr algn="ctr"/>
+                      <a:r>
+                        <a:rPr lang="en-US" altLang="zh-CN" sz="1600" b="0" dirty="0">
+                          <a:solidFill>
+                            <a:sysClr val="windowText" lastClr="000000"/>
+                          </a:solidFill>
+                          <a:latin typeface="Noto Sans CJK SC Regular" panose="020B0500000000000000" pitchFamily="34" charset="-122"/>
+                          <a:ea typeface="Noto Sans CJK SC Regular" panose="020B0500000000000000" pitchFamily="34" charset="-122"/>
+                        </a:rPr>
+                        <a:t>s</a:t>
+                      </a:r>
+                      <a:endParaRPr lang="zh-CN" altLang="en-US" sz="1600" b="0" dirty="0">
+                        <a:solidFill>
+                          <a:sysClr val="windowText" lastClr="000000"/>
+                        </a:solidFill>
+                        <a:latin typeface="Noto Sans CJK SC Regular" panose="020B0500000000000000" pitchFamily="34" charset="-122"/>
+                        <a:ea typeface="Noto Sans CJK SC Regular" panose="020B0500000000000000" pitchFamily="34" charset="-122"/>
+                      </a:endParaRPr>
+                    </a:p>
+                  </a:txBody>
+                  <a:tcPr anchor="ctr">
+                    <a:lnL w="12700" cap="flat" cmpd="sng" algn="ctr">
+                      <a:solidFill>
+                        <a:schemeClr val="tx1"/>
+                      </a:solidFill>
+                      <a:prstDash val="solid"/>
+                      <a:round/>
+                      <a:headEnd type="none" w="med" len="med"/>
+                      <a:tailEnd type="none" w="med" len="med"/>
+                    </a:lnL>
+                    <a:lnR w="12700" cap="flat" cmpd="sng" algn="ctr">
+                      <a:solidFill>
+                        <a:schemeClr val="tx1"/>
+                      </a:solidFill>
+                      <a:prstDash val="solid"/>
+                      <a:round/>
+                      <a:headEnd type="none" w="med" len="med"/>
+                      <a:tailEnd type="none" w="med" len="med"/>
+                    </a:lnR>
+                    <a:lnT w="12700" cap="flat" cmpd="sng" algn="ctr">
+                      <a:solidFill>
+                        <a:schemeClr val="tx1"/>
+                      </a:solidFill>
+                      <a:prstDash val="solid"/>
+                      <a:round/>
+                      <a:headEnd type="none" w="med" len="med"/>
+                      <a:tailEnd type="none" w="med" len="med"/>
+                    </a:lnT>
+                    <a:lnB w="12700" cap="flat" cmpd="sng" algn="ctr">
+                      <a:solidFill>
+                        <a:schemeClr val="tx1"/>
+                      </a:solidFill>
+                      <a:prstDash val="solid"/>
+                      <a:round/>
+                      <a:headEnd type="none" w="med" len="med"/>
+                      <a:tailEnd type="none" w="med" len="med"/>
+                    </a:lnB>
+                    <a:solidFill>
+                      <a:schemeClr val="accent6">
+                        <a:lumMod val="20000"/>
+                        <a:lumOff val="80000"/>
+                      </a:schemeClr>
+                    </a:solidFill>
+                  </a:tcPr>
+                </a:tc>
+                <a:tc>
+                  <a:txBody>
+                    <a:bodyPr/>
+                    <a:lstStyle/>
+                    <a:p>
+                      <a:pPr algn="ctr"/>
+                      <a:r>
+                        <a:rPr lang="en-US" altLang="zh-CN" sz="1600" b="0" dirty="0">
+                          <a:solidFill>
+                            <a:sysClr val="windowText" lastClr="000000"/>
+                          </a:solidFill>
+                          <a:latin typeface="Noto Sans CJK SC Regular" panose="020B0500000000000000" pitchFamily="34" charset="-122"/>
+                          <a:ea typeface="Noto Sans CJK SC Regular" panose="020B0500000000000000" pitchFamily="34" charset="-122"/>
+                        </a:rPr>
+                        <a:t>t</a:t>
+                      </a:r>
+                      <a:endParaRPr lang="zh-CN" altLang="en-US" sz="1600" b="0" dirty="0">
+                        <a:solidFill>
+                          <a:sysClr val="windowText" lastClr="000000"/>
+                        </a:solidFill>
+                        <a:latin typeface="Noto Sans CJK SC Regular" panose="020B0500000000000000" pitchFamily="34" charset="-122"/>
+                        <a:ea typeface="Noto Sans CJK SC Regular" panose="020B0500000000000000" pitchFamily="34" charset="-122"/>
+                      </a:endParaRPr>
+                    </a:p>
+                  </a:txBody>
+                  <a:tcPr anchor="ctr">
+                    <a:lnL w="12700" cap="flat" cmpd="sng" algn="ctr">
+                      <a:solidFill>
+                        <a:schemeClr val="tx1"/>
+                      </a:solidFill>
+                      <a:prstDash val="solid"/>
+                      <a:round/>
+                      <a:headEnd type="none" w="med" len="med"/>
+                      <a:tailEnd type="none" w="med" len="med"/>
+                    </a:lnL>
+                    <a:lnR w="12700" cap="flat" cmpd="sng" algn="ctr">
+                      <a:solidFill>
+                        <a:schemeClr val="tx1"/>
+                      </a:solidFill>
+                      <a:prstDash val="solid"/>
+                      <a:round/>
+                      <a:headEnd type="none" w="med" len="med"/>
+                      <a:tailEnd type="none" w="med" len="med"/>
+                    </a:lnR>
+                    <a:lnT w="12700" cap="flat" cmpd="sng" algn="ctr">
+                      <a:solidFill>
+                        <a:schemeClr val="tx1"/>
+                      </a:solidFill>
+                      <a:prstDash val="solid"/>
+                      <a:round/>
+                      <a:headEnd type="none" w="med" len="med"/>
+                      <a:tailEnd type="none" w="med" len="med"/>
+                    </a:lnT>
+                    <a:lnB w="12700" cap="flat" cmpd="sng" algn="ctr">
+                      <a:solidFill>
+                        <a:schemeClr val="tx1"/>
+                      </a:solidFill>
+                      <a:prstDash val="solid"/>
+                      <a:round/>
+                      <a:headEnd type="none" w="med" len="med"/>
+                      <a:tailEnd type="none" w="med" len="med"/>
+                    </a:lnB>
+                    <a:solidFill>
+                      <a:schemeClr val="accent6">
+                        <a:lumMod val="60000"/>
+                        <a:lumOff val="40000"/>
+                      </a:schemeClr>
+                    </a:solidFill>
+                  </a:tcPr>
+                </a:tc>
+                <a:extLst>
+                  <a:ext uri="{0D108BD9-81ED-4DB2-BD59-A6C34878D82A}">
+                    <a16:rowId xmlns:a16="http://schemas.microsoft.com/office/drawing/2014/main" val="3054468741"/>
+                  </a:ext>
+                </a:extLst>
+              </a:tr>
+            </a:tbl>
+          </a:graphicData>
+        </a:graphic>
+      </p:graphicFrame>
+      <p:graphicFrame>
+        <p:nvGraphicFramePr>
+          <p:cNvPr id="10" name="表格 9">
+            <a:extLst>
+              <a:ext uri="{FF2B5EF4-FFF2-40B4-BE49-F238E27FC236}">
+                <a16:creationId xmlns:a16="http://schemas.microsoft.com/office/drawing/2014/main" id="{52AD43E1-701D-42C7-85DB-951AB281AD10}"/>
+              </a:ext>
+            </a:extLst>
+          </p:cNvPr>
+          <p:cNvGraphicFramePr>
+            <a:graphicFrameLocks noGrp="1"/>
+          </p:cNvGraphicFramePr>
+          <p:nvPr>
+            <p:extLst>
+              <p:ext uri="{D42A27DB-BD31-4B8C-83A1-F6EECF244321}">
+                <p14:modId xmlns:p14="http://schemas.microsoft.com/office/powerpoint/2010/main" val="1329733228"/>
+              </p:ext>
+            </p:extLst>
+          </p:nvPr>
+        </p:nvGraphicFramePr>
+        <p:xfrm>
+          <a:off x="8704199" y="1321571"/>
+          <a:ext cx="1973768" cy="370840"/>
+        </p:xfrm>
+        <a:graphic>
+          <a:graphicData uri="http://schemas.openxmlformats.org/drawingml/2006/table">
+            <a:tbl>
+              <a:tblPr firstRow="1" bandRow="1">
+                <a:tableStyleId>{5C22544A-7EE6-4342-B048-85BDC9FD1C3A}</a:tableStyleId>
+              </a:tblPr>
+              <a:tblGrid>
+                <a:gridCol w="493442">
+                  <a:extLst>
+                    <a:ext uri="{9D8B030D-6E8A-4147-A177-3AD203B41FA5}">
+                      <a16:colId xmlns:a16="http://schemas.microsoft.com/office/drawing/2014/main" val="1776970664"/>
+                    </a:ext>
+                  </a:extLst>
+                </a:gridCol>
+                <a:gridCol w="493442">
+                  <a:extLst>
+                    <a:ext uri="{9D8B030D-6E8A-4147-A177-3AD203B41FA5}">
+                      <a16:colId xmlns:a16="http://schemas.microsoft.com/office/drawing/2014/main" val="1156629452"/>
+                    </a:ext>
+                  </a:extLst>
+                </a:gridCol>
+                <a:gridCol w="493442">
+                  <a:extLst>
+                    <a:ext uri="{9D8B030D-6E8A-4147-A177-3AD203B41FA5}">
+                      <a16:colId xmlns:a16="http://schemas.microsoft.com/office/drawing/2014/main" val="177419232"/>
+                    </a:ext>
+                  </a:extLst>
+                </a:gridCol>
+                <a:gridCol w="493442">
+                  <a:extLst>
+                    <a:ext uri="{9D8B030D-6E8A-4147-A177-3AD203B41FA5}">
+                      <a16:colId xmlns:a16="http://schemas.microsoft.com/office/drawing/2014/main" val="3270505710"/>
+                    </a:ext>
+                  </a:extLst>
+                </a:gridCol>
+              </a:tblGrid>
+              <a:tr h="370840">
+                <a:tc>
+                  <a:txBody>
+                    <a:bodyPr/>
+                    <a:lstStyle/>
+                    <a:p>
+                      <a:pPr algn="ctr"/>
+                      <a:r>
+                        <a:rPr lang="en-US" altLang="zh-CN" sz="1600" b="0" dirty="0">
+                          <a:solidFill>
+                            <a:sysClr val="windowText" lastClr="000000"/>
+                          </a:solidFill>
+                          <a:latin typeface="Noto Sans CJK SC Regular" panose="020B0500000000000000" pitchFamily="34" charset="-122"/>
+                          <a:ea typeface="Noto Sans CJK SC Regular" panose="020B0500000000000000" pitchFamily="34" charset="-122"/>
+                        </a:rPr>
+                        <a:t>r</a:t>
+                      </a:r>
+                      <a:endParaRPr lang="zh-CN" altLang="en-US" sz="1600" b="0" dirty="0">
+                        <a:solidFill>
+                          <a:sysClr val="windowText" lastClr="000000"/>
+                        </a:solidFill>
+                        <a:latin typeface="Noto Sans CJK SC Regular" panose="020B0500000000000000" pitchFamily="34" charset="-122"/>
+                        <a:ea typeface="Noto Sans CJK SC Regular" panose="020B0500000000000000" pitchFamily="34" charset="-122"/>
+                      </a:endParaRPr>
+                    </a:p>
+                  </a:txBody>
+                  <a:tcPr anchor="ctr">
+                    <a:lnL w="12700" cap="flat" cmpd="sng" algn="ctr">
+                      <a:solidFill>
+                        <a:schemeClr val="tx1"/>
+                      </a:solidFill>
+                      <a:prstDash val="solid"/>
+                      <a:round/>
+                      <a:headEnd type="none" w="med" len="med"/>
+                      <a:tailEnd type="none" w="med" len="med"/>
+                    </a:lnL>
+                    <a:lnR w="12700" cap="flat" cmpd="sng" algn="ctr">
+                      <a:solidFill>
+                        <a:schemeClr val="tx1"/>
+                      </a:solidFill>
+                      <a:prstDash val="solid"/>
+                      <a:round/>
+                      <a:headEnd type="none" w="med" len="med"/>
+                      <a:tailEnd type="none" w="med" len="med"/>
+                    </a:lnR>
+                    <a:lnT w="12700" cap="flat" cmpd="sng" algn="ctr">
+                      <a:solidFill>
+                        <a:schemeClr val="tx1"/>
+                      </a:solidFill>
+                      <a:prstDash val="solid"/>
+                      <a:round/>
+                      <a:headEnd type="none" w="med" len="med"/>
+                      <a:tailEnd type="none" w="med" len="med"/>
+                    </a:lnT>
+                    <a:lnB w="12700" cap="flat" cmpd="sng" algn="ctr">
+                      <a:solidFill>
+                        <a:schemeClr val="tx1"/>
+                      </a:solidFill>
+                      <a:prstDash val="solid"/>
+                      <a:round/>
+                      <a:headEnd type="none" w="med" len="med"/>
+                      <a:tailEnd type="none" w="med" len="med"/>
+                    </a:lnB>
+                    <a:solidFill>
+                      <a:schemeClr val="accent6">
+                        <a:lumMod val="20000"/>
+                        <a:lumOff val="80000"/>
+                      </a:schemeClr>
+                    </a:solidFill>
+                  </a:tcPr>
+                </a:tc>
+                <a:tc>
+                  <a:txBody>
+                    <a:bodyPr/>
+                    <a:lstStyle/>
+                    <a:p>
+                      <a:pPr algn="ctr"/>
+                      <a:r>
+                        <a:rPr lang="en-US" altLang="zh-CN" sz="1600" b="0" dirty="0">
+                          <a:solidFill>
+                            <a:sysClr val="windowText" lastClr="000000"/>
+                          </a:solidFill>
+                          <a:latin typeface="Noto Sans CJK SC Regular" panose="020B0500000000000000" pitchFamily="34" charset="-122"/>
+                          <a:ea typeface="Noto Sans CJK SC Regular" panose="020B0500000000000000" pitchFamily="34" charset="-122"/>
+                        </a:rPr>
+                        <a:t>o</a:t>
+                      </a:r>
+                      <a:endParaRPr lang="zh-CN" altLang="en-US" sz="1600" b="0" dirty="0">
+                        <a:solidFill>
+                          <a:sysClr val="windowText" lastClr="000000"/>
+                        </a:solidFill>
+                        <a:latin typeface="Noto Sans CJK SC Regular" panose="020B0500000000000000" pitchFamily="34" charset="-122"/>
+                        <a:ea typeface="Noto Sans CJK SC Regular" panose="020B0500000000000000" pitchFamily="34" charset="-122"/>
+                      </a:endParaRPr>
+                    </a:p>
+                  </a:txBody>
+                  <a:tcPr anchor="ctr">
+                    <a:lnL w="12700" cap="flat" cmpd="sng" algn="ctr">
+                      <a:solidFill>
+                        <a:schemeClr val="tx1"/>
+                      </a:solidFill>
+                      <a:prstDash val="solid"/>
+                      <a:round/>
+                      <a:headEnd type="none" w="med" len="med"/>
+                      <a:tailEnd type="none" w="med" len="med"/>
+                    </a:lnL>
+                    <a:lnR w="12700" cap="flat" cmpd="sng" algn="ctr">
+                      <a:solidFill>
+                        <a:schemeClr val="tx1"/>
+                      </a:solidFill>
+                      <a:prstDash val="solid"/>
+                      <a:round/>
+                      <a:headEnd type="none" w="med" len="med"/>
+                      <a:tailEnd type="none" w="med" len="med"/>
+                    </a:lnR>
+                    <a:lnT w="12700" cap="flat" cmpd="sng" algn="ctr">
+                      <a:solidFill>
+                        <a:schemeClr val="tx1"/>
+                      </a:solidFill>
+                      <a:prstDash val="solid"/>
+                      <a:round/>
+                      <a:headEnd type="none" w="med" len="med"/>
+                      <a:tailEnd type="none" w="med" len="med"/>
+                    </a:lnT>
+                    <a:lnB w="12700" cap="flat" cmpd="sng" algn="ctr">
+                      <a:solidFill>
+                        <a:schemeClr val="tx1"/>
+                      </a:solidFill>
+                      <a:prstDash val="solid"/>
+                      <a:round/>
+                      <a:headEnd type="none" w="med" len="med"/>
+                      <a:tailEnd type="none" w="med" len="med"/>
+                    </a:lnB>
+                    <a:solidFill>
+                      <a:schemeClr val="accent6">
+                        <a:lumMod val="20000"/>
+                        <a:lumOff val="80000"/>
+                      </a:schemeClr>
+                    </a:solidFill>
+                  </a:tcPr>
+                </a:tc>
+                <a:tc>
+                  <a:txBody>
+                    <a:bodyPr/>
+                    <a:lstStyle/>
+                    <a:p>
+                      <a:pPr algn="ctr"/>
+                      <a:r>
+                        <a:rPr lang="en-US" altLang="zh-CN" sz="1600" b="0" dirty="0">
+                          <a:solidFill>
+                            <a:sysClr val="windowText" lastClr="000000"/>
+                          </a:solidFill>
+                          <a:latin typeface="Noto Sans CJK SC Regular" panose="020B0500000000000000" pitchFamily="34" charset="-122"/>
+                          <a:ea typeface="Noto Sans CJK SC Regular" panose="020B0500000000000000" pitchFamily="34" charset="-122"/>
+                        </a:rPr>
+                        <a:t>s</a:t>
+                      </a:r>
+                      <a:endParaRPr lang="zh-CN" altLang="en-US" sz="1600" b="0" dirty="0">
+                        <a:solidFill>
+                          <a:sysClr val="windowText" lastClr="000000"/>
+                        </a:solidFill>
+                        <a:latin typeface="Noto Sans CJK SC Regular" panose="020B0500000000000000" pitchFamily="34" charset="-122"/>
+                        <a:ea typeface="Noto Sans CJK SC Regular" panose="020B0500000000000000" pitchFamily="34" charset="-122"/>
+                      </a:endParaRPr>
+                    </a:p>
+                  </a:txBody>
+                  <a:tcPr anchor="ctr">
+                    <a:lnL w="12700" cap="flat" cmpd="sng" algn="ctr">
+                      <a:solidFill>
+                        <a:schemeClr val="tx1"/>
+                      </a:solidFill>
+                      <a:prstDash val="solid"/>
+                      <a:round/>
+                      <a:headEnd type="none" w="med" len="med"/>
+                      <a:tailEnd type="none" w="med" len="med"/>
+                    </a:lnL>
+                    <a:lnR w="12700" cap="flat" cmpd="sng" algn="ctr">
+                      <a:solidFill>
+                        <a:schemeClr val="tx1"/>
+                      </a:solidFill>
+                      <a:prstDash val="solid"/>
+                      <a:round/>
+                      <a:headEnd type="none" w="med" len="med"/>
+                      <a:tailEnd type="none" w="med" len="med"/>
+                    </a:lnR>
+                    <a:lnT w="12700" cap="flat" cmpd="sng" algn="ctr">
+                      <a:solidFill>
+                        <a:schemeClr val="tx1"/>
+                      </a:solidFill>
+                      <a:prstDash val="solid"/>
+                      <a:round/>
+                      <a:headEnd type="none" w="med" len="med"/>
+                      <a:tailEnd type="none" w="med" len="med"/>
+                    </a:lnT>
+                    <a:lnB w="12700" cap="flat" cmpd="sng" algn="ctr">
+                      <a:solidFill>
+                        <a:schemeClr val="tx1"/>
+                      </a:solidFill>
+                      <a:prstDash val="solid"/>
+                      <a:round/>
+                      <a:headEnd type="none" w="med" len="med"/>
+                      <a:tailEnd type="none" w="med" len="med"/>
+                    </a:lnB>
+                    <a:solidFill>
+                      <a:schemeClr val="accent6">
+                        <a:lumMod val="20000"/>
+                        <a:lumOff val="80000"/>
+                      </a:schemeClr>
+                    </a:solidFill>
+                  </a:tcPr>
+                </a:tc>
+                <a:tc>
+                  <a:txBody>
+                    <a:bodyPr/>
+                    <a:lstStyle/>
+                    <a:p>
+                      <a:pPr algn="ctr"/>
+                      <a:r>
+                        <a:rPr lang="en-US" altLang="zh-CN" sz="1600" b="0" dirty="0">
+                          <a:solidFill>
+                            <a:sysClr val="windowText" lastClr="000000"/>
+                          </a:solidFill>
+                          <a:latin typeface="Noto Sans CJK SC Regular" panose="020B0500000000000000" pitchFamily="34" charset="-122"/>
+                          <a:ea typeface="Noto Sans CJK SC Regular" panose="020B0500000000000000" pitchFamily="34" charset="-122"/>
+                        </a:rPr>
+                        <a:t>t</a:t>
+                      </a:r>
+                      <a:endParaRPr lang="zh-CN" altLang="en-US" sz="1600" b="0" dirty="0">
+                        <a:solidFill>
+                          <a:sysClr val="windowText" lastClr="000000"/>
+                        </a:solidFill>
+                        <a:latin typeface="Noto Sans CJK SC Regular" panose="020B0500000000000000" pitchFamily="34" charset="-122"/>
+                        <a:ea typeface="Noto Sans CJK SC Regular" panose="020B0500000000000000" pitchFamily="34" charset="-122"/>
+                      </a:endParaRPr>
+                    </a:p>
+                  </a:txBody>
+                  <a:tcPr anchor="ctr">
+                    <a:lnL w="12700" cap="flat" cmpd="sng" algn="ctr">
+                      <a:solidFill>
+                        <a:schemeClr val="tx1"/>
+                      </a:solidFill>
+                      <a:prstDash val="solid"/>
+                      <a:round/>
+                      <a:headEnd type="none" w="med" len="med"/>
+                      <a:tailEnd type="none" w="med" len="med"/>
+                    </a:lnL>
+                    <a:lnR w="12700" cap="flat" cmpd="sng" algn="ctr">
+                      <a:solidFill>
+                        <a:schemeClr val="tx1"/>
+                      </a:solidFill>
+                      <a:prstDash val="solid"/>
+                      <a:round/>
+                      <a:headEnd type="none" w="med" len="med"/>
+                      <a:tailEnd type="none" w="med" len="med"/>
+                    </a:lnR>
+                    <a:lnT w="12700" cap="flat" cmpd="sng" algn="ctr">
+                      <a:solidFill>
+                        <a:schemeClr val="tx1"/>
+                      </a:solidFill>
+                      <a:prstDash val="solid"/>
+                      <a:round/>
+                      <a:headEnd type="none" w="med" len="med"/>
+                      <a:tailEnd type="none" w="med" len="med"/>
+                    </a:lnT>
+                    <a:lnB w="12700" cap="flat" cmpd="sng" algn="ctr">
+                      <a:solidFill>
+                        <a:schemeClr val="tx1"/>
+                      </a:solidFill>
+                      <a:prstDash val="solid"/>
+                      <a:round/>
+                      <a:headEnd type="none" w="med" len="med"/>
+                      <a:tailEnd type="none" w="med" len="med"/>
+                    </a:lnB>
+                    <a:solidFill>
+                      <a:schemeClr val="accent6">
+                        <a:lumMod val="60000"/>
+                        <a:lumOff val="40000"/>
+                      </a:schemeClr>
+                    </a:solidFill>
+                  </a:tcPr>
+                </a:tc>
+                <a:extLst>
+                  <a:ext uri="{0D108BD9-81ED-4DB2-BD59-A6C34878D82A}">
+                    <a16:rowId xmlns:a16="http://schemas.microsoft.com/office/drawing/2014/main" val="3054468741"/>
+                  </a:ext>
+                </a:extLst>
+              </a:tr>
+            </a:tbl>
+          </a:graphicData>
+        </a:graphic>
+      </p:graphicFrame>
+      <p:graphicFrame>
+        <p:nvGraphicFramePr>
+          <p:cNvPr id="11" name="表格 10">
+            <a:extLst>
+              <a:ext uri="{FF2B5EF4-FFF2-40B4-BE49-F238E27FC236}">
+                <a16:creationId xmlns:a16="http://schemas.microsoft.com/office/drawing/2014/main" id="{DEC70ED6-CCAB-4D49-92F1-D02C4B89D221}"/>
+              </a:ext>
+            </a:extLst>
+          </p:cNvPr>
+          <p:cNvGraphicFramePr>
+            <a:graphicFrameLocks noGrp="1"/>
+          </p:cNvGraphicFramePr>
+          <p:nvPr>
+            <p:extLst>
+              <p:ext uri="{D42A27DB-BD31-4B8C-83A1-F6EECF244321}">
+                <p14:modId xmlns:p14="http://schemas.microsoft.com/office/powerpoint/2010/main" val="3924262022"/>
+              </p:ext>
+            </p:extLst>
+          </p:nvPr>
+        </p:nvGraphicFramePr>
+        <p:xfrm>
+          <a:off x="5920774" y="2661613"/>
+          <a:ext cx="1973768" cy="370840"/>
+        </p:xfrm>
+        <a:graphic>
+          <a:graphicData uri="http://schemas.openxmlformats.org/drawingml/2006/table">
+            <a:tbl>
+              <a:tblPr firstRow="1" bandRow="1">
+                <a:tableStyleId>{5C22544A-7EE6-4342-B048-85BDC9FD1C3A}</a:tableStyleId>
+              </a:tblPr>
+              <a:tblGrid>
+                <a:gridCol w="493442">
+                  <a:extLst>
+                    <a:ext uri="{9D8B030D-6E8A-4147-A177-3AD203B41FA5}">
+                      <a16:colId xmlns:a16="http://schemas.microsoft.com/office/drawing/2014/main" val="1776970664"/>
+                    </a:ext>
+                  </a:extLst>
+                </a:gridCol>
+                <a:gridCol w="493442">
+                  <a:extLst>
+                    <a:ext uri="{9D8B030D-6E8A-4147-A177-3AD203B41FA5}">
+                      <a16:colId xmlns:a16="http://schemas.microsoft.com/office/drawing/2014/main" val="1156629452"/>
+                    </a:ext>
+                  </a:extLst>
+                </a:gridCol>
+                <a:gridCol w="493442">
+                  <a:extLst>
+                    <a:ext uri="{9D8B030D-6E8A-4147-A177-3AD203B41FA5}">
+                      <a16:colId xmlns:a16="http://schemas.microsoft.com/office/drawing/2014/main" val="177419232"/>
+                    </a:ext>
+                  </a:extLst>
+                </a:gridCol>
+                <a:gridCol w="493442">
+                  <a:extLst>
+                    <a:ext uri="{9D8B030D-6E8A-4147-A177-3AD203B41FA5}">
+                      <a16:colId xmlns:a16="http://schemas.microsoft.com/office/drawing/2014/main" val="3270505710"/>
+                    </a:ext>
+                  </a:extLst>
+                </a:gridCol>
+              </a:tblGrid>
+              <a:tr h="370840">
+                <a:tc>
+                  <a:txBody>
+                    <a:bodyPr/>
+                    <a:lstStyle/>
+                    <a:p>
+                      <a:pPr algn="ctr"/>
+                      <a:r>
+                        <a:rPr lang="en-US" altLang="zh-CN" sz="1600" b="0" dirty="0">
+                          <a:solidFill>
+                            <a:sysClr val="windowText" lastClr="000000"/>
+                          </a:solidFill>
+                          <a:latin typeface="Noto Sans CJK SC Regular" panose="020B0500000000000000" pitchFamily="34" charset="-122"/>
+                          <a:ea typeface="Noto Sans CJK SC Regular" panose="020B0500000000000000" pitchFamily="34" charset="-122"/>
+                        </a:rPr>
+                        <a:t>h</a:t>
+                      </a:r>
+                      <a:endParaRPr lang="zh-CN" altLang="en-US" sz="1600" b="0" dirty="0">
+                        <a:solidFill>
+                          <a:sysClr val="windowText" lastClr="000000"/>
+                        </a:solidFill>
+                        <a:latin typeface="Noto Sans CJK SC Regular" panose="020B0500000000000000" pitchFamily="34" charset="-122"/>
+                        <a:ea typeface="Noto Sans CJK SC Regular" panose="020B0500000000000000" pitchFamily="34" charset="-122"/>
+                      </a:endParaRPr>
+                    </a:p>
+                  </a:txBody>
+                  <a:tcPr anchor="ctr">
+                    <a:lnL w="12700" cap="flat" cmpd="sng" algn="ctr">
+                      <a:solidFill>
+                        <a:schemeClr val="tx1"/>
+                      </a:solidFill>
+                      <a:prstDash val="solid"/>
+                      <a:round/>
+                      <a:headEnd type="none" w="med" len="med"/>
+                      <a:tailEnd type="none" w="med" len="med"/>
+                    </a:lnL>
+                    <a:lnR w="12700" cap="flat" cmpd="sng" algn="ctr">
+                      <a:solidFill>
+                        <a:schemeClr val="tx1"/>
+                      </a:solidFill>
+                      <a:prstDash val="solid"/>
+                      <a:round/>
+                      <a:headEnd type="none" w="med" len="med"/>
+                      <a:tailEnd type="none" w="med" len="med"/>
+                    </a:lnR>
+                    <a:lnT w="12700" cap="flat" cmpd="sng" algn="ctr">
+                      <a:solidFill>
+                        <a:schemeClr val="tx1"/>
+                      </a:solidFill>
+                      <a:prstDash val="solid"/>
+                      <a:round/>
+                      <a:headEnd type="none" w="med" len="med"/>
+                      <a:tailEnd type="none" w="med" len="med"/>
+                    </a:lnT>
+                    <a:lnB w="12700" cap="flat" cmpd="sng" algn="ctr">
+                      <a:solidFill>
+                        <a:schemeClr val="tx1"/>
+                      </a:solidFill>
+                      <a:prstDash val="solid"/>
+                      <a:round/>
+                      <a:headEnd type="none" w="med" len="med"/>
+                      <a:tailEnd type="none" w="med" len="med"/>
+                    </a:lnB>
+                    <a:solidFill>
+                      <a:schemeClr val="accent2">
+                        <a:lumMod val="20000"/>
+                        <a:lumOff val="80000"/>
+                      </a:schemeClr>
+                    </a:solidFill>
+                  </a:tcPr>
+                </a:tc>
+                <a:tc>
+                  <a:txBody>
+                    <a:bodyPr/>
+                    <a:lstStyle/>
+                    <a:p>
+                      <a:pPr algn="ctr"/>
+                      <a:r>
+                        <a:rPr lang="en-US" altLang="zh-CN" sz="1600" b="0" dirty="0">
+                          <a:solidFill>
+                            <a:sysClr val="windowText" lastClr="000000"/>
+                          </a:solidFill>
+                          <a:latin typeface="Noto Sans CJK SC Regular" panose="020B0500000000000000" pitchFamily="34" charset="-122"/>
+                          <a:ea typeface="Noto Sans CJK SC Regular" panose="020B0500000000000000" pitchFamily="34" charset="-122"/>
+                        </a:rPr>
+                        <a:t>o</a:t>
+                      </a:r>
+                      <a:endParaRPr lang="zh-CN" altLang="en-US" sz="1600" b="0" dirty="0">
+                        <a:solidFill>
+                          <a:sysClr val="windowText" lastClr="000000"/>
+                        </a:solidFill>
+                        <a:latin typeface="Noto Sans CJK SC Regular" panose="020B0500000000000000" pitchFamily="34" charset="-122"/>
+                        <a:ea typeface="Noto Sans CJK SC Regular" panose="020B0500000000000000" pitchFamily="34" charset="-122"/>
+                      </a:endParaRPr>
+                    </a:p>
+                  </a:txBody>
+                  <a:tcPr anchor="ctr">
+                    <a:lnL w="12700" cap="flat" cmpd="sng" algn="ctr">
+                      <a:solidFill>
+                        <a:schemeClr val="tx1"/>
+                      </a:solidFill>
+                      <a:prstDash val="solid"/>
+                      <a:round/>
+                      <a:headEnd type="none" w="med" len="med"/>
+                      <a:tailEnd type="none" w="med" len="med"/>
+                    </a:lnL>
+                    <a:lnR w="12700" cap="flat" cmpd="sng" algn="ctr">
+                      <a:solidFill>
+                        <a:schemeClr val="tx1"/>
+                      </a:solidFill>
+                      <a:prstDash val="solid"/>
+                      <a:round/>
+                      <a:headEnd type="none" w="med" len="med"/>
+                      <a:tailEnd type="none" w="med" len="med"/>
+                    </a:lnR>
+                    <a:lnT w="12700" cap="flat" cmpd="sng" algn="ctr">
+                      <a:solidFill>
+                        <a:schemeClr val="tx1"/>
+                      </a:solidFill>
+                      <a:prstDash val="solid"/>
+                      <a:round/>
+                      <a:headEnd type="none" w="med" len="med"/>
+                      <a:tailEnd type="none" w="med" len="med"/>
+                    </a:lnT>
+                    <a:lnB w="12700" cap="flat" cmpd="sng" algn="ctr">
+                      <a:solidFill>
+                        <a:schemeClr val="tx1"/>
+                      </a:solidFill>
+                      <a:prstDash val="solid"/>
+                      <a:round/>
+                      <a:headEnd type="none" w="med" len="med"/>
+                      <a:tailEnd type="none" w="med" len="med"/>
+                    </a:lnB>
+                    <a:solidFill>
+                      <a:schemeClr val="accent2">
+                        <a:lumMod val="20000"/>
+                        <a:lumOff val="80000"/>
+                      </a:schemeClr>
+                    </a:solidFill>
+                  </a:tcPr>
+                </a:tc>
+                <a:tc>
+                  <a:txBody>
+                    <a:bodyPr/>
+                    <a:lstStyle/>
+                    <a:p>
+                      <a:pPr algn="ctr"/>
+                      <a:r>
+                        <a:rPr lang="en-US" altLang="zh-CN" sz="1600" b="0" dirty="0">
+                          <a:solidFill>
+                            <a:sysClr val="windowText" lastClr="000000"/>
+                          </a:solidFill>
+                          <a:latin typeface="Noto Sans CJK SC Regular" panose="020B0500000000000000" pitchFamily="34" charset="-122"/>
+                          <a:ea typeface="Noto Sans CJK SC Regular" panose="020B0500000000000000" pitchFamily="34" charset="-122"/>
+                        </a:rPr>
+                        <a:t>r</a:t>
+                      </a:r>
+                      <a:endParaRPr lang="zh-CN" altLang="en-US" sz="1600" b="0" dirty="0">
+                        <a:solidFill>
+                          <a:sysClr val="windowText" lastClr="000000"/>
+                        </a:solidFill>
+                        <a:latin typeface="Noto Sans CJK SC Regular" panose="020B0500000000000000" pitchFamily="34" charset="-122"/>
+                        <a:ea typeface="Noto Sans CJK SC Regular" panose="020B0500000000000000" pitchFamily="34" charset="-122"/>
+                      </a:endParaRPr>
+                    </a:p>
+                  </a:txBody>
+                  <a:tcPr anchor="ctr">
+                    <a:lnL w="12700" cap="flat" cmpd="sng" algn="ctr">
+                      <a:solidFill>
+                        <a:schemeClr val="tx1"/>
+                      </a:solidFill>
+                      <a:prstDash val="solid"/>
+                      <a:round/>
+                      <a:headEnd type="none" w="med" len="med"/>
+                      <a:tailEnd type="none" w="med" len="med"/>
+                    </a:lnL>
+                    <a:lnR w="12700" cap="flat" cmpd="sng" algn="ctr">
+                      <a:solidFill>
+                        <a:schemeClr val="tx1"/>
+                      </a:solidFill>
+                      <a:prstDash val="solid"/>
+                      <a:round/>
+                      <a:headEnd type="none" w="med" len="med"/>
+                      <a:tailEnd type="none" w="med" len="med"/>
+                    </a:lnR>
+                    <a:lnT w="12700" cap="flat" cmpd="sng" algn="ctr">
+                      <a:solidFill>
+                        <a:schemeClr val="tx1"/>
+                      </a:solidFill>
+                      <a:prstDash val="solid"/>
+                      <a:round/>
+                      <a:headEnd type="none" w="med" len="med"/>
+                      <a:tailEnd type="none" w="med" len="med"/>
+                    </a:lnT>
+                    <a:lnB w="12700" cap="flat" cmpd="sng" algn="ctr">
+                      <a:solidFill>
+                        <a:schemeClr val="tx1"/>
+                      </a:solidFill>
+                      <a:prstDash val="solid"/>
+                      <a:round/>
+                      <a:headEnd type="none" w="med" len="med"/>
+                      <a:tailEnd type="none" w="med" len="med"/>
+                    </a:lnB>
+                    <a:solidFill>
+                      <a:schemeClr val="accent2">
+                        <a:lumMod val="20000"/>
+                        <a:lumOff val="80000"/>
+                      </a:schemeClr>
+                    </a:solidFill>
+                  </a:tcPr>
+                </a:tc>
+                <a:tc>
+                  <a:txBody>
+                    <a:bodyPr/>
+                    <a:lstStyle/>
+                    <a:p>
+                      <a:pPr algn="ctr"/>
+                      <a:r>
+                        <a:rPr lang="en-US" altLang="zh-CN" sz="1600" b="0" dirty="0">
+                          <a:solidFill>
+                            <a:sysClr val="windowText" lastClr="000000"/>
+                          </a:solidFill>
+                          <a:latin typeface="Noto Sans CJK SC Regular" panose="020B0500000000000000" pitchFamily="34" charset="-122"/>
+                          <a:ea typeface="Noto Sans CJK SC Regular" panose="020B0500000000000000" pitchFamily="34" charset="-122"/>
+                        </a:rPr>
+                        <a:t>s</a:t>
+                      </a:r>
+                      <a:endParaRPr lang="zh-CN" altLang="en-US" sz="1600" b="0" dirty="0">
+                        <a:solidFill>
+                          <a:sysClr val="windowText" lastClr="000000"/>
+                        </a:solidFill>
+                        <a:latin typeface="Noto Sans CJK SC Regular" panose="020B0500000000000000" pitchFamily="34" charset="-122"/>
+                        <a:ea typeface="Noto Sans CJK SC Regular" panose="020B0500000000000000" pitchFamily="34" charset="-122"/>
+                      </a:endParaRPr>
+                    </a:p>
+                  </a:txBody>
+                  <a:tcPr anchor="ctr">
+                    <a:lnL w="12700" cap="flat" cmpd="sng" algn="ctr">
+                      <a:solidFill>
+                        <a:schemeClr val="tx1"/>
+                      </a:solidFill>
+                      <a:prstDash val="solid"/>
+                      <a:round/>
+                      <a:headEnd type="none" w="med" len="med"/>
+                      <a:tailEnd type="none" w="med" len="med"/>
+                    </a:lnL>
+                    <a:lnR w="12700" cap="flat" cmpd="sng" algn="ctr">
+                      <a:solidFill>
+                        <a:schemeClr val="tx1"/>
+                      </a:solidFill>
+                      <a:prstDash val="solid"/>
+                      <a:round/>
+                      <a:headEnd type="none" w="med" len="med"/>
+                      <a:tailEnd type="none" w="med" len="med"/>
+                    </a:lnR>
+                    <a:lnT w="12700" cap="flat" cmpd="sng" algn="ctr">
+                      <a:solidFill>
+                        <a:schemeClr val="tx1"/>
+                      </a:solidFill>
+                      <a:prstDash val="solid"/>
+                      <a:round/>
+                      <a:headEnd type="none" w="med" len="med"/>
+                      <a:tailEnd type="none" w="med" len="med"/>
+                    </a:lnT>
+                    <a:lnB w="12700" cap="flat" cmpd="sng" algn="ctr">
+                      <a:solidFill>
+                        <a:schemeClr val="tx1"/>
+                      </a:solidFill>
+                      <a:prstDash val="solid"/>
+                      <a:round/>
+                      <a:headEnd type="none" w="med" len="med"/>
+                      <a:tailEnd type="none" w="med" len="med"/>
+                    </a:lnB>
+                    <a:solidFill>
+                      <a:schemeClr val="accent2">
+                        <a:lumMod val="20000"/>
+                        <a:lumOff val="80000"/>
+                      </a:schemeClr>
+                    </a:solidFill>
+                  </a:tcPr>
+                </a:tc>
+                <a:extLst>
+                  <a:ext uri="{0D108BD9-81ED-4DB2-BD59-A6C34878D82A}">
+                    <a16:rowId xmlns:a16="http://schemas.microsoft.com/office/drawing/2014/main" val="3054468741"/>
+                  </a:ext>
+                </a:extLst>
+              </a:tr>
+            </a:tbl>
+          </a:graphicData>
+        </a:graphic>
+      </p:graphicFrame>
+      <p:graphicFrame>
+        <p:nvGraphicFramePr>
+          <p:cNvPr id="12" name="表格 11">
+            <a:extLst>
+              <a:ext uri="{FF2B5EF4-FFF2-40B4-BE49-F238E27FC236}">
+                <a16:creationId xmlns:a16="http://schemas.microsoft.com/office/drawing/2014/main" id="{53F8A064-2E6F-4E9F-8D87-8A2253D13E87}"/>
+              </a:ext>
+            </a:extLst>
+          </p:cNvPr>
+          <p:cNvGraphicFramePr>
+            <a:graphicFrameLocks noGrp="1"/>
+          </p:cNvGraphicFramePr>
+          <p:nvPr>
+            <p:extLst>
+              <p:ext uri="{D42A27DB-BD31-4B8C-83A1-F6EECF244321}">
+                <p14:modId xmlns:p14="http://schemas.microsoft.com/office/powerpoint/2010/main" val="2869620720"/>
+              </p:ext>
+            </p:extLst>
+          </p:nvPr>
+        </p:nvGraphicFramePr>
+        <p:xfrm>
+          <a:off x="5905267" y="4006582"/>
+          <a:ext cx="1973768" cy="370840"/>
+        </p:xfrm>
+        <a:graphic>
+          <a:graphicData uri="http://schemas.openxmlformats.org/drawingml/2006/table">
+            <a:tbl>
+              <a:tblPr firstRow="1" bandRow="1">
+                <a:tableStyleId>{5C22544A-7EE6-4342-B048-85BDC9FD1C3A}</a:tableStyleId>
+              </a:tblPr>
+              <a:tblGrid>
+                <a:gridCol w="493442">
+                  <a:extLst>
+                    <a:ext uri="{9D8B030D-6E8A-4147-A177-3AD203B41FA5}">
+                      <a16:colId xmlns:a16="http://schemas.microsoft.com/office/drawing/2014/main" val="1776970664"/>
+                    </a:ext>
+                  </a:extLst>
+                </a:gridCol>
+                <a:gridCol w="493442">
+                  <a:extLst>
+                    <a:ext uri="{9D8B030D-6E8A-4147-A177-3AD203B41FA5}">
+                      <a16:colId xmlns:a16="http://schemas.microsoft.com/office/drawing/2014/main" val="1156629452"/>
+                    </a:ext>
+                  </a:extLst>
+                </a:gridCol>
+                <a:gridCol w="493442">
+                  <a:extLst>
+                    <a:ext uri="{9D8B030D-6E8A-4147-A177-3AD203B41FA5}">
+                      <a16:colId xmlns:a16="http://schemas.microsoft.com/office/drawing/2014/main" val="177419232"/>
+                    </a:ext>
+                  </a:extLst>
+                </a:gridCol>
+                <a:gridCol w="493442">
+                  <a:extLst>
+                    <a:ext uri="{9D8B030D-6E8A-4147-A177-3AD203B41FA5}">
+                      <a16:colId xmlns:a16="http://schemas.microsoft.com/office/drawing/2014/main" val="3270505710"/>
+                    </a:ext>
+                  </a:extLst>
+                </a:gridCol>
+              </a:tblGrid>
+              <a:tr h="370840">
+                <a:tc>
+                  <a:txBody>
+                    <a:bodyPr/>
+                    <a:lstStyle/>
+                    <a:p>
+                      <a:pPr algn="ctr"/>
+                      <a:r>
+                        <a:rPr lang="en-US" altLang="zh-CN" sz="1600" b="0" dirty="0">
+                          <a:solidFill>
+                            <a:sysClr val="windowText" lastClr="000000"/>
+                          </a:solidFill>
+                          <a:latin typeface="Noto Sans CJK SC Regular" panose="020B0500000000000000" pitchFamily="34" charset="-122"/>
+                          <a:ea typeface="Noto Sans CJK SC Regular" panose="020B0500000000000000" pitchFamily="34" charset="-122"/>
+                        </a:rPr>
+                        <a:t>r</a:t>
+                      </a:r>
+                      <a:endParaRPr lang="zh-CN" altLang="en-US" sz="1600" b="0" dirty="0">
+                        <a:solidFill>
+                          <a:sysClr val="windowText" lastClr="000000"/>
+                        </a:solidFill>
+                        <a:latin typeface="Noto Sans CJK SC Regular" panose="020B0500000000000000" pitchFamily="34" charset="-122"/>
+                        <a:ea typeface="Noto Sans CJK SC Regular" panose="020B0500000000000000" pitchFamily="34" charset="-122"/>
+                      </a:endParaRPr>
+                    </a:p>
+                  </a:txBody>
+                  <a:tcPr anchor="ctr">
+                    <a:lnL w="12700" cap="flat" cmpd="sng" algn="ctr">
+                      <a:solidFill>
+                        <a:schemeClr val="tx1"/>
+                      </a:solidFill>
+                      <a:prstDash val="solid"/>
+                      <a:round/>
+                      <a:headEnd type="none" w="med" len="med"/>
+                      <a:tailEnd type="none" w="med" len="med"/>
+                    </a:lnL>
+                    <a:lnR w="12700" cap="flat" cmpd="sng" algn="ctr">
+                      <a:solidFill>
+                        <a:schemeClr val="tx1"/>
+                      </a:solidFill>
+                      <a:prstDash val="solid"/>
+                      <a:round/>
+                      <a:headEnd type="none" w="med" len="med"/>
+                      <a:tailEnd type="none" w="med" len="med"/>
+                    </a:lnR>
+                    <a:lnT w="12700" cap="flat" cmpd="sng" algn="ctr">
+                      <a:solidFill>
+                        <a:schemeClr val="tx1"/>
+                      </a:solidFill>
+                      <a:prstDash val="solid"/>
+                      <a:round/>
+                      <a:headEnd type="none" w="med" len="med"/>
+                      <a:tailEnd type="none" w="med" len="med"/>
+                    </a:lnT>
+                    <a:lnB w="12700" cap="flat" cmpd="sng" algn="ctr">
+                      <a:solidFill>
+                        <a:schemeClr val="tx1"/>
+                      </a:solidFill>
+                      <a:prstDash val="solid"/>
+                      <a:round/>
+                      <a:headEnd type="none" w="med" len="med"/>
+                      <a:tailEnd type="none" w="med" len="med"/>
+                    </a:lnB>
+                    <a:solidFill>
+                      <a:schemeClr val="accent6">
+                        <a:lumMod val="20000"/>
+                        <a:lumOff val="80000"/>
+                      </a:schemeClr>
+                    </a:solidFill>
+                  </a:tcPr>
+                </a:tc>
+                <a:tc>
+                  <a:txBody>
+                    <a:bodyPr/>
+                    <a:lstStyle/>
+                    <a:p>
+                      <a:pPr algn="ctr"/>
+                      <a:r>
+                        <a:rPr lang="en-US" altLang="zh-CN" sz="1600" b="0" dirty="0">
+                          <a:solidFill>
+                            <a:sysClr val="windowText" lastClr="000000"/>
+                          </a:solidFill>
+                          <a:latin typeface="Noto Sans CJK SC Regular" panose="020B0500000000000000" pitchFamily="34" charset="-122"/>
+                          <a:ea typeface="Noto Sans CJK SC Regular" panose="020B0500000000000000" pitchFamily="34" charset="-122"/>
+                        </a:rPr>
+                        <a:t>o</a:t>
+                      </a:r>
+                      <a:endParaRPr lang="zh-CN" altLang="en-US" sz="1600" b="0" dirty="0">
+                        <a:solidFill>
+                          <a:sysClr val="windowText" lastClr="000000"/>
+                        </a:solidFill>
+                        <a:latin typeface="Noto Sans CJK SC Regular" panose="020B0500000000000000" pitchFamily="34" charset="-122"/>
+                        <a:ea typeface="Noto Sans CJK SC Regular" panose="020B0500000000000000" pitchFamily="34" charset="-122"/>
+                      </a:endParaRPr>
+                    </a:p>
+                  </a:txBody>
+                  <a:tcPr anchor="ctr">
+                    <a:lnL w="12700" cap="flat" cmpd="sng" algn="ctr">
+                      <a:solidFill>
+                        <a:schemeClr val="tx1"/>
+                      </a:solidFill>
+                      <a:prstDash val="solid"/>
+                      <a:round/>
+                      <a:headEnd type="none" w="med" len="med"/>
+                      <a:tailEnd type="none" w="med" len="med"/>
+                    </a:lnL>
+                    <a:lnR w="12700" cap="flat" cmpd="sng" algn="ctr">
+                      <a:solidFill>
+                        <a:schemeClr val="tx1"/>
+                      </a:solidFill>
+                      <a:prstDash val="solid"/>
+                      <a:round/>
+                      <a:headEnd type="none" w="med" len="med"/>
+                      <a:tailEnd type="none" w="med" len="med"/>
+                    </a:lnR>
+                    <a:lnT w="12700" cap="flat" cmpd="sng" algn="ctr">
+                      <a:solidFill>
+                        <a:schemeClr val="tx1"/>
+                      </a:solidFill>
+                      <a:prstDash val="solid"/>
+                      <a:round/>
+                      <a:headEnd type="none" w="med" len="med"/>
+                      <a:tailEnd type="none" w="med" len="med"/>
+                    </a:lnT>
+                    <a:lnB w="12700" cap="flat" cmpd="sng" algn="ctr">
+                      <a:solidFill>
+                        <a:schemeClr val="tx1"/>
+                      </a:solidFill>
+                      <a:prstDash val="solid"/>
+                      <a:round/>
+                      <a:headEnd type="none" w="med" len="med"/>
+                      <a:tailEnd type="none" w="med" len="med"/>
+                    </a:lnB>
+                    <a:solidFill>
+                      <a:schemeClr val="accent6">
+                        <a:lumMod val="20000"/>
+                        <a:lumOff val="80000"/>
+                      </a:schemeClr>
+                    </a:solidFill>
+                  </a:tcPr>
+                </a:tc>
+                <a:tc>
+                  <a:txBody>
+                    <a:bodyPr/>
+                    <a:lstStyle/>
+                    <a:p>
+                      <a:pPr algn="ctr"/>
+                      <a:r>
+                        <a:rPr lang="en-US" altLang="zh-CN" sz="1600" b="0" dirty="0">
+                          <a:solidFill>
+                            <a:sysClr val="windowText" lastClr="000000"/>
+                          </a:solidFill>
+                          <a:latin typeface="Noto Sans CJK SC Regular" panose="020B0500000000000000" pitchFamily="34" charset="-122"/>
+                          <a:ea typeface="Noto Sans CJK SC Regular" panose="020B0500000000000000" pitchFamily="34" charset="-122"/>
+                        </a:rPr>
+                        <a:t>s</a:t>
+                      </a:r>
+                      <a:endParaRPr lang="zh-CN" altLang="en-US" sz="1600" b="0" dirty="0">
+                        <a:solidFill>
+                          <a:sysClr val="windowText" lastClr="000000"/>
+                        </a:solidFill>
+                        <a:latin typeface="Noto Sans CJK SC Regular" panose="020B0500000000000000" pitchFamily="34" charset="-122"/>
+                        <a:ea typeface="Noto Sans CJK SC Regular" panose="020B0500000000000000" pitchFamily="34" charset="-122"/>
+                      </a:endParaRPr>
+                    </a:p>
+                  </a:txBody>
+                  <a:tcPr anchor="ctr">
+                    <a:lnL w="12700" cap="flat" cmpd="sng" algn="ctr">
+                      <a:solidFill>
+                        <a:schemeClr val="tx1"/>
+                      </a:solidFill>
+                      <a:prstDash val="solid"/>
+                      <a:round/>
+                      <a:headEnd type="none" w="med" len="med"/>
+                      <a:tailEnd type="none" w="med" len="med"/>
+                    </a:lnL>
+                    <a:lnR w="12700" cap="flat" cmpd="sng" algn="ctr">
+                      <a:solidFill>
+                        <a:schemeClr val="tx1"/>
+                      </a:solidFill>
+                      <a:prstDash val="solid"/>
+                      <a:round/>
+                      <a:headEnd type="none" w="med" len="med"/>
+                      <a:tailEnd type="none" w="med" len="med"/>
+                    </a:lnR>
+                    <a:lnT w="12700" cap="flat" cmpd="sng" algn="ctr">
+                      <a:solidFill>
+                        <a:schemeClr val="tx1"/>
+                      </a:solidFill>
+                      <a:prstDash val="solid"/>
+                      <a:round/>
+                      <a:headEnd type="none" w="med" len="med"/>
+                      <a:tailEnd type="none" w="med" len="med"/>
+                    </a:lnT>
+                    <a:lnB w="12700" cap="flat" cmpd="sng" algn="ctr">
+                      <a:solidFill>
+                        <a:schemeClr val="tx1"/>
+                      </a:solidFill>
+                      <a:prstDash val="solid"/>
+                      <a:round/>
+                      <a:headEnd type="none" w="med" len="med"/>
+                      <a:tailEnd type="none" w="med" len="med"/>
+                    </a:lnB>
+                    <a:solidFill>
+                      <a:schemeClr val="accent6">
+                        <a:lumMod val="20000"/>
+                        <a:lumOff val="80000"/>
+                      </a:schemeClr>
+                    </a:solidFill>
+                  </a:tcPr>
+                </a:tc>
+                <a:tc>
+                  <a:txBody>
+                    <a:bodyPr/>
+                    <a:lstStyle/>
+                    <a:p>
+                      <a:pPr algn="ctr"/>
+                      <a:r>
+                        <a:rPr lang="en-US" altLang="zh-CN" sz="1600" b="0" dirty="0">
+                          <a:solidFill>
+                            <a:sysClr val="windowText" lastClr="000000"/>
+                          </a:solidFill>
+                          <a:latin typeface="Noto Sans CJK SC Regular" panose="020B0500000000000000" pitchFamily="34" charset="-122"/>
+                          <a:ea typeface="Noto Sans CJK SC Regular" panose="020B0500000000000000" pitchFamily="34" charset="-122"/>
+                        </a:rPr>
+                        <a:t>e</a:t>
+                      </a:r>
+                      <a:endParaRPr lang="zh-CN" altLang="en-US" sz="1600" b="0" dirty="0">
+                        <a:solidFill>
+                          <a:sysClr val="windowText" lastClr="000000"/>
+                        </a:solidFill>
+                        <a:latin typeface="Noto Sans CJK SC Regular" panose="020B0500000000000000" pitchFamily="34" charset="-122"/>
+                        <a:ea typeface="Noto Sans CJK SC Regular" panose="020B0500000000000000" pitchFamily="34" charset="-122"/>
+                      </a:endParaRPr>
+                    </a:p>
+                  </a:txBody>
+                  <a:tcPr anchor="ctr">
+                    <a:lnL w="12700" cap="flat" cmpd="sng" algn="ctr">
+                      <a:solidFill>
+                        <a:schemeClr val="tx1"/>
+                      </a:solidFill>
+                      <a:prstDash val="solid"/>
+                      <a:round/>
+                      <a:headEnd type="none" w="med" len="med"/>
+                      <a:tailEnd type="none" w="med" len="med"/>
+                    </a:lnL>
+                    <a:lnR w="12700" cap="flat" cmpd="sng" algn="ctr">
+                      <a:solidFill>
+                        <a:schemeClr val="tx1"/>
+                      </a:solidFill>
+                      <a:prstDash val="solid"/>
+                      <a:round/>
+                      <a:headEnd type="none" w="med" len="med"/>
+                      <a:tailEnd type="none" w="med" len="med"/>
+                    </a:lnR>
+                    <a:lnT w="12700" cap="flat" cmpd="sng" algn="ctr">
+                      <a:solidFill>
+                        <a:schemeClr val="tx1"/>
+                      </a:solidFill>
+                      <a:prstDash val="solid"/>
+                      <a:round/>
+                      <a:headEnd type="none" w="med" len="med"/>
+                      <a:tailEnd type="none" w="med" len="med"/>
+                    </a:lnT>
+                    <a:lnB w="12700" cap="flat" cmpd="sng" algn="ctr">
+                      <a:solidFill>
+                        <a:schemeClr val="tx1"/>
+                      </a:solidFill>
+                      <a:prstDash val="solid"/>
+                      <a:round/>
+                      <a:headEnd type="none" w="med" len="med"/>
+                      <a:tailEnd type="none" w="med" len="med"/>
+                    </a:lnB>
+                    <a:solidFill>
+                      <a:schemeClr val="accent2">
+                        <a:lumMod val="60000"/>
+                        <a:lumOff val="40000"/>
+                      </a:schemeClr>
+                    </a:solidFill>
+                  </a:tcPr>
+                </a:tc>
+                <a:extLst>
+                  <a:ext uri="{0D108BD9-81ED-4DB2-BD59-A6C34878D82A}">
+                    <a16:rowId xmlns:a16="http://schemas.microsoft.com/office/drawing/2014/main" val="3054468741"/>
+                  </a:ext>
+                </a:extLst>
+              </a:tr>
+            </a:tbl>
+          </a:graphicData>
+        </a:graphic>
+      </p:graphicFrame>
+      <p:sp>
+        <p:nvSpPr>
+          <p:cNvPr id="13" name="文本框 12">
+            <a:extLst>
+              <a:ext uri="{FF2B5EF4-FFF2-40B4-BE49-F238E27FC236}">
+                <a16:creationId xmlns:a16="http://schemas.microsoft.com/office/drawing/2014/main" id="{A4B31D09-33B9-4484-94A9-CCD8D2136FC8}"/>
+              </a:ext>
+            </a:extLst>
+          </p:cNvPr>
+          <p:cNvSpPr txBox="1"/>
+          <p:nvPr/>
+        </p:nvSpPr>
+        <p:spPr>
+          <a:xfrm>
+            <a:off x="1225687" y="1323079"/>
+            <a:ext cx="927310" cy="369332"/>
+          </a:xfrm>
+          <a:prstGeom prst="rect">
+            <a:avLst/>
+          </a:prstGeom>
+          <a:noFill/>
+        </p:spPr>
+        <p:txBody>
+          <a:bodyPr wrap="square" rtlCol="0">
+            <a:spAutoFit/>
+          </a:bodyPr>
+          <a:lstStyle/>
+          <a:p>
+            <a:pPr algn="ctr"/>
+            <a:r>
+              <a:rPr lang="en-US" altLang="zh-CN" dirty="0"/>
+              <a:t>Insert</a:t>
+            </a:r>
+            <a:r>
+              <a:rPr lang="zh-CN" altLang="en-US" dirty="0"/>
+              <a:t>：</a:t>
+            </a:r>
+          </a:p>
+        </p:txBody>
+      </p:sp>
+      <p:sp>
+        <p:nvSpPr>
+          <p:cNvPr id="14" name="文本框 13">
+            <a:extLst>
+              <a:ext uri="{FF2B5EF4-FFF2-40B4-BE49-F238E27FC236}">
+                <a16:creationId xmlns:a16="http://schemas.microsoft.com/office/drawing/2014/main" id="{E949DB26-8CDE-4AA3-980F-86E2E8F5672C}"/>
+              </a:ext>
+            </a:extLst>
+          </p:cNvPr>
+          <p:cNvSpPr txBox="1"/>
+          <p:nvPr/>
+        </p:nvSpPr>
+        <p:spPr>
+          <a:xfrm>
+            <a:off x="1225687" y="2663121"/>
+            <a:ext cx="927310" cy="369332"/>
+          </a:xfrm>
+          <a:prstGeom prst="rect">
+            <a:avLst/>
+          </a:prstGeom>
+          <a:noFill/>
+        </p:spPr>
+        <p:txBody>
+          <a:bodyPr wrap="square" rtlCol="0">
+            <a:spAutoFit/>
+          </a:bodyPr>
+          <a:lstStyle/>
+          <a:p>
+            <a:pPr algn="ctr"/>
+            <a:r>
+              <a:rPr lang="en-US" altLang="zh-CN" dirty="0"/>
+              <a:t>Delete</a:t>
+            </a:r>
+            <a:r>
+              <a:rPr lang="zh-CN" altLang="en-US" dirty="0"/>
+              <a:t>：</a:t>
+            </a:r>
+          </a:p>
+        </p:txBody>
+      </p:sp>
+      <p:sp>
+        <p:nvSpPr>
+          <p:cNvPr id="15" name="文本框 14">
+            <a:extLst>
+              <a:ext uri="{FF2B5EF4-FFF2-40B4-BE49-F238E27FC236}">
+                <a16:creationId xmlns:a16="http://schemas.microsoft.com/office/drawing/2014/main" id="{4580094B-C61E-4C92-8980-1F7201673022}"/>
+              </a:ext>
+            </a:extLst>
+          </p:cNvPr>
+          <p:cNvSpPr txBox="1"/>
+          <p:nvPr/>
+        </p:nvSpPr>
+        <p:spPr>
+          <a:xfrm>
+            <a:off x="1225687" y="4003163"/>
+            <a:ext cx="1002124" cy="369332"/>
+          </a:xfrm>
+          <a:prstGeom prst="rect">
+            <a:avLst/>
+          </a:prstGeom>
+          <a:noFill/>
+        </p:spPr>
+        <p:txBody>
+          <a:bodyPr wrap="square" rtlCol="0">
+            <a:spAutoFit/>
+          </a:bodyPr>
+          <a:lstStyle/>
+          <a:p>
+            <a:pPr algn="ctr"/>
+            <a:r>
+              <a:rPr lang="en-US" altLang="zh-CN" dirty="0"/>
+              <a:t>Replace</a:t>
+            </a:r>
+            <a:r>
+              <a:rPr lang="zh-CN" altLang="en-US" dirty="0"/>
+              <a:t>：</a:t>
+            </a:r>
+          </a:p>
+        </p:txBody>
+      </p:sp>
+      <p:cxnSp>
+        <p:nvCxnSpPr>
+          <p:cNvPr id="3" name="直接箭头连接符 2">
+            <a:extLst>
+              <a:ext uri="{FF2B5EF4-FFF2-40B4-BE49-F238E27FC236}">
+                <a16:creationId xmlns:a16="http://schemas.microsoft.com/office/drawing/2014/main" id="{180038F7-AE9D-478E-A03C-3FE59A7432D7}"/>
+              </a:ext>
+            </a:extLst>
+          </p:cNvPr>
+          <p:cNvCxnSpPr/>
+          <p:nvPr/>
+        </p:nvCxnSpPr>
+        <p:spPr>
+          <a:xfrm>
+            <a:off x="5303520" y="1521229"/>
+            <a:ext cx="440575" cy="0"/>
+          </a:xfrm>
+          <a:prstGeom prst="straightConnector1">
+            <a:avLst/>
+          </a:prstGeom>
+          <a:ln w="38100">
+            <a:tailEnd type="triangle"/>
+          </a:ln>
+        </p:spPr>
+        <p:style>
+          <a:lnRef idx="1">
+            <a:schemeClr val="dk1"/>
+          </a:lnRef>
+          <a:fillRef idx="0">
+            <a:schemeClr val="dk1"/>
+          </a:fillRef>
+          <a:effectRef idx="0">
+            <a:schemeClr val="dk1"/>
+          </a:effectRef>
+          <a:fontRef idx="minor">
+            <a:schemeClr val="tx1"/>
+          </a:fontRef>
+        </p:style>
+      </p:cxnSp>
+      <p:sp>
+        <p:nvSpPr>
+          <p:cNvPr id="16" name="文本框 15">
+            <a:extLst>
+              <a:ext uri="{FF2B5EF4-FFF2-40B4-BE49-F238E27FC236}">
+                <a16:creationId xmlns:a16="http://schemas.microsoft.com/office/drawing/2014/main" id="{F8F66069-97DE-41FE-8948-D6D18A8F463A}"/>
+              </a:ext>
+            </a:extLst>
+          </p:cNvPr>
+          <p:cNvSpPr txBox="1"/>
+          <p:nvPr/>
+        </p:nvSpPr>
+        <p:spPr>
+          <a:xfrm>
+            <a:off x="5060152" y="849499"/>
+            <a:ext cx="927310" cy="369332"/>
+          </a:xfrm>
+          <a:prstGeom prst="rect">
+            <a:avLst/>
+          </a:prstGeom>
+          <a:noFill/>
+        </p:spPr>
+        <p:txBody>
+          <a:bodyPr wrap="square" rtlCol="0">
+            <a:spAutoFit/>
+          </a:bodyPr>
+          <a:lstStyle/>
+          <a:p>
+            <a:pPr algn="ctr"/>
+            <a:r>
+              <a:rPr lang="en-US" altLang="zh-CN" dirty="0"/>
+              <a:t>d(i,j-1)</a:t>
+            </a:r>
+            <a:endParaRPr lang="zh-CN" altLang="en-US" dirty="0"/>
+          </a:p>
+        </p:txBody>
+      </p:sp>
+      <p:cxnSp>
+        <p:nvCxnSpPr>
+          <p:cNvPr id="17" name="直接箭头连接符 16">
+            <a:extLst>
+              <a:ext uri="{FF2B5EF4-FFF2-40B4-BE49-F238E27FC236}">
+                <a16:creationId xmlns:a16="http://schemas.microsoft.com/office/drawing/2014/main" id="{BC1EEFB9-E7ED-46D5-A6AA-2E6B3F0DEA43}"/>
+              </a:ext>
+            </a:extLst>
+          </p:cNvPr>
+          <p:cNvCxnSpPr/>
+          <p:nvPr/>
+        </p:nvCxnSpPr>
+        <p:spPr>
+          <a:xfrm>
+            <a:off x="7879035" y="1521229"/>
+            <a:ext cx="440575" cy="0"/>
+          </a:xfrm>
+          <a:prstGeom prst="straightConnector1">
+            <a:avLst/>
+          </a:prstGeom>
+          <a:ln w="38100">
+            <a:tailEnd type="triangle"/>
+          </a:ln>
+        </p:spPr>
+        <p:style>
+          <a:lnRef idx="1">
+            <a:schemeClr val="dk1"/>
+          </a:lnRef>
+          <a:fillRef idx="0">
+            <a:schemeClr val="dk1"/>
+          </a:fillRef>
+          <a:effectRef idx="0">
+            <a:schemeClr val="dk1"/>
+          </a:effectRef>
+          <a:fontRef idx="minor">
+            <a:schemeClr val="tx1"/>
+          </a:fontRef>
+        </p:style>
+      </p:cxnSp>
+      <p:sp>
+        <p:nvSpPr>
+          <p:cNvPr id="18" name="文本框 17">
+            <a:extLst>
+              <a:ext uri="{FF2B5EF4-FFF2-40B4-BE49-F238E27FC236}">
+                <a16:creationId xmlns:a16="http://schemas.microsoft.com/office/drawing/2014/main" id="{B1E400AA-E0D9-4FB0-9ED3-1CB12E2FA53A}"/>
+              </a:ext>
+            </a:extLst>
+          </p:cNvPr>
+          <p:cNvSpPr txBox="1"/>
+          <p:nvPr/>
+        </p:nvSpPr>
+        <p:spPr>
+          <a:xfrm>
+            <a:off x="7635667" y="849499"/>
+            <a:ext cx="927310" cy="369332"/>
+          </a:xfrm>
+          <a:prstGeom prst="rect">
+            <a:avLst/>
+          </a:prstGeom>
+          <a:noFill/>
+        </p:spPr>
+        <p:txBody>
+          <a:bodyPr wrap="square" rtlCol="0">
+            <a:spAutoFit/>
+          </a:bodyPr>
+          <a:lstStyle/>
+          <a:p>
+            <a:pPr algn="ctr"/>
+            <a:r>
+              <a:rPr lang="en-US" altLang="zh-CN" dirty="0"/>
+              <a:t>1</a:t>
+            </a:r>
+            <a:endParaRPr lang="zh-CN" altLang="en-US" dirty="0"/>
+          </a:p>
+        </p:txBody>
+      </p:sp>
+      <p:cxnSp>
+        <p:nvCxnSpPr>
+          <p:cNvPr id="19" name="直接箭头连接符 18">
+            <a:extLst>
+              <a:ext uri="{FF2B5EF4-FFF2-40B4-BE49-F238E27FC236}">
+                <a16:creationId xmlns:a16="http://schemas.microsoft.com/office/drawing/2014/main" id="{F7D466D8-8636-4F7D-80BA-E0B032A93BA5}"/>
+              </a:ext>
+            </a:extLst>
+          </p:cNvPr>
+          <p:cNvCxnSpPr/>
+          <p:nvPr/>
+        </p:nvCxnSpPr>
+        <p:spPr>
+          <a:xfrm>
+            <a:off x="5319027" y="2816075"/>
+            <a:ext cx="440575" cy="0"/>
+          </a:xfrm>
+          <a:prstGeom prst="straightConnector1">
+            <a:avLst/>
+          </a:prstGeom>
+          <a:ln w="38100">
+            <a:tailEnd type="triangle"/>
+          </a:ln>
+        </p:spPr>
+        <p:style>
+          <a:lnRef idx="1">
+            <a:schemeClr val="dk1"/>
+          </a:lnRef>
+          <a:fillRef idx="0">
+            <a:schemeClr val="dk1"/>
+          </a:fillRef>
+          <a:effectRef idx="0">
+            <a:schemeClr val="dk1"/>
+          </a:effectRef>
+          <a:fontRef idx="minor">
+            <a:schemeClr val="tx1"/>
+          </a:fontRef>
+        </p:style>
+      </p:cxnSp>
+      <p:sp>
+        <p:nvSpPr>
+          <p:cNvPr id="20" name="文本框 19">
+            <a:extLst>
+              <a:ext uri="{FF2B5EF4-FFF2-40B4-BE49-F238E27FC236}">
+                <a16:creationId xmlns:a16="http://schemas.microsoft.com/office/drawing/2014/main" id="{AAA80F3D-2C3B-4867-9615-60CDD3293494}"/>
+              </a:ext>
+            </a:extLst>
+          </p:cNvPr>
+          <p:cNvSpPr txBox="1"/>
+          <p:nvPr/>
+        </p:nvSpPr>
+        <p:spPr>
+          <a:xfrm>
+            <a:off x="5075659" y="2144345"/>
+            <a:ext cx="927310" cy="369332"/>
+          </a:xfrm>
+          <a:prstGeom prst="rect">
+            <a:avLst/>
+          </a:prstGeom>
+          <a:noFill/>
+        </p:spPr>
+        <p:txBody>
+          <a:bodyPr wrap="square" rtlCol="0">
+            <a:spAutoFit/>
+          </a:bodyPr>
+          <a:lstStyle/>
+          <a:p>
+            <a:pPr algn="ctr"/>
+            <a:r>
+              <a:rPr lang="en-US" altLang="zh-CN" dirty="0"/>
+              <a:t>1</a:t>
+            </a:r>
+            <a:endParaRPr lang="zh-CN" altLang="en-US" dirty="0"/>
+          </a:p>
+        </p:txBody>
+      </p:sp>
+      <p:cxnSp>
+        <p:nvCxnSpPr>
+          <p:cNvPr id="21" name="直接箭头连接符 20">
+            <a:extLst>
+              <a:ext uri="{FF2B5EF4-FFF2-40B4-BE49-F238E27FC236}">
+                <a16:creationId xmlns:a16="http://schemas.microsoft.com/office/drawing/2014/main" id="{800CF42A-B360-48E4-9F3A-98BCA4908849}"/>
+              </a:ext>
+            </a:extLst>
+          </p:cNvPr>
+          <p:cNvCxnSpPr/>
+          <p:nvPr/>
+        </p:nvCxnSpPr>
+        <p:spPr>
+          <a:xfrm>
+            <a:off x="8059367" y="2816075"/>
+            <a:ext cx="440575" cy="0"/>
+          </a:xfrm>
+          <a:prstGeom prst="straightConnector1">
+            <a:avLst/>
+          </a:prstGeom>
+          <a:ln w="38100">
+            <a:tailEnd type="triangle"/>
+          </a:ln>
+        </p:spPr>
+        <p:style>
+          <a:lnRef idx="1">
+            <a:schemeClr val="dk1"/>
+          </a:lnRef>
+          <a:fillRef idx="0">
+            <a:schemeClr val="dk1"/>
+          </a:fillRef>
+          <a:effectRef idx="0">
+            <a:schemeClr val="dk1"/>
+          </a:effectRef>
+          <a:fontRef idx="minor">
+            <a:schemeClr val="tx1"/>
+          </a:fontRef>
+        </p:style>
+      </p:cxnSp>
+      <p:sp>
+        <p:nvSpPr>
+          <p:cNvPr id="22" name="文本框 21">
+            <a:extLst>
+              <a:ext uri="{FF2B5EF4-FFF2-40B4-BE49-F238E27FC236}">
+                <a16:creationId xmlns:a16="http://schemas.microsoft.com/office/drawing/2014/main" id="{55B69522-8134-4441-8554-49D211D91D70}"/>
+              </a:ext>
+            </a:extLst>
+          </p:cNvPr>
+          <p:cNvSpPr txBox="1"/>
+          <p:nvPr/>
+        </p:nvSpPr>
+        <p:spPr>
+          <a:xfrm>
+            <a:off x="7817023" y="2144345"/>
+            <a:ext cx="927310" cy="369332"/>
+          </a:xfrm>
+          <a:prstGeom prst="rect">
+            <a:avLst/>
+          </a:prstGeom>
+          <a:noFill/>
+        </p:spPr>
+        <p:txBody>
+          <a:bodyPr wrap="square" rtlCol="0">
+            <a:spAutoFit/>
+          </a:bodyPr>
+          <a:lstStyle/>
+          <a:p>
+            <a:pPr algn="ctr"/>
+            <a:r>
+              <a:rPr lang="en-US" altLang="zh-CN" dirty="0"/>
+              <a:t>d(i-1,j)</a:t>
+            </a:r>
+            <a:endParaRPr lang="zh-CN" altLang="en-US" dirty="0"/>
+          </a:p>
+        </p:txBody>
+      </p:sp>
+      <p:cxnSp>
+        <p:nvCxnSpPr>
+          <p:cNvPr id="23" name="直接箭头连接符 22">
+            <a:extLst>
+              <a:ext uri="{FF2B5EF4-FFF2-40B4-BE49-F238E27FC236}">
+                <a16:creationId xmlns:a16="http://schemas.microsoft.com/office/drawing/2014/main" id="{C0271716-6911-4F6D-BF8D-D6601CB7808F}"/>
+              </a:ext>
+            </a:extLst>
+          </p:cNvPr>
+          <p:cNvCxnSpPr/>
+          <p:nvPr/>
+        </p:nvCxnSpPr>
+        <p:spPr>
+          <a:xfrm>
+            <a:off x="5303520" y="4163616"/>
+            <a:ext cx="440575" cy="0"/>
+          </a:xfrm>
+          <a:prstGeom prst="straightConnector1">
+            <a:avLst/>
+          </a:prstGeom>
+          <a:ln w="38100">
+            <a:tailEnd type="triangle"/>
+          </a:ln>
+        </p:spPr>
+        <p:style>
+          <a:lnRef idx="1">
+            <a:schemeClr val="dk1"/>
+          </a:lnRef>
+          <a:fillRef idx="0">
+            <a:schemeClr val="dk1"/>
+          </a:fillRef>
+          <a:effectRef idx="0">
+            <a:schemeClr val="dk1"/>
+          </a:effectRef>
+          <a:fontRef idx="minor">
+            <a:schemeClr val="tx1"/>
+          </a:fontRef>
+        </p:style>
+      </p:cxnSp>
+      <p:sp>
+        <p:nvSpPr>
+          <p:cNvPr id="24" name="文本框 23">
+            <a:extLst>
+              <a:ext uri="{FF2B5EF4-FFF2-40B4-BE49-F238E27FC236}">
+                <a16:creationId xmlns:a16="http://schemas.microsoft.com/office/drawing/2014/main" id="{EC6A0418-F09C-4DAE-B9A2-DF5CEC538D2E}"/>
+              </a:ext>
+            </a:extLst>
+          </p:cNvPr>
+          <p:cNvSpPr txBox="1"/>
+          <p:nvPr/>
+        </p:nvSpPr>
+        <p:spPr>
+          <a:xfrm>
+            <a:off x="4951614" y="3491886"/>
+            <a:ext cx="1144386" cy="369332"/>
+          </a:xfrm>
+          <a:prstGeom prst="rect">
+            <a:avLst/>
+          </a:prstGeom>
+          <a:noFill/>
+        </p:spPr>
+        <p:txBody>
+          <a:bodyPr wrap="square" rtlCol="0">
+            <a:spAutoFit/>
+          </a:bodyPr>
+          <a:lstStyle/>
+          <a:p>
+            <a:pPr algn="ctr"/>
+            <a:r>
+              <a:rPr lang="en-US" altLang="zh-CN" dirty="0"/>
+              <a:t>d(i-1,j-1)</a:t>
+            </a:r>
+            <a:endParaRPr lang="zh-CN" altLang="en-US" dirty="0"/>
+          </a:p>
+        </p:txBody>
+      </p:sp>
+      <p:cxnSp>
+        <p:nvCxnSpPr>
+          <p:cNvPr id="25" name="直接箭头连接符 24">
+            <a:extLst>
+              <a:ext uri="{FF2B5EF4-FFF2-40B4-BE49-F238E27FC236}">
+                <a16:creationId xmlns:a16="http://schemas.microsoft.com/office/drawing/2014/main" id="{F926C996-006C-4CDF-8E48-E2A2A045C6D5}"/>
+              </a:ext>
+            </a:extLst>
+          </p:cNvPr>
+          <p:cNvCxnSpPr/>
+          <p:nvPr/>
+        </p:nvCxnSpPr>
+        <p:spPr>
+          <a:xfrm>
+            <a:off x="8099322" y="4168449"/>
+            <a:ext cx="440575" cy="0"/>
+          </a:xfrm>
+          <a:prstGeom prst="straightConnector1">
+            <a:avLst/>
+          </a:prstGeom>
+          <a:ln w="38100">
+            <a:tailEnd type="triangle"/>
+          </a:ln>
+        </p:spPr>
+        <p:style>
+          <a:lnRef idx="1">
+            <a:schemeClr val="dk1"/>
+          </a:lnRef>
+          <a:fillRef idx="0">
+            <a:schemeClr val="dk1"/>
+          </a:fillRef>
+          <a:effectRef idx="0">
+            <a:schemeClr val="dk1"/>
+          </a:effectRef>
+          <a:fontRef idx="minor">
+            <a:schemeClr val="tx1"/>
+          </a:fontRef>
+        </p:style>
+      </p:cxnSp>
+      <p:sp>
+        <p:nvSpPr>
+          <p:cNvPr id="26" name="文本框 25">
+            <a:extLst>
+              <a:ext uri="{FF2B5EF4-FFF2-40B4-BE49-F238E27FC236}">
+                <a16:creationId xmlns:a16="http://schemas.microsoft.com/office/drawing/2014/main" id="{2A607521-FB70-4366-943C-7585FDD62B8D}"/>
+              </a:ext>
+            </a:extLst>
+          </p:cNvPr>
+          <p:cNvSpPr txBox="1"/>
+          <p:nvPr/>
+        </p:nvSpPr>
+        <p:spPr>
+          <a:xfrm>
+            <a:off x="7855954" y="3496719"/>
+            <a:ext cx="927310" cy="369332"/>
+          </a:xfrm>
+          <a:prstGeom prst="rect">
+            <a:avLst/>
+          </a:prstGeom>
+          <a:noFill/>
+        </p:spPr>
+        <p:txBody>
+          <a:bodyPr wrap="square" rtlCol="0">
+            <a:spAutoFit/>
+          </a:bodyPr>
+          <a:lstStyle/>
+          <a:p>
+            <a:pPr algn="ctr"/>
+            <a:r>
+              <a:rPr lang="en-US" altLang="zh-CN" dirty="0"/>
+              <a:t>1</a:t>
+            </a:r>
+            <a:endParaRPr lang="zh-CN" altLang="en-US" dirty="0"/>
+          </a:p>
+        </p:txBody>
+      </p:sp>
+    </p:spTree>
+    <p:extLst>
+      <p:ext uri="{BB962C8B-B14F-4D97-AF65-F5344CB8AC3E}">
+        <p14:creationId xmlns:p14="http://schemas.microsoft.com/office/powerpoint/2010/main" val="1575993711"/>
+      </p:ext>
+    </p:extLst>
+  </p:cSld>
+  <p:clrMapOvr>
+    <a:masterClrMapping/>
+  </p:clrMapOvr>
+</p:sld>
+</file>
+
+<file path=ppt/slides/slide4.xml><?xml version="1.0" encoding="utf-8"?>
+<p:sld xmlns:a="http://schemas.openxmlformats.org/drawingml/2006/main" xmlns:r="http://schemas.openxmlformats.org/officeDocument/2006/relationships" xmlns:p="http://schemas.openxmlformats.org/presentationml/2006/main">
+  <p:cSld>
+    <p:spTree>
+      <p:nvGrpSpPr>
+        <p:cNvPr id="1" name=""/>
+        <p:cNvGrpSpPr/>
+        <p:nvPr/>
+      </p:nvGrpSpPr>
+      <p:grpSpPr>
+        <a:xfrm>
+          <a:off x="0" y="0"/>
+          <a:ext cx="0" cy="0"/>
+          <a:chOff x="0" y="0"/>
+          <a:chExt cx="0" cy="0"/>
+        </a:xfrm>
+      </p:grpSpPr>
+      <p:graphicFrame>
+        <p:nvGraphicFramePr>
+          <p:cNvPr id="5" name="表格 4">
+            <a:extLst>
+              <a:ext uri="{FF2B5EF4-FFF2-40B4-BE49-F238E27FC236}">
+                <a16:creationId xmlns:a16="http://schemas.microsoft.com/office/drawing/2014/main" id="{56B00D1E-6578-4DE9-9E06-23901CB2142D}"/>
+              </a:ext>
+            </a:extLst>
+          </p:cNvPr>
+          <p:cNvGraphicFramePr>
+            <a:graphicFrameLocks noGrp="1"/>
+          </p:cNvGraphicFramePr>
+          <p:nvPr>
+            <p:extLst>
+              <p:ext uri="{D42A27DB-BD31-4B8C-83A1-F6EECF244321}">
+                <p14:modId xmlns:p14="http://schemas.microsoft.com/office/powerpoint/2010/main" val="2010054441"/>
+              </p:ext>
+            </p:extLst>
+          </p:nvPr>
+        </p:nvGraphicFramePr>
+        <p:xfrm>
+          <a:off x="1404852" y="924253"/>
+          <a:ext cx="3458091" cy="2225040"/>
+        </p:xfrm>
+        <a:graphic>
+          <a:graphicData uri="http://schemas.openxmlformats.org/drawingml/2006/table">
+            <a:tbl>
+              <a:tblPr firstRow="1" bandRow="1">
+                <a:tableStyleId>{5C22544A-7EE6-4342-B048-85BDC9FD1C3A}</a:tableStyleId>
+              </a:tblPr>
+              <a:tblGrid>
+                <a:gridCol w="494013">
+                  <a:extLst>
+                    <a:ext uri="{9D8B030D-6E8A-4147-A177-3AD203B41FA5}">
+                      <a16:colId xmlns:a16="http://schemas.microsoft.com/office/drawing/2014/main" val="1999820863"/>
+                    </a:ext>
+                  </a:extLst>
+                </a:gridCol>
+                <a:gridCol w="494013">
+                  <a:extLst>
+                    <a:ext uri="{9D8B030D-6E8A-4147-A177-3AD203B41FA5}">
+                      <a16:colId xmlns:a16="http://schemas.microsoft.com/office/drawing/2014/main" val="2527015427"/>
+                    </a:ext>
+                  </a:extLst>
+                </a:gridCol>
+                <a:gridCol w="494013">
+                  <a:extLst>
+                    <a:ext uri="{9D8B030D-6E8A-4147-A177-3AD203B41FA5}">
+                      <a16:colId xmlns:a16="http://schemas.microsoft.com/office/drawing/2014/main" val="1776970664"/>
+                    </a:ext>
+                  </a:extLst>
+                </a:gridCol>
+                <a:gridCol w="494013">
+                  <a:extLst>
+                    <a:ext uri="{9D8B030D-6E8A-4147-A177-3AD203B41FA5}">
+                      <a16:colId xmlns:a16="http://schemas.microsoft.com/office/drawing/2014/main" val="1156629452"/>
+                    </a:ext>
+                  </a:extLst>
+                </a:gridCol>
+                <a:gridCol w="494013">
+                  <a:extLst>
+                    <a:ext uri="{9D8B030D-6E8A-4147-A177-3AD203B41FA5}">
+                      <a16:colId xmlns:a16="http://schemas.microsoft.com/office/drawing/2014/main" val="177419232"/>
+                    </a:ext>
+                  </a:extLst>
+                </a:gridCol>
+                <a:gridCol w="494013">
+                  <a:extLst>
+                    <a:ext uri="{9D8B030D-6E8A-4147-A177-3AD203B41FA5}">
+                      <a16:colId xmlns:a16="http://schemas.microsoft.com/office/drawing/2014/main" val="3270505710"/>
+                    </a:ext>
+                  </a:extLst>
+                </a:gridCol>
+                <a:gridCol w="494013">
+                  <a:extLst>
+                    <a:ext uri="{9D8B030D-6E8A-4147-A177-3AD203B41FA5}">
+                      <a16:colId xmlns:a16="http://schemas.microsoft.com/office/drawing/2014/main" val="3791515130"/>
+                    </a:ext>
+                  </a:extLst>
+                </a:gridCol>
+              </a:tblGrid>
+              <a:tr h="370840">
+                <a:tc>
+                  <a:txBody>
+                    <a:bodyPr/>
+                    <a:lstStyle/>
+                    <a:p>
+                      <a:pPr algn="ctr"/>
+                      <a:endParaRPr lang="zh-CN" altLang="en-US" sz="1600" b="0" dirty="0">
+                        <a:solidFill>
+                          <a:sysClr val="windowText" lastClr="000000"/>
+                        </a:solidFill>
+                        <a:latin typeface="Noto Sans CJK SC Regular" panose="020B0500000000000000" pitchFamily="34" charset="-122"/>
+                        <a:ea typeface="Noto Sans CJK SC Regular" panose="020B0500000000000000" pitchFamily="34" charset="-122"/>
+                      </a:endParaRPr>
+                    </a:p>
+                  </a:txBody>
+                  <a:tcPr anchor="ctr">
+                    <a:lnL w="12700" cap="flat" cmpd="sng" algn="ctr">
+                      <a:solidFill>
+                        <a:schemeClr val="tx1"/>
+                      </a:solidFill>
+                      <a:prstDash val="solid"/>
+                      <a:round/>
+                      <a:headEnd type="none" w="med" len="med"/>
+                      <a:tailEnd type="none" w="med" len="med"/>
+                    </a:lnL>
+                    <a:lnR w="12700" cap="flat" cmpd="sng" algn="ctr">
+                      <a:solidFill>
+                        <a:schemeClr val="tx1"/>
+                      </a:solidFill>
+                      <a:prstDash val="solid"/>
+                      <a:round/>
+                      <a:headEnd type="none" w="med" len="med"/>
+                      <a:tailEnd type="none" w="med" len="med"/>
+                    </a:lnR>
+                    <a:lnT w="12700" cap="flat" cmpd="sng" algn="ctr">
+                      <a:solidFill>
+                        <a:schemeClr val="tx1"/>
+                      </a:solidFill>
+                      <a:prstDash val="solid"/>
+                      <a:round/>
+                      <a:headEnd type="none" w="med" len="med"/>
+                      <a:tailEnd type="none" w="med" len="med"/>
+                    </a:lnT>
+                    <a:lnB w="12700" cap="flat" cmpd="sng" algn="ctr">
+                      <a:solidFill>
+                        <a:schemeClr val="tx1"/>
+                      </a:solidFill>
+                      <a:prstDash val="solid"/>
+                      <a:round/>
+                      <a:headEnd type="none" w="med" len="med"/>
+                      <a:tailEnd type="none" w="med" len="med"/>
+                    </a:lnB>
+                    <a:solidFill>
+                      <a:schemeClr val="bg1"/>
+                    </a:solidFill>
+                  </a:tcPr>
+                </a:tc>
+                <a:tc>
+                  <a:txBody>
+                    <a:bodyPr/>
+                    <a:lstStyle/>
+                    <a:p>
+                      <a:pPr algn="ctr"/>
+                      <a:endParaRPr lang="zh-CN" altLang="en-US" sz="1600" b="0" dirty="0">
+                        <a:solidFill>
+                          <a:sysClr val="windowText" lastClr="000000"/>
+                        </a:solidFill>
+                        <a:latin typeface="Noto Sans CJK SC Regular" panose="020B0500000000000000" pitchFamily="34" charset="-122"/>
+                        <a:ea typeface="Noto Sans CJK SC Regular" panose="020B0500000000000000" pitchFamily="34" charset="-122"/>
+                      </a:endParaRPr>
+                    </a:p>
+                  </a:txBody>
+                  <a:tcPr anchor="ctr">
+                    <a:lnL w="12700" cap="flat" cmpd="sng" algn="ctr">
+                      <a:solidFill>
+                        <a:schemeClr val="tx1"/>
+                      </a:solidFill>
+                      <a:prstDash val="solid"/>
+                      <a:round/>
+                      <a:headEnd type="none" w="med" len="med"/>
+                      <a:tailEnd type="none" w="med" len="med"/>
+                    </a:lnL>
+                    <a:lnR w="12700" cap="flat" cmpd="sng" algn="ctr">
+                      <a:solidFill>
+                        <a:schemeClr val="tx1"/>
+                      </a:solidFill>
+                      <a:prstDash val="solid"/>
+                      <a:round/>
+                      <a:headEnd type="none" w="med" len="med"/>
+                      <a:tailEnd type="none" w="med" len="med"/>
+                    </a:lnR>
+                    <a:lnT w="12700" cap="flat" cmpd="sng" algn="ctr">
+                      <a:solidFill>
+                        <a:schemeClr val="tx1"/>
+                      </a:solidFill>
+                      <a:prstDash val="solid"/>
+                      <a:round/>
+                      <a:headEnd type="none" w="med" len="med"/>
+                      <a:tailEnd type="none" w="med" len="med"/>
+                    </a:lnT>
+                    <a:lnB w="12700" cap="flat" cmpd="sng" algn="ctr">
+                      <a:solidFill>
+                        <a:schemeClr val="tx1"/>
+                      </a:solidFill>
+                      <a:prstDash val="solid"/>
+                      <a:round/>
+                      <a:headEnd type="none" w="med" len="med"/>
+                      <a:tailEnd type="none" w="med" len="med"/>
+                    </a:lnB>
+                    <a:solidFill>
+                      <a:schemeClr val="accent2">
+                        <a:lumMod val="20000"/>
+                        <a:lumOff val="80000"/>
+                      </a:schemeClr>
+                    </a:solidFill>
+                  </a:tcPr>
+                </a:tc>
+                <a:tc>
+                  <a:txBody>
+                    <a:bodyPr/>
+                    <a:lstStyle/>
+                    <a:p>
+                      <a:pPr algn="ctr"/>
+                      <a:r>
+                        <a:rPr lang="en-US" altLang="zh-CN" sz="1600" b="0" dirty="0">
+                          <a:solidFill>
+                            <a:sysClr val="windowText" lastClr="000000"/>
+                          </a:solidFill>
+                          <a:latin typeface="Noto Sans CJK SC Regular" panose="020B0500000000000000" pitchFamily="34" charset="-122"/>
+                          <a:ea typeface="Noto Sans CJK SC Regular" panose="020B0500000000000000" pitchFamily="34" charset="-122"/>
+                        </a:rPr>
+                        <a:t>h</a:t>
+                      </a:r>
+                      <a:endParaRPr lang="zh-CN" altLang="en-US" sz="1600" b="0" dirty="0">
+                        <a:solidFill>
+                          <a:sysClr val="windowText" lastClr="000000"/>
+                        </a:solidFill>
+                        <a:latin typeface="Noto Sans CJK SC Regular" panose="020B0500000000000000" pitchFamily="34" charset="-122"/>
+                        <a:ea typeface="Noto Sans CJK SC Regular" panose="020B0500000000000000" pitchFamily="34" charset="-122"/>
+                      </a:endParaRPr>
+                    </a:p>
+                  </a:txBody>
+                  <a:tcPr anchor="ctr">
+                    <a:lnL w="12700" cap="flat" cmpd="sng" algn="ctr">
+                      <a:solidFill>
+                        <a:schemeClr val="tx1"/>
+                      </a:solidFill>
+                      <a:prstDash val="solid"/>
+                      <a:round/>
+                      <a:headEnd type="none" w="med" len="med"/>
+                      <a:tailEnd type="none" w="med" len="med"/>
+                    </a:lnL>
+                    <a:lnR w="12700" cap="flat" cmpd="sng" algn="ctr">
+                      <a:solidFill>
+                        <a:schemeClr val="tx1"/>
+                      </a:solidFill>
+                      <a:prstDash val="solid"/>
+                      <a:round/>
+                      <a:headEnd type="none" w="med" len="med"/>
+                      <a:tailEnd type="none" w="med" len="med"/>
+                    </a:lnR>
+                    <a:lnT w="12700" cap="flat" cmpd="sng" algn="ctr">
+                      <a:solidFill>
+                        <a:schemeClr val="tx1"/>
+                      </a:solidFill>
+                      <a:prstDash val="solid"/>
+                      <a:round/>
+                      <a:headEnd type="none" w="med" len="med"/>
+                      <a:tailEnd type="none" w="med" len="med"/>
+                    </a:lnT>
+                    <a:lnB w="12700" cap="flat" cmpd="sng" algn="ctr">
+                      <a:solidFill>
+                        <a:schemeClr val="tx1"/>
+                      </a:solidFill>
+                      <a:prstDash val="solid"/>
+                      <a:round/>
+                      <a:headEnd type="none" w="med" len="med"/>
+                      <a:tailEnd type="none" w="med" len="med"/>
+                    </a:lnB>
+                    <a:solidFill>
+                      <a:schemeClr val="accent2">
+                        <a:lumMod val="20000"/>
+                        <a:lumOff val="80000"/>
+                      </a:schemeClr>
+                    </a:solidFill>
+                  </a:tcPr>
+                </a:tc>
+                <a:tc>
+                  <a:txBody>
+                    <a:bodyPr/>
+                    <a:lstStyle/>
+                    <a:p>
+                      <a:pPr algn="ctr"/>
+                      <a:r>
+                        <a:rPr lang="en-US" altLang="zh-CN" sz="1600" b="0" dirty="0">
+                          <a:solidFill>
+                            <a:sysClr val="windowText" lastClr="000000"/>
+                          </a:solidFill>
+                          <a:latin typeface="Noto Sans CJK SC Regular" panose="020B0500000000000000" pitchFamily="34" charset="-122"/>
+                          <a:ea typeface="Noto Sans CJK SC Regular" panose="020B0500000000000000" pitchFamily="34" charset="-122"/>
+                        </a:rPr>
+                        <a:t>o</a:t>
+                      </a:r>
+                      <a:endParaRPr lang="zh-CN" altLang="en-US" sz="1600" b="0" dirty="0">
+                        <a:solidFill>
+                          <a:sysClr val="windowText" lastClr="000000"/>
+                        </a:solidFill>
+                        <a:latin typeface="Noto Sans CJK SC Regular" panose="020B0500000000000000" pitchFamily="34" charset="-122"/>
+                        <a:ea typeface="Noto Sans CJK SC Regular" panose="020B0500000000000000" pitchFamily="34" charset="-122"/>
+                      </a:endParaRPr>
+                    </a:p>
+                  </a:txBody>
+                  <a:tcPr anchor="ctr">
+                    <a:lnL w="12700" cap="flat" cmpd="sng" algn="ctr">
+                      <a:solidFill>
+                        <a:schemeClr val="tx1"/>
+                      </a:solidFill>
+                      <a:prstDash val="solid"/>
+                      <a:round/>
+                      <a:headEnd type="none" w="med" len="med"/>
+                      <a:tailEnd type="none" w="med" len="med"/>
+                    </a:lnL>
+                    <a:lnR w="12700" cap="flat" cmpd="sng" algn="ctr">
+                      <a:solidFill>
+                        <a:schemeClr val="tx1"/>
+                      </a:solidFill>
+                      <a:prstDash val="solid"/>
+                      <a:round/>
+                      <a:headEnd type="none" w="med" len="med"/>
+                      <a:tailEnd type="none" w="med" len="med"/>
+                    </a:lnR>
+                    <a:lnT w="12700" cap="flat" cmpd="sng" algn="ctr">
+                      <a:solidFill>
+                        <a:schemeClr val="tx1"/>
+                      </a:solidFill>
+                      <a:prstDash val="solid"/>
+                      <a:round/>
+                      <a:headEnd type="none" w="med" len="med"/>
+                      <a:tailEnd type="none" w="med" len="med"/>
+                    </a:lnT>
+                    <a:lnB w="12700" cap="flat" cmpd="sng" algn="ctr">
+                      <a:solidFill>
+                        <a:schemeClr val="tx1"/>
+                      </a:solidFill>
+                      <a:prstDash val="solid"/>
+                      <a:round/>
+                      <a:headEnd type="none" w="med" len="med"/>
+                      <a:tailEnd type="none" w="med" len="med"/>
+                    </a:lnB>
+                    <a:solidFill>
+                      <a:schemeClr val="accent2">
+                        <a:lumMod val="20000"/>
+                        <a:lumOff val="80000"/>
+                      </a:schemeClr>
+                    </a:solidFill>
+                  </a:tcPr>
+                </a:tc>
+                <a:tc>
+                  <a:txBody>
+                    <a:bodyPr/>
+                    <a:lstStyle/>
+                    <a:p>
+                      <a:pPr algn="ctr"/>
+                      <a:r>
+                        <a:rPr lang="en-US" altLang="zh-CN" sz="1600" b="0" dirty="0">
+                          <a:solidFill>
+                            <a:sysClr val="windowText" lastClr="000000"/>
+                          </a:solidFill>
+                          <a:latin typeface="Noto Sans CJK SC Regular" panose="020B0500000000000000" pitchFamily="34" charset="-122"/>
+                          <a:ea typeface="Noto Sans CJK SC Regular" panose="020B0500000000000000" pitchFamily="34" charset="-122"/>
+                        </a:rPr>
+                        <a:t>r</a:t>
+                      </a:r>
+                      <a:endParaRPr lang="zh-CN" altLang="en-US" sz="1600" b="0" dirty="0">
+                        <a:solidFill>
+                          <a:sysClr val="windowText" lastClr="000000"/>
+                        </a:solidFill>
+                        <a:latin typeface="Noto Sans CJK SC Regular" panose="020B0500000000000000" pitchFamily="34" charset="-122"/>
+                        <a:ea typeface="Noto Sans CJK SC Regular" panose="020B0500000000000000" pitchFamily="34" charset="-122"/>
+                      </a:endParaRPr>
+                    </a:p>
+                  </a:txBody>
+                  <a:tcPr anchor="ctr">
+                    <a:lnL w="12700" cap="flat" cmpd="sng" algn="ctr">
+                      <a:solidFill>
+                        <a:schemeClr val="tx1"/>
+                      </a:solidFill>
+                      <a:prstDash val="solid"/>
+                      <a:round/>
+                      <a:headEnd type="none" w="med" len="med"/>
+                      <a:tailEnd type="none" w="med" len="med"/>
+                    </a:lnL>
+                    <a:lnR w="12700" cap="flat" cmpd="sng" algn="ctr">
+                      <a:solidFill>
+                        <a:schemeClr val="tx1"/>
+                      </a:solidFill>
+                      <a:prstDash val="solid"/>
+                      <a:round/>
+                      <a:headEnd type="none" w="med" len="med"/>
+                      <a:tailEnd type="none" w="med" len="med"/>
+                    </a:lnR>
+                    <a:lnT w="12700" cap="flat" cmpd="sng" algn="ctr">
+                      <a:solidFill>
+                        <a:schemeClr val="tx1"/>
+                      </a:solidFill>
+                      <a:prstDash val="solid"/>
+                      <a:round/>
+                      <a:headEnd type="none" w="med" len="med"/>
+                      <a:tailEnd type="none" w="med" len="med"/>
+                    </a:lnT>
+                    <a:lnB w="12700" cap="flat" cmpd="sng" algn="ctr">
+                      <a:solidFill>
+                        <a:schemeClr val="tx1"/>
+                      </a:solidFill>
+                      <a:prstDash val="solid"/>
+                      <a:round/>
+                      <a:headEnd type="none" w="med" len="med"/>
+                      <a:tailEnd type="none" w="med" len="med"/>
+                    </a:lnB>
+                    <a:solidFill>
+                      <a:schemeClr val="accent2">
+                        <a:lumMod val="20000"/>
+                        <a:lumOff val="80000"/>
+                      </a:schemeClr>
+                    </a:solidFill>
+                  </a:tcPr>
+                </a:tc>
+                <a:tc>
+                  <a:txBody>
+                    <a:bodyPr/>
+                    <a:lstStyle/>
+                    <a:p>
+                      <a:pPr algn="ctr"/>
+                      <a:r>
+                        <a:rPr lang="en-US" altLang="zh-CN" sz="1600" b="0" dirty="0">
+                          <a:solidFill>
+                            <a:sysClr val="windowText" lastClr="000000"/>
+                          </a:solidFill>
+                          <a:latin typeface="Noto Sans CJK SC Regular" panose="020B0500000000000000" pitchFamily="34" charset="-122"/>
+                          <a:ea typeface="Noto Sans CJK SC Regular" panose="020B0500000000000000" pitchFamily="34" charset="-122"/>
+                        </a:rPr>
+                        <a:t>s</a:t>
+                      </a:r>
+                      <a:endParaRPr lang="zh-CN" altLang="en-US" sz="1600" b="0" dirty="0">
+                        <a:solidFill>
+                          <a:sysClr val="windowText" lastClr="000000"/>
+                        </a:solidFill>
+                        <a:latin typeface="Noto Sans CJK SC Regular" panose="020B0500000000000000" pitchFamily="34" charset="-122"/>
+                        <a:ea typeface="Noto Sans CJK SC Regular" panose="020B0500000000000000" pitchFamily="34" charset="-122"/>
+                      </a:endParaRPr>
+                    </a:p>
+                  </a:txBody>
+                  <a:tcPr anchor="ctr">
+                    <a:lnL w="12700" cap="flat" cmpd="sng" algn="ctr">
+                      <a:solidFill>
+                        <a:schemeClr val="tx1"/>
+                      </a:solidFill>
+                      <a:prstDash val="solid"/>
+                      <a:round/>
+                      <a:headEnd type="none" w="med" len="med"/>
+                      <a:tailEnd type="none" w="med" len="med"/>
+                    </a:lnL>
+                    <a:lnR w="12700" cap="flat" cmpd="sng" algn="ctr">
+                      <a:solidFill>
+                        <a:schemeClr val="tx1"/>
+                      </a:solidFill>
+                      <a:prstDash val="solid"/>
+                      <a:round/>
+                      <a:headEnd type="none" w="med" len="med"/>
+                      <a:tailEnd type="none" w="med" len="med"/>
+                    </a:lnR>
+                    <a:lnT w="12700" cap="flat" cmpd="sng" algn="ctr">
+                      <a:solidFill>
+                        <a:schemeClr val="tx1"/>
+                      </a:solidFill>
+                      <a:prstDash val="solid"/>
+                      <a:round/>
+                      <a:headEnd type="none" w="med" len="med"/>
+                      <a:tailEnd type="none" w="med" len="med"/>
+                    </a:lnT>
+                    <a:lnB w="12700" cap="flat" cmpd="sng" algn="ctr">
+                      <a:solidFill>
+                        <a:schemeClr val="tx1"/>
+                      </a:solidFill>
+                      <a:prstDash val="solid"/>
+                      <a:round/>
+                      <a:headEnd type="none" w="med" len="med"/>
+                      <a:tailEnd type="none" w="med" len="med"/>
+                    </a:lnB>
+                    <a:solidFill>
+                      <a:schemeClr val="accent2">
+                        <a:lumMod val="20000"/>
+                        <a:lumOff val="80000"/>
+                      </a:schemeClr>
+                    </a:solidFill>
+                  </a:tcPr>
+                </a:tc>
+                <a:tc>
+                  <a:txBody>
+                    <a:bodyPr/>
+                    <a:lstStyle/>
+                    <a:p>
+                      <a:pPr algn="ctr"/>
+                      <a:r>
+                        <a:rPr lang="en-US" altLang="zh-CN" sz="1600" b="0" dirty="0">
+                          <a:solidFill>
+                            <a:sysClr val="windowText" lastClr="000000"/>
+                          </a:solidFill>
+                          <a:latin typeface="Noto Sans CJK SC Regular" panose="020B0500000000000000" pitchFamily="34" charset="-122"/>
+                          <a:ea typeface="Noto Sans CJK SC Regular" panose="020B0500000000000000" pitchFamily="34" charset="-122"/>
+                        </a:rPr>
+                        <a:t>e</a:t>
+                      </a:r>
+                      <a:endParaRPr lang="zh-CN" altLang="en-US" sz="1600" b="0" dirty="0">
+                        <a:solidFill>
+                          <a:sysClr val="windowText" lastClr="000000"/>
+                        </a:solidFill>
+                        <a:latin typeface="Noto Sans CJK SC Regular" panose="020B0500000000000000" pitchFamily="34" charset="-122"/>
+                        <a:ea typeface="Noto Sans CJK SC Regular" panose="020B0500000000000000" pitchFamily="34" charset="-122"/>
+                      </a:endParaRPr>
+                    </a:p>
+                  </a:txBody>
+                  <a:tcPr anchor="ctr">
+                    <a:lnL w="12700" cap="flat" cmpd="sng" algn="ctr">
+                      <a:solidFill>
+                        <a:schemeClr val="tx1"/>
+                      </a:solidFill>
+                      <a:prstDash val="solid"/>
+                      <a:round/>
+                      <a:headEnd type="none" w="med" len="med"/>
+                      <a:tailEnd type="none" w="med" len="med"/>
+                    </a:lnL>
+                    <a:lnR w="12700" cap="flat" cmpd="sng" algn="ctr">
+                      <a:solidFill>
+                        <a:schemeClr val="tx1"/>
+                      </a:solidFill>
+                      <a:prstDash val="solid"/>
+                      <a:round/>
+                      <a:headEnd type="none" w="med" len="med"/>
+                      <a:tailEnd type="none" w="med" len="med"/>
+                    </a:lnR>
+                    <a:lnT w="12700" cap="flat" cmpd="sng" algn="ctr">
+                      <a:solidFill>
+                        <a:schemeClr val="tx1"/>
+                      </a:solidFill>
+                      <a:prstDash val="solid"/>
+                      <a:round/>
+                      <a:headEnd type="none" w="med" len="med"/>
+                      <a:tailEnd type="none" w="med" len="med"/>
+                    </a:lnT>
+                    <a:lnB w="12700" cap="flat" cmpd="sng" algn="ctr">
+                      <a:solidFill>
+                        <a:schemeClr val="tx1"/>
+                      </a:solidFill>
+                      <a:prstDash val="solid"/>
+                      <a:round/>
+                      <a:headEnd type="none" w="med" len="med"/>
+                      <a:tailEnd type="none" w="med" len="med"/>
+                    </a:lnB>
+                    <a:solidFill>
+                      <a:schemeClr val="accent2">
+                        <a:lumMod val="20000"/>
+                        <a:lumOff val="80000"/>
+                      </a:schemeClr>
+                    </a:solidFill>
+                  </a:tcPr>
+                </a:tc>
+                <a:extLst>
+                  <a:ext uri="{0D108BD9-81ED-4DB2-BD59-A6C34878D82A}">
+                    <a16:rowId xmlns:a16="http://schemas.microsoft.com/office/drawing/2014/main" val="3054468741"/>
+                  </a:ext>
+                </a:extLst>
+              </a:tr>
+              <a:tr h="370840">
+                <a:tc>
+                  <a:txBody>
+                    <a:bodyPr/>
+                    <a:lstStyle/>
+                    <a:p>
+                      <a:pPr algn="ctr"/>
+                      <a:endParaRPr lang="zh-CN" altLang="en-US" sz="1600" b="0" dirty="0">
+                        <a:solidFill>
+                          <a:sysClr val="windowText" lastClr="000000"/>
+                        </a:solidFill>
+                        <a:latin typeface="Noto Sans CJK SC Regular" panose="020B0500000000000000" pitchFamily="34" charset="-122"/>
+                        <a:ea typeface="Noto Sans CJK SC Regular" panose="020B0500000000000000" pitchFamily="34" charset="-122"/>
+                      </a:endParaRPr>
+                    </a:p>
+                  </a:txBody>
+                  <a:tcPr anchor="ctr">
+                    <a:lnL w="12700" cap="flat" cmpd="sng" algn="ctr">
+                      <a:solidFill>
+                        <a:schemeClr val="tx1"/>
+                      </a:solidFill>
+                      <a:prstDash val="solid"/>
+                      <a:round/>
+                      <a:headEnd type="none" w="med" len="med"/>
+                      <a:tailEnd type="none" w="med" len="med"/>
+                    </a:lnL>
+                    <a:lnR w="12700" cap="flat" cmpd="sng" algn="ctr">
+                      <a:solidFill>
+                        <a:schemeClr val="tx1"/>
+                      </a:solidFill>
+                      <a:prstDash val="solid"/>
+                      <a:round/>
+                      <a:headEnd type="none" w="med" len="med"/>
+                      <a:tailEnd type="none" w="med" len="med"/>
+                    </a:lnR>
+                    <a:lnT w="12700" cap="flat" cmpd="sng" algn="ctr">
+                      <a:solidFill>
+                        <a:schemeClr val="tx1"/>
+                      </a:solidFill>
+                      <a:prstDash val="solid"/>
+                      <a:round/>
+                      <a:headEnd type="none" w="med" len="med"/>
+                      <a:tailEnd type="none" w="med" len="med"/>
+                    </a:lnT>
+                    <a:lnB w="12700" cap="flat" cmpd="sng" algn="ctr">
+                      <a:solidFill>
+                        <a:schemeClr val="tx1"/>
+                      </a:solidFill>
+                      <a:prstDash val="solid"/>
+                      <a:round/>
+                      <a:headEnd type="none" w="med" len="med"/>
+                      <a:tailEnd type="none" w="med" len="med"/>
+                    </a:lnB>
+                    <a:solidFill>
+                      <a:schemeClr val="accent6">
+                        <a:lumMod val="20000"/>
+                        <a:lumOff val="80000"/>
+                      </a:schemeClr>
+                    </a:solidFill>
+                  </a:tcPr>
+                </a:tc>
+                <a:tc>
+                  <a:txBody>
+                    <a:bodyPr/>
+                    <a:lstStyle/>
+                    <a:p>
+                      <a:pPr algn="ctr"/>
+                      <a:r>
+                        <a:rPr lang="en-US" altLang="zh-CN" sz="1600" b="0" dirty="0">
+                          <a:solidFill>
+                            <a:sysClr val="windowText" lastClr="000000"/>
+                          </a:solidFill>
+                          <a:latin typeface="Noto Sans CJK SC Regular" panose="020B0500000000000000" pitchFamily="34" charset="-122"/>
+                          <a:ea typeface="Noto Sans CJK SC Regular" panose="020B0500000000000000" pitchFamily="34" charset="-122"/>
+                        </a:rPr>
+                        <a:t>0</a:t>
+                      </a:r>
+                      <a:endParaRPr lang="zh-CN" altLang="en-US" sz="1600" b="0" dirty="0">
+                        <a:solidFill>
+                          <a:sysClr val="windowText" lastClr="000000"/>
+                        </a:solidFill>
+                        <a:latin typeface="Noto Sans CJK SC Regular" panose="020B0500000000000000" pitchFamily="34" charset="-122"/>
+                        <a:ea typeface="Noto Sans CJK SC Regular" panose="020B0500000000000000" pitchFamily="34" charset="-122"/>
+                      </a:endParaRPr>
+                    </a:p>
+                  </a:txBody>
+                  <a:tcPr anchor="ctr">
+                    <a:lnL w="12700" cap="flat" cmpd="sng" algn="ctr">
+                      <a:solidFill>
+                        <a:schemeClr val="tx1"/>
+                      </a:solidFill>
+                      <a:prstDash val="solid"/>
+                      <a:round/>
+                      <a:headEnd type="none" w="med" len="med"/>
+                      <a:tailEnd type="none" w="med" len="med"/>
+                    </a:lnL>
+                    <a:lnR w="12700" cap="flat" cmpd="sng" algn="ctr">
+                      <a:solidFill>
+                        <a:schemeClr val="tx1"/>
+                      </a:solidFill>
+                      <a:prstDash val="solid"/>
+                      <a:round/>
+                      <a:headEnd type="none" w="med" len="med"/>
+                      <a:tailEnd type="none" w="med" len="med"/>
+                    </a:lnR>
+                    <a:lnT w="12700" cap="flat" cmpd="sng" algn="ctr">
+                      <a:solidFill>
+                        <a:schemeClr val="tx1"/>
+                      </a:solidFill>
+                      <a:prstDash val="solid"/>
+                      <a:round/>
+                      <a:headEnd type="none" w="med" len="med"/>
+                      <a:tailEnd type="none" w="med" len="med"/>
+                    </a:lnT>
+                    <a:lnB w="12700" cap="flat" cmpd="sng" algn="ctr">
+                      <a:solidFill>
+                        <a:schemeClr val="tx1"/>
+                      </a:solidFill>
+                      <a:prstDash val="solid"/>
+                      <a:round/>
+                      <a:headEnd type="none" w="med" len="med"/>
+                      <a:tailEnd type="none" w="med" len="med"/>
+                    </a:lnB>
+                    <a:solidFill>
+                      <a:schemeClr val="bg1"/>
+                    </a:solidFill>
+                  </a:tcPr>
+                </a:tc>
+                <a:tc>
+                  <a:txBody>
+                    <a:bodyPr/>
+                    <a:lstStyle/>
+                    <a:p>
+                      <a:pPr algn="ctr"/>
+                      <a:r>
+                        <a:rPr lang="en-US" altLang="zh-CN" sz="1600" b="0" dirty="0">
+                          <a:solidFill>
+                            <a:sysClr val="windowText" lastClr="000000"/>
+                          </a:solidFill>
+                          <a:latin typeface="Noto Sans CJK SC Regular" panose="020B0500000000000000" pitchFamily="34" charset="-122"/>
+                          <a:ea typeface="Noto Sans CJK SC Regular" panose="020B0500000000000000" pitchFamily="34" charset="-122"/>
+                        </a:rPr>
+                        <a:t>1</a:t>
+                      </a:r>
+                      <a:endParaRPr lang="zh-CN" altLang="en-US" sz="1600" b="0" dirty="0">
+                        <a:solidFill>
+                          <a:sysClr val="windowText" lastClr="000000"/>
+                        </a:solidFill>
+                        <a:latin typeface="Noto Sans CJK SC Regular" panose="020B0500000000000000" pitchFamily="34" charset="-122"/>
+                        <a:ea typeface="Noto Sans CJK SC Regular" panose="020B0500000000000000" pitchFamily="34" charset="-122"/>
+                      </a:endParaRPr>
+                    </a:p>
+                  </a:txBody>
+                  <a:tcPr anchor="ctr">
+                    <a:lnL w="12700" cap="flat" cmpd="sng" algn="ctr">
+                      <a:solidFill>
+                        <a:schemeClr val="tx1"/>
+                      </a:solidFill>
+                      <a:prstDash val="solid"/>
+                      <a:round/>
+                      <a:headEnd type="none" w="med" len="med"/>
+                      <a:tailEnd type="none" w="med" len="med"/>
+                    </a:lnL>
+                    <a:lnR w="12700" cap="flat" cmpd="sng" algn="ctr">
+                      <a:solidFill>
+                        <a:schemeClr val="tx1"/>
+                      </a:solidFill>
+                      <a:prstDash val="solid"/>
+                      <a:round/>
+                      <a:headEnd type="none" w="med" len="med"/>
+                      <a:tailEnd type="none" w="med" len="med"/>
+                    </a:lnR>
+                    <a:lnT w="12700" cap="flat" cmpd="sng" algn="ctr">
+                      <a:solidFill>
+                        <a:schemeClr val="tx1"/>
+                      </a:solidFill>
+                      <a:prstDash val="solid"/>
+                      <a:round/>
+                      <a:headEnd type="none" w="med" len="med"/>
+                      <a:tailEnd type="none" w="med" len="med"/>
+                    </a:lnT>
+                    <a:lnB w="12700" cap="flat" cmpd="sng" algn="ctr">
+                      <a:solidFill>
+                        <a:schemeClr val="tx1"/>
+                      </a:solidFill>
+                      <a:prstDash val="solid"/>
+                      <a:round/>
+                      <a:headEnd type="none" w="med" len="med"/>
+                      <a:tailEnd type="none" w="med" len="med"/>
+                    </a:lnB>
+                    <a:solidFill>
+                      <a:schemeClr val="accent2">
+                        <a:lumMod val="60000"/>
+                        <a:lumOff val="40000"/>
+                      </a:schemeClr>
+                    </a:solidFill>
+                  </a:tcPr>
+                </a:tc>
+                <a:tc>
+                  <a:txBody>
+                    <a:bodyPr/>
+                    <a:lstStyle/>
+                    <a:p>
+                      <a:pPr algn="ctr"/>
+                      <a:r>
+                        <a:rPr lang="en-US" altLang="zh-CN" sz="1600" b="0" dirty="0">
+                          <a:solidFill>
+                            <a:sysClr val="windowText" lastClr="000000"/>
+                          </a:solidFill>
+                          <a:latin typeface="Noto Sans CJK SC Regular" panose="020B0500000000000000" pitchFamily="34" charset="-122"/>
+                          <a:ea typeface="Noto Sans CJK SC Regular" panose="020B0500000000000000" pitchFamily="34" charset="-122"/>
+                        </a:rPr>
+                        <a:t>2</a:t>
+                      </a:r>
+                      <a:endParaRPr lang="zh-CN" altLang="en-US" sz="1600" b="0" dirty="0">
+                        <a:solidFill>
+                          <a:sysClr val="windowText" lastClr="000000"/>
+                        </a:solidFill>
+                        <a:latin typeface="Noto Sans CJK SC Regular" panose="020B0500000000000000" pitchFamily="34" charset="-122"/>
+                        <a:ea typeface="Noto Sans CJK SC Regular" panose="020B0500000000000000" pitchFamily="34" charset="-122"/>
+                      </a:endParaRPr>
+                    </a:p>
+                  </a:txBody>
+                  <a:tcPr anchor="ctr">
+                    <a:lnL w="12700" cap="flat" cmpd="sng" algn="ctr">
+                      <a:solidFill>
+                        <a:schemeClr val="tx1"/>
+                      </a:solidFill>
+                      <a:prstDash val="solid"/>
+                      <a:round/>
+                      <a:headEnd type="none" w="med" len="med"/>
+                      <a:tailEnd type="none" w="med" len="med"/>
+                    </a:lnL>
+                    <a:lnR w="12700" cap="flat" cmpd="sng" algn="ctr">
+                      <a:solidFill>
+                        <a:schemeClr val="tx1"/>
+                      </a:solidFill>
+                      <a:prstDash val="solid"/>
+                      <a:round/>
+                      <a:headEnd type="none" w="med" len="med"/>
+                      <a:tailEnd type="none" w="med" len="med"/>
+                    </a:lnR>
+                    <a:lnT w="12700" cap="flat" cmpd="sng" algn="ctr">
+                      <a:solidFill>
+                        <a:schemeClr val="tx1"/>
+                      </a:solidFill>
+                      <a:prstDash val="solid"/>
+                      <a:round/>
+                      <a:headEnd type="none" w="med" len="med"/>
+                      <a:tailEnd type="none" w="med" len="med"/>
+                    </a:lnT>
+                    <a:lnB w="12700" cap="flat" cmpd="sng" algn="ctr">
+                      <a:solidFill>
+                        <a:schemeClr val="tx1"/>
+                      </a:solidFill>
+                      <a:prstDash val="solid"/>
+                      <a:round/>
+                      <a:headEnd type="none" w="med" len="med"/>
+                      <a:tailEnd type="none" w="med" len="med"/>
+                    </a:lnB>
+                    <a:solidFill>
+                      <a:schemeClr val="accent2">
+                        <a:lumMod val="60000"/>
+                        <a:lumOff val="40000"/>
+                      </a:schemeClr>
+                    </a:solidFill>
+                  </a:tcPr>
+                </a:tc>
+                <a:tc>
+                  <a:txBody>
+                    <a:bodyPr/>
+                    <a:lstStyle/>
+                    <a:p>
+                      <a:pPr algn="ctr"/>
+                      <a:r>
+                        <a:rPr lang="en-US" altLang="zh-CN" sz="1600" b="0" dirty="0">
+                          <a:solidFill>
+                            <a:sysClr val="windowText" lastClr="000000"/>
+                          </a:solidFill>
+                          <a:latin typeface="Noto Sans CJK SC Regular" panose="020B0500000000000000" pitchFamily="34" charset="-122"/>
+                          <a:ea typeface="Noto Sans CJK SC Regular" panose="020B0500000000000000" pitchFamily="34" charset="-122"/>
+                        </a:rPr>
+                        <a:t>3</a:t>
+                      </a:r>
+                      <a:endParaRPr lang="zh-CN" altLang="en-US" sz="1600" b="0" dirty="0">
+                        <a:solidFill>
+                          <a:sysClr val="windowText" lastClr="000000"/>
+                        </a:solidFill>
+                        <a:latin typeface="Noto Sans CJK SC Regular" panose="020B0500000000000000" pitchFamily="34" charset="-122"/>
+                        <a:ea typeface="Noto Sans CJK SC Regular" panose="020B0500000000000000" pitchFamily="34" charset="-122"/>
+                      </a:endParaRPr>
+                    </a:p>
+                  </a:txBody>
+                  <a:tcPr anchor="ctr">
+                    <a:lnL w="12700" cap="flat" cmpd="sng" algn="ctr">
+                      <a:solidFill>
+                        <a:schemeClr val="tx1"/>
+                      </a:solidFill>
+                      <a:prstDash val="solid"/>
+                      <a:round/>
+                      <a:headEnd type="none" w="med" len="med"/>
+                      <a:tailEnd type="none" w="med" len="med"/>
+                    </a:lnL>
+                    <a:lnR w="12700" cap="flat" cmpd="sng" algn="ctr">
+                      <a:solidFill>
+                        <a:schemeClr val="tx1"/>
+                      </a:solidFill>
+                      <a:prstDash val="solid"/>
+                      <a:round/>
+                      <a:headEnd type="none" w="med" len="med"/>
+                      <a:tailEnd type="none" w="med" len="med"/>
+                    </a:lnR>
+                    <a:lnT w="12700" cap="flat" cmpd="sng" algn="ctr">
+                      <a:solidFill>
+                        <a:schemeClr val="tx1"/>
+                      </a:solidFill>
+                      <a:prstDash val="solid"/>
+                      <a:round/>
+                      <a:headEnd type="none" w="med" len="med"/>
+                      <a:tailEnd type="none" w="med" len="med"/>
+                    </a:lnT>
+                    <a:lnB w="12700" cap="flat" cmpd="sng" algn="ctr">
+                      <a:solidFill>
+                        <a:schemeClr val="tx1"/>
+                      </a:solidFill>
+                      <a:prstDash val="solid"/>
+                      <a:round/>
+                      <a:headEnd type="none" w="med" len="med"/>
+                      <a:tailEnd type="none" w="med" len="med"/>
+                    </a:lnB>
+                    <a:solidFill>
+                      <a:schemeClr val="accent2">
+                        <a:lumMod val="60000"/>
+                        <a:lumOff val="40000"/>
+                      </a:schemeClr>
+                    </a:solidFill>
+                  </a:tcPr>
+                </a:tc>
+                <a:tc>
+                  <a:txBody>
+                    <a:bodyPr/>
+                    <a:lstStyle/>
+                    <a:p>
+                      <a:pPr algn="ctr"/>
+                      <a:r>
+                        <a:rPr lang="en-US" altLang="zh-CN" sz="1600" b="0" dirty="0">
+                          <a:solidFill>
+                            <a:sysClr val="windowText" lastClr="000000"/>
+                          </a:solidFill>
+                          <a:latin typeface="Noto Sans CJK SC Regular" panose="020B0500000000000000" pitchFamily="34" charset="-122"/>
+                          <a:ea typeface="Noto Sans CJK SC Regular" panose="020B0500000000000000" pitchFamily="34" charset="-122"/>
+                        </a:rPr>
+                        <a:t>4</a:t>
+                      </a:r>
+                      <a:endParaRPr lang="zh-CN" altLang="en-US" sz="1600" b="0" dirty="0">
+                        <a:solidFill>
+                          <a:sysClr val="windowText" lastClr="000000"/>
+                        </a:solidFill>
+                        <a:latin typeface="Noto Sans CJK SC Regular" panose="020B0500000000000000" pitchFamily="34" charset="-122"/>
+                        <a:ea typeface="Noto Sans CJK SC Regular" panose="020B0500000000000000" pitchFamily="34" charset="-122"/>
+                      </a:endParaRPr>
+                    </a:p>
+                  </a:txBody>
+                  <a:tcPr anchor="ctr">
+                    <a:lnL w="12700" cap="flat" cmpd="sng" algn="ctr">
+                      <a:solidFill>
+                        <a:schemeClr val="tx1"/>
+                      </a:solidFill>
+                      <a:prstDash val="solid"/>
+                      <a:round/>
+                      <a:headEnd type="none" w="med" len="med"/>
+                      <a:tailEnd type="none" w="med" len="med"/>
+                    </a:lnL>
+                    <a:lnR w="12700" cap="flat" cmpd="sng" algn="ctr">
+                      <a:solidFill>
+                        <a:schemeClr val="tx1"/>
+                      </a:solidFill>
+                      <a:prstDash val="solid"/>
+                      <a:round/>
+                      <a:headEnd type="none" w="med" len="med"/>
+                      <a:tailEnd type="none" w="med" len="med"/>
+                    </a:lnR>
+                    <a:lnT w="12700" cap="flat" cmpd="sng" algn="ctr">
+                      <a:solidFill>
+                        <a:schemeClr val="tx1"/>
+                      </a:solidFill>
+                      <a:prstDash val="solid"/>
+                      <a:round/>
+                      <a:headEnd type="none" w="med" len="med"/>
+                      <a:tailEnd type="none" w="med" len="med"/>
+                    </a:lnT>
+                    <a:lnB w="12700" cap="flat" cmpd="sng" algn="ctr">
+                      <a:solidFill>
+                        <a:schemeClr val="tx1"/>
+                      </a:solidFill>
+                      <a:prstDash val="solid"/>
+                      <a:round/>
+                      <a:headEnd type="none" w="med" len="med"/>
+                      <a:tailEnd type="none" w="med" len="med"/>
+                    </a:lnB>
+                    <a:solidFill>
+                      <a:schemeClr val="accent2">
+                        <a:lumMod val="60000"/>
+                        <a:lumOff val="40000"/>
+                      </a:schemeClr>
+                    </a:solidFill>
+                  </a:tcPr>
+                </a:tc>
+                <a:tc>
+                  <a:txBody>
+                    <a:bodyPr/>
+                    <a:lstStyle/>
+                    <a:p>
+                      <a:pPr algn="ctr"/>
+                      <a:r>
+                        <a:rPr lang="en-US" altLang="zh-CN" sz="1600" b="0" dirty="0">
+                          <a:solidFill>
+                            <a:sysClr val="windowText" lastClr="000000"/>
+                          </a:solidFill>
+                          <a:latin typeface="Noto Sans CJK SC Regular" panose="020B0500000000000000" pitchFamily="34" charset="-122"/>
+                          <a:ea typeface="Noto Sans CJK SC Regular" panose="020B0500000000000000" pitchFamily="34" charset="-122"/>
+                        </a:rPr>
+                        <a:t>5</a:t>
+                      </a:r>
+                      <a:endParaRPr lang="zh-CN" altLang="en-US" sz="1600" b="0" dirty="0">
+                        <a:solidFill>
+                          <a:sysClr val="windowText" lastClr="000000"/>
+                        </a:solidFill>
+                        <a:latin typeface="Noto Sans CJK SC Regular" panose="020B0500000000000000" pitchFamily="34" charset="-122"/>
+                        <a:ea typeface="Noto Sans CJK SC Regular" panose="020B0500000000000000" pitchFamily="34" charset="-122"/>
+                      </a:endParaRPr>
+                    </a:p>
+                  </a:txBody>
+                  <a:tcPr anchor="ctr">
+                    <a:lnL w="12700" cap="flat" cmpd="sng" algn="ctr">
+                      <a:solidFill>
+                        <a:schemeClr val="tx1"/>
+                      </a:solidFill>
+                      <a:prstDash val="solid"/>
+                      <a:round/>
+                      <a:headEnd type="none" w="med" len="med"/>
+                      <a:tailEnd type="none" w="med" len="med"/>
+                    </a:lnL>
+                    <a:lnR w="12700" cap="flat" cmpd="sng" algn="ctr">
+                      <a:solidFill>
+                        <a:schemeClr val="tx1"/>
+                      </a:solidFill>
+                      <a:prstDash val="solid"/>
+                      <a:round/>
+                      <a:headEnd type="none" w="med" len="med"/>
+                      <a:tailEnd type="none" w="med" len="med"/>
+                    </a:lnR>
+                    <a:lnT w="12700" cap="flat" cmpd="sng" algn="ctr">
+                      <a:solidFill>
+                        <a:schemeClr val="tx1"/>
+                      </a:solidFill>
+                      <a:prstDash val="solid"/>
+                      <a:round/>
+                      <a:headEnd type="none" w="med" len="med"/>
+                      <a:tailEnd type="none" w="med" len="med"/>
+                    </a:lnT>
+                    <a:lnB w="12700" cap="flat" cmpd="sng" algn="ctr">
+                      <a:solidFill>
+                        <a:schemeClr val="tx1"/>
+                      </a:solidFill>
+                      <a:prstDash val="solid"/>
+                      <a:round/>
+                      <a:headEnd type="none" w="med" len="med"/>
+                      <a:tailEnd type="none" w="med" len="med"/>
+                    </a:lnB>
+                    <a:solidFill>
+                      <a:schemeClr val="accent2">
+                        <a:lumMod val="60000"/>
+                        <a:lumOff val="40000"/>
+                      </a:schemeClr>
+                    </a:solidFill>
+                  </a:tcPr>
+                </a:tc>
+                <a:extLst>
+                  <a:ext uri="{0D108BD9-81ED-4DB2-BD59-A6C34878D82A}">
+                    <a16:rowId xmlns:a16="http://schemas.microsoft.com/office/drawing/2014/main" val="3699117137"/>
+                  </a:ext>
+                </a:extLst>
+              </a:tr>
+              <a:tr h="370840">
+                <a:tc>
+                  <a:txBody>
+                    <a:bodyPr/>
+                    <a:lstStyle/>
+                    <a:p>
+                      <a:pPr algn="ctr"/>
+                      <a:r>
+                        <a:rPr lang="en-US" altLang="zh-CN" sz="1600" b="0" dirty="0">
+                          <a:solidFill>
+                            <a:sysClr val="windowText" lastClr="000000"/>
+                          </a:solidFill>
+                          <a:latin typeface="Noto Sans CJK SC Regular" panose="020B0500000000000000" pitchFamily="34" charset="-122"/>
+                          <a:ea typeface="Noto Sans CJK SC Regular" panose="020B0500000000000000" pitchFamily="34" charset="-122"/>
+                        </a:rPr>
+                        <a:t>r</a:t>
+                      </a:r>
+                      <a:endParaRPr lang="zh-CN" altLang="en-US" sz="1600" b="0" dirty="0">
+                        <a:solidFill>
+                          <a:sysClr val="windowText" lastClr="000000"/>
+                        </a:solidFill>
+                        <a:latin typeface="Noto Sans CJK SC Regular" panose="020B0500000000000000" pitchFamily="34" charset="-122"/>
+                        <a:ea typeface="Noto Sans CJK SC Regular" panose="020B0500000000000000" pitchFamily="34" charset="-122"/>
+                      </a:endParaRPr>
+                    </a:p>
+                  </a:txBody>
+                  <a:tcPr anchor="ctr">
+                    <a:lnL w="12700" cap="flat" cmpd="sng" algn="ctr">
+                      <a:solidFill>
+                        <a:schemeClr val="tx1"/>
+                      </a:solidFill>
+                      <a:prstDash val="solid"/>
+                      <a:round/>
+                      <a:headEnd type="none" w="med" len="med"/>
+                      <a:tailEnd type="none" w="med" len="med"/>
+                    </a:lnL>
+                    <a:lnR w="12700" cap="flat" cmpd="sng" algn="ctr">
+                      <a:solidFill>
+                        <a:schemeClr val="tx1"/>
+                      </a:solidFill>
+                      <a:prstDash val="solid"/>
+                      <a:round/>
+                      <a:headEnd type="none" w="med" len="med"/>
+                      <a:tailEnd type="none" w="med" len="med"/>
+                    </a:lnR>
+                    <a:lnT w="12700" cap="flat" cmpd="sng" algn="ctr">
+                      <a:solidFill>
+                        <a:schemeClr val="tx1"/>
+                      </a:solidFill>
+                      <a:prstDash val="solid"/>
+                      <a:round/>
+                      <a:headEnd type="none" w="med" len="med"/>
+                      <a:tailEnd type="none" w="med" len="med"/>
+                    </a:lnT>
+                    <a:lnB w="12700" cap="flat" cmpd="sng" algn="ctr">
+                      <a:solidFill>
+                        <a:schemeClr val="tx1"/>
+                      </a:solidFill>
+                      <a:prstDash val="solid"/>
+                      <a:round/>
+                      <a:headEnd type="none" w="med" len="med"/>
+                      <a:tailEnd type="none" w="med" len="med"/>
+                    </a:lnB>
+                    <a:solidFill>
+                      <a:schemeClr val="accent6">
+                        <a:lumMod val="20000"/>
+                        <a:lumOff val="80000"/>
+                      </a:schemeClr>
+                    </a:solidFill>
+                  </a:tcPr>
+                </a:tc>
+                <a:tc>
+                  <a:txBody>
+                    <a:bodyPr/>
+                    <a:lstStyle/>
+                    <a:p>
+                      <a:pPr algn="ctr"/>
+                      <a:r>
+                        <a:rPr lang="en-US" altLang="zh-CN" sz="1600" b="0" dirty="0">
+                          <a:solidFill>
+                            <a:sysClr val="windowText" lastClr="000000"/>
+                          </a:solidFill>
+                          <a:latin typeface="Noto Sans CJK SC Regular" panose="020B0500000000000000" pitchFamily="34" charset="-122"/>
+                          <a:ea typeface="Noto Sans CJK SC Regular" panose="020B0500000000000000" pitchFamily="34" charset="-122"/>
+                        </a:rPr>
+                        <a:t>1</a:t>
+                      </a:r>
+                      <a:endParaRPr lang="zh-CN" altLang="en-US" sz="1600" b="0" dirty="0">
+                        <a:solidFill>
+                          <a:sysClr val="windowText" lastClr="000000"/>
+                        </a:solidFill>
+                        <a:latin typeface="Noto Sans CJK SC Regular" panose="020B0500000000000000" pitchFamily="34" charset="-122"/>
+                        <a:ea typeface="Noto Sans CJK SC Regular" panose="020B0500000000000000" pitchFamily="34" charset="-122"/>
+                      </a:endParaRPr>
+                    </a:p>
+                  </a:txBody>
+                  <a:tcPr anchor="ctr">
+                    <a:lnL w="12700" cap="flat" cmpd="sng" algn="ctr">
+                      <a:solidFill>
+                        <a:schemeClr val="tx1"/>
+                      </a:solidFill>
+                      <a:prstDash val="solid"/>
+                      <a:round/>
+                      <a:headEnd type="none" w="med" len="med"/>
+                      <a:tailEnd type="none" w="med" len="med"/>
+                    </a:lnL>
+                    <a:lnR w="12700" cap="flat" cmpd="sng" algn="ctr">
+                      <a:solidFill>
+                        <a:schemeClr val="tx1"/>
+                      </a:solidFill>
+                      <a:prstDash val="solid"/>
+                      <a:round/>
+                      <a:headEnd type="none" w="med" len="med"/>
+                      <a:tailEnd type="none" w="med" len="med"/>
+                    </a:lnR>
+                    <a:lnT w="12700" cap="flat" cmpd="sng" algn="ctr">
+                      <a:solidFill>
+                        <a:schemeClr val="tx1"/>
+                      </a:solidFill>
+                      <a:prstDash val="solid"/>
+                      <a:round/>
+                      <a:headEnd type="none" w="med" len="med"/>
+                      <a:tailEnd type="none" w="med" len="med"/>
+                    </a:lnT>
+                    <a:lnB w="12700" cap="flat" cmpd="sng" algn="ctr">
+                      <a:solidFill>
+                        <a:schemeClr val="tx1"/>
+                      </a:solidFill>
+                      <a:prstDash val="solid"/>
+                      <a:round/>
+                      <a:headEnd type="none" w="med" len="med"/>
+                      <a:tailEnd type="none" w="med" len="med"/>
+                    </a:lnB>
+                    <a:solidFill>
+                      <a:schemeClr val="accent6">
+                        <a:lumMod val="60000"/>
+                        <a:lumOff val="40000"/>
+                      </a:schemeClr>
+                    </a:solidFill>
+                  </a:tcPr>
+                </a:tc>
+                <a:tc>
+                  <a:txBody>
+                    <a:bodyPr/>
+                    <a:lstStyle/>
+                    <a:p>
+                      <a:pPr algn="ctr"/>
+                      <a:r>
+                        <a:rPr lang="en-US" altLang="zh-CN" sz="1600" b="0" dirty="0">
+                          <a:solidFill>
+                            <a:sysClr val="windowText" lastClr="000000"/>
+                          </a:solidFill>
+                          <a:latin typeface="Noto Sans CJK SC Regular" panose="020B0500000000000000" pitchFamily="34" charset="-122"/>
+                          <a:ea typeface="Noto Sans CJK SC Regular" panose="020B0500000000000000" pitchFamily="34" charset="-122"/>
+                        </a:rPr>
+                        <a:t>1</a:t>
+                      </a:r>
+                      <a:endParaRPr lang="zh-CN" altLang="en-US" sz="1600" b="0" dirty="0">
+                        <a:solidFill>
+                          <a:sysClr val="windowText" lastClr="000000"/>
+                        </a:solidFill>
+                        <a:latin typeface="Noto Sans CJK SC Regular" panose="020B0500000000000000" pitchFamily="34" charset="-122"/>
+                        <a:ea typeface="Noto Sans CJK SC Regular" panose="020B0500000000000000" pitchFamily="34" charset="-122"/>
+                      </a:endParaRPr>
+                    </a:p>
+                  </a:txBody>
+                  <a:tcPr anchor="ctr">
+                    <a:lnL w="12700" cap="flat" cmpd="sng" algn="ctr">
+                      <a:solidFill>
+                        <a:schemeClr val="tx1"/>
+                      </a:solidFill>
+                      <a:prstDash val="solid"/>
+                      <a:round/>
+                      <a:headEnd type="none" w="med" len="med"/>
+                      <a:tailEnd type="none" w="med" len="med"/>
+                    </a:lnL>
+                    <a:lnR w="12700" cap="flat" cmpd="sng" algn="ctr">
+                      <a:solidFill>
+                        <a:schemeClr val="tx1"/>
+                      </a:solidFill>
+                      <a:prstDash val="solid"/>
+                      <a:round/>
+                      <a:headEnd type="none" w="med" len="med"/>
+                      <a:tailEnd type="none" w="med" len="med"/>
+                    </a:lnR>
+                    <a:lnT w="12700" cap="flat" cmpd="sng" algn="ctr">
+                      <a:solidFill>
+                        <a:schemeClr val="tx1"/>
+                      </a:solidFill>
+                      <a:prstDash val="solid"/>
+                      <a:round/>
+                      <a:headEnd type="none" w="med" len="med"/>
+                      <a:tailEnd type="none" w="med" len="med"/>
+                    </a:lnT>
+                    <a:lnB w="12700" cap="flat" cmpd="sng" algn="ctr">
+                      <a:solidFill>
+                        <a:schemeClr val="tx1"/>
+                      </a:solidFill>
+                      <a:prstDash val="solid"/>
+                      <a:round/>
+                      <a:headEnd type="none" w="med" len="med"/>
+                      <a:tailEnd type="none" w="med" len="med"/>
+                    </a:lnB>
+                    <a:solidFill>
+                      <a:schemeClr val="bg2">
+                        <a:lumMod val="90000"/>
+                      </a:schemeClr>
+                    </a:solidFill>
+                  </a:tcPr>
+                </a:tc>
+                <a:tc>
+                  <a:txBody>
+                    <a:bodyPr/>
+                    <a:lstStyle/>
+                    <a:p>
+                      <a:pPr algn="ctr"/>
+                      <a:r>
+                        <a:rPr lang="en-US" altLang="zh-CN" sz="1600" b="0" dirty="0">
+                          <a:solidFill>
+                            <a:sysClr val="windowText" lastClr="000000"/>
+                          </a:solidFill>
+                          <a:latin typeface="Noto Sans CJK SC Regular" panose="020B0500000000000000" pitchFamily="34" charset="-122"/>
+                          <a:ea typeface="Noto Sans CJK SC Regular" panose="020B0500000000000000" pitchFamily="34" charset="-122"/>
+                        </a:rPr>
+                        <a:t>2</a:t>
+                      </a:r>
+                      <a:endParaRPr lang="zh-CN" altLang="en-US" sz="1600" b="0" dirty="0">
+                        <a:solidFill>
+                          <a:sysClr val="windowText" lastClr="000000"/>
+                        </a:solidFill>
+                        <a:latin typeface="Noto Sans CJK SC Regular" panose="020B0500000000000000" pitchFamily="34" charset="-122"/>
+                        <a:ea typeface="Noto Sans CJK SC Regular" panose="020B0500000000000000" pitchFamily="34" charset="-122"/>
+                      </a:endParaRPr>
+                    </a:p>
+                  </a:txBody>
+                  <a:tcPr anchor="ctr">
+                    <a:lnL w="12700" cap="flat" cmpd="sng" algn="ctr">
+                      <a:solidFill>
+                        <a:schemeClr val="tx1"/>
+                      </a:solidFill>
+                      <a:prstDash val="solid"/>
+                      <a:round/>
+                      <a:headEnd type="none" w="med" len="med"/>
+                      <a:tailEnd type="none" w="med" len="med"/>
+                    </a:lnL>
+                    <a:lnR w="12700" cap="flat" cmpd="sng" algn="ctr">
+                      <a:solidFill>
+                        <a:schemeClr val="tx1"/>
+                      </a:solidFill>
+                      <a:prstDash val="solid"/>
+                      <a:round/>
+                      <a:headEnd type="none" w="med" len="med"/>
+                      <a:tailEnd type="none" w="med" len="med"/>
+                    </a:lnR>
+                    <a:lnT w="12700" cap="flat" cmpd="sng" algn="ctr">
+                      <a:solidFill>
+                        <a:schemeClr val="tx1"/>
+                      </a:solidFill>
+                      <a:prstDash val="solid"/>
+                      <a:round/>
+                      <a:headEnd type="none" w="med" len="med"/>
+                      <a:tailEnd type="none" w="med" len="med"/>
+                    </a:lnT>
+                    <a:lnB w="12700" cap="flat" cmpd="sng" algn="ctr">
+                      <a:solidFill>
+                        <a:schemeClr val="tx1"/>
+                      </a:solidFill>
+                      <a:prstDash val="solid"/>
+                      <a:round/>
+                      <a:headEnd type="none" w="med" len="med"/>
+                      <a:tailEnd type="none" w="med" len="med"/>
+                    </a:lnB>
+                    <a:solidFill>
+                      <a:schemeClr val="accent2">
+                        <a:lumMod val="60000"/>
+                        <a:lumOff val="40000"/>
+                      </a:schemeClr>
+                    </a:solidFill>
+                  </a:tcPr>
+                </a:tc>
+                <a:tc>
+                  <a:txBody>
+                    <a:bodyPr/>
+                    <a:lstStyle/>
+                    <a:p>
+                      <a:pPr algn="ctr"/>
+                      <a:r>
+                        <a:rPr lang="en-US" altLang="zh-CN" sz="1600" b="0" dirty="0">
+                          <a:solidFill>
+                            <a:sysClr val="windowText" lastClr="000000"/>
+                          </a:solidFill>
+                          <a:latin typeface="Noto Sans CJK SC Regular" panose="020B0500000000000000" pitchFamily="34" charset="-122"/>
+                          <a:ea typeface="Noto Sans CJK SC Regular" panose="020B0500000000000000" pitchFamily="34" charset="-122"/>
+                        </a:rPr>
+                        <a:t>2</a:t>
+                      </a:r>
+                      <a:endParaRPr lang="zh-CN" altLang="en-US" sz="1600" b="0" dirty="0">
+                        <a:solidFill>
+                          <a:sysClr val="windowText" lastClr="000000"/>
+                        </a:solidFill>
+                        <a:latin typeface="Noto Sans CJK SC Regular" panose="020B0500000000000000" pitchFamily="34" charset="-122"/>
+                        <a:ea typeface="Noto Sans CJK SC Regular" panose="020B0500000000000000" pitchFamily="34" charset="-122"/>
+                      </a:endParaRPr>
+                    </a:p>
+                  </a:txBody>
+                  <a:tcPr anchor="ctr">
+                    <a:lnL w="12700" cap="flat" cmpd="sng" algn="ctr">
+                      <a:solidFill>
+                        <a:schemeClr val="tx1"/>
+                      </a:solidFill>
+                      <a:prstDash val="solid"/>
+                      <a:round/>
+                      <a:headEnd type="none" w="med" len="med"/>
+                      <a:tailEnd type="none" w="med" len="med"/>
+                    </a:lnL>
+                    <a:lnR w="12700" cap="flat" cmpd="sng" algn="ctr">
+                      <a:solidFill>
+                        <a:schemeClr val="tx1"/>
+                      </a:solidFill>
+                      <a:prstDash val="solid"/>
+                      <a:round/>
+                      <a:headEnd type="none" w="med" len="med"/>
+                      <a:tailEnd type="none" w="med" len="med"/>
+                    </a:lnR>
+                    <a:lnT w="12700" cap="flat" cmpd="sng" algn="ctr">
+                      <a:solidFill>
+                        <a:schemeClr val="tx1"/>
+                      </a:solidFill>
+                      <a:prstDash val="solid"/>
+                      <a:round/>
+                      <a:headEnd type="none" w="med" len="med"/>
+                      <a:tailEnd type="none" w="med" len="med"/>
+                    </a:lnT>
+                    <a:lnB w="12700" cap="flat" cmpd="sng" algn="ctr">
+                      <a:solidFill>
+                        <a:schemeClr val="tx1"/>
+                      </a:solidFill>
+                      <a:prstDash val="solid"/>
+                      <a:round/>
+                      <a:headEnd type="none" w="med" len="med"/>
+                      <a:tailEnd type="none" w="med" len="med"/>
+                    </a:lnB>
+                    <a:solidFill>
+                      <a:schemeClr val="bg1"/>
+                    </a:solidFill>
+                  </a:tcPr>
+                </a:tc>
+                <a:tc>
+                  <a:txBody>
+                    <a:bodyPr/>
+                    <a:lstStyle/>
+                    <a:p>
+                      <a:pPr algn="ctr"/>
+                      <a:r>
+                        <a:rPr lang="en-US" altLang="zh-CN" sz="1600" b="0" dirty="0">
+                          <a:solidFill>
+                            <a:sysClr val="windowText" lastClr="000000"/>
+                          </a:solidFill>
+                          <a:latin typeface="Noto Sans CJK SC Regular" panose="020B0500000000000000" pitchFamily="34" charset="-122"/>
+                          <a:ea typeface="Noto Sans CJK SC Regular" panose="020B0500000000000000" pitchFamily="34" charset="-122"/>
+                        </a:rPr>
+                        <a:t>3</a:t>
+                      </a:r>
+                      <a:endParaRPr lang="zh-CN" altLang="en-US" sz="1600" b="0" dirty="0">
+                        <a:solidFill>
+                          <a:sysClr val="windowText" lastClr="000000"/>
+                        </a:solidFill>
+                        <a:latin typeface="Noto Sans CJK SC Regular" panose="020B0500000000000000" pitchFamily="34" charset="-122"/>
+                        <a:ea typeface="Noto Sans CJK SC Regular" panose="020B0500000000000000" pitchFamily="34" charset="-122"/>
+                      </a:endParaRPr>
+                    </a:p>
+                  </a:txBody>
+                  <a:tcPr anchor="ctr">
+                    <a:lnL w="12700" cap="flat" cmpd="sng" algn="ctr">
+                      <a:solidFill>
+                        <a:schemeClr val="tx1"/>
+                      </a:solidFill>
+                      <a:prstDash val="solid"/>
+                      <a:round/>
+                      <a:headEnd type="none" w="med" len="med"/>
+                      <a:tailEnd type="none" w="med" len="med"/>
+                    </a:lnL>
+                    <a:lnR w="12700" cap="flat" cmpd="sng" algn="ctr">
+                      <a:solidFill>
+                        <a:schemeClr val="tx1"/>
+                      </a:solidFill>
+                      <a:prstDash val="solid"/>
+                      <a:round/>
+                      <a:headEnd type="none" w="med" len="med"/>
+                      <a:tailEnd type="none" w="med" len="med"/>
+                    </a:lnR>
+                    <a:lnT w="12700" cap="flat" cmpd="sng" algn="ctr">
+                      <a:solidFill>
+                        <a:schemeClr val="tx1"/>
+                      </a:solidFill>
+                      <a:prstDash val="solid"/>
+                      <a:round/>
+                      <a:headEnd type="none" w="med" len="med"/>
+                      <a:tailEnd type="none" w="med" len="med"/>
+                    </a:lnT>
+                    <a:lnB w="12700" cap="flat" cmpd="sng" algn="ctr">
+                      <a:solidFill>
+                        <a:schemeClr val="tx1"/>
+                      </a:solidFill>
+                      <a:prstDash val="solid"/>
+                      <a:round/>
+                      <a:headEnd type="none" w="med" len="med"/>
+                      <a:tailEnd type="none" w="med" len="med"/>
+                    </a:lnB>
+                    <a:solidFill>
+                      <a:schemeClr val="accent2">
+                        <a:lumMod val="60000"/>
+                        <a:lumOff val="40000"/>
+                      </a:schemeClr>
+                    </a:solidFill>
+                  </a:tcPr>
+                </a:tc>
+                <a:tc>
+                  <a:txBody>
+                    <a:bodyPr/>
+                    <a:lstStyle/>
+                    <a:p>
+                      <a:pPr algn="ctr"/>
+                      <a:r>
+                        <a:rPr lang="en-US" altLang="zh-CN" sz="1600" b="0" dirty="0">
+                          <a:solidFill>
+                            <a:sysClr val="windowText" lastClr="000000"/>
+                          </a:solidFill>
+                          <a:latin typeface="Noto Sans CJK SC Regular" panose="020B0500000000000000" pitchFamily="34" charset="-122"/>
+                          <a:ea typeface="Noto Sans CJK SC Regular" panose="020B0500000000000000" pitchFamily="34" charset="-122"/>
+                        </a:rPr>
+                        <a:t>4</a:t>
+                      </a:r>
+                      <a:endParaRPr lang="zh-CN" altLang="en-US" sz="1600" b="0" dirty="0">
+                        <a:solidFill>
+                          <a:sysClr val="windowText" lastClr="000000"/>
+                        </a:solidFill>
+                        <a:latin typeface="Noto Sans CJK SC Regular" panose="020B0500000000000000" pitchFamily="34" charset="-122"/>
+                        <a:ea typeface="Noto Sans CJK SC Regular" panose="020B0500000000000000" pitchFamily="34" charset="-122"/>
+                      </a:endParaRPr>
+                    </a:p>
+                  </a:txBody>
+                  <a:tcPr anchor="ctr">
+                    <a:lnL w="12700" cap="flat" cmpd="sng" algn="ctr">
+                      <a:solidFill>
+                        <a:schemeClr val="tx1"/>
+                      </a:solidFill>
+                      <a:prstDash val="solid"/>
+                      <a:round/>
+                      <a:headEnd type="none" w="med" len="med"/>
+                      <a:tailEnd type="none" w="med" len="med"/>
+                    </a:lnL>
+                    <a:lnR w="12700" cap="flat" cmpd="sng" algn="ctr">
+                      <a:solidFill>
+                        <a:schemeClr val="tx1"/>
+                      </a:solidFill>
+                      <a:prstDash val="solid"/>
+                      <a:round/>
+                      <a:headEnd type="none" w="med" len="med"/>
+                      <a:tailEnd type="none" w="med" len="med"/>
+                    </a:lnR>
+                    <a:lnT w="12700" cap="flat" cmpd="sng" algn="ctr">
+                      <a:solidFill>
+                        <a:schemeClr val="tx1"/>
+                      </a:solidFill>
+                      <a:prstDash val="solid"/>
+                      <a:round/>
+                      <a:headEnd type="none" w="med" len="med"/>
+                      <a:tailEnd type="none" w="med" len="med"/>
+                    </a:lnT>
+                    <a:lnB w="12700" cap="flat" cmpd="sng" algn="ctr">
+                      <a:solidFill>
+                        <a:schemeClr val="tx1"/>
+                      </a:solidFill>
+                      <a:prstDash val="solid"/>
+                      <a:round/>
+                      <a:headEnd type="none" w="med" len="med"/>
+                      <a:tailEnd type="none" w="med" len="med"/>
+                    </a:lnB>
+                    <a:solidFill>
+                      <a:schemeClr val="accent2">
+                        <a:lumMod val="60000"/>
+                        <a:lumOff val="40000"/>
+                      </a:schemeClr>
+                    </a:solidFill>
+                  </a:tcPr>
+                </a:tc>
+                <a:extLst>
+                  <a:ext uri="{0D108BD9-81ED-4DB2-BD59-A6C34878D82A}">
+                    <a16:rowId xmlns:a16="http://schemas.microsoft.com/office/drawing/2014/main" val="4056015913"/>
+                  </a:ext>
+                </a:extLst>
+              </a:tr>
+              <a:tr h="370840">
+                <a:tc>
+                  <a:txBody>
+                    <a:bodyPr/>
+                    <a:lstStyle/>
+                    <a:p>
+                      <a:pPr algn="ctr"/>
+                      <a:r>
+                        <a:rPr lang="en-US" altLang="zh-CN" sz="1600" b="0" dirty="0">
+                          <a:solidFill>
+                            <a:sysClr val="windowText" lastClr="000000"/>
+                          </a:solidFill>
+                          <a:latin typeface="Noto Sans CJK SC Regular" panose="020B0500000000000000" pitchFamily="34" charset="-122"/>
+                          <a:ea typeface="Noto Sans CJK SC Regular" panose="020B0500000000000000" pitchFamily="34" charset="-122"/>
+                        </a:rPr>
+                        <a:t>o</a:t>
+                      </a:r>
+                      <a:endParaRPr lang="zh-CN" altLang="en-US" sz="1600" b="0" dirty="0">
+                        <a:solidFill>
+                          <a:sysClr val="windowText" lastClr="000000"/>
+                        </a:solidFill>
+                        <a:latin typeface="Noto Sans CJK SC Regular" panose="020B0500000000000000" pitchFamily="34" charset="-122"/>
+                        <a:ea typeface="Noto Sans CJK SC Regular" panose="020B0500000000000000" pitchFamily="34" charset="-122"/>
+                      </a:endParaRPr>
+                    </a:p>
+                  </a:txBody>
+                  <a:tcPr anchor="ctr">
+                    <a:lnL w="12700" cap="flat" cmpd="sng" algn="ctr">
+                      <a:solidFill>
+                        <a:schemeClr val="tx1"/>
+                      </a:solidFill>
+                      <a:prstDash val="solid"/>
+                      <a:round/>
+                      <a:headEnd type="none" w="med" len="med"/>
+                      <a:tailEnd type="none" w="med" len="med"/>
+                    </a:lnL>
+                    <a:lnR w="12700" cap="flat" cmpd="sng" algn="ctr">
+                      <a:solidFill>
+                        <a:schemeClr val="tx1"/>
+                      </a:solidFill>
+                      <a:prstDash val="solid"/>
+                      <a:round/>
+                      <a:headEnd type="none" w="med" len="med"/>
+                      <a:tailEnd type="none" w="med" len="med"/>
+                    </a:lnR>
+                    <a:lnT w="12700" cap="flat" cmpd="sng" algn="ctr">
+                      <a:solidFill>
+                        <a:schemeClr val="tx1"/>
+                      </a:solidFill>
+                      <a:prstDash val="solid"/>
+                      <a:round/>
+                      <a:headEnd type="none" w="med" len="med"/>
+                      <a:tailEnd type="none" w="med" len="med"/>
+                    </a:lnT>
+                    <a:lnB w="12700" cap="flat" cmpd="sng" algn="ctr">
+                      <a:solidFill>
+                        <a:schemeClr val="tx1"/>
+                      </a:solidFill>
+                      <a:prstDash val="solid"/>
+                      <a:round/>
+                      <a:headEnd type="none" w="med" len="med"/>
+                      <a:tailEnd type="none" w="med" len="med"/>
+                    </a:lnB>
+                    <a:solidFill>
+                      <a:schemeClr val="accent6">
+                        <a:lumMod val="20000"/>
+                        <a:lumOff val="80000"/>
+                      </a:schemeClr>
+                    </a:solidFill>
+                  </a:tcPr>
+                </a:tc>
+                <a:tc>
+                  <a:txBody>
+                    <a:bodyPr/>
+                    <a:lstStyle/>
+                    <a:p>
+                      <a:pPr algn="ctr"/>
+                      <a:r>
+                        <a:rPr lang="en-US" altLang="zh-CN" sz="1600" b="0" dirty="0">
+                          <a:solidFill>
+                            <a:sysClr val="windowText" lastClr="000000"/>
+                          </a:solidFill>
+                          <a:latin typeface="Noto Sans CJK SC Regular" panose="020B0500000000000000" pitchFamily="34" charset="-122"/>
+                          <a:ea typeface="Noto Sans CJK SC Regular" panose="020B0500000000000000" pitchFamily="34" charset="-122"/>
+                        </a:rPr>
+                        <a:t>2</a:t>
+                      </a:r>
+                      <a:endParaRPr lang="zh-CN" altLang="en-US" sz="1600" b="0" dirty="0">
+                        <a:solidFill>
+                          <a:sysClr val="windowText" lastClr="000000"/>
+                        </a:solidFill>
+                        <a:latin typeface="Noto Sans CJK SC Regular" panose="020B0500000000000000" pitchFamily="34" charset="-122"/>
+                        <a:ea typeface="Noto Sans CJK SC Regular" panose="020B0500000000000000" pitchFamily="34" charset="-122"/>
+                      </a:endParaRPr>
+                    </a:p>
+                  </a:txBody>
+                  <a:tcPr anchor="ctr">
+                    <a:lnL w="12700" cap="flat" cmpd="sng" algn="ctr">
+                      <a:solidFill>
+                        <a:schemeClr val="tx1"/>
+                      </a:solidFill>
+                      <a:prstDash val="solid"/>
+                      <a:round/>
+                      <a:headEnd type="none" w="med" len="med"/>
+                      <a:tailEnd type="none" w="med" len="med"/>
+                    </a:lnL>
+                    <a:lnR w="12700" cap="flat" cmpd="sng" algn="ctr">
+                      <a:solidFill>
+                        <a:schemeClr val="tx1"/>
+                      </a:solidFill>
+                      <a:prstDash val="solid"/>
+                      <a:round/>
+                      <a:headEnd type="none" w="med" len="med"/>
+                      <a:tailEnd type="none" w="med" len="med"/>
+                    </a:lnR>
+                    <a:lnT w="12700" cap="flat" cmpd="sng" algn="ctr">
+                      <a:solidFill>
+                        <a:schemeClr val="tx1"/>
+                      </a:solidFill>
+                      <a:prstDash val="solid"/>
+                      <a:round/>
+                      <a:headEnd type="none" w="med" len="med"/>
+                      <a:tailEnd type="none" w="med" len="med"/>
+                    </a:lnT>
+                    <a:lnB w="12700" cap="flat" cmpd="sng" algn="ctr">
+                      <a:solidFill>
+                        <a:schemeClr val="tx1"/>
+                      </a:solidFill>
+                      <a:prstDash val="solid"/>
+                      <a:round/>
+                      <a:headEnd type="none" w="med" len="med"/>
+                      <a:tailEnd type="none" w="med" len="med"/>
+                    </a:lnB>
+                    <a:solidFill>
+                      <a:schemeClr val="accent6">
+                        <a:lumMod val="60000"/>
+                        <a:lumOff val="40000"/>
+                      </a:schemeClr>
+                    </a:solidFill>
+                  </a:tcPr>
+                </a:tc>
+                <a:tc>
+                  <a:txBody>
+                    <a:bodyPr/>
+                    <a:lstStyle/>
+                    <a:p>
+                      <a:pPr algn="ctr"/>
+                      <a:r>
+                        <a:rPr lang="en-US" altLang="zh-CN" sz="1600" b="0" dirty="0">
+                          <a:solidFill>
+                            <a:sysClr val="windowText" lastClr="000000"/>
+                          </a:solidFill>
+                          <a:latin typeface="Noto Sans CJK SC Regular" panose="020B0500000000000000" pitchFamily="34" charset="-122"/>
+                          <a:ea typeface="Noto Sans CJK SC Regular" panose="020B0500000000000000" pitchFamily="34" charset="-122"/>
+                        </a:rPr>
+                        <a:t>2</a:t>
+                      </a:r>
+                      <a:endParaRPr lang="zh-CN" altLang="en-US" sz="1600" b="0" dirty="0">
+                        <a:solidFill>
+                          <a:sysClr val="windowText" lastClr="000000"/>
+                        </a:solidFill>
+                        <a:latin typeface="Noto Sans CJK SC Regular" panose="020B0500000000000000" pitchFamily="34" charset="-122"/>
+                        <a:ea typeface="Noto Sans CJK SC Regular" panose="020B0500000000000000" pitchFamily="34" charset="-122"/>
+                      </a:endParaRPr>
+                    </a:p>
+                  </a:txBody>
+                  <a:tcPr anchor="ctr">
+                    <a:lnL w="12700" cap="flat" cmpd="sng" algn="ctr">
+                      <a:solidFill>
+                        <a:schemeClr val="tx1"/>
+                      </a:solidFill>
+                      <a:prstDash val="solid"/>
+                      <a:round/>
+                      <a:headEnd type="none" w="med" len="med"/>
+                      <a:tailEnd type="none" w="med" len="med"/>
+                    </a:lnL>
+                    <a:lnR w="12700" cap="flat" cmpd="sng" algn="ctr">
+                      <a:solidFill>
+                        <a:schemeClr val="tx1"/>
+                      </a:solidFill>
+                      <a:prstDash val="solid"/>
+                      <a:round/>
+                      <a:headEnd type="none" w="med" len="med"/>
+                      <a:tailEnd type="none" w="med" len="med"/>
+                    </a:lnR>
+                    <a:lnT w="12700" cap="flat" cmpd="sng" algn="ctr">
+                      <a:solidFill>
+                        <a:schemeClr val="tx1"/>
+                      </a:solidFill>
+                      <a:prstDash val="solid"/>
+                      <a:round/>
+                      <a:headEnd type="none" w="med" len="med"/>
+                      <a:tailEnd type="none" w="med" len="med"/>
+                    </a:lnT>
+                    <a:lnB w="12700" cap="flat" cmpd="sng" algn="ctr">
+                      <a:solidFill>
+                        <a:schemeClr val="tx1"/>
+                      </a:solidFill>
+                      <a:prstDash val="solid"/>
+                      <a:round/>
+                      <a:headEnd type="none" w="med" len="med"/>
+                      <a:tailEnd type="none" w="med" len="med"/>
+                    </a:lnB>
+                    <a:solidFill>
+                      <a:schemeClr val="accent6">
+                        <a:lumMod val="60000"/>
+                        <a:lumOff val="40000"/>
+                      </a:schemeClr>
+                    </a:solidFill>
+                  </a:tcPr>
+                </a:tc>
+                <a:tc>
+                  <a:txBody>
+                    <a:bodyPr/>
+                    <a:lstStyle/>
+                    <a:p>
+                      <a:pPr algn="ctr"/>
+                      <a:r>
+                        <a:rPr lang="en-US" altLang="zh-CN" sz="1600" b="0" dirty="0">
+                          <a:solidFill>
+                            <a:sysClr val="windowText" lastClr="000000"/>
+                          </a:solidFill>
+                          <a:latin typeface="Noto Sans CJK SC Regular" panose="020B0500000000000000" pitchFamily="34" charset="-122"/>
+                          <a:ea typeface="Noto Sans CJK SC Regular" panose="020B0500000000000000" pitchFamily="34" charset="-122"/>
+                        </a:rPr>
+                        <a:t>1</a:t>
+                      </a:r>
+                      <a:endParaRPr lang="zh-CN" altLang="en-US" sz="1600" b="0" dirty="0">
+                        <a:solidFill>
+                          <a:sysClr val="windowText" lastClr="000000"/>
+                        </a:solidFill>
+                        <a:latin typeface="Noto Sans CJK SC Regular" panose="020B0500000000000000" pitchFamily="34" charset="-122"/>
+                        <a:ea typeface="Noto Sans CJK SC Regular" panose="020B0500000000000000" pitchFamily="34" charset="-122"/>
+                      </a:endParaRPr>
+                    </a:p>
+                  </a:txBody>
+                  <a:tcPr anchor="ctr">
+                    <a:lnL w="12700" cap="flat" cmpd="sng" algn="ctr">
+                      <a:solidFill>
+                        <a:schemeClr val="tx1"/>
+                      </a:solidFill>
+                      <a:prstDash val="solid"/>
+                      <a:round/>
+                      <a:headEnd type="none" w="med" len="med"/>
+                      <a:tailEnd type="none" w="med" len="med"/>
+                    </a:lnL>
+                    <a:lnR w="12700" cap="flat" cmpd="sng" algn="ctr">
+                      <a:solidFill>
+                        <a:schemeClr val="tx1"/>
+                      </a:solidFill>
+                      <a:prstDash val="solid"/>
+                      <a:round/>
+                      <a:headEnd type="none" w="med" len="med"/>
+                      <a:tailEnd type="none" w="med" len="med"/>
+                    </a:lnR>
+                    <a:lnT w="12700" cap="flat" cmpd="sng" algn="ctr">
+                      <a:solidFill>
+                        <a:schemeClr val="tx1"/>
+                      </a:solidFill>
+                      <a:prstDash val="solid"/>
+                      <a:round/>
+                      <a:headEnd type="none" w="med" len="med"/>
+                      <a:tailEnd type="none" w="med" len="med"/>
+                    </a:lnT>
+                    <a:lnB w="12700" cap="flat" cmpd="sng" algn="ctr">
+                      <a:solidFill>
+                        <a:schemeClr val="tx1"/>
+                      </a:solidFill>
+                      <a:prstDash val="solid"/>
+                      <a:round/>
+                      <a:headEnd type="none" w="med" len="med"/>
+                      <a:tailEnd type="none" w="med" len="med"/>
+                    </a:lnB>
+                    <a:solidFill>
+                      <a:schemeClr val="bg1"/>
+                    </a:solidFill>
+                  </a:tcPr>
+                </a:tc>
+                <a:tc>
+                  <a:txBody>
+                    <a:bodyPr/>
+                    <a:lstStyle/>
+                    <a:p>
+                      <a:pPr algn="ctr"/>
+                      <a:r>
+                        <a:rPr lang="en-US" altLang="zh-CN" sz="1600" b="0" dirty="0">
+                          <a:solidFill>
+                            <a:sysClr val="windowText" lastClr="000000"/>
+                          </a:solidFill>
+                          <a:latin typeface="Noto Sans CJK SC Regular" panose="020B0500000000000000" pitchFamily="34" charset="-122"/>
+                          <a:ea typeface="Noto Sans CJK SC Regular" panose="020B0500000000000000" pitchFamily="34" charset="-122"/>
+                        </a:rPr>
+                        <a:t>2</a:t>
+                      </a:r>
+                      <a:endParaRPr lang="zh-CN" altLang="en-US" sz="1600" b="0" dirty="0">
+                        <a:solidFill>
+                          <a:sysClr val="windowText" lastClr="000000"/>
+                        </a:solidFill>
+                        <a:latin typeface="Noto Sans CJK SC Regular" panose="020B0500000000000000" pitchFamily="34" charset="-122"/>
+                        <a:ea typeface="Noto Sans CJK SC Regular" panose="020B0500000000000000" pitchFamily="34" charset="-122"/>
+                      </a:endParaRPr>
+                    </a:p>
+                  </a:txBody>
+                  <a:tcPr anchor="ctr">
+                    <a:lnL w="12700" cap="flat" cmpd="sng" algn="ctr">
+                      <a:solidFill>
+                        <a:schemeClr val="tx1"/>
+                      </a:solidFill>
+                      <a:prstDash val="solid"/>
+                      <a:round/>
+                      <a:headEnd type="none" w="med" len="med"/>
+                      <a:tailEnd type="none" w="med" len="med"/>
+                    </a:lnL>
+                    <a:lnR w="12700" cap="flat" cmpd="sng" algn="ctr">
+                      <a:solidFill>
+                        <a:schemeClr val="tx1"/>
+                      </a:solidFill>
+                      <a:prstDash val="solid"/>
+                      <a:round/>
+                      <a:headEnd type="none" w="med" len="med"/>
+                      <a:tailEnd type="none" w="med" len="med"/>
+                    </a:lnR>
+                    <a:lnT w="12700" cap="flat" cmpd="sng" algn="ctr">
+                      <a:solidFill>
+                        <a:schemeClr val="tx1"/>
+                      </a:solidFill>
+                      <a:prstDash val="solid"/>
+                      <a:round/>
+                      <a:headEnd type="none" w="med" len="med"/>
+                      <a:tailEnd type="none" w="med" len="med"/>
+                    </a:lnT>
+                    <a:lnB w="12700" cap="flat" cmpd="sng" algn="ctr">
+                      <a:solidFill>
+                        <a:schemeClr val="tx1"/>
+                      </a:solidFill>
+                      <a:prstDash val="solid"/>
+                      <a:round/>
+                      <a:headEnd type="none" w="med" len="med"/>
+                      <a:tailEnd type="none" w="med" len="med"/>
+                    </a:lnB>
+                    <a:solidFill>
+                      <a:schemeClr val="accent2">
+                        <a:lumMod val="60000"/>
+                        <a:lumOff val="40000"/>
+                      </a:schemeClr>
+                    </a:solidFill>
+                  </a:tcPr>
+                </a:tc>
+                <a:tc>
+                  <a:txBody>
+                    <a:bodyPr/>
+                    <a:lstStyle/>
+                    <a:p>
+                      <a:pPr algn="ctr"/>
+                      <a:r>
+                        <a:rPr lang="en-US" altLang="zh-CN" sz="1600" b="0" dirty="0">
+                          <a:solidFill>
+                            <a:sysClr val="windowText" lastClr="000000"/>
+                          </a:solidFill>
+                          <a:latin typeface="Noto Sans CJK SC Regular" panose="020B0500000000000000" pitchFamily="34" charset="-122"/>
+                          <a:ea typeface="Noto Sans CJK SC Regular" panose="020B0500000000000000" pitchFamily="34" charset="-122"/>
+                        </a:rPr>
+                        <a:t>3</a:t>
+                      </a:r>
+                      <a:endParaRPr lang="zh-CN" altLang="en-US" sz="1600" b="0" dirty="0">
+                        <a:solidFill>
+                          <a:sysClr val="windowText" lastClr="000000"/>
+                        </a:solidFill>
+                        <a:latin typeface="Noto Sans CJK SC Regular" panose="020B0500000000000000" pitchFamily="34" charset="-122"/>
+                        <a:ea typeface="Noto Sans CJK SC Regular" panose="020B0500000000000000" pitchFamily="34" charset="-122"/>
+                      </a:endParaRPr>
+                    </a:p>
+                  </a:txBody>
+                  <a:tcPr anchor="ctr">
+                    <a:lnL w="12700" cap="flat" cmpd="sng" algn="ctr">
+                      <a:solidFill>
+                        <a:schemeClr val="tx1"/>
+                      </a:solidFill>
+                      <a:prstDash val="solid"/>
+                      <a:round/>
+                      <a:headEnd type="none" w="med" len="med"/>
+                      <a:tailEnd type="none" w="med" len="med"/>
+                    </a:lnL>
+                    <a:lnR w="12700" cap="flat" cmpd="sng" algn="ctr">
+                      <a:solidFill>
+                        <a:schemeClr val="tx1"/>
+                      </a:solidFill>
+                      <a:prstDash val="solid"/>
+                      <a:round/>
+                      <a:headEnd type="none" w="med" len="med"/>
+                      <a:tailEnd type="none" w="med" len="med"/>
+                    </a:lnR>
+                    <a:lnT w="12700" cap="flat" cmpd="sng" algn="ctr">
+                      <a:solidFill>
+                        <a:schemeClr val="tx1"/>
+                      </a:solidFill>
+                      <a:prstDash val="solid"/>
+                      <a:round/>
+                      <a:headEnd type="none" w="med" len="med"/>
+                      <a:tailEnd type="none" w="med" len="med"/>
+                    </a:lnT>
+                    <a:lnB w="12700" cap="flat" cmpd="sng" algn="ctr">
+                      <a:solidFill>
+                        <a:schemeClr val="tx1"/>
+                      </a:solidFill>
+                      <a:prstDash val="solid"/>
+                      <a:round/>
+                      <a:headEnd type="none" w="med" len="med"/>
+                      <a:tailEnd type="none" w="med" len="med"/>
+                    </a:lnB>
+                    <a:solidFill>
+                      <a:schemeClr val="accent2">
+                        <a:lumMod val="60000"/>
+                        <a:lumOff val="40000"/>
+                      </a:schemeClr>
+                    </a:solidFill>
+                  </a:tcPr>
+                </a:tc>
+                <a:tc>
+                  <a:txBody>
+                    <a:bodyPr/>
+                    <a:lstStyle/>
+                    <a:p>
+                      <a:pPr algn="ctr"/>
+                      <a:r>
+                        <a:rPr lang="en-US" altLang="zh-CN" sz="1600" b="0" dirty="0">
+                          <a:solidFill>
+                            <a:sysClr val="windowText" lastClr="000000"/>
+                          </a:solidFill>
+                          <a:latin typeface="Noto Sans CJK SC Regular" panose="020B0500000000000000" pitchFamily="34" charset="-122"/>
+                          <a:ea typeface="Noto Sans CJK SC Regular" panose="020B0500000000000000" pitchFamily="34" charset="-122"/>
+                        </a:rPr>
+                        <a:t>4</a:t>
+                      </a:r>
+                      <a:endParaRPr lang="zh-CN" altLang="en-US" sz="1600" b="0" dirty="0">
+                        <a:solidFill>
+                          <a:sysClr val="windowText" lastClr="000000"/>
+                        </a:solidFill>
+                        <a:latin typeface="Noto Sans CJK SC Regular" panose="020B0500000000000000" pitchFamily="34" charset="-122"/>
+                        <a:ea typeface="Noto Sans CJK SC Regular" panose="020B0500000000000000" pitchFamily="34" charset="-122"/>
+                      </a:endParaRPr>
+                    </a:p>
+                  </a:txBody>
+                  <a:tcPr anchor="ctr">
+                    <a:lnL w="12700" cap="flat" cmpd="sng" algn="ctr">
+                      <a:solidFill>
+                        <a:schemeClr val="tx1"/>
+                      </a:solidFill>
+                      <a:prstDash val="solid"/>
+                      <a:round/>
+                      <a:headEnd type="none" w="med" len="med"/>
+                      <a:tailEnd type="none" w="med" len="med"/>
+                    </a:lnL>
+                    <a:lnR w="12700" cap="flat" cmpd="sng" algn="ctr">
+                      <a:solidFill>
+                        <a:schemeClr val="tx1"/>
+                      </a:solidFill>
+                      <a:prstDash val="solid"/>
+                      <a:round/>
+                      <a:headEnd type="none" w="med" len="med"/>
+                      <a:tailEnd type="none" w="med" len="med"/>
+                    </a:lnR>
+                    <a:lnT w="12700" cap="flat" cmpd="sng" algn="ctr">
+                      <a:solidFill>
+                        <a:schemeClr val="tx1"/>
+                      </a:solidFill>
+                      <a:prstDash val="solid"/>
+                      <a:round/>
+                      <a:headEnd type="none" w="med" len="med"/>
+                      <a:tailEnd type="none" w="med" len="med"/>
+                    </a:lnT>
+                    <a:lnB w="12700" cap="flat" cmpd="sng" algn="ctr">
+                      <a:solidFill>
+                        <a:schemeClr val="tx1"/>
+                      </a:solidFill>
+                      <a:prstDash val="solid"/>
+                      <a:round/>
+                      <a:headEnd type="none" w="med" len="med"/>
+                      <a:tailEnd type="none" w="med" len="med"/>
+                    </a:lnB>
+                    <a:solidFill>
+                      <a:schemeClr val="accent2">
+                        <a:lumMod val="60000"/>
+                        <a:lumOff val="40000"/>
+                      </a:schemeClr>
+                    </a:solidFill>
+                  </a:tcPr>
+                </a:tc>
+                <a:extLst>
+                  <a:ext uri="{0D108BD9-81ED-4DB2-BD59-A6C34878D82A}">
+                    <a16:rowId xmlns:a16="http://schemas.microsoft.com/office/drawing/2014/main" val="1920828272"/>
+                  </a:ext>
+                </a:extLst>
+              </a:tr>
+              <a:tr h="370840">
+                <a:tc>
+                  <a:txBody>
+                    <a:bodyPr/>
+                    <a:lstStyle/>
+                    <a:p>
+                      <a:pPr algn="ctr"/>
+                      <a:r>
+                        <a:rPr lang="en-US" altLang="zh-CN" sz="1600" b="0" dirty="0">
+                          <a:solidFill>
+                            <a:sysClr val="windowText" lastClr="000000"/>
+                          </a:solidFill>
+                          <a:latin typeface="Noto Sans CJK SC Regular" panose="020B0500000000000000" pitchFamily="34" charset="-122"/>
+                          <a:ea typeface="Noto Sans CJK SC Regular" panose="020B0500000000000000" pitchFamily="34" charset="-122"/>
+                        </a:rPr>
+                        <a:t>s</a:t>
+                      </a:r>
+                      <a:endParaRPr lang="zh-CN" altLang="en-US" sz="1600" b="0" dirty="0">
+                        <a:solidFill>
+                          <a:sysClr val="windowText" lastClr="000000"/>
+                        </a:solidFill>
+                        <a:latin typeface="Noto Sans CJK SC Regular" panose="020B0500000000000000" pitchFamily="34" charset="-122"/>
+                        <a:ea typeface="Noto Sans CJK SC Regular" panose="020B0500000000000000" pitchFamily="34" charset="-122"/>
+                      </a:endParaRPr>
+                    </a:p>
+                  </a:txBody>
+                  <a:tcPr anchor="ctr">
+                    <a:lnL w="12700" cap="flat" cmpd="sng" algn="ctr">
+                      <a:solidFill>
+                        <a:schemeClr val="tx1"/>
+                      </a:solidFill>
+                      <a:prstDash val="solid"/>
+                      <a:round/>
+                      <a:headEnd type="none" w="med" len="med"/>
+                      <a:tailEnd type="none" w="med" len="med"/>
+                    </a:lnL>
+                    <a:lnR w="12700" cap="flat" cmpd="sng" algn="ctr">
+                      <a:solidFill>
+                        <a:schemeClr val="tx1"/>
+                      </a:solidFill>
+                      <a:prstDash val="solid"/>
+                      <a:round/>
+                      <a:headEnd type="none" w="med" len="med"/>
+                      <a:tailEnd type="none" w="med" len="med"/>
+                    </a:lnR>
+                    <a:lnT w="12700" cap="flat" cmpd="sng" algn="ctr">
+                      <a:solidFill>
+                        <a:schemeClr val="tx1"/>
+                      </a:solidFill>
+                      <a:prstDash val="solid"/>
+                      <a:round/>
+                      <a:headEnd type="none" w="med" len="med"/>
+                      <a:tailEnd type="none" w="med" len="med"/>
+                    </a:lnT>
+                    <a:lnB w="12700" cap="flat" cmpd="sng" algn="ctr">
+                      <a:solidFill>
+                        <a:schemeClr val="tx1"/>
+                      </a:solidFill>
+                      <a:prstDash val="solid"/>
+                      <a:round/>
+                      <a:headEnd type="none" w="med" len="med"/>
+                      <a:tailEnd type="none" w="med" len="med"/>
+                    </a:lnB>
+                    <a:solidFill>
+                      <a:schemeClr val="accent6">
+                        <a:lumMod val="20000"/>
+                        <a:lumOff val="80000"/>
+                      </a:schemeClr>
+                    </a:solidFill>
+                  </a:tcPr>
+                </a:tc>
+                <a:tc>
+                  <a:txBody>
+                    <a:bodyPr/>
+                    <a:lstStyle/>
+                    <a:p>
+                      <a:pPr algn="ctr"/>
+                      <a:r>
+                        <a:rPr lang="en-US" altLang="zh-CN" sz="1600" b="0" dirty="0">
+                          <a:solidFill>
+                            <a:sysClr val="windowText" lastClr="000000"/>
+                          </a:solidFill>
+                          <a:latin typeface="Noto Sans CJK SC Regular" panose="020B0500000000000000" pitchFamily="34" charset="-122"/>
+                          <a:ea typeface="Noto Sans CJK SC Regular" panose="020B0500000000000000" pitchFamily="34" charset="-122"/>
+                        </a:rPr>
+                        <a:t>3</a:t>
+                      </a:r>
+                      <a:endParaRPr lang="zh-CN" altLang="en-US" sz="1600" b="0" dirty="0">
+                        <a:solidFill>
+                          <a:sysClr val="windowText" lastClr="000000"/>
+                        </a:solidFill>
+                        <a:latin typeface="Noto Sans CJK SC Regular" panose="020B0500000000000000" pitchFamily="34" charset="-122"/>
+                        <a:ea typeface="Noto Sans CJK SC Regular" panose="020B0500000000000000" pitchFamily="34" charset="-122"/>
+                      </a:endParaRPr>
+                    </a:p>
+                  </a:txBody>
+                  <a:tcPr anchor="ctr">
+                    <a:lnL w="12700" cap="flat" cmpd="sng" algn="ctr">
+                      <a:solidFill>
+                        <a:schemeClr val="tx1"/>
+                      </a:solidFill>
+                      <a:prstDash val="solid"/>
+                      <a:round/>
+                      <a:headEnd type="none" w="med" len="med"/>
+                      <a:tailEnd type="none" w="med" len="med"/>
+                    </a:lnL>
+                    <a:lnR w="12700" cap="flat" cmpd="sng" algn="ctr">
+                      <a:solidFill>
+                        <a:schemeClr val="tx1"/>
+                      </a:solidFill>
+                      <a:prstDash val="solid"/>
+                      <a:round/>
+                      <a:headEnd type="none" w="med" len="med"/>
+                      <a:tailEnd type="none" w="med" len="med"/>
+                    </a:lnR>
+                    <a:lnT w="12700" cap="flat" cmpd="sng" algn="ctr">
+                      <a:solidFill>
+                        <a:schemeClr val="tx1"/>
+                      </a:solidFill>
+                      <a:prstDash val="solid"/>
+                      <a:round/>
+                      <a:headEnd type="none" w="med" len="med"/>
+                      <a:tailEnd type="none" w="med" len="med"/>
+                    </a:lnT>
+                    <a:lnB w="12700" cap="flat" cmpd="sng" algn="ctr">
+                      <a:solidFill>
+                        <a:schemeClr val="tx1"/>
+                      </a:solidFill>
+                      <a:prstDash val="solid"/>
+                      <a:round/>
+                      <a:headEnd type="none" w="med" len="med"/>
+                      <a:tailEnd type="none" w="med" len="med"/>
+                    </a:lnB>
+                    <a:solidFill>
+                      <a:schemeClr val="accent6">
+                        <a:lumMod val="60000"/>
+                        <a:lumOff val="40000"/>
+                      </a:schemeClr>
+                    </a:solidFill>
+                  </a:tcPr>
+                </a:tc>
+                <a:tc>
+                  <a:txBody>
+                    <a:bodyPr/>
+                    <a:lstStyle/>
+                    <a:p>
+                      <a:pPr algn="ctr"/>
+                      <a:r>
+                        <a:rPr lang="en-US" altLang="zh-CN" sz="1600" b="0" dirty="0">
+                          <a:solidFill>
+                            <a:sysClr val="windowText" lastClr="000000"/>
+                          </a:solidFill>
+                          <a:latin typeface="Noto Sans CJK SC Regular" panose="020B0500000000000000" pitchFamily="34" charset="-122"/>
+                          <a:ea typeface="Noto Sans CJK SC Regular" panose="020B0500000000000000" pitchFamily="34" charset="-122"/>
+                        </a:rPr>
+                        <a:t>3</a:t>
+                      </a:r>
+                      <a:endParaRPr lang="zh-CN" altLang="en-US" sz="1600" b="0" dirty="0">
+                        <a:solidFill>
+                          <a:sysClr val="windowText" lastClr="000000"/>
+                        </a:solidFill>
+                        <a:latin typeface="Noto Sans CJK SC Regular" panose="020B0500000000000000" pitchFamily="34" charset="-122"/>
+                        <a:ea typeface="Noto Sans CJK SC Regular" panose="020B0500000000000000" pitchFamily="34" charset="-122"/>
+                      </a:endParaRPr>
+                    </a:p>
+                  </a:txBody>
+                  <a:tcPr anchor="ctr">
+                    <a:lnL w="12700" cap="flat" cmpd="sng" algn="ctr">
+                      <a:solidFill>
+                        <a:schemeClr val="tx1"/>
+                      </a:solidFill>
+                      <a:prstDash val="solid"/>
+                      <a:round/>
+                      <a:headEnd type="none" w="med" len="med"/>
+                      <a:tailEnd type="none" w="med" len="med"/>
+                    </a:lnL>
+                    <a:lnR w="12700" cap="flat" cmpd="sng" algn="ctr">
+                      <a:solidFill>
+                        <a:schemeClr val="tx1"/>
+                      </a:solidFill>
+                      <a:prstDash val="solid"/>
+                      <a:round/>
+                      <a:headEnd type="none" w="med" len="med"/>
+                      <a:tailEnd type="none" w="med" len="med"/>
+                    </a:lnR>
+                    <a:lnT w="12700" cap="flat" cmpd="sng" algn="ctr">
+                      <a:solidFill>
+                        <a:schemeClr val="tx1"/>
+                      </a:solidFill>
+                      <a:prstDash val="solid"/>
+                      <a:round/>
+                      <a:headEnd type="none" w="med" len="med"/>
+                      <a:tailEnd type="none" w="med" len="med"/>
+                    </a:lnT>
+                    <a:lnB w="12700" cap="flat" cmpd="sng" algn="ctr">
+                      <a:solidFill>
+                        <a:schemeClr val="tx1"/>
+                      </a:solidFill>
+                      <a:prstDash val="solid"/>
+                      <a:round/>
+                      <a:headEnd type="none" w="med" len="med"/>
+                      <a:tailEnd type="none" w="med" len="med"/>
+                    </a:lnB>
+                    <a:solidFill>
+                      <a:schemeClr val="accent6">
+                        <a:lumMod val="60000"/>
+                        <a:lumOff val="40000"/>
+                      </a:schemeClr>
+                    </a:solidFill>
+                  </a:tcPr>
+                </a:tc>
+                <a:tc>
+                  <a:txBody>
+                    <a:bodyPr/>
+                    <a:lstStyle/>
+                    <a:p>
+                      <a:pPr algn="ctr"/>
+                      <a:r>
+                        <a:rPr lang="en-US" altLang="zh-CN" sz="1600" b="0" dirty="0">
+                          <a:solidFill>
+                            <a:sysClr val="windowText" lastClr="000000"/>
+                          </a:solidFill>
+                          <a:latin typeface="Noto Sans CJK SC Regular" panose="020B0500000000000000" pitchFamily="34" charset="-122"/>
+                          <a:ea typeface="Noto Sans CJK SC Regular" panose="020B0500000000000000" pitchFamily="34" charset="-122"/>
+                        </a:rPr>
+                        <a:t>2</a:t>
+                      </a:r>
+                      <a:endParaRPr lang="zh-CN" altLang="en-US" sz="1600" b="0" dirty="0">
+                        <a:solidFill>
+                          <a:sysClr val="windowText" lastClr="000000"/>
+                        </a:solidFill>
+                        <a:latin typeface="Noto Sans CJK SC Regular" panose="020B0500000000000000" pitchFamily="34" charset="-122"/>
+                        <a:ea typeface="Noto Sans CJK SC Regular" panose="020B0500000000000000" pitchFamily="34" charset="-122"/>
+                      </a:endParaRPr>
+                    </a:p>
+                  </a:txBody>
+                  <a:tcPr anchor="ctr">
+                    <a:lnL w="12700" cap="flat" cmpd="sng" algn="ctr">
+                      <a:solidFill>
+                        <a:schemeClr val="tx1"/>
+                      </a:solidFill>
+                      <a:prstDash val="solid"/>
+                      <a:round/>
+                      <a:headEnd type="none" w="med" len="med"/>
+                      <a:tailEnd type="none" w="med" len="med"/>
+                    </a:lnL>
+                    <a:lnR w="12700" cap="flat" cmpd="sng" algn="ctr">
+                      <a:solidFill>
+                        <a:schemeClr val="tx1"/>
+                      </a:solidFill>
+                      <a:prstDash val="solid"/>
+                      <a:round/>
+                      <a:headEnd type="none" w="med" len="med"/>
+                      <a:tailEnd type="none" w="med" len="med"/>
+                    </a:lnR>
+                    <a:lnT w="12700" cap="flat" cmpd="sng" algn="ctr">
+                      <a:solidFill>
+                        <a:schemeClr val="tx1"/>
+                      </a:solidFill>
+                      <a:prstDash val="solid"/>
+                      <a:round/>
+                      <a:headEnd type="none" w="med" len="med"/>
+                      <a:tailEnd type="none" w="med" len="med"/>
+                    </a:lnT>
+                    <a:lnB w="12700" cap="flat" cmpd="sng" algn="ctr">
+                      <a:solidFill>
+                        <a:schemeClr val="tx1"/>
+                      </a:solidFill>
+                      <a:prstDash val="solid"/>
+                      <a:round/>
+                      <a:headEnd type="none" w="med" len="med"/>
+                      <a:tailEnd type="none" w="med" len="med"/>
+                    </a:lnB>
+                    <a:solidFill>
+                      <a:schemeClr val="accent6">
+                        <a:lumMod val="60000"/>
+                        <a:lumOff val="40000"/>
+                      </a:schemeClr>
+                    </a:solidFill>
+                  </a:tcPr>
+                </a:tc>
+                <a:tc>
+                  <a:txBody>
+                    <a:bodyPr/>
+                    <a:lstStyle/>
+                    <a:p>
+                      <a:pPr algn="ctr"/>
+                      <a:r>
+                        <a:rPr lang="en-US" altLang="zh-CN" sz="1600" b="0" dirty="0">
+                          <a:solidFill>
+                            <a:sysClr val="windowText" lastClr="000000"/>
+                          </a:solidFill>
+                          <a:latin typeface="Noto Sans CJK SC Regular" panose="020B0500000000000000" pitchFamily="34" charset="-122"/>
+                          <a:ea typeface="Noto Sans CJK SC Regular" panose="020B0500000000000000" pitchFamily="34" charset="-122"/>
+                        </a:rPr>
+                        <a:t>2</a:t>
+                      </a:r>
+                      <a:endParaRPr lang="zh-CN" altLang="en-US" sz="1600" b="0" dirty="0">
+                        <a:solidFill>
+                          <a:sysClr val="windowText" lastClr="000000"/>
+                        </a:solidFill>
+                        <a:latin typeface="Noto Sans CJK SC Regular" panose="020B0500000000000000" pitchFamily="34" charset="-122"/>
+                        <a:ea typeface="Noto Sans CJK SC Regular" panose="020B0500000000000000" pitchFamily="34" charset="-122"/>
+                      </a:endParaRPr>
+                    </a:p>
+                  </a:txBody>
+                  <a:tcPr anchor="ctr">
+                    <a:lnL w="12700" cap="flat" cmpd="sng" algn="ctr">
+                      <a:solidFill>
+                        <a:schemeClr val="tx1"/>
+                      </a:solidFill>
+                      <a:prstDash val="solid"/>
+                      <a:round/>
+                      <a:headEnd type="none" w="med" len="med"/>
+                      <a:tailEnd type="none" w="med" len="med"/>
+                    </a:lnL>
+                    <a:lnR w="12700" cap="flat" cmpd="sng" algn="ctr">
+                      <a:solidFill>
+                        <a:schemeClr val="tx1"/>
+                      </a:solidFill>
+                      <a:prstDash val="solid"/>
+                      <a:round/>
+                      <a:headEnd type="none" w="med" len="med"/>
+                      <a:tailEnd type="none" w="med" len="med"/>
+                    </a:lnR>
+                    <a:lnT w="12700" cap="flat" cmpd="sng" algn="ctr">
+                      <a:solidFill>
+                        <a:schemeClr val="tx1"/>
+                      </a:solidFill>
+                      <a:prstDash val="solid"/>
+                      <a:round/>
+                      <a:headEnd type="none" w="med" len="med"/>
+                      <a:tailEnd type="none" w="med" len="med"/>
+                    </a:lnT>
+                    <a:lnB w="12700" cap="flat" cmpd="sng" algn="ctr">
+                      <a:solidFill>
+                        <a:schemeClr val="tx1"/>
+                      </a:solidFill>
+                      <a:prstDash val="solid"/>
+                      <a:round/>
+                      <a:headEnd type="none" w="med" len="med"/>
+                      <a:tailEnd type="none" w="med" len="med"/>
+                    </a:lnB>
+                    <a:solidFill>
+                      <a:schemeClr val="bg2">
+                        <a:lumMod val="90000"/>
+                      </a:schemeClr>
+                    </a:solidFill>
+                  </a:tcPr>
+                </a:tc>
+                <a:tc>
+                  <a:txBody>
+                    <a:bodyPr/>
+                    <a:lstStyle/>
+                    <a:p>
+                      <a:pPr algn="ctr"/>
+                      <a:r>
+                        <a:rPr lang="en-US" altLang="zh-CN" sz="1600" b="0" dirty="0">
+                          <a:solidFill>
+                            <a:sysClr val="windowText" lastClr="000000"/>
+                          </a:solidFill>
+                          <a:latin typeface="Noto Sans CJK SC Regular" panose="020B0500000000000000" pitchFamily="34" charset="-122"/>
+                          <a:ea typeface="Noto Sans CJK SC Regular" panose="020B0500000000000000" pitchFamily="34" charset="-122"/>
+                        </a:rPr>
+                        <a:t>2</a:t>
+                      </a:r>
+                      <a:endParaRPr lang="zh-CN" altLang="en-US" sz="1600" b="0" dirty="0">
+                        <a:solidFill>
+                          <a:sysClr val="windowText" lastClr="000000"/>
+                        </a:solidFill>
+                        <a:latin typeface="Noto Sans CJK SC Regular" panose="020B0500000000000000" pitchFamily="34" charset="-122"/>
+                        <a:ea typeface="Noto Sans CJK SC Regular" panose="020B0500000000000000" pitchFamily="34" charset="-122"/>
+                      </a:endParaRPr>
+                    </a:p>
+                  </a:txBody>
+                  <a:tcPr anchor="ctr">
+                    <a:lnL w="12700" cap="flat" cmpd="sng" algn="ctr">
+                      <a:solidFill>
+                        <a:schemeClr val="tx1"/>
+                      </a:solidFill>
+                      <a:prstDash val="solid"/>
+                      <a:round/>
+                      <a:headEnd type="none" w="med" len="med"/>
+                      <a:tailEnd type="none" w="med" len="med"/>
+                    </a:lnL>
+                    <a:lnR w="12700" cap="flat" cmpd="sng" algn="ctr">
+                      <a:solidFill>
+                        <a:schemeClr val="tx1"/>
+                      </a:solidFill>
+                      <a:prstDash val="solid"/>
+                      <a:round/>
+                      <a:headEnd type="none" w="med" len="med"/>
+                      <a:tailEnd type="none" w="med" len="med"/>
+                    </a:lnR>
+                    <a:lnT w="12700" cap="flat" cmpd="sng" algn="ctr">
+                      <a:solidFill>
+                        <a:schemeClr val="tx1"/>
+                      </a:solidFill>
+                      <a:prstDash val="solid"/>
+                      <a:round/>
+                      <a:headEnd type="none" w="med" len="med"/>
+                      <a:tailEnd type="none" w="med" len="med"/>
+                    </a:lnT>
+                    <a:lnB w="12700" cap="flat" cmpd="sng" algn="ctr">
+                      <a:solidFill>
+                        <a:schemeClr val="tx1"/>
+                      </a:solidFill>
+                      <a:prstDash val="solid"/>
+                      <a:round/>
+                      <a:headEnd type="none" w="med" len="med"/>
+                      <a:tailEnd type="none" w="med" len="med"/>
+                    </a:lnB>
+                    <a:solidFill>
+                      <a:schemeClr val="bg1"/>
+                    </a:solidFill>
+                  </a:tcPr>
+                </a:tc>
+                <a:tc>
+                  <a:txBody>
+                    <a:bodyPr/>
+                    <a:lstStyle/>
+                    <a:p>
+                      <a:pPr algn="ctr"/>
+                      <a:r>
+                        <a:rPr lang="en-US" altLang="zh-CN" sz="1600" b="0" dirty="0">
+                          <a:solidFill>
+                            <a:sysClr val="windowText" lastClr="000000"/>
+                          </a:solidFill>
+                          <a:latin typeface="Noto Sans CJK SC Regular" panose="020B0500000000000000" pitchFamily="34" charset="-122"/>
+                          <a:ea typeface="Noto Sans CJK SC Regular" panose="020B0500000000000000" pitchFamily="34" charset="-122"/>
+                        </a:rPr>
+                        <a:t>3</a:t>
+                      </a:r>
+                      <a:endParaRPr lang="zh-CN" altLang="en-US" sz="1600" b="0" dirty="0">
+                        <a:solidFill>
+                          <a:sysClr val="windowText" lastClr="000000"/>
+                        </a:solidFill>
+                        <a:latin typeface="Noto Sans CJK SC Regular" panose="020B0500000000000000" pitchFamily="34" charset="-122"/>
+                        <a:ea typeface="Noto Sans CJK SC Regular" panose="020B0500000000000000" pitchFamily="34" charset="-122"/>
+                      </a:endParaRPr>
+                    </a:p>
+                  </a:txBody>
+                  <a:tcPr anchor="ctr">
+                    <a:lnL w="12700" cap="flat" cmpd="sng" algn="ctr">
+                      <a:solidFill>
+                        <a:schemeClr val="tx1"/>
+                      </a:solidFill>
+                      <a:prstDash val="solid"/>
+                      <a:round/>
+                      <a:headEnd type="none" w="med" len="med"/>
+                      <a:tailEnd type="none" w="med" len="med"/>
+                    </a:lnL>
+                    <a:lnR w="12700" cap="flat" cmpd="sng" algn="ctr">
+                      <a:solidFill>
+                        <a:schemeClr val="tx1"/>
+                      </a:solidFill>
+                      <a:prstDash val="solid"/>
+                      <a:round/>
+                      <a:headEnd type="none" w="med" len="med"/>
+                      <a:tailEnd type="none" w="med" len="med"/>
+                    </a:lnR>
+                    <a:lnT w="12700" cap="flat" cmpd="sng" algn="ctr">
+                      <a:solidFill>
+                        <a:schemeClr val="tx1"/>
+                      </a:solidFill>
+                      <a:prstDash val="solid"/>
+                      <a:round/>
+                      <a:headEnd type="none" w="med" len="med"/>
+                      <a:tailEnd type="none" w="med" len="med"/>
+                    </a:lnT>
+                    <a:lnB w="12700" cap="flat" cmpd="sng" algn="ctr">
+                      <a:solidFill>
+                        <a:schemeClr val="tx1"/>
+                      </a:solidFill>
+                      <a:prstDash val="solid"/>
+                      <a:round/>
+                      <a:headEnd type="none" w="med" len="med"/>
+                      <a:tailEnd type="none" w="med" len="med"/>
+                    </a:lnB>
+                    <a:solidFill>
+                      <a:schemeClr val="accent2">
+                        <a:lumMod val="60000"/>
+                        <a:lumOff val="40000"/>
+                      </a:schemeClr>
+                    </a:solidFill>
+                  </a:tcPr>
+                </a:tc>
+                <a:extLst>
+                  <a:ext uri="{0D108BD9-81ED-4DB2-BD59-A6C34878D82A}">
+                    <a16:rowId xmlns:a16="http://schemas.microsoft.com/office/drawing/2014/main" val="3016769638"/>
+                  </a:ext>
+                </a:extLst>
+              </a:tr>
+              <a:tr h="370840">
+                <a:tc>
+                  <a:txBody>
+                    <a:bodyPr/>
+                    <a:lstStyle/>
+                    <a:p>
+                      <a:pPr algn="ctr"/>
+                      <a:r>
+                        <a:rPr lang="en-US" altLang="zh-CN" sz="1600" b="0" dirty="0">
+                          <a:solidFill>
+                            <a:sysClr val="windowText" lastClr="000000"/>
+                          </a:solidFill>
+                          <a:latin typeface="Noto Sans CJK SC Regular" panose="020B0500000000000000" pitchFamily="34" charset="-122"/>
+                          <a:ea typeface="Noto Sans CJK SC Regular" panose="020B0500000000000000" pitchFamily="34" charset="-122"/>
+                        </a:rPr>
+                        <a:t>t</a:t>
+                      </a:r>
+                      <a:endParaRPr lang="zh-CN" altLang="en-US" sz="1600" b="0" dirty="0">
+                        <a:solidFill>
+                          <a:sysClr val="windowText" lastClr="000000"/>
+                        </a:solidFill>
+                        <a:latin typeface="Noto Sans CJK SC Regular" panose="020B0500000000000000" pitchFamily="34" charset="-122"/>
+                        <a:ea typeface="Noto Sans CJK SC Regular" panose="020B0500000000000000" pitchFamily="34" charset="-122"/>
+                      </a:endParaRPr>
+                    </a:p>
+                  </a:txBody>
+                  <a:tcPr anchor="ctr">
+                    <a:lnL w="12700" cap="flat" cmpd="sng" algn="ctr">
+                      <a:solidFill>
+                        <a:schemeClr val="tx1"/>
+                      </a:solidFill>
+                      <a:prstDash val="solid"/>
+                      <a:round/>
+                      <a:headEnd type="none" w="med" len="med"/>
+                      <a:tailEnd type="none" w="med" len="med"/>
+                    </a:lnL>
+                    <a:lnR w="12700" cap="flat" cmpd="sng" algn="ctr">
+                      <a:solidFill>
+                        <a:schemeClr val="tx1"/>
+                      </a:solidFill>
+                      <a:prstDash val="solid"/>
+                      <a:round/>
+                      <a:headEnd type="none" w="med" len="med"/>
+                      <a:tailEnd type="none" w="med" len="med"/>
+                    </a:lnR>
+                    <a:lnT w="12700" cap="flat" cmpd="sng" algn="ctr">
+                      <a:solidFill>
+                        <a:schemeClr val="tx1"/>
+                      </a:solidFill>
+                      <a:prstDash val="solid"/>
+                      <a:round/>
+                      <a:headEnd type="none" w="med" len="med"/>
+                      <a:tailEnd type="none" w="med" len="med"/>
+                    </a:lnT>
+                    <a:lnB w="12700" cap="flat" cmpd="sng" algn="ctr">
+                      <a:solidFill>
+                        <a:schemeClr val="tx1"/>
+                      </a:solidFill>
+                      <a:prstDash val="solid"/>
+                      <a:round/>
+                      <a:headEnd type="none" w="med" len="med"/>
+                      <a:tailEnd type="none" w="med" len="med"/>
+                    </a:lnB>
+                    <a:solidFill>
+                      <a:schemeClr val="accent6">
+                        <a:lumMod val="20000"/>
+                        <a:lumOff val="80000"/>
+                      </a:schemeClr>
+                    </a:solidFill>
+                  </a:tcPr>
+                </a:tc>
+                <a:tc>
+                  <a:txBody>
+                    <a:bodyPr/>
+                    <a:lstStyle/>
+                    <a:p>
+                      <a:pPr algn="ctr"/>
+                      <a:r>
+                        <a:rPr lang="en-US" altLang="zh-CN" sz="1600" b="0" dirty="0">
+                          <a:solidFill>
+                            <a:sysClr val="windowText" lastClr="000000"/>
+                          </a:solidFill>
+                          <a:latin typeface="Noto Sans CJK SC Regular" panose="020B0500000000000000" pitchFamily="34" charset="-122"/>
+                          <a:ea typeface="Noto Sans CJK SC Regular" panose="020B0500000000000000" pitchFamily="34" charset="-122"/>
+                        </a:rPr>
+                        <a:t>4</a:t>
+                      </a:r>
+                      <a:endParaRPr lang="zh-CN" altLang="en-US" sz="1600" b="0" dirty="0">
+                        <a:solidFill>
+                          <a:sysClr val="windowText" lastClr="000000"/>
+                        </a:solidFill>
+                        <a:latin typeface="Noto Sans CJK SC Regular" panose="020B0500000000000000" pitchFamily="34" charset="-122"/>
+                        <a:ea typeface="Noto Sans CJK SC Regular" panose="020B0500000000000000" pitchFamily="34" charset="-122"/>
+                      </a:endParaRPr>
+                    </a:p>
+                  </a:txBody>
+                  <a:tcPr anchor="ctr">
+                    <a:lnL w="12700" cap="flat" cmpd="sng" algn="ctr">
+                      <a:solidFill>
+                        <a:schemeClr val="tx1"/>
+                      </a:solidFill>
+                      <a:prstDash val="solid"/>
+                      <a:round/>
+                      <a:headEnd type="none" w="med" len="med"/>
+                      <a:tailEnd type="none" w="med" len="med"/>
+                    </a:lnL>
+                    <a:lnR w="12700" cap="flat" cmpd="sng" algn="ctr">
+                      <a:solidFill>
+                        <a:schemeClr val="tx1"/>
+                      </a:solidFill>
+                      <a:prstDash val="solid"/>
+                      <a:round/>
+                      <a:headEnd type="none" w="med" len="med"/>
+                      <a:tailEnd type="none" w="med" len="med"/>
+                    </a:lnR>
+                    <a:lnT w="12700" cap="flat" cmpd="sng" algn="ctr">
+                      <a:solidFill>
+                        <a:schemeClr val="tx1"/>
+                      </a:solidFill>
+                      <a:prstDash val="solid"/>
+                      <a:round/>
+                      <a:headEnd type="none" w="med" len="med"/>
+                      <a:tailEnd type="none" w="med" len="med"/>
+                    </a:lnT>
+                    <a:lnB w="12700" cap="flat" cmpd="sng" algn="ctr">
+                      <a:solidFill>
+                        <a:schemeClr val="tx1"/>
+                      </a:solidFill>
+                      <a:prstDash val="solid"/>
+                      <a:round/>
+                      <a:headEnd type="none" w="med" len="med"/>
+                      <a:tailEnd type="none" w="med" len="med"/>
+                    </a:lnB>
+                    <a:solidFill>
+                      <a:schemeClr val="accent6">
+                        <a:lumMod val="60000"/>
+                        <a:lumOff val="40000"/>
+                      </a:schemeClr>
+                    </a:solidFill>
+                  </a:tcPr>
+                </a:tc>
+                <a:tc>
+                  <a:txBody>
+                    <a:bodyPr/>
+                    <a:lstStyle/>
+                    <a:p>
+                      <a:pPr algn="ctr"/>
+                      <a:r>
+                        <a:rPr lang="en-US" altLang="zh-CN" sz="1600" b="0" dirty="0">
+                          <a:solidFill>
+                            <a:sysClr val="windowText" lastClr="000000"/>
+                          </a:solidFill>
+                          <a:latin typeface="Noto Sans CJK SC Regular" panose="020B0500000000000000" pitchFamily="34" charset="-122"/>
+                          <a:ea typeface="Noto Sans CJK SC Regular" panose="020B0500000000000000" pitchFamily="34" charset="-122"/>
+                        </a:rPr>
+                        <a:t>4</a:t>
+                      </a:r>
+                      <a:endParaRPr lang="zh-CN" altLang="en-US" sz="1600" b="0" dirty="0">
+                        <a:solidFill>
+                          <a:sysClr val="windowText" lastClr="000000"/>
+                        </a:solidFill>
+                        <a:latin typeface="Noto Sans CJK SC Regular" panose="020B0500000000000000" pitchFamily="34" charset="-122"/>
+                        <a:ea typeface="Noto Sans CJK SC Regular" panose="020B0500000000000000" pitchFamily="34" charset="-122"/>
+                      </a:endParaRPr>
+                    </a:p>
+                  </a:txBody>
+                  <a:tcPr anchor="ctr">
+                    <a:lnL w="12700" cap="flat" cmpd="sng" algn="ctr">
+                      <a:solidFill>
+                        <a:schemeClr val="tx1"/>
+                      </a:solidFill>
+                      <a:prstDash val="solid"/>
+                      <a:round/>
+                      <a:headEnd type="none" w="med" len="med"/>
+                      <a:tailEnd type="none" w="med" len="med"/>
+                    </a:lnL>
+                    <a:lnR w="12700" cap="flat" cmpd="sng" algn="ctr">
+                      <a:solidFill>
+                        <a:schemeClr val="tx1"/>
+                      </a:solidFill>
+                      <a:prstDash val="solid"/>
+                      <a:round/>
+                      <a:headEnd type="none" w="med" len="med"/>
+                      <a:tailEnd type="none" w="med" len="med"/>
+                    </a:lnR>
+                    <a:lnT w="12700" cap="flat" cmpd="sng" algn="ctr">
+                      <a:solidFill>
+                        <a:schemeClr val="tx1"/>
+                      </a:solidFill>
+                      <a:prstDash val="solid"/>
+                      <a:round/>
+                      <a:headEnd type="none" w="med" len="med"/>
+                      <a:tailEnd type="none" w="med" len="med"/>
+                    </a:lnT>
+                    <a:lnB w="12700" cap="flat" cmpd="sng" algn="ctr">
+                      <a:solidFill>
+                        <a:schemeClr val="tx1"/>
+                      </a:solidFill>
+                      <a:prstDash val="solid"/>
+                      <a:round/>
+                      <a:headEnd type="none" w="med" len="med"/>
+                      <a:tailEnd type="none" w="med" len="med"/>
+                    </a:lnB>
+                    <a:solidFill>
+                      <a:schemeClr val="accent6">
+                        <a:lumMod val="60000"/>
+                        <a:lumOff val="40000"/>
+                      </a:schemeClr>
+                    </a:solidFill>
+                  </a:tcPr>
+                </a:tc>
+                <a:tc>
+                  <a:txBody>
+                    <a:bodyPr/>
+                    <a:lstStyle/>
+                    <a:p>
+                      <a:pPr algn="ctr"/>
+                      <a:r>
+                        <a:rPr lang="en-US" altLang="zh-CN" sz="1600" b="0" dirty="0">
+                          <a:solidFill>
+                            <a:sysClr val="windowText" lastClr="000000"/>
+                          </a:solidFill>
+                          <a:latin typeface="Noto Sans CJK SC Regular" panose="020B0500000000000000" pitchFamily="34" charset="-122"/>
+                          <a:ea typeface="Noto Sans CJK SC Regular" panose="020B0500000000000000" pitchFamily="34" charset="-122"/>
+                        </a:rPr>
+                        <a:t>3</a:t>
+                      </a:r>
+                      <a:endParaRPr lang="zh-CN" altLang="en-US" sz="1600" b="0" dirty="0">
+                        <a:solidFill>
+                          <a:sysClr val="windowText" lastClr="000000"/>
+                        </a:solidFill>
+                        <a:latin typeface="Noto Sans CJK SC Regular" panose="020B0500000000000000" pitchFamily="34" charset="-122"/>
+                        <a:ea typeface="Noto Sans CJK SC Regular" panose="020B0500000000000000" pitchFamily="34" charset="-122"/>
+                      </a:endParaRPr>
+                    </a:p>
+                  </a:txBody>
+                  <a:tcPr anchor="ctr">
+                    <a:lnL w="12700" cap="flat" cmpd="sng" algn="ctr">
+                      <a:solidFill>
+                        <a:schemeClr val="tx1"/>
+                      </a:solidFill>
+                      <a:prstDash val="solid"/>
+                      <a:round/>
+                      <a:headEnd type="none" w="med" len="med"/>
+                      <a:tailEnd type="none" w="med" len="med"/>
+                    </a:lnL>
+                    <a:lnR w="12700" cap="flat" cmpd="sng" algn="ctr">
+                      <a:solidFill>
+                        <a:schemeClr val="tx1"/>
+                      </a:solidFill>
+                      <a:prstDash val="solid"/>
+                      <a:round/>
+                      <a:headEnd type="none" w="med" len="med"/>
+                      <a:tailEnd type="none" w="med" len="med"/>
+                    </a:lnR>
+                    <a:lnT w="12700" cap="flat" cmpd="sng" algn="ctr">
+                      <a:solidFill>
+                        <a:schemeClr val="tx1"/>
+                      </a:solidFill>
+                      <a:prstDash val="solid"/>
+                      <a:round/>
+                      <a:headEnd type="none" w="med" len="med"/>
+                      <a:tailEnd type="none" w="med" len="med"/>
+                    </a:lnT>
+                    <a:lnB w="12700" cap="flat" cmpd="sng" algn="ctr">
+                      <a:solidFill>
+                        <a:schemeClr val="tx1"/>
+                      </a:solidFill>
+                      <a:prstDash val="solid"/>
+                      <a:round/>
+                      <a:headEnd type="none" w="med" len="med"/>
+                      <a:tailEnd type="none" w="med" len="med"/>
+                    </a:lnB>
+                    <a:solidFill>
+                      <a:schemeClr val="accent6">
+                        <a:lumMod val="60000"/>
+                        <a:lumOff val="40000"/>
+                      </a:schemeClr>
+                    </a:solidFill>
+                  </a:tcPr>
+                </a:tc>
+                <a:tc>
+                  <a:txBody>
+                    <a:bodyPr/>
+                    <a:lstStyle/>
+                    <a:p>
+                      <a:pPr algn="ctr"/>
+                      <a:r>
+                        <a:rPr lang="en-US" altLang="zh-CN" sz="1600" b="0" dirty="0">
+                          <a:solidFill>
+                            <a:sysClr val="windowText" lastClr="000000"/>
+                          </a:solidFill>
+                          <a:latin typeface="Noto Sans CJK SC Regular" panose="020B0500000000000000" pitchFamily="34" charset="-122"/>
+                          <a:ea typeface="Noto Sans CJK SC Regular" panose="020B0500000000000000" pitchFamily="34" charset="-122"/>
+                        </a:rPr>
+                        <a:t>3</a:t>
+                      </a:r>
+                      <a:endParaRPr lang="zh-CN" altLang="en-US" sz="1600" b="0" dirty="0">
+                        <a:solidFill>
+                          <a:sysClr val="windowText" lastClr="000000"/>
+                        </a:solidFill>
+                        <a:latin typeface="Noto Sans CJK SC Regular" panose="020B0500000000000000" pitchFamily="34" charset="-122"/>
+                        <a:ea typeface="Noto Sans CJK SC Regular" panose="020B0500000000000000" pitchFamily="34" charset="-122"/>
+                      </a:endParaRPr>
+                    </a:p>
+                  </a:txBody>
+                  <a:tcPr anchor="ctr">
+                    <a:lnL w="12700" cap="flat" cmpd="sng" algn="ctr">
+                      <a:solidFill>
+                        <a:schemeClr val="tx1"/>
+                      </a:solidFill>
+                      <a:prstDash val="solid"/>
+                      <a:round/>
+                      <a:headEnd type="none" w="med" len="med"/>
+                      <a:tailEnd type="none" w="med" len="med"/>
+                    </a:lnL>
+                    <a:lnR w="12700" cap="flat" cmpd="sng" algn="ctr">
+                      <a:solidFill>
+                        <a:schemeClr val="tx1"/>
+                      </a:solidFill>
+                      <a:prstDash val="solid"/>
+                      <a:round/>
+                      <a:headEnd type="none" w="med" len="med"/>
+                      <a:tailEnd type="none" w="med" len="med"/>
+                    </a:lnR>
+                    <a:lnT w="12700" cap="flat" cmpd="sng" algn="ctr">
+                      <a:solidFill>
+                        <a:schemeClr val="tx1"/>
+                      </a:solidFill>
+                      <a:prstDash val="solid"/>
+                      <a:round/>
+                      <a:headEnd type="none" w="med" len="med"/>
+                      <a:tailEnd type="none" w="med" len="med"/>
+                    </a:lnT>
+                    <a:lnB w="12700" cap="flat" cmpd="sng" algn="ctr">
+                      <a:solidFill>
+                        <a:schemeClr val="tx1"/>
+                      </a:solidFill>
+                      <a:prstDash val="solid"/>
+                      <a:round/>
+                      <a:headEnd type="none" w="med" len="med"/>
+                      <a:tailEnd type="none" w="med" len="med"/>
+                    </a:lnB>
+                    <a:solidFill>
+                      <a:schemeClr val="accent6">
+                        <a:lumMod val="60000"/>
+                        <a:lumOff val="40000"/>
+                      </a:schemeClr>
+                    </a:solidFill>
+                  </a:tcPr>
+                </a:tc>
+                <a:tc>
+                  <a:txBody>
+                    <a:bodyPr/>
+                    <a:lstStyle/>
+                    <a:p>
+                      <a:pPr algn="ctr"/>
+                      <a:r>
+                        <a:rPr lang="en-US" altLang="zh-CN" sz="1600" b="0" dirty="0">
+                          <a:solidFill>
+                            <a:sysClr val="windowText" lastClr="000000"/>
+                          </a:solidFill>
+                          <a:latin typeface="Noto Sans CJK SC Regular" panose="020B0500000000000000" pitchFamily="34" charset="-122"/>
+                          <a:ea typeface="Noto Sans CJK SC Regular" panose="020B0500000000000000" pitchFamily="34" charset="-122"/>
+                        </a:rPr>
+                        <a:t>3</a:t>
+                      </a:r>
+                      <a:endParaRPr lang="zh-CN" altLang="en-US" sz="1600" b="0" dirty="0">
+                        <a:solidFill>
+                          <a:sysClr val="windowText" lastClr="000000"/>
+                        </a:solidFill>
+                        <a:latin typeface="Noto Sans CJK SC Regular" panose="020B0500000000000000" pitchFamily="34" charset="-122"/>
+                        <a:ea typeface="Noto Sans CJK SC Regular" panose="020B0500000000000000" pitchFamily="34" charset="-122"/>
+                      </a:endParaRPr>
+                    </a:p>
+                  </a:txBody>
+                  <a:tcPr anchor="ctr">
+                    <a:lnL w="12700" cap="flat" cmpd="sng" algn="ctr">
+                      <a:solidFill>
+                        <a:schemeClr val="tx1"/>
+                      </a:solidFill>
+                      <a:prstDash val="solid"/>
+                      <a:round/>
+                      <a:headEnd type="none" w="med" len="med"/>
+                      <a:tailEnd type="none" w="med" len="med"/>
+                    </a:lnL>
+                    <a:lnR w="12700" cap="flat" cmpd="sng" algn="ctr">
+                      <a:solidFill>
+                        <a:schemeClr val="tx1"/>
+                      </a:solidFill>
+                      <a:prstDash val="solid"/>
+                      <a:round/>
+                      <a:headEnd type="none" w="med" len="med"/>
+                      <a:tailEnd type="none" w="med" len="med"/>
+                    </a:lnR>
+                    <a:lnT w="12700" cap="flat" cmpd="sng" algn="ctr">
+                      <a:solidFill>
+                        <a:schemeClr val="tx1"/>
+                      </a:solidFill>
+                      <a:prstDash val="solid"/>
+                      <a:round/>
+                      <a:headEnd type="none" w="med" len="med"/>
+                      <a:tailEnd type="none" w="med" len="med"/>
+                    </a:lnT>
+                    <a:lnB w="12700" cap="flat" cmpd="sng" algn="ctr">
+                      <a:solidFill>
+                        <a:schemeClr val="tx1"/>
+                      </a:solidFill>
+                      <a:prstDash val="solid"/>
+                      <a:round/>
+                      <a:headEnd type="none" w="med" len="med"/>
+                      <a:tailEnd type="none" w="med" len="med"/>
+                    </a:lnB>
+                    <a:solidFill>
+                      <a:schemeClr val="accent6">
+                        <a:lumMod val="60000"/>
+                        <a:lumOff val="40000"/>
+                      </a:schemeClr>
+                    </a:solidFill>
+                  </a:tcPr>
+                </a:tc>
+                <a:tc>
+                  <a:txBody>
+                    <a:bodyPr/>
+                    <a:lstStyle/>
+                    <a:p>
+                      <a:pPr algn="ctr"/>
+                      <a:r>
+                        <a:rPr lang="en-US" altLang="zh-CN" sz="1600" b="0" dirty="0">
+                          <a:solidFill>
+                            <a:sysClr val="windowText" lastClr="000000"/>
+                          </a:solidFill>
+                          <a:latin typeface="Noto Sans CJK SC Regular" panose="020B0500000000000000" pitchFamily="34" charset="-122"/>
+                          <a:ea typeface="Noto Sans CJK SC Regular" panose="020B0500000000000000" pitchFamily="34" charset="-122"/>
+                        </a:rPr>
+                        <a:t>3</a:t>
+                      </a:r>
+                      <a:endParaRPr lang="zh-CN" altLang="en-US" sz="1600" b="0" dirty="0">
+                        <a:solidFill>
+                          <a:sysClr val="windowText" lastClr="000000"/>
+                        </a:solidFill>
+                        <a:latin typeface="Noto Sans CJK SC Regular" panose="020B0500000000000000" pitchFamily="34" charset="-122"/>
+                        <a:ea typeface="Noto Sans CJK SC Regular" panose="020B0500000000000000" pitchFamily="34" charset="-122"/>
+                      </a:endParaRPr>
+                    </a:p>
+                  </a:txBody>
+                  <a:tcPr anchor="ctr">
+                    <a:lnL w="12700" cap="flat" cmpd="sng" algn="ctr">
+                      <a:solidFill>
+                        <a:schemeClr val="tx1"/>
+                      </a:solidFill>
+                      <a:prstDash val="solid"/>
+                      <a:round/>
+                      <a:headEnd type="none" w="med" len="med"/>
+                      <a:tailEnd type="none" w="med" len="med"/>
+                    </a:lnL>
+                    <a:lnR w="12700" cap="flat" cmpd="sng" algn="ctr">
+                      <a:solidFill>
+                        <a:schemeClr val="tx1"/>
+                      </a:solidFill>
+                      <a:prstDash val="solid"/>
+                      <a:round/>
+                      <a:headEnd type="none" w="med" len="med"/>
+                      <a:tailEnd type="none" w="med" len="med"/>
+                    </a:lnR>
+                    <a:lnT w="12700" cap="flat" cmpd="sng" algn="ctr">
+                      <a:solidFill>
+                        <a:schemeClr val="tx1"/>
+                      </a:solidFill>
+                      <a:prstDash val="solid"/>
+                      <a:round/>
+                      <a:headEnd type="none" w="med" len="med"/>
+                      <a:tailEnd type="none" w="med" len="med"/>
+                    </a:lnT>
+                    <a:lnB w="12700" cap="flat" cmpd="sng" algn="ctr">
+                      <a:solidFill>
+                        <a:schemeClr val="tx1"/>
+                      </a:solidFill>
+                      <a:prstDash val="solid"/>
+                      <a:round/>
+                      <a:headEnd type="none" w="med" len="med"/>
+                      <a:tailEnd type="none" w="med" len="med"/>
+                    </a:lnB>
+                    <a:solidFill>
+                      <a:schemeClr val="bg2">
+                        <a:lumMod val="90000"/>
+                      </a:schemeClr>
+                    </a:solidFill>
+                  </a:tcPr>
+                </a:tc>
+                <a:extLst>
+                  <a:ext uri="{0D108BD9-81ED-4DB2-BD59-A6C34878D82A}">
+                    <a16:rowId xmlns:a16="http://schemas.microsoft.com/office/drawing/2014/main" val="4198664424"/>
+                  </a:ext>
+                </a:extLst>
+              </a:tr>
+            </a:tbl>
+          </a:graphicData>
+        </a:graphic>
+      </p:graphicFrame>
+      <p:graphicFrame>
+        <p:nvGraphicFramePr>
+          <p:cNvPr id="10" name="表格 9">
+            <a:extLst>
+              <a:ext uri="{FF2B5EF4-FFF2-40B4-BE49-F238E27FC236}">
+                <a16:creationId xmlns:a16="http://schemas.microsoft.com/office/drawing/2014/main" id="{45C6A4AE-46C8-4BDD-B15E-2E7FB2783A0E}"/>
+              </a:ext>
+            </a:extLst>
+          </p:cNvPr>
+          <p:cNvGraphicFramePr>
+            <a:graphicFrameLocks noGrp="1"/>
+          </p:cNvGraphicFramePr>
+          <p:nvPr>
+            <p:extLst>
+              <p:ext uri="{D42A27DB-BD31-4B8C-83A1-F6EECF244321}">
+                <p14:modId xmlns:p14="http://schemas.microsoft.com/office/powerpoint/2010/main" val="717114151"/>
+              </p:ext>
+            </p:extLst>
+          </p:nvPr>
+        </p:nvGraphicFramePr>
+        <p:xfrm>
+          <a:off x="5702991" y="1295093"/>
+          <a:ext cx="2467210" cy="1112520"/>
+        </p:xfrm>
+        <a:graphic>
+          <a:graphicData uri="http://schemas.openxmlformats.org/drawingml/2006/table">
+            <a:tbl>
+              <a:tblPr firstRow="1" bandRow="1">
+                <a:tableStyleId>{5C22544A-7EE6-4342-B048-85BDC9FD1C3A}</a:tableStyleId>
+              </a:tblPr>
+              <a:tblGrid>
+                <a:gridCol w="493442">
+                  <a:extLst>
+                    <a:ext uri="{9D8B030D-6E8A-4147-A177-3AD203B41FA5}">
+                      <a16:colId xmlns:a16="http://schemas.microsoft.com/office/drawing/2014/main" val="1776970664"/>
+                    </a:ext>
+                  </a:extLst>
+                </a:gridCol>
+                <a:gridCol w="493442">
+                  <a:extLst>
+                    <a:ext uri="{9D8B030D-6E8A-4147-A177-3AD203B41FA5}">
+                      <a16:colId xmlns:a16="http://schemas.microsoft.com/office/drawing/2014/main" val="1156629452"/>
+                    </a:ext>
+                  </a:extLst>
+                </a:gridCol>
+                <a:gridCol w="493442">
+                  <a:extLst>
+                    <a:ext uri="{9D8B030D-6E8A-4147-A177-3AD203B41FA5}">
+                      <a16:colId xmlns:a16="http://schemas.microsoft.com/office/drawing/2014/main" val="177419232"/>
+                    </a:ext>
+                  </a:extLst>
+                </a:gridCol>
+                <a:gridCol w="493442">
+                  <a:extLst>
+                    <a:ext uri="{9D8B030D-6E8A-4147-A177-3AD203B41FA5}">
+                      <a16:colId xmlns:a16="http://schemas.microsoft.com/office/drawing/2014/main" val="3270505710"/>
+                    </a:ext>
+                  </a:extLst>
+                </a:gridCol>
+                <a:gridCol w="493442">
+                  <a:extLst>
+                    <a:ext uri="{9D8B030D-6E8A-4147-A177-3AD203B41FA5}">
+                      <a16:colId xmlns:a16="http://schemas.microsoft.com/office/drawing/2014/main" val="3791515130"/>
+                    </a:ext>
+                  </a:extLst>
+                </a:gridCol>
+              </a:tblGrid>
+              <a:tr h="370840">
+                <a:tc>
+                  <a:txBody>
+                    <a:bodyPr/>
+                    <a:lstStyle/>
+                    <a:p>
+                      <a:pPr algn="ctr"/>
+                      <a:r>
+                        <a:rPr lang="en-US" altLang="zh-CN" sz="1600" b="0" dirty="0">
+                          <a:solidFill>
+                            <a:sysClr val="windowText" lastClr="000000"/>
+                          </a:solidFill>
+                          <a:latin typeface="Noto Sans CJK SC Regular" panose="020B0500000000000000" pitchFamily="34" charset="-122"/>
+                          <a:ea typeface="Noto Sans CJK SC Regular" panose="020B0500000000000000" pitchFamily="34" charset="-122"/>
+                        </a:rPr>
+                        <a:t>h</a:t>
+                      </a:r>
+                      <a:endParaRPr lang="zh-CN" altLang="en-US" sz="1600" b="0" dirty="0">
+                        <a:solidFill>
+                          <a:sysClr val="windowText" lastClr="000000"/>
+                        </a:solidFill>
+                        <a:latin typeface="Noto Sans CJK SC Regular" panose="020B0500000000000000" pitchFamily="34" charset="-122"/>
+                        <a:ea typeface="Noto Sans CJK SC Regular" panose="020B0500000000000000" pitchFamily="34" charset="-122"/>
+                      </a:endParaRPr>
+                    </a:p>
+                  </a:txBody>
+                  <a:tcPr anchor="ctr">
+                    <a:lnL w="12700" cap="flat" cmpd="sng" algn="ctr">
+                      <a:solidFill>
+                        <a:schemeClr val="tx1"/>
+                      </a:solidFill>
+                      <a:prstDash val="solid"/>
+                      <a:round/>
+                      <a:headEnd type="none" w="med" len="med"/>
+                      <a:tailEnd type="none" w="med" len="med"/>
+                    </a:lnL>
+                    <a:lnR w="12700" cap="flat" cmpd="sng" algn="ctr">
+                      <a:solidFill>
+                        <a:schemeClr val="tx1"/>
+                      </a:solidFill>
+                      <a:prstDash val="solid"/>
+                      <a:round/>
+                      <a:headEnd type="none" w="med" len="med"/>
+                      <a:tailEnd type="none" w="med" len="med"/>
+                    </a:lnR>
+                    <a:lnT w="12700" cap="flat" cmpd="sng" algn="ctr">
+                      <a:solidFill>
+                        <a:schemeClr val="tx1"/>
+                      </a:solidFill>
+                      <a:prstDash val="solid"/>
+                      <a:round/>
+                      <a:headEnd type="none" w="med" len="med"/>
+                      <a:tailEnd type="none" w="med" len="med"/>
+                    </a:lnT>
+                    <a:lnB w="12700" cap="flat" cmpd="sng" algn="ctr">
+                      <a:solidFill>
+                        <a:schemeClr val="tx1"/>
+                      </a:solidFill>
+                      <a:prstDash val="solid"/>
+                      <a:round/>
+                      <a:headEnd type="none" w="med" len="med"/>
+                      <a:tailEnd type="none" w="med" len="med"/>
+                    </a:lnB>
+                    <a:solidFill>
+                      <a:schemeClr val="accent2">
+                        <a:lumMod val="20000"/>
+                        <a:lumOff val="80000"/>
+                      </a:schemeClr>
+                    </a:solidFill>
+                  </a:tcPr>
+                </a:tc>
+                <a:tc>
+                  <a:txBody>
+                    <a:bodyPr/>
+                    <a:lstStyle/>
+                    <a:p>
+                      <a:pPr algn="ctr"/>
+                      <a:r>
+                        <a:rPr lang="en-US" altLang="zh-CN" sz="1600" b="0" dirty="0">
+                          <a:solidFill>
+                            <a:sysClr val="windowText" lastClr="000000"/>
+                          </a:solidFill>
+                          <a:latin typeface="Noto Sans CJK SC Regular" panose="020B0500000000000000" pitchFamily="34" charset="-122"/>
+                          <a:ea typeface="Noto Sans CJK SC Regular" panose="020B0500000000000000" pitchFamily="34" charset="-122"/>
+                        </a:rPr>
+                        <a:t>o</a:t>
+                      </a:r>
+                      <a:endParaRPr lang="zh-CN" altLang="en-US" sz="1600" b="0" dirty="0">
+                        <a:solidFill>
+                          <a:sysClr val="windowText" lastClr="000000"/>
+                        </a:solidFill>
+                        <a:latin typeface="Noto Sans CJK SC Regular" panose="020B0500000000000000" pitchFamily="34" charset="-122"/>
+                        <a:ea typeface="Noto Sans CJK SC Regular" panose="020B0500000000000000" pitchFamily="34" charset="-122"/>
+                      </a:endParaRPr>
+                    </a:p>
+                  </a:txBody>
+                  <a:tcPr anchor="ctr">
+                    <a:lnL w="12700" cap="flat" cmpd="sng" algn="ctr">
+                      <a:solidFill>
+                        <a:schemeClr val="tx1"/>
+                      </a:solidFill>
+                      <a:prstDash val="solid"/>
+                      <a:round/>
+                      <a:headEnd type="none" w="med" len="med"/>
+                      <a:tailEnd type="none" w="med" len="med"/>
+                    </a:lnL>
+                    <a:lnR w="12700" cap="flat" cmpd="sng" algn="ctr">
+                      <a:solidFill>
+                        <a:schemeClr val="tx1"/>
+                      </a:solidFill>
+                      <a:prstDash val="solid"/>
+                      <a:round/>
+                      <a:headEnd type="none" w="med" len="med"/>
+                      <a:tailEnd type="none" w="med" len="med"/>
+                    </a:lnR>
+                    <a:lnT w="12700" cap="flat" cmpd="sng" algn="ctr">
+                      <a:solidFill>
+                        <a:schemeClr val="tx1"/>
+                      </a:solidFill>
+                      <a:prstDash val="solid"/>
+                      <a:round/>
+                      <a:headEnd type="none" w="med" len="med"/>
+                      <a:tailEnd type="none" w="med" len="med"/>
+                    </a:lnT>
+                    <a:lnB w="12700" cap="flat" cmpd="sng" algn="ctr">
+                      <a:solidFill>
+                        <a:schemeClr val="tx1"/>
+                      </a:solidFill>
+                      <a:prstDash val="solid"/>
+                      <a:round/>
+                      <a:headEnd type="none" w="med" len="med"/>
+                      <a:tailEnd type="none" w="med" len="med"/>
+                    </a:lnB>
+                    <a:solidFill>
+                      <a:schemeClr val="accent2">
+                        <a:lumMod val="20000"/>
+                        <a:lumOff val="80000"/>
+                      </a:schemeClr>
+                    </a:solidFill>
+                  </a:tcPr>
+                </a:tc>
+                <a:tc>
+                  <a:txBody>
+                    <a:bodyPr/>
+                    <a:lstStyle/>
+                    <a:p>
+                      <a:pPr algn="ctr"/>
+                      <a:r>
+                        <a:rPr lang="en-US" altLang="zh-CN" sz="1600" b="0" dirty="0">
+                          <a:solidFill>
+                            <a:sysClr val="windowText" lastClr="000000"/>
+                          </a:solidFill>
+                          <a:latin typeface="Noto Sans CJK SC Regular" panose="020B0500000000000000" pitchFamily="34" charset="-122"/>
+                          <a:ea typeface="Noto Sans CJK SC Regular" panose="020B0500000000000000" pitchFamily="34" charset="-122"/>
+                        </a:rPr>
+                        <a:t>r</a:t>
+                      </a:r>
+                      <a:endParaRPr lang="zh-CN" altLang="en-US" sz="1600" b="0" dirty="0">
+                        <a:solidFill>
+                          <a:sysClr val="windowText" lastClr="000000"/>
+                        </a:solidFill>
+                        <a:latin typeface="Noto Sans CJK SC Regular" panose="020B0500000000000000" pitchFamily="34" charset="-122"/>
+                        <a:ea typeface="Noto Sans CJK SC Regular" panose="020B0500000000000000" pitchFamily="34" charset="-122"/>
+                      </a:endParaRPr>
+                    </a:p>
+                  </a:txBody>
+                  <a:tcPr anchor="ctr">
+                    <a:lnL w="12700" cap="flat" cmpd="sng" algn="ctr">
+                      <a:solidFill>
+                        <a:schemeClr val="tx1"/>
+                      </a:solidFill>
+                      <a:prstDash val="solid"/>
+                      <a:round/>
+                      <a:headEnd type="none" w="med" len="med"/>
+                      <a:tailEnd type="none" w="med" len="med"/>
+                    </a:lnL>
+                    <a:lnR w="12700" cap="flat" cmpd="sng" algn="ctr">
+                      <a:solidFill>
+                        <a:schemeClr val="tx1"/>
+                      </a:solidFill>
+                      <a:prstDash val="solid"/>
+                      <a:round/>
+                      <a:headEnd type="none" w="med" len="med"/>
+                      <a:tailEnd type="none" w="med" len="med"/>
+                    </a:lnR>
+                    <a:lnT w="12700" cap="flat" cmpd="sng" algn="ctr">
+                      <a:solidFill>
+                        <a:schemeClr val="tx1"/>
+                      </a:solidFill>
+                      <a:prstDash val="solid"/>
+                      <a:round/>
+                      <a:headEnd type="none" w="med" len="med"/>
+                      <a:tailEnd type="none" w="med" len="med"/>
+                    </a:lnT>
+                    <a:lnB w="12700" cap="flat" cmpd="sng" algn="ctr">
+                      <a:solidFill>
+                        <a:schemeClr val="tx1"/>
+                      </a:solidFill>
+                      <a:prstDash val="solid"/>
+                      <a:round/>
+                      <a:headEnd type="none" w="med" len="med"/>
+                      <a:tailEnd type="none" w="med" len="med"/>
+                    </a:lnB>
+                    <a:solidFill>
+                      <a:schemeClr val="accent2">
+                        <a:lumMod val="20000"/>
+                        <a:lumOff val="80000"/>
+                      </a:schemeClr>
+                    </a:solidFill>
+                  </a:tcPr>
+                </a:tc>
+                <a:tc>
+                  <a:txBody>
+                    <a:bodyPr/>
+                    <a:lstStyle/>
+                    <a:p>
+                      <a:pPr algn="ctr"/>
+                      <a:r>
+                        <a:rPr lang="en-US" altLang="zh-CN" sz="1600" b="0" dirty="0">
+                          <a:solidFill>
+                            <a:sysClr val="windowText" lastClr="000000"/>
+                          </a:solidFill>
+                          <a:latin typeface="Noto Sans CJK SC Regular" panose="020B0500000000000000" pitchFamily="34" charset="-122"/>
+                          <a:ea typeface="Noto Sans CJK SC Regular" panose="020B0500000000000000" pitchFamily="34" charset="-122"/>
+                        </a:rPr>
+                        <a:t>s</a:t>
+                      </a:r>
+                      <a:endParaRPr lang="zh-CN" altLang="en-US" sz="1600" b="0" dirty="0">
+                        <a:solidFill>
+                          <a:sysClr val="windowText" lastClr="000000"/>
+                        </a:solidFill>
+                        <a:latin typeface="Noto Sans CJK SC Regular" panose="020B0500000000000000" pitchFamily="34" charset="-122"/>
+                        <a:ea typeface="Noto Sans CJK SC Regular" panose="020B0500000000000000" pitchFamily="34" charset="-122"/>
+                      </a:endParaRPr>
+                    </a:p>
+                  </a:txBody>
+                  <a:tcPr anchor="ctr">
+                    <a:lnL w="12700" cap="flat" cmpd="sng" algn="ctr">
+                      <a:solidFill>
+                        <a:schemeClr val="tx1"/>
+                      </a:solidFill>
+                      <a:prstDash val="solid"/>
+                      <a:round/>
+                      <a:headEnd type="none" w="med" len="med"/>
+                      <a:tailEnd type="none" w="med" len="med"/>
+                    </a:lnL>
+                    <a:lnR w="12700" cap="flat" cmpd="sng" algn="ctr">
+                      <a:solidFill>
+                        <a:schemeClr val="tx1"/>
+                      </a:solidFill>
+                      <a:prstDash val="solid"/>
+                      <a:round/>
+                      <a:headEnd type="none" w="med" len="med"/>
+                      <a:tailEnd type="none" w="med" len="med"/>
+                    </a:lnR>
+                    <a:lnT w="12700" cap="flat" cmpd="sng" algn="ctr">
+                      <a:solidFill>
+                        <a:schemeClr val="tx1"/>
+                      </a:solidFill>
+                      <a:prstDash val="solid"/>
+                      <a:round/>
+                      <a:headEnd type="none" w="med" len="med"/>
+                      <a:tailEnd type="none" w="med" len="med"/>
+                    </a:lnT>
+                    <a:lnB w="12700" cap="flat" cmpd="sng" algn="ctr">
+                      <a:solidFill>
+                        <a:schemeClr val="tx1"/>
+                      </a:solidFill>
+                      <a:prstDash val="solid"/>
+                      <a:round/>
+                      <a:headEnd type="none" w="med" len="med"/>
+                      <a:tailEnd type="none" w="med" len="med"/>
+                    </a:lnB>
+                    <a:solidFill>
+                      <a:schemeClr val="accent2">
+                        <a:lumMod val="20000"/>
+                        <a:lumOff val="80000"/>
+                      </a:schemeClr>
+                    </a:solidFill>
+                  </a:tcPr>
+                </a:tc>
+                <a:tc>
+                  <a:txBody>
+                    <a:bodyPr/>
+                    <a:lstStyle/>
+                    <a:p>
+                      <a:pPr algn="ctr"/>
+                      <a:r>
+                        <a:rPr lang="en-US" altLang="zh-CN" sz="1600" b="0" dirty="0">
+                          <a:solidFill>
+                            <a:sysClr val="windowText" lastClr="000000"/>
+                          </a:solidFill>
+                          <a:latin typeface="Noto Sans CJK SC Regular" panose="020B0500000000000000" pitchFamily="34" charset="-122"/>
+                          <a:ea typeface="Noto Sans CJK SC Regular" panose="020B0500000000000000" pitchFamily="34" charset="-122"/>
+                        </a:rPr>
+                        <a:t>e</a:t>
+                      </a:r>
+                      <a:endParaRPr lang="zh-CN" altLang="en-US" sz="1600" b="0" dirty="0">
+                        <a:solidFill>
+                          <a:sysClr val="windowText" lastClr="000000"/>
+                        </a:solidFill>
+                        <a:latin typeface="Noto Sans CJK SC Regular" panose="020B0500000000000000" pitchFamily="34" charset="-122"/>
+                        <a:ea typeface="Noto Sans CJK SC Regular" panose="020B0500000000000000" pitchFamily="34" charset="-122"/>
+                      </a:endParaRPr>
+                    </a:p>
+                  </a:txBody>
+                  <a:tcPr anchor="ctr">
+                    <a:lnL w="12700" cap="flat" cmpd="sng" algn="ctr">
+                      <a:solidFill>
+                        <a:schemeClr val="tx1"/>
+                      </a:solidFill>
+                      <a:prstDash val="solid"/>
+                      <a:round/>
+                      <a:headEnd type="none" w="med" len="med"/>
+                      <a:tailEnd type="none" w="med" len="med"/>
+                    </a:lnL>
+                    <a:lnR w="12700" cap="flat" cmpd="sng" algn="ctr">
+                      <a:solidFill>
+                        <a:schemeClr val="tx1"/>
+                      </a:solidFill>
+                      <a:prstDash val="solid"/>
+                      <a:round/>
+                      <a:headEnd type="none" w="med" len="med"/>
+                      <a:tailEnd type="none" w="med" len="med"/>
+                    </a:lnR>
+                    <a:lnT w="12700" cap="flat" cmpd="sng" algn="ctr">
+                      <a:solidFill>
+                        <a:schemeClr val="tx1"/>
+                      </a:solidFill>
+                      <a:prstDash val="solid"/>
+                      <a:round/>
+                      <a:headEnd type="none" w="med" len="med"/>
+                      <a:tailEnd type="none" w="med" len="med"/>
+                    </a:lnT>
+                    <a:lnB w="12700" cap="flat" cmpd="sng" algn="ctr">
+                      <a:solidFill>
+                        <a:schemeClr val="tx1"/>
+                      </a:solidFill>
+                      <a:prstDash val="solid"/>
+                      <a:round/>
+                      <a:headEnd type="none" w="med" len="med"/>
+                      <a:tailEnd type="none" w="med" len="med"/>
+                    </a:lnB>
+                    <a:solidFill>
+                      <a:schemeClr val="accent2">
+                        <a:lumMod val="20000"/>
+                        <a:lumOff val="80000"/>
+                      </a:schemeClr>
+                    </a:solidFill>
+                  </a:tcPr>
+                </a:tc>
+                <a:extLst>
+                  <a:ext uri="{0D108BD9-81ED-4DB2-BD59-A6C34878D82A}">
+                    <a16:rowId xmlns:a16="http://schemas.microsoft.com/office/drawing/2014/main" val="3054468741"/>
+                  </a:ext>
+                </a:extLst>
+              </a:tr>
+              <a:tr h="370840">
+                <a:tc>
+                  <a:txBody>
+                    <a:bodyPr/>
+                    <a:lstStyle/>
+                    <a:p>
+                      <a:pPr algn="ctr"/>
+                      <a:r>
+                        <a:rPr lang="en-US" altLang="zh-CN" sz="1600" b="0" dirty="0">
+                          <a:solidFill>
+                            <a:sysClr val="windowText" lastClr="000000"/>
+                          </a:solidFill>
+                          <a:latin typeface="Noto Sans CJK SC Regular" panose="020B0500000000000000" pitchFamily="34" charset="-122"/>
+                          <a:ea typeface="Noto Sans CJK SC Regular" panose="020B0500000000000000" pitchFamily="34" charset="-122"/>
+                        </a:rPr>
+                        <a:t>r</a:t>
+                      </a:r>
+                      <a:endParaRPr lang="zh-CN" altLang="en-US" sz="1600" b="0" dirty="0">
+                        <a:solidFill>
+                          <a:sysClr val="windowText" lastClr="000000"/>
+                        </a:solidFill>
+                        <a:latin typeface="Noto Sans CJK SC Regular" panose="020B0500000000000000" pitchFamily="34" charset="-122"/>
+                        <a:ea typeface="Noto Sans CJK SC Regular" panose="020B0500000000000000" pitchFamily="34" charset="-122"/>
+                      </a:endParaRPr>
+                    </a:p>
+                  </a:txBody>
+                  <a:tcPr anchor="ctr">
+                    <a:lnL w="12700" cap="flat" cmpd="sng" algn="ctr">
+                      <a:solidFill>
+                        <a:schemeClr val="tx1"/>
+                      </a:solidFill>
+                      <a:prstDash val="solid"/>
+                      <a:round/>
+                      <a:headEnd type="none" w="med" len="med"/>
+                      <a:tailEnd type="none" w="med" len="med"/>
+                    </a:lnL>
+                    <a:lnR w="12700" cap="flat" cmpd="sng" algn="ctr">
+                      <a:solidFill>
+                        <a:schemeClr val="tx1"/>
+                      </a:solidFill>
+                      <a:prstDash val="solid"/>
+                      <a:round/>
+                      <a:headEnd type="none" w="med" len="med"/>
+                      <a:tailEnd type="none" w="med" len="med"/>
+                    </a:lnR>
+                    <a:lnT w="12700" cap="flat" cmpd="sng" algn="ctr">
+                      <a:solidFill>
+                        <a:schemeClr val="tx1"/>
+                      </a:solidFill>
+                      <a:prstDash val="solid"/>
+                      <a:round/>
+                      <a:headEnd type="none" w="med" len="med"/>
+                      <a:tailEnd type="none" w="med" len="med"/>
+                    </a:lnT>
+                    <a:lnB w="12700" cap="flat" cmpd="sng" algn="ctr">
+                      <a:solidFill>
+                        <a:schemeClr val="tx1"/>
+                      </a:solidFill>
+                      <a:prstDash val="solid"/>
+                      <a:round/>
+                      <a:headEnd type="none" w="med" len="med"/>
+                      <a:tailEnd type="none" w="med" len="med"/>
+                    </a:lnB>
+                    <a:solidFill>
+                      <a:schemeClr val="bg2">
+                        <a:lumMod val="90000"/>
+                      </a:schemeClr>
+                    </a:solidFill>
+                  </a:tcPr>
+                </a:tc>
+                <a:tc>
+                  <a:txBody>
+                    <a:bodyPr/>
+                    <a:lstStyle/>
+                    <a:p>
+                      <a:pPr algn="ctr"/>
+                      <a:r>
+                        <a:rPr lang="en-US" altLang="zh-CN" sz="1600" b="0" dirty="0">
+                          <a:solidFill>
+                            <a:sysClr val="windowText" lastClr="000000"/>
+                          </a:solidFill>
+                          <a:latin typeface="Noto Sans CJK SC Regular" panose="020B0500000000000000" pitchFamily="34" charset="-122"/>
+                          <a:ea typeface="Noto Sans CJK SC Regular" panose="020B0500000000000000" pitchFamily="34" charset="-122"/>
+                        </a:rPr>
+                        <a:t>o</a:t>
+                      </a:r>
+                      <a:endParaRPr lang="zh-CN" altLang="en-US" sz="1600" b="0" dirty="0">
+                        <a:solidFill>
+                          <a:sysClr val="windowText" lastClr="000000"/>
+                        </a:solidFill>
+                        <a:latin typeface="Noto Sans CJK SC Regular" panose="020B0500000000000000" pitchFamily="34" charset="-122"/>
+                        <a:ea typeface="Noto Sans CJK SC Regular" panose="020B0500000000000000" pitchFamily="34" charset="-122"/>
+                      </a:endParaRPr>
+                    </a:p>
+                  </a:txBody>
+                  <a:tcPr anchor="ctr">
+                    <a:lnL w="12700" cap="flat" cmpd="sng" algn="ctr">
+                      <a:solidFill>
+                        <a:schemeClr val="tx1"/>
+                      </a:solidFill>
+                      <a:prstDash val="solid"/>
+                      <a:round/>
+                      <a:headEnd type="none" w="med" len="med"/>
+                      <a:tailEnd type="none" w="med" len="med"/>
+                    </a:lnL>
+                    <a:lnR w="12700" cap="flat" cmpd="sng" algn="ctr">
+                      <a:solidFill>
+                        <a:schemeClr val="tx1"/>
+                      </a:solidFill>
+                      <a:prstDash val="solid"/>
+                      <a:round/>
+                      <a:headEnd type="none" w="med" len="med"/>
+                      <a:tailEnd type="none" w="med" len="med"/>
+                    </a:lnR>
+                    <a:lnT w="12700" cap="flat" cmpd="sng" algn="ctr">
+                      <a:solidFill>
+                        <a:schemeClr val="tx1"/>
+                      </a:solidFill>
+                      <a:prstDash val="solid"/>
+                      <a:round/>
+                      <a:headEnd type="none" w="med" len="med"/>
+                      <a:tailEnd type="none" w="med" len="med"/>
+                    </a:lnT>
+                    <a:lnB w="12700" cap="flat" cmpd="sng" algn="ctr">
+                      <a:solidFill>
+                        <a:schemeClr val="tx1"/>
+                      </a:solidFill>
+                      <a:prstDash val="solid"/>
+                      <a:round/>
+                      <a:headEnd type="none" w="med" len="med"/>
+                      <a:tailEnd type="none" w="med" len="med"/>
+                    </a:lnB>
+                    <a:solidFill>
+                      <a:schemeClr val="accent2">
+                        <a:lumMod val="20000"/>
+                        <a:lumOff val="80000"/>
+                      </a:schemeClr>
+                    </a:solidFill>
+                  </a:tcPr>
+                </a:tc>
+                <a:tc>
+                  <a:txBody>
+                    <a:bodyPr/>
+                    <a:lstStyle/>
+                    <a:p>
+                      <a:pPr algn="ctr"/>
+                      <a:r>
+                        <a:rPr lang="en-US" altLang="zh-CN" sz="1600" b="0" dirty="0">
+                          <a:solidFill>
+                            <a:sysClr val="windowText" lastClr="000000"/>
+                          </a:solidFill>
+                          <a:latin typeface="Noto Sans CJK SC Regular" panose="020B0500000000000000" pitchFamily="34" charset="-122"/>
+                          <a:ea typeface="Noto Sans CJK SC Regular" panose="020B0500000000000000" pitchFamily="34" charset="-122"/>
+                        </a:rPr>
+                        <a:t>r</a:t>
+                      </a:r>
+                      <a:endParaRPr lang="zh-CN" altLang="en-US" sz="1600" b="0" dirty="0">
+                        <a:solidFill>
+                          <a:sysClr val="windowText" lastClr="000000"/>
+                        </a:solidFill>
+                        <a:latin typeface="Noto Sans CJK SC Regular" panose="020B0500000000000000" pitchFamily="34" charset="-122"/>
+                        <a:ea typeface="Noto Sans CJK SC Regular" panose="020B0500000000000000" pitchFamily="34" charset="-122"/>
+                      </a:endParaRPr>
+                    </a:p>
+                  </a:txBody>
+                  <a:tcPr anchor="ctr">
+                    <a:lnL w="12700" cap="flat" cmpd="sng" algn="ctr">
+                      <a:solidFill>
+                        <a:schemeClr val="tx1"/>
+                      </a:solidFill>
+                      <a:prstDash val="solid"/>
+                      <a:round/>
+                      <a:headEnd type="none" w="med" len="med"/>
+                      <a:tailEnd type="none" w="med" len="med"/>
+                    </a:lnL>
+                    <a:lnR w="12700" cap="flat" cmpd="sng" algn="ctr">
+                      <a:solidFill>
+                        <a:schemeClr val="tx1"/>
+                      </a:solidFill>
+                      <a:prstDash val="solid"/>
+                      <a:round/>
+                      <a:headEnd type="none" w="med" len="med"/>
+                      <a:tailEnd type="none" w="med" len="med"/>
+                    </a:lnR>
+                    <a:lnT w="12700" cap="flat" cmpd="sng" algn="ctr">
+                      <a:solidFill>
+                        <a:schemeClr val="tx1"/>
+                      </a:solidFill>
+                      <a:prstDash val="solid"/>
+                      <a:round/>
+                      <a:headEnd type="none" w="med" len="med"/>
+                      <a:tailEnd type="none" w="med" len="med"/>
+                    </a:lnT>
+                    <a:lnB w="12700" cap="flat" cmpd="sng" algn="ctr">
+                      <a:solidFill>
+                        <a:schemeClr val="tx1"/>
+                      </a:solidFill>
+                      <a:prstDash val="solid"/>
+                      <a:round/>
+                      <a:headEnd type="none" w="med" len="med"/>
+                      <a:tailEnd type="none" w="med" len="med"/>
+                    </a:lnB>
+                    <a:solidFill>
+                      <a:schemeClr val="accent2">
+                        <a:lumMod val="20000"/>
+                        <a:lumOff val="80000"/>
+                      </a:schemeClr>
+                    </a:solidFill>
+                  </a:tcPr>
+                </a:tc>
+                <a:tc>
+                  <a:txBody>
+                    <a:bodyPr/>
+                    <a:lstStyle/>
+                    <a:p>
+                      <a:pPr algn="ctr"/>
+                      <a:r>
+                        <a:rPr lang="en-US" altLang="zh-CN" sz="1600" b="0" dirty="0">
+                          <a:solidFill>
+                            <a:sysClr val="windowText" lastClr="000000"/>
+                          </a:solidFill>
+                          <a:latin typeface="Noto Sans CJK SC Regular" panose="020B0500000000000000" pitchFamily="34" charset="-122"/>
+                          <a:ea typeface="Noto Sans CJK SC Regular" panose="020B0500000000000000" pitchFamily="34" charset="-122"/>
+                        </a:rPr>
+                        <a:t>s</a:t>
+                      </a:r>
+                      <a:endParaRPr lang="zh-CN" altLang="en-US" sz="1600" b="0" dirty="0">
+                        <a:solidFill>
+                          <a:sysClr val="windowText" lastClr="000000"/>
+                        </a:solidFill>
+                        <a:latin typeface="Noto Sans CJK SC Regular" panose="020B0500000000000000" pitchFamily="34" charset="-122"/>
+                        <a:ea typeface="Noto Sans CJK SC Regular" panose="020B0500000000000000" pitchFamily="34" charset="-122"/>
+                      </a:endParaRPr>
+                    </a:p>
+                  </a:txBody>
+                  <a:tcPr anchor="ctr">
+                    <a:lnL w="12700" cap="flat" cmpd="sng" algn="ctr">
+                      <a:solidFill>
+                        <a:schemeClr val="tx1"/>
+                      </a:solidFill>
+                      <a:prstDash val="solid"/>
+                      <a:round/>
+                      <a:headEnd type="none" w="med" len="med"/>
+                      <a:tailEnd type="none" w="med" len="med"/>
+                    </a:lnL>
+                    <a:lnR w="12700" cap="flat" cmpd="sng" algn="ctr">
+                      <a:solidFill>
+                        <a:schemeClr val="tx1"/>
+                      </a:solidFill>
+                      <a:prstDash val="solid"/>
+                      <a:round/>
+                      <a:headEnd type="none" w="med" len="med"/>
+                      <a:tailEnd type="none" w="med" len="med"/>
+                    </a:lnR>
+                    <a:lnT w="12700" cap="flat" cmpd="sng" algn="ctr">
+                      <a:solidFill>
+                        <a:schemeClr val="tx1"/>
+                      </a:solidFill>
+                      <a:prstDash val="solid"/>
+                      <a:round/>
+                      <a:headEnd type="none" w="med" len="med"/>
+                      <a:tailEnd type="none" w="med" len="med"/>
+                    </a:lnT>
+                    <a:lnB w="12700" cap="flat" cmpd="sng" algn="ctr">
+                      <a:solidFill>
+                        <a:schemeClr val="tx1"/>
+                      </a:solidFill>
+                      <a:prstDash val="solid"/>
+                      <a:round/>
+                      <a:headEnd type="none" w="med" len="med"/>
+                      <a:tailEnd type="none" w="med" len="med"/>
+                    </a:lnB>
+                    <a:solidFill>
+                      <a:schemeClr val="accent2">
+                        <a:lumMod val="20000"/>
+                        <a:lumOff val="80000"/>
+                      </a:schemeClr>
+                    </a:solidFill>
+                  </a:tcPr>
+                </a:tc>
+                <a:tc>
+                  <a:txBody>
+                    <a:bodyPr/>
+                    <a:lstStyle/>
+                    <a:p>
+                      <a:pPr algn="ctr"/>
+                      <a:r>
+                        <a:rPr lang="en-US" altLang="zh-CN" sz="1600" b="0" dirty="0">
+                          <a:solidFill>
+                            <a:sysClr val="windowText" lastClr="000000"/>
+                          </a:solidFill>
+                          <a:latin typeface="Noto Sans CJK SC Regular" panose="020B0500000000000000" pitchFamily="34" charset="-122"/>
+                          <a:ea typeface="Noto Sans CJK SC Regular" panose="020B0500000000000000" pitchFamily="34" charset="-122"/>
+                        </a:rPr>
+                        <a:t>e</a:t>
+                      </a:r>
+                      <a:endParaRPr lang="zh-CN" altLang="en-US" sz="1600" b="0" dirty="0">
+                        <a:solidFill>
+                          <a:sysClr val="windowText" lastClr="000000"/>
+                        </a:solidFill>
+                        <a:latin typeface="Noto Sans CJK SC Regular" panose="020B0500000000000000" pitchFamily="34" charset="-122"/>
+                        <a:ea typeface="Noto Sans CJK SC Regular" panose="020B0500000000000000" pitchFamily="34" charset="-122"/>
+                      </a:endParaRPr>
+                    </a:p>
+                  </a:txBody>
+                  <a:tcPr anchor="ctr">
+                    <a:lnL w="12700" cap="flat" cmpd="sng" algn="ctr">
+                      <a:solidFill>
+                        <a:schemeClr val="tx1"/>
+                      </a:solidFill>
+                      <a:prstDash val="solid"/>
+                      <a:round/>
+                      <a:headEnd type="none" w="med" len="med"/>
+                      <a:tailEnd type="none" w="med" len="med"/>
+                    </a:lnL>
+                    <a:lnR w="12700" cap="flat" cmpd="sng" algn="ctr">
+                      <a:solidFill>
+                        <a:schemeClr val="tx1"/>
+                      </a:solidFill>
+                      <a:prstDash val="solid"/>
+                      <a:round/>
+                      <a:headEnd type="none" w="med" len="med"/>
+                      <a:tailEnd type="none" w="med" len="med"/>
+                    </a:lnR>
+                    <a:lnT w="12700" cap="flat" cmpd="sng" algn="ctr">
+                      <a:solidFill>
+                        <a:schemeClr val="tx1"/>
+                      </a:solidFill>
+                      <a:prstDash val="solid"/>
+                      <a:round/>
+                      <a:headEnd type="none" w="med" len="med"/>
+                      <a:tailEnd type="none" w="med" len="med"/>
+                    </a:lnT>
+                    <a:lnB w="12700" cap="flat" cmpd="sng" algn="ctr">
+                      <a:solidFill>
+                        <a:schemeClr val="tx1"/>
+                      </a:solidFill>
+                      <a:prstDash val="solid"/>
+                      <a:round/>
+                      <a:headEnd type="none" w="med" len="med"/>
+                      <a:tailEnd type="none" w="med" len="med"/>
+                    </a:lnB>
+                    <a:solidFill>
+                      <a:schemeClr val="accent2">
+                        <a:lumMod val="20000"/>
+                        <a:lumOff val="80000"/>
+                      </a:schemeClr>
+                    </a:solidFill>
+                  </a:tcPr>
+                </a:tc>
+                <a:extLst>
+                  <a:ext uri="{0D108BD9-81ED-4DB2-BD59-A6C34878D82A}">
+                    <a16:rowId xmlns:a16="http://schemas.microsoft.com/office/drawing/2014/main" val="2293288935"/>
+                  </a:ext>
+                </a:extLst>
+              </a:tr>
+              <a:tr h="370840">
+                <a:tc>
+                  <a:txBody>
+                    <a:bodyPr/>
+                    <a:lstStyle/>
+                    <a:p>
+                      <a:pPr algn="ctr"/>
+                      <a:r>
+                        <a:rPr lang="en-US" altLang="zh-CN" sz="1600" b="0" dirty="0">
+                          <a:solidFill>
+                            <a:sysClr val="windowText" lastClr="000000"/>
+                          </a:solidFill>
+                          <a:latin typeface="Noto Sans CJK SC Regular" panose="020B0500000000000000" pitchFamily="34" charset="-122"/>
+                          <a:ea typeface="Noto Sans CJK SC Regular" panose="020B0500000000000000" pitchFamily="34" charset="-122"/>
+                        </a:rPr>
+                        <a:t>r</a:t>
+                      </a:r>
+                      <a:endParaRPr lang="zh-CN" altLang="en-US" sz="1600" b="0" dirty="0">
+                        <a:solidFill>
+                          <a:sysClr val="windowText" lastClr="000000"/>
+                        </a:solidFill>
+                        <a:latin typeface="Noto Sans CJK SC Regular" panose="020B0500000000000000" pitchFamily="34" charset="-122"/>
+                        <a:ea typeface="Noto Sans CJK SC Regular" panose="020B0500000000000000" pitchFamily="34" charset="-122"/>
+                      </a:endParaRPr>
+                    </a:p>
+                  </a:txBody>
+                  <a:tcPr anchor="ctr">
+                    <a:lnL w="12700" cap="flat" cmpd="sng" algn="ctr">
+                      <a:solidFill>
+                        <a:schemeClr val="tx1"/>
+                      </a:solidFill>
+                      <a:prstDash val="solid"/>
+                      <a:round/>
+                      <a:headEnd type="none" w="med" len="med"/>
+                      <a:tailEnd type="none" w="med" len="med"/>
+                    </a:lnL>
+                    <a:lnR w="12700" cap="flat" cmpd="sng" algn="ctr">
+                      <a:solidFill>
+                        <a:schemeClr val="tx1"/>
+                      </a:solidFill>
+                      <a:prstDash val="solid"/>
+                      <a:round/>
+                      <a:headEnd type="none" w="med" len="med"/>
+                      <a:tailEnd type="none" w="med" len="med"/>
+                    </a:lnR>
+                    <a:lnT w="12700" cap="flat" cmpd="sng" algn="ctr">
+                      <a:solidFill>
+                        <a:schemeClr val="tx1"/>
+                      </a:solidFill>
+                      <a:prstDash val="solid"/>
+                      <a:round/>
+                      <a:headEnd type="none" w="med" len="med"/>
+                      <a:tailEnd type="none" w="med" len="med"/>
+                    </a:lnT>
+                    <a:lnB w="12700" cap="flat" cmpd="sng" algn="ctr">
+                      <a:solidFill>
+                        <a:schemeClr val="tx1"/>
+                      </a:solidFill>
+                      <a:prstDash val="solid"/>
+                      <a:round/>
+                      <a:headEnd type="none" w="med" len="med"/>
+                      <a:tailEnd type="none" w="med" len="med"/>
+                    </a:lnB>
+                    <a:solidFill>
+                      <a:schemeClr val="bg2">
+                        <a:lumMod val="90000"/>
+                      </a:schemeClr>
+                    </a:solidFill>
+                  </a:tcPr>
+                </a:tc>
+                <a:tc>
+                  <a:txBody>
+                    <a:bodyPr/>
+                    <a:lstStyle/>
+                    <a:p>
+                      <a:pPr algn="ctr"/>
+                      <a:r>
+                        <a:rPr lang="en-US" altLang="zh-CN" sz="1600" b="0" dirty="0">
+                          <a:solidFill>
+                            <a:sysClr val="windowText" lastClr="000000"/>
+                          </a:solidFill>
+                          <a:latin typeface="Noto Sans CJK SC Regular" panose="020B0500000000000000" pitchFamily="34" charset="-122"/>
+                          <a:ea typeface="Noto Sans CJK SC Regular" panose="020B0500000000000000" pitchFamily="34" charset="-122"/>
+                        </a:rPr>
+                        <a:t>o</a:t>
+                      </a:r>
+                      <a:endParaRPr lang="zh-CN" altLang="en-US" sz="1600" b="0" dirty="0">
+                        <a:solidFill>
+                          <a:sysClr val="windowText" lastClr="000000"/>
+                        </a:solidFill>
+                        <a:latin typeface="Noto Sans CJK SC Regular" panose="020B0500000000000000" pitchFamily="34" charset="-122"/>
+                        <a:ea typeface="Noto Sans CJK SC Regular" panose="020B0500000000000000" pitchFamily="34" charset="-122"/>
+                      </a:endParaRPr>
+                    </a:p>
+                  </a:txBody>
+                  <a:tcPr anchor="ctr">
+                    <a:lnL w="12700" cap="flat" cmpd="sng" algn="ctr">
+                      <a:solidFill>
+                        <a:schemeClr val="tx1"/>
+                      </a:solidFill>
+                      <a:prstDash val="solid"/>
+                      <a:round/>
+                      <a:headEnd type="none" w="med" len="med"/>
+                      <a:tailEnd type="none" w="med" len="med"/>
+                    </a:lnL>
+                    <a:lnR w="12700" cap="flat" cmpd="sng" algn="ctr">
+                      <a:solidFill>
+                        <a:schemeClr val="tx1"/>
+                      </a:solidFill>
+                      <a:prstDash val="solid"/>
+                      <a:round/>
+                      <a:headEnd type="none" w="med" len="med"/>
+                      <a:tailEnd type="none" w="med" len="med"/>
+                    </a:lnR>
+                    <a:lnT w="12700" cap="flat" cmpd="sng" algn="ctr">
+                      <a:solidFill>
+                        <a:schemeClr val="tx1"/>
+                      </a:solidFill>
+                      <a:prstDash val="solid"/>
+                      <a:round/>
+                      <a:headEnd type="none" w="med" len="med"/>
+                      <a:tailEnd type="none" w="med" len="med"/>
+                    </a:lnT>
+                    <a:lnB w="12700" cap="flat" cmpd="sng" algn="ctr">
+                      <a:solidFill>
+                        <a:schemeClr val="tx1"/>
+                      </a:solidFill>
+                      <a:prstDash val="solid"/>
+                      <a:round/>
+                      <a:headEnd type="none" w="med" len="med"/>
+                      <a:tailEnd type="none" w="med" len="med"/>
+                    </a:lnB>
+                    <a:solidFill>
+                      <a:schemeClr val="bg1"/>
+                    </a:solidFill>
+                  </a:tcPr>
+                </a:tc>
+                <a:tc>
+                  <a:txBody>
+                    <a:bodyPr/>
+                    <a:lstStyle/>
+                    <a:p>
+                      <a:pPr algn="ctr"/>
+                      <a:r>
+                        <a:rPr lang="en-US" altLang="zh-CN" sz="1600" b="0" dirty="0">
+                          <a:solidFill>
+                            <a:sysClr val="windowText" lastClr="000000"/>
+                          </a:solidFill>
+                          <a:latin typeface="Noto Sans CJK SC Regular" panose="020B0500000000000000" pitchFamily="34" charset="-122"/>
+                          <a:ea typeface="Noto Sans CJK SC Regular" panose="020B0500000000000000" pitchFamily="34" charset="-122"/>
+                        </a:rPr>
+                        <a:t>r</a:t>
+                      </a:r>
+                      <a:endParaRPr lang="zh-CN" altLang="en-US" sz="1600" b="0" dirty="0">
+                        <a:solidFill>
+                          <a:sysClr val="windowText" lastClr="000000"/>
+                        </a:solidFill>
+                        <a:latin typeface="Noto Sans CJK SC Regular" panose="020B0500000000000000" pitchFamily="34" charset="-122"/>
+                        <a:ea typeface="Noto Sans CJK SC Regular" panose="020B0500000000000000" pitchFamily="34" charset="-122"/>
+                      </a:endParaRPr>
+                    </a:p>
+                  </a:txBody>
+                  <a:tcPr anchor="ctr">
+                    <a:lnL w="12700" cap="flat" cmpd="sng" algn="ctr">
+                      <a:solidFill>
+                        <a:schemeClr val="tx1"/>
+                      </a:solidFill>
+                      <a:prstDash val="solid"/>
+                      <a:round/>
+                      <a:headEnd type="none" w="med" len="med"/>
+                      <a:tailEnd type="none" w="med" len="med"/>
+                    </a:lnL>
+                    <a:lnR w="12700" cap="flat" cmpd="sng" algn="ctr">
+                      <a:solidFill>
+                        <a:schemeClr val="tx1"/>
+                      </a:solidFill>
+                      <a:prstDash val="solid"/>
+                      <a:round/>
+                      <a:headEnd type="none" w="med" len="med"/>
+                      <a:tailEnd type="none" w="med" len="med"/>
+                    </a:lnR>
+                    <a:lnT w="12700" cap="flat" cmpd="sng" algn="ctr">
+                      <a:solidFill>
+                        <a:schemeClr val="tx1"/>
+                      </a:solidFill>
+                      <a:prstDash val="solid"/>
+                      <a:round/>
+                      <a:headEnd type="none" w="med" len="med"/>
+                      <a:tailEnd type="none" w="med" len="med"/>
+                    </a:lnT>
+                    <a:lnB w="12700" cap="flat" cmpd="sng" algn="ctr">
+                      <a:solidFill>
+                        <a:schemeClr val="tx1"/>
+                      </a:solidFill>
+                      <a:prstDash val="solid"/>
+                      <a:round/>
+                      <a:headEnd type="none" w="med" len="med"/>
+                      <a:tailEnd type="none" w="med" len="med"/>
+                    </a:lnB>
+                    <a:solidFill>
+                      <a:schemeClr val="accent2">
+                        <a:lumMod val="60000"/>
+                        <a:lumOff val="40000"/>
+                      </a:schemeClr>
+                    </a:solidFill>
+                  </a:tcPr>
+                </a:tc>
+                <a:tc>
+                  <a:txBody>
+                    <a:bodyPr/>
+                    <a:lstStyle/>
+                    <a:p>
+                      <a:pPr algn="ctr"/>
+                      <a:r>
+                        <a:rPr lang="en-US" altLang="zh-CN" sz="1600" b="0" dirty="0">
+                          <a:solidFill>
+                            <a:sysClr val="windowText" lastClr="000000"/>
+                          </a:solidFill>
+                          <a:latin typeface="Noto Sans CJK SC Regular" panose="020B0500000000000000" pitchFamily="34" charset="-122"/>
+                          <a:ea typeface="Noto Sans CJK SC Regular" panose="020B0500000000000000" pitchFamily="34" charset="-122"/>
+                        </a:rPr>
+                        <a:t>s</a:t>
+                      </a:r>
+                      <a:endParaRPr lang="zh-CN" altLang="en-US" sz="1600" b="0" dirty="0">
+                        <a:solidFill>
+                          <a:sysClr val="windowText" lastClr="000000"/>
+                        </a:solidFill>
+                        <a:latin typeface="Noto Sans CJK SC Regular" panose="020B0500000000000000" pitchFamily="34" charset="-122"/>
+                        <a:ea typeface="Noto Sans CJK SC Regular" panose="020B0500000000000000" pitchFamily="34" charset="-122"/>
+                      </a:endParaRPr>
+                    </a:p>
+                  </a:txBody>
+                  <a:tcPr anchor="ctr">
+                    <a:lnL w="12700" cap="flat" cmpd="sng" algn="ctr">
+                      <a:solidFill>
+                        <a:schemeClr val="tx1"/>
+                      </a:solidFill>
+                      <a:prstDash val="solid"/>
+                      <a:round/>
+                      <a:headEnd type="none" w="med" len="med"/>
+                      <a:tailEnd type="none" w="med" len="med"/>
+                    </a:lnL>
+                    <a:lnR w="12700" cap="flat" cmpd="sng" algn="ctr">
+                      <a:solidFill>
+                        <a:schemeClr val="tx1"/>
+                      </a:solidFill>
+                      <a:prstDash val="solid"/>
+                      <a:round/>
+                      <a:headEnd type="none" w="med" len="med"/>
+                      <a:tailEnd type="none" w="med" len="med"/>
+                    </a:lnR>
+                    <a:lnT w="12700" cap="flat" cmpd="sng" algn="ctr">
+                      <a:solidFill>
+                        <a:schemeClr val="tx1"/>
+                      </a:solidFill>
+                      <a:prstDash val="solid"/>
+                      <a:round/>
+                      <a:headEnd type="none" w="med" len="med"/>
+                      <a:tailEnd type="none" w="med" len="med"/>
+                    </a:lnT>
+                    <a:lnB w="12700" cap="flat" cmpd="sng" algn="ctr">
+                      <a:solidFill>
+                        <a:schemeClr val="tx1"/>
+                      </a:solidFill>
+                      <a:prstDash val="solid"/>
+                      <a:round/>
+                      <a:headEnd type="none" w="med" len="med"/>
+                      <a:tailEnd type="none" w="med" len="med"/>
+                    </a:lnB>
+                    <a:solidFill>
+                      <a:schemeClr val="accent2">
+                        <a:lumMod val="20000"/>
+                        <a:lumOff val="80000"/>
+                      </a:schemeClr>
+                    </a:solidFill>
+                  </a:tcPr>
+                </a:tc>
+                <a:tc>
+                  <a:txBody>
+                    <a:bodyPr/>
+                    <a:lstStyle/>
+                    <a:p>
+                      <a:pPr algn="ctr"/>
+                      <a:r>
+                        <a:rPr lang="en-US" altLang="zh-CN" sz="1600" b="0" dirty="0">
+                          <a:solidFill>
+                            <a:sysClr val="windowText" lastClr="000000"/>
+                          </a:solidFill>
+                          <a:latin typeface="Noto Sans CJK SC Regular" panose="020B0500000000000000" pitchFamily="34" charset="-122"/>
+                          <a:ea typeface="Noto Sans CJK SC Regular" panose="020B0500000000000000" pitchFamily="34" charset="-122"/>
+                        </a:rPr>
+                        <a:t>e</a:t>
+                      </a:r>
+                      <a:endParaRPr lang="zh-CN" altLang="en-US" sz="1600" b="0" dirty="0">
+                        <a:solidFill>
+                          <a:sysClr val="windowText" lastClr="000000"/>
+                        </a:solidFill>
+                        <a:latin typeface="Noto Sans CJK SC Regular" panose="020B0500000000000000" pitchFamily="34" charset="-122"/>
+                        <a:ea typeface="Noto Sans CJK SC Regular" panose="020B0500000000000000" pitchFamily="34" charset="-122"/>
+                      </a:endParaRPr>
+                    </a:p>
+                  </a:txBody>
+                  <a:tcPr anchor="ctr">
+                    <a:lnL w="12700" cap="flat" cmpd="sng" algn="ctr">
+                      <a:solidFill>
+                        <a:schemeClr val="tx1"/>
+                      </a:solidFill>
+                      <a:prstDash val="solid"/>
+                      <a:round/>
+                      <a:headEnd type="none" w="med" len="med"/>
+                      <a:tailEnd type="none" w="med" len="med"/>
+                    </a:lnL>
+                    <a:lnR w="12700" cap="flat" cmpd="sng" algn="ctr">
+                      <a:solidFill>
+                        <a:schemeClr val="tx1"/>
+                      </a:solidFill>
+                      <a:prstDash val="solid"/>
+                      <a:round/>
+                      <a:headEnd type="none" w="med" len="med"/>
+                      <a:tailEnd type="none" w="med" len="med"/>
+                    </a:lnR>
+                    <a:lnT w="12700" cap="flat" cmpd="sng" algn="ctr">
+                      <a:solidFill>
+                        <a:schemeClr val="tx1"/>
+                      </a:solidFill>
+                      <a:prstDash val="solid"/>
+                      <a:round/>
+                      <a:headEnd type="none" w="med" len="med"/>
+                      <a:tailEnd type="none" w="med" len="med"/>
+                    </a:lnT>
+                    <a:lnB w="12700" cap="flat" cmpd="sng" algn="ctr">
+                      <a:solidFill>
+                        <a:schemeClr val="tx1"/>
+                      </a:solidFill>
+                      <a:prstDash val="solid"/>
+                      <a:round/>
+                      <a:headEnd type="none" w="med" len="med"/>
+                      <a:tailEnd type="none" w="med" len="med"/>
+                    </a:lnB>
+                    <a:solidFill>
+                      <a:schemeClr val="accent2">
+                        <a:lumMod val="20000"/>
+                        <a:lumOff val="80000"/>
+                      </a:schemeClr>
+                    </a:solidFill>
+                  </a:tcPr>
+                </a:tc>
+                <a:extLst>
+                  <a:ext uri="{0D108BD9-81ED-4DB2-BD59-A6C34878D82A}">
+                    <a16:rowId xmlns:a16="http://schemas.microsoft.com/office/drawing/2014/main" val="3219541368"/>
+                  </a:ext>
+                </a:extLst>
+              </a:tr>
+            </a:tbl>
+          </a:graphicData>
+        </a:graphic>
+      </p:graphicFrame>
+      <p:graphicFrame>
+        <p:nvGraphicFramePr>
+          <p:cNvPr id="11" name="表格 10">
+            <a:extLst>
+              <a:ext uri="{FF2B5EF4-FFF2-40B4-BE49-F238E27FC236}">
+                <a16:creationId xmlns:a16="http://schemas.microsoft.com/office/drawing/2014/main" id="{350DCB33-C37B-401F-879F-865124A956B0}"/>
+              </a:ext>
+            </a:extLst>
+          </p:cNvPr>
+          <p:cNvGraphicFramePr>
+            <a:graphicFrameLocks noGrp="1"/>
+          </p:cNvGraphicFramePr>
+          <p:nvPr>
+            <p:extLst>
+              <p:ext uri="{D42A27DB-BD31-4B8C-83A1-F6EECF244321}">
+                <p14:modId xmlns:p14="http://schemas.microsoft.com/office/powerpoint/2010/main" val="3428689234"/>
+              </p:ext>
+            </p:extLst>
+          </p:nvPr>
+        </p:nvGraphicFramePr>
+        <p:xfrm>
+          <a:off x="8951422" y="2059326"/>
+          <a:ext cx="1973768" cy="1112520"/>
+        </p:xfrm>
+        <a:graphic>
+          <a:graphicData uri="http://schemas.openxmlformats.org/drawingml/2006/table">
+            <a:tbl>
+              <a:tblPr firstRow="1" bandRow="1">
+                <a:tableStyleId>{5C22544A-7EE6-4342-B048-85BDC9FD1C3A}</a:tableStyleId>
+              </a:tblPr>
+              <a:tblGrid>
+                <a:gridCol w="493442">
+                  <a:extLst>
+                    <a:ext uri="{9D8B030D-6E8A-4147-A177-3AD203B41FA5}">
+                      <a16:colId xmlns:a16="http://schemas.microsoft.com/office/drawing/2014/main" val="3900230457"/>
+                    </a:ext>
+                  </a:extLst>
+                </a:gridCol>
+                <a:gridCol w="493442">
+                  <a:extLst>
+                    <a:ext uri="{9D8B030D-6E8A-4147-A177-3AD203B41FA5}">
+                      <a16:colId xmlns:a16="http://schemas.microsoft.com/office/drawing/2014/main" val="2136644087"/>
+                    </a:ext>
+                  </a:extLst>
+                </a:gridCol>
+                <a:gridCol w="493442">
+                  <a:extLst>
+                    <a:ext uri="{9D8B030D-6E8A-4147-A177-3AD203B41FA5}">
+                      <a16:colId xmlns:a16="http://schemas.microsoft.com/office/drawing/2014/main" val="818022567"/>
+                    </a:ext>
+                  </a:extLst>
+                </a:gridCol>
+                <a:gridCol w="493442">
+                  <a:extLst>
+                    <a:ext uri="{9D8B030D-6E8A-4147-A177-3AD203B41FA5}">
+                      <a16:colId xmlns:a16="http://schemas.microsoft.com/office/drawing/2014/main" val="1792656834"/>
+                    </a:ext>
+                  </a:extLst>
+                </a:gridCol>
+              </a:tblGrid>
+              <a:tr h="370840">
+                <a:tc>
+                  <a:txBody>
+                    <a:bodyPr/>
+                    <a:lstStyle/>
+                    <a:p>
+                      <a:pPr algn="ctr"/>
+                      <a:r>
+                        <a:rPr lang="en-US" altLang="zh-CN" sz="1600" b="0" dirty="0">
+                          <a:solidFill>
+                            <a:sysClr val="windowText" lastClr="000000"/>
+                          </a:solidFill>
+                          <a:latin typeface="Noto Sans CJK SC Regular" panose="020B0500000000000000" pitchFamily="34" charset="-122"/>
+                          <a:ea typeface="Noto Sans CJK SC Regular" panose="020B0500000000000000" pitchFamily="34" charset="-122"/>
+                        </a:rPr>
+                        <a:t>r</a:t>
+                      </a:r>
+                      <a:endParaRPr lang="zh-CN" altLang="en-US" sz="1600" b="0" dirty="0">
+                        <a:solidFill>
+                          <a:sysClr val="windowText" lastClr="000000"/>
+                        </a:solidFill>
+                        <a:latin typeface="Noto Sans CJK SC Regular" panose="020B0500000000000000" pitchFamily="34" charset="-122"/>
+                        <a:ea typeface="Noto Sans CJK SC Regular" panose="020B0500000000000000" pitchFamily="34" charset="-122"/>
+                      </a:endParaRPr>
+                    </a:p>
+                  </a:txBody>
+                  <a:tcPr anchor="ctr">
+                    <a:lnL w="12700" cap="flat" cmpd="sng" algn="ctr">
+                      <a:solidFill>
+                        <a:schemeClr val="tx1"/>
+                      </a:solidFill>
+                      <a:prstDash val="solid"/>
+                      <a:round/>
+                      <a:headEnd type="none" w="med" len="med"/>
+                      <a:tailEnd type="none" w="med" len="med"/>
+                    </a:lnL>
+                    <a:lnR w="12700" cap="flat" cmpd="sng" algn="ctr">
+                      <a:solidFill>
+                        <a:schemeClr val="tx1"/>
+                      </a:solidFill>
+                      <a:prstDash val="solid"/>
+                      <a:round/>
+                      <a:headEnd type="none" w="med" len="med"/>
+                      <a:tailEnd type="none" w="med" len="med"/>
+                    </a:lnR>
+                    <a:lnT w="12700" cap="flat" cmpd="sng" algn="ctr">
+                      <a:solidFill>
+                        <a:schemeClr val="tx1"/>
+                      </a:solidFill>
+                      <a:prstDash val="solid"/>
+                      <a:round/>
+                      <a:headEnd type="none" w="med" len="med"/>
+                      <a:tailEnd type="none" w="med" len="med"/>
+                    </a:lnT>
+                    <a:lnB w="12700" cap="flat" cmpd="sng" algn="ctr">
+                      <a:solidFill>
+                        <a:schemeClr val="tx1"/>
+                      </a:solidFill>
+                      <a:prstDash val="solid"/>
+                      <a:round/>
+                      <a:headEnd type="none" w="med" len="med"/>
+                      <a:tailEnd type="none" w="med" len="med"/>
+                    </a:lnB>
+                    <a:solidFill>
+                      <a:schemeClr val="bg2">
+                        <a:lumMod val="90000"/>
+                      </a:schemeClr>
+                    </a:solidFill>
+                  </a:tcPr>
+                </a:tc>
+                <a:tc>
+                  <a:txBody>
+                    <a:bodyPr/>
+                    <a:lstStyle/>
+                    <a:p>
+                      <a:pPr algn="ctr"/>
+                      <a:r>
+                        <a:rPr lang="en-US" altLang="zh-CN" sz="1600" b="0" dirty="0">
+                          <a:solidFill>
+                            <a:sysClr val="windowText" lastClr="000000"/>
+                          </a:solidFill>
+                          <a:latin typeface="Noto Sans CJK SC Regular" panose="020B0500000000000000" pitchFamily="34" charset="-122"/>
+                          <a:ea typeface="Noto Sans CJK SC Regular" panose="020B0500000000000000" pitchFamily="34" charset="-122"/>
+                        </a:rPr>
+                        <a:t>o</a:t>
+                      </a:r>
+                      <a:endParaRPr lang="zh-CN" altLang="en-US" sz="1600" b="0" dirty="0">
+                        <a:solidFill>
+                          <a:sysClr val="windowText" lastClr="000000"/>
+                        </a:solidFill>
+                        <a:latin typeface="Noto Sans CJK SC Regular" panose="020B0500000000000000" pitchFamily="34" charset="-122"/>
+                        <a:ea typeface="Noto Sans CJK SC Regular" panose="020B0500000000000000" pitchFamily="34" charset="-122"/>
+                      </a:endParaRPr>
+                    </a:p>
+                  </a:txBody>
+                  <a:tcPr anchor="ctr">
+                    <a:lnL w="12700" cap="flat" cmpd="sng" algn="ctr">
+                      <a:solidFill>
+                        <a:schemeClr val="tx1"/>
+                      </a:solidFill>
+                      <a:prstDash val="solid"/>
+                      <a:round/>
+                      <a:headEnd type="none" w="med" len="med"/>
+                      <a:tailEnd type="none" w="med" len="med"/>
+                    </a:lnL>
+                    <a:lnR w="12700" cap="flat" cmpd="sng" algn="ctr">
+                      <a:solidFill>
+                        <a:schemeClr val="tx1"/>
+                      </a:solidFill>
+                      <a:prstDash val="solid"/>
+                      <a:round/>
+                      <a:headEnd type="none" w="med" len="med"/>
+                      <a:tailEnd type="none" w="med" len="med"/>
+                    </a:lnR>
+                    <a:lnT w="12700" cap="flat" cmpd="sng" algn="ctr">
+                      <a:solidFill>
+                        <a:schemeClr val="tx1"/>
+                      </a:solidFill>
+                      <a:prstDash val="solid"/>
+                      <a:round/>
+                      <a:headEnd type="none" w="med" len="med"/>
+                      <a:tailEnd type="none" w="med" len="med"/>
+                    </a:lnT>
+                    <a:lnB w="12700" cap="flat" cmpd="sng" algn="ctr">
+                      <a:solidFill>
+                        <a:schemeClr val="tx1"/>
+                      </a:solidFill>
+                      <a:prstDash val="solid"/>
+                      <a:round/>
+                      <a:headEnd type="none" w="med" len="med"/>
+                      <a:tailEnd type="none" w="med" len="med"/>
+                    </a:lnB>
+                    <a:solidFill>
+                      <a:schemeClr val="bg1"/>
+                    </a:solidFill>
+                  </a:tcPr>
+                </a:tc>
+                <a:tc>
+                  <a:txBody>
+                    <a:bodyPr/>
+                    <a:lstStyle/>
+                    <a:p>
+                      <a:pPr algn="ctr"/>
+                      <a:r>
+                        <a:rPr lang="en-US" altLang="zh-CN" sz="1600" b="0" dirty="0">
+                          <a:solidFill>
+                            <a:sysClr val="windowText" lastClr="000000"/>
+                          </a:solidFill>
+                          <a:latin typeface="Noto Sans CJK SC Regular" panose="020B0500000000000000" pitchFamily="34" charset="-122"/>
+                          <a:ea typeface="Noto Sans CJK SC Regular" panose="020B0500000000000000" pitchFamily="34" charset="-122"/>
+                        </a:rPr>
+                        <a:t>s</a:t>
+                      </a:r>
+                      <a:endParaRPr lang="zh-CN" altLang="en-US" sz="1600" b="0" dirty="0">
+                        <a:solidFill>
+                          <a:sysClr val="windowText" lastClr="000000"/>
+                        </a:solidFill>
+                        <a:latin typeface="Noto Sans CJK SC Regular" panose="020B0500000000000000" pitchFamily="34" charset="-122"/>
+                        <a:ea typeface="Noto Sans CJK SC Regular" panose="020B0500000000000000" pitchFamily="34" charset="-122"/>
+                      </a:endParaRPr>
+                    </a:p>
+                  </a:txBody>
+                  <a:tcPr anchor="ctr">
+                    <a:lnL w="12700" cap="flat" cmpd="sng" algn="ctr">
+                      <a:solidFill>
+                        <a:schemeClr val="tx1"/>
+                      </a:solidFill>
+                      <a:prstDash val="solid"/>
+                      <a:round/>
+                      <a:headEnd type="none" w="med" len="med"/>
+                      <a:tailEnd type="none" w="med" len="med"/>
+                    </a:lnL>
+                    <a:lnR w="12700" cap="flat" cmpd="sng" algn="ctr">
+                      <a:solidFill>
+                        <a:schemeClr val="tx1"/>
+                      </a:solidFill>
+                      <a:prstDash val="solid"/>
+                      <a:round/>
+                      <a:headEnd type="none" w="med" len="med"/>
+                      <a:tailEnd type="none" w="med" len="med"/>
+                    </a:lnR>
+                    <a:lnT w="12700" cap="flat" cmpd="sng" algn="ctr">
+                      <a:solidFill>
+                        <a:schemeClr val="tx1"/>
+                      </a:solidFill>
+                      <a:prstDash val="solid"/>
+                      <a:round/>
+                      <a:headEnd type="none" w="med" len="med"/>
+                      <a:tailEnd type="none" w="med" len="med"/>
+                    </a:lnT>
+                    <a:lnB w="12700" cap="flat" cmpd="sng" algn="ctr">
+                      <a:solidFill>
+                        <a:schemeClr val="tx1"/>
+                      </a:solidFill>
+                      <a:prstDash val="solid"/>
+                      <a:round/>
+                      <a:headEnd type="none" w="med" len="med"/>
+                      <a:tailEnd type="none" w="med" len="med"/>
+                    </a:lnB>
+                    <a:solidFill>
+                      <a:schemeClr val="accent2">
+                        <a:lumMod val="20000"/>
+                        <a:lumOff val="80000"/>
+                      </a:schemeClr>
+                    </a:solidFill>
+                  </a:tcPr>
+                </a:tc>
+                <a:tc>
+                  <a:txBody>
+                    <a:bodyPr/>
+                    <a:lstStyle/>
+                    <a:p>
+                      <a:pPr algn="ctr"/>
+                      <a:r>
+                        <a:rPr lang="en-US" altLang="zh-CN" sz="1600" b="0" dirty="0">
+                          <a:solidFill>
+                            <a:sysClr val="windowText" lastClr="000000"/>
+                          </a:solidFill>
+                          <a:latin typeface="Noto Sans CJK SC Regular" panose="020B0500000000000000" pitchFamily="34" charset="-122"/>
+                          <a:ea typeface="Noto Sans CJK SC Regular" panose="020B0500000000000000" pitchFamily="34" charset="-122"/>
+                        </a:rPr>
+                        <a:t>e</a:t>
+                      </a:r>
+                      <a:endParaRPr lang="zh-CN" altLang="en-US" sz="1600" b="0" dirty="0">
+                        <a:solidFill>
+                          <a:sysClr val="windowText" lastClr="000000"/>
+                        </a:solidFill>
+                        <a:latin typeface="Noto Sans CJK SC Regular" panose="020B0500000000000000" pitchFamily="34" charset="-122"/>
+                        <a:ea typeface="Noto Sans CJK SC Regular" panose="020B0500000000000000" pitchFamily="34" charset="-122"/>
+                      </a:endParaRPr>
+                    </a:p>
+                  </a:txBody>
+                  <a:tcPr anchor="ctr">
+                    <a:lnL w="12700" cap="flat" cmpd="sng" algn="ctr">
+                      <a:solidFill>
+                        <a:schemeClr val="tx1"/>
+                      </a:solidFill>
+                      <a:prstDash val="solid"/>
+                      <a:round/>
+                      <a:headEnd type="none" w="med" len="med"/>
+                      <a:tailEnd type="none" w="med" len="med"/>
+                    </a:lnL>
+                    <a:lnR w="12700" cap="flat" cmpd="sng" algn="ctr">
+                      <a:solidFill>
+                        <a:schemeClr val="tx1"/>
+                      </a:solidFill>
+                      <a:prstDash val="solid"/>
+                      <a:round/>
+                      <a:headEnd type="none" w="med" len="med"/>
+                      <a:tailEnd type="none" w="med" len="med"/>
+                    </a:lnR>
+                    <a:lnT w="12700" cap="flat" cmpd="sng" algn="ctr">
+                      <a:solidFill>
+                        <a:schemeClr val="tx1"/>
+                      </a:solidFill>
+                      <a:prstDash val="solid"/>
+                      <a:round/>
+                      <a:headEnd type="none" w="med" len="med"/>
+                      <a:tailEnd type="none" w="med" len="med"/>
+                    </a:lnT>
+                    <a:lnB w="12700" cap="flat" cmpd="sng" algn="ctr">
+                      <a:solidFill>
+                        <a:schemeClr val="tx1"/>
+                      </a:solidFill>
+                      <a:prstDash val="solid"/>
+                      <a:round/>
+                      <a:headEnd type="none" w="med" len="med"/>
+                      <a:tailEnd type="none" w="med" len="med"/>
+                    </a:lnB>
+                    <a:solidFill>
+                      <a:schemeClr val="accent2">
+                        <a:lumMod val="20000"/>
+                        <a:lumOff val="80000"/>
+                      </a:schemeClr>
+                    </a:solidFill>
+                  </a:tcPr>
+                </a:tc>
+                <a:extLst>
+                  <a:ext uri="{0D108BD9-81ED-4DB2-BD59-A6C34878D82A}">
+                    <a16:rowId xmlns:a16="http://schemas.microsoft.com/office/drawing/2014/main" val="4253440616"/>
+                  </a:ext>
+                </a:extLst>
+              </a:tr>
+              <a:tr h="370840">
+                <a:tc>
+                  <a:txBody>
+                    <a:bodyPr/>
+                    <a:lstStyle/>
+                    <a:p>
+                      <a:pPr algn="ctr"/>
+                      <a:r>
+                        <a:rPr lang="en-US" altLang="zh-CN" sz="1600" b="0" dirty="0">
+                          <a:solidFill>
+                            <a:sysClr val="windowText" lastClr="000000"/>
+                          </a:solidFill>
+                          <a:latin typeface="Noto Sans CJK SC Regular" panose="020B0500000000000000" pitchFamily="34" charset="-122"/>
+                          <a:ea typeface="Noto Sans CJK SC Regular" panose="020B0500000000000000" pitchFamily="34" charset="-122"/>
+                        </a:rPr>
+                        <a:t>r</a:t>
+                      </a:r>
+                      <a:endParaRPr lang="zh-CN" altLang="en-US" sz="1600" b="0" dirty="0">
+                        <a:solidFill>
+                          <a:sysClr val="windowText" lastClr="000000"/>
+                        </a:solidFill>
+                        <a:latin typeface="Noto Sans CJK SC Regular" panose="020B0500000000000000" pitchFamily="34" charset="-122"/>
+                        <a:ea typeface="Noto Sans CJK SC Regular" panose="020B0500000000000000" pitchFamily="34" charset="-122"/>
+                      </a:endParaRPr>
+                    </a:p>
+                  </a:txBody>
+                  <a:tcPr anchor="ctr">
+                    <a:lnL w="12700" cap="flat" cmpd="sng" algn="ctr">
+                      <a:solidFill>
+                        <a:schemeClr val="tx1"/>
+                      </a:solidFill>
+                      <a:prstDash val="solid"/>
+                      <a:round/>
+                      <a:headEnd type="none" w="med" len="med"/>
+                      <a:tailEnd type="none" w="med" len="med"/>
+                    </a:lnL>
+                    <a:lnR w="12700" cap="flat" cmpd="sng" algn="ctr">
+                      <a:solidFill>
+                        <a:schemeClr val="tx1"/>
+                      </a:solidFill>
+                      <a:prstDash val="solid"/>
+                      <a:round/>
+                      <a:headEnd type="none" w="med" len="med"/>
+                      <a:tailEnd type="none" w="med" len="med"/>
+                    </a:lnR>
+                    <a:lnT w="12700" cap="flat" cmpd="sng" algn="ctr">
+                      <a:solidFill>
+                        <a:schemeClr val="tx1"/>
+                      </a:solidFill>
+                      <a:prstDash val="solid"/>
+                      <a:round/>
+                      <a:headEnd type="none" w="med" len="med"/>
+                      <a:tailEnd type="none" w="med" len="med"/>
+                    </a:lnT>
+                    <a:lnB w="12700" cap="flat" cmpd="sng" algn="ctr">
+                      <a:solidFill>
+                        <a:schemeClr val="tx1"/>
+                      </a:solidFill>
+                      <a:prstDash val="solid"/>
+                      <a:round/>
+                      <a:headEnd type="none" w="med" len="med"/>
+                      <a:tailEnd type="none" w="med" len="med"/>
+                    </a:lnB>
+                    <a:solidFill>
+                      <a:schemeClr val="bg2">
+                        <a:lumMod val="90000"/>
+                      </a:schemeClr>
+                    </a:solidFill>
+                  </a:tcPr>
+                </a:tc>
+                <a:tc>
+                  <a:txBody>
+                    <a:bodyPr/>
+                    <a:lstStyle/>
+                    <a:p>
+                      <a:pPr algn="ctr"/>
+                      <a:r>
+                        <a:rPr lang="en-US" altLang="zh-CN" sz="1600" b="0" dirty="0">
+                          <a:solidFill>
+                            <a:sysClr val="windowText" lastClr="000000"/>
+                          </a:solidFill>
+                          <a:latin typeface="Noto Sans CJK SC Regular" panose="020B0500000000000000" pitchFamily="34" charset="-122"/>
+                          <a:ea typeface="Noto Sans CJK SC Regular" panose="020B0500000000000000" pitchFamily="34" charset="-122"/>
+                        </a:rPr>
+                        <a:t>o</a:t>
+                      </a:r>
+                      <a:endParaRPr lang="zh-CN" altLang="en-US" sz="1600" b="0" dirty="0">
+                        <a:solidFill>
+                          <a:sysClr val="windowText" lastClr="000000"/>
+                        </a:solidFill>
+                        <a:latin typeface="Noto Sans CJK SC Regular" panose="020B0500000000000000" pitchFamily="34" charset="-122"/>
+                        <a:ea typeface="Noto Sans CJK SC Regular" panose="020B0500000000000000" pitchFamily="34" charset="-122"/>
+                      </a:endParaRPr>
+                    </a:p>
+                  </a:txBody>
+                  <a:tcPr anchor="ctr">
+                    <a:lnL w="12700" cap="flat" cmpd="sng" algn="ctr">
+                      <a:solidFill>
+                        <a:schemeClr val="tx1"/>
+                      </a:solidFill>
+                      <a:prstDash val="solid"/>
+                      <a:round/>
+                      <a:headEnd type="none" w="med" len="med"/>
+                      <a:tailEnd type="none" w="med" len="med"/>
+                    </a:lnL>
+                    <a:lnR w="12700" cap="flat" cmpd="sng" algn="ctr">
+                      <a:solidFill>
+                        <a:schemeClr val="tx1"/>
+                      </a:solidFill>
+                      <a:prstDash val="solid"/>
+                      <a:round/>
+                      <a:headEnd type="none" w="med" len="med"/>
+                      <a:tailEnd type="none" w="med" len="med"/>
+                    </a:lnR>
+                    <a:lnT w="12700" cap="flat" cmpd="sng" algn="ctr">
+                      <a:solidFill>
+                        <a:schemeClr val="tx1"/>
+                      </a:solidFill>
+                      <a:prstDash val="solid"/>
+                      <a:round/>
+                      <a:headEnd type="none" w="med" len="med"/>
+                      <a:tailEnd type="none" w="med" len="med"/>
+                    </a:lnT>
+                    <a:lnB w="12700" cap="flat" cmpd="sng" algn="ctr">
+                      <a:solidFill>
+                        <a:schemeClr val="tx1"/>
+                      </a:solidFill>
+                      <a:prstDash val="solid"/>
+                      <a:round/>
+                      <a:headEnd type="none" w="med" len="med"/>
+                      <a:tailEnd type="none" w="med" len="med"/>
+                    </a:lnB>
+                    <a:solidFill>
+                      <a:schemeClr val="bg1"/>
+                    </a:solidFill>
+                  </a:tcPr>
+                </a:tc>
+                <a:tc>
+                  <a:txBody>
+                    <a:bodyPr/>
+                    <a:lstStyle/>
+                    <a:p>
+                      <a:pPr algn="ctr"/>
+                      <a:r>
+                        <a:rPr lang="en-US" altLang="zh-CN" sz="1600" b="0" dirty="0">
+                          <a:solidFill>
+                            <a:sysClr val="windowText" lastClr="000000"/>
+                          </a:solidFill>
+                          <a:latin typeface="Noto Sans CJK SC Regular" panose="020B0500000000000000" pitchFamily="34" charset="-122"/>
+                          <a:ea typeface="Noto Sans CJK SC Regular" panose="020B0500000000000000" pitchFamily="34" charset="-122"/>
+                        </a:rPr>
+                        <a:t>s</a:t>
+                      </a:r>
+                      <a:endParaRPr lang="zh-CN" altLang="en-US" sz="1600" b="0" dirty="0">
+                        <a:solidFill>
+                          <a:sysClr val="windowText" lastClr="000000"/>
+                        </a:solidFill>
+                        <a:latin typeface="Noto Sans CJK SC Regular" panose="020B0500000000000000" pitchFamily="34" charset="-122"/>
+                        <a:ea typeface="Noto Sans CJK SC Regular" panose="020B0500000000000000" pitchFamily="34" charset="-122"/>
+                      </a:endParaRPr>
+                    </a:p>
+                  </a:txBody>
+                  <a:tcPr anchor="ctr">
+                    <a:lnL w="12700" cap="flat" cmpd="sng" algn="ctr">
+                      <a:solidFill>
+                        <a:schemeClr val="tx1"/>
+                      </a:solidFill>
+                      <a:prstDash val="solid"/>
+                      <a:round/>
+                      <a:headEnd type="none" w="med" len="med"/>
+                      <a:tailEnd type="none" w="med" len="med"/>
+                    </a:lnL>
+                    <a:lnR w="12700" cap="flat" cmpd="sng" algn="ctr">
+                      <a:solidFill>
+                        <a:schemeClr val="tx1"/>
+                      </a:solidFill>
+                      <a:prstDash val="solid"/>
+                      <a:round/>
+                      <a:headEnd type="none" w="med" len="med"/>
+                      <a:tailEnd type="none" w="med" len="med"/>
+                    </a:lnR>
+                    <a:lnT w="12700" cap="flat" cmpd="sng" algn="ctr">
+                      <a:solidFill>
+                        <a:schemeClr val="tx1"/>
+                      </a:solidFill>
+                      <a:prstDash val="solid"/>
+                      <a:round/>
+                      <a:headEnd type="none" w="med" len="med"/>
+                      <a:tailEnd type="none" w="med" len="med"/>
+                    </a:lnT>
+                    <a:lnB w="12700" cap="flat" cmpd="sng" algn="ctr">
+                      <a:solidFill>
+                        <a:schemeClr val="tx1"/>
+                      </a:solidFill>
+                      <a:prstDash val="solid"/>
+                      <a:round/>
+                      <a:headEnd type="none" w="med" len="med"/>
+                      <a:tailEnd type="none" w="med" len="med"/>
+                    </a:lnB>
+                    <a:solidFill>
+                      <a:schemeClr val="bg1"/>
+                    </a:solidFill>
+                  </a:tcPr>
+                </a:tc>
+                <a:tc>
+                  <a:txBody>
+                    <a:bodyPr/>
+                    <a:lstStyle/>
+                    <a:p>
+                      <a:pPr algn="ctr"/>
+                      <a:r>
+                        <a:rPr lang="en-US" altLang="zh-CN" sz="1600" b="0" dirty="0">
+                          <a:solidFill>
+                            <a:sysClr val="windowText" lastClr="000000"/>
+                          </a:solidFill>
+                          <a:latin typeface="Noto Sans CJK SC Regular" panose="020B0500000000000000" pitchFamily="34" charset="-122"/>
+                          <a:ea typeface="Noto Sans CJK SC Regular" panose="020B0500000000000000" pitchFamily="34" charset="-122"/>
+                        </a:rPr>
+                        <a:t>e</a:t>
+                      </a:r>
+                      <a:endParaRPr lang="zh-CN" altLang="en-US" sz="1600" b="0" dirty="0">
+                        <a:solidFill>
+                          <a:sysClr val="windowText" lastClr="000000"/>
+                        </a:solidFill>
+                        <a:latin typeface="Noto Sans CJK SC Regular" panose="020B0500000000000000" pitchFamily="34" charset="-122"/>
+                        <a:ea typeface="Noto Sans CJK SC Regular" panose="020B0500000000000000" pitchFamily="34" charset="-122"/>
+                      </a:endParaRPr>
+                    </a:p>
+                  </a:txBody>
+                  <a:tcPr anchor="ctr">
+                    <a:lnL w="12700" cap="flat" cmpd="sng" algn="ctr">
+                      <a:solidFill>
+                        <a:schemeClr val="tx1"/>
+                      </a:solidFill>
+                      <a:prstDash val="solid"/>
+                      <a:round/>
+                      <a:headEnd type="none" w="med" len="med"/>
+                      <a:tailEnd type="none" w="med" len="med"/>
+                    </a:lnL>
+                    <a:lnR w="12700" cap="flat" cmpd="sng" algn="ctr">
+                      <a:solidFill>
+                        <a:schemeClr val="tx1"/>
+                      </a:solidFill>
+                      <a:prstDash val="solid"/>
+                      <a:round/>
+                      <a:headEnd type="none" w="med" len="med"/>
+                      <a:tailEnd type="none" w="med" len="med"/>
+                    </a:lnR>
+                    <a:lnT w="12700" cap="flat" cmpd="sng" algn="ctr">
+                      <a:solidFill>
+                        <a:schemeClr val="tx1"/>
+                      </a:solidFill>
+                      <a:prstDash val="solid"/>
+                      <a:round/>
+                      <a:headEnd type="none" w="med" len="med"/>
+                      <a:tailEnd type="none" w="med" len="med"/>
+                    </a:lnT>
+                    <a:lnB w="12700" cap="flat" cmpd="sng" algn="ctr">
+                      <a:solidFill>
+                        <a:schemeClr val="tx1"/>
+                      </a:solidFill>
+                      <a:prstDash val="solid"/>
+                      <a:round/>
+                      <a:headEnd type="none" w="med" len="med"/>
+                      <a:tailEnd type="none" w="med" len="med"/>
+                    </a:lnB>
+                    <a:solidFill>
+                      <a:schemeClr val="accent2">
+                        <a:lumMod val="20000"/>
+                        <a:lumOff val="80000"/>
+                      </a:schemeClr>
+                    </a:solidFill>
+                  </a:tcPr>
+                </a:tc>
+                <a:extLst>
+                  <a:ext uri="{0D108BD9-81ED-4DB2-BD59-A6C34878D82A}">
+                    <a16:rowId xmlns:a16="http://schemas.microsoft.com/office/drawing/2014/main" val="1877741164"/>
+                  </a:ext>
+                </a:extLst>
+              </a:tr>
+              <a:tr h="370840">
+                <a:tc>
+                  <a:txBody>
+                    <a:bodyPr/>
+                    <a:lstStyle/>
+                    <a:p>
+                      <a:pPr algn="ctr"/>
+                      <a:r>
+                        <a:rPr lang="en-US" altLang="zh-CN" sz="1600" b="0" dirty="0">
+                          <a:solidFill>
+                            <a:sysClr val="windowText" lastClr="000000"/>
+                          </a:solidFill>
+                          <a:latin typeface="Noto Sans CJK SC Regular" panose="020B0500000000000000" pitchFamily="34" charset="-122"/>
+                          <a:ea typeface="Noto Sans CJK SC Regular" panose="020B0500000000000000" pitchFamily="34" charset="-122"/>
+                        </a:rPr>
+                        <a:t>r</a:t>
+                      </a:r>
+                      <a:endParaRPr lang="zh-CN" altLang="en-US" sz="1600" b="0" dirty="0">
+                        <a:solidFill>
+                          <a:sysClr val="windowText" lastClr="000000"/>
+                        </a:solidFill>
+                        <a:latin typeface="Noto Sans CJK SC Regular" panose="020B0500000000000000" pitchFamily="34" charset="-122"/>
+                        <a:ea typeface="Noto Sans CJK SC Regular" panose="020B0500000000000000" pitchFamily="34" charset="-122"/>
+                      </a:endParaRPr>
+                    </a:p>
+                  </a:txBody>
+                  <a:tcPr anchor="ctr">
+                    <a:lnL w="12700" cap="flat" cmpd="sng" algn="ctr">
+                      <a:solidFill>
+                        <a:schemeClr val="tx1"/>
+                      </a:solidFill>
+                      <a:prstDash val="solid"/>
+                      <a:round/>
+                      <a:headEnd type="none" w="med" len="med"/>
+                      <a:tailEnd type="none" w="med" len="med"/>
+                    </a:lnL>
+                    <a:lnR w="12700" cap="flat" cmpd="sng" algn="ctr">
+                      <a:solidFill>
+                        <a:schemeClr val="tx1"/>
+                      </a:solidFill>
+                      <a:prstDash val="solid"/>
+                      <a:round/>
+                      <a:headEnd type="none" w="med" len="med"/>
+                      <a:tailEnd type="none" w="med" len="med"/>
+                    </a:lnR>
+                    <a:lnT w="12700" cap="flat" cmpd="sng" algn="ctr">
+                      <a:solidFill>
+                        <a:schemeClr val="tx1"/>
+                      </a:solidFill>
+                      <a:prstDash val="solid"/>
+                      <a:round/>
+                      <a:headEnd type="none" w="med" len="med"/>
+                      <a:tailEnd type="none" w="med" len="med"/>
+                    </a:lnT>
+                    <a:lnB w="12700" cap="flat" cmpd="sng" algn="ctr">
+                      <a:solidFill>
+                        <a:schemeClr val="tx1"/>
+                      </a:solidFill>
+                      <a:prstDash val="solid"/>
+                      <a:round/>
+                      <a:headEnd type="none" w="med" len="med"/>
+                      <a:tailEnd type="none" w="med" len="med"/>
+                    </a:lnB>
+                    <a:solidFill>
+                      <a:schemeClr val="bg2">
+                        <a:lumMod val="90000"/>
+                      </a:schemeClr>
+                    </a:solidFill>
+                  </a:tcPr>
+                </a:tc>
+                <a:tc>
+                  <a:txBody>
+                    <a:bodyPr/>
+                    <a:lstStyle/>
+                    <a:p>
+                      <a:pPr algn="ctr"/>
+                      <a:r>
+                        <a:rPr lang="en-US" altLang="zh-CN" sz="1600" b="0" dirty="0">
+                          <a:solidFill>
+                            <a:sysClr val="windowText" lastClr="000000"/>
+                          </a:solidFill>
+                          <a:latin typeface="Noto Sans CJK SC Regular" panose="020B0500000000000000" pitchFamily="34" charset="-122"/>
+                          <a:ea typeface="Noto Sans CJK SC Regular" panose="020B0500000000000000" pitchFamily="34" charset="-122"/>
+                        </a:rPr>
+                        <a:t>o</a:t>
+                      </a:r>
+                      <a:endParaRPr lang="zh-CN" altLang="en-US" sz="1600" b="0" dirty="0">
+                        <a:solidFill>
+                          <a:sysClr val="windowText" lastClr="000000"/>
+                        </a:solidFill>
+                        <a:latin typeface="Noto Sans CJK SC Regular" panose="020B0500000000000000" pitchFamily="34" charset="-122"/>
+                        <a:ea typeface="Noto Sans CJK SC Regular" panose="020B0500000000000000" pitchFamily="34" charset="-122"/>
+                      </a:endParaRPr>
+                    </a:p>
+                  </a:txBody>
+                  <a:tcPr anchor="ctr">
+                    <a:lnL w="12700" cap="flat" cmpd="sng" algn="ctr">
+                      <a:solidFill>
+                        <a:schemeClr val="tx1"/>
+                      </a:solidFill>
+                      <a:prstDash val="solid"/>
+                      <a:round/>
+                      <a:headEnd type="none" w="med" len="med"/>
+                      <a:tailEnd type="none" w="med" len="med"/>
+                    </a:lnL>
+                    <a:lnR w="12700" cap="flat" cmpd="sng" algn="ctr">
+                      <a:solidFill>
+                        <a:schemeClr val="tx1"/>
+                      </a:solidFill>
+                      <a:prstDash val="solid"/>
+                      <a:round/>
+                      <a:headEnd type="none" w="med" len="med"/>
+                      <a:tailEnd type="none" w="med" len="med"/>
+                    </a:lnR>
+                    <a:lnT w="12700" cap="flat" cmpd="sng" algn="ctr">
+                      <a:solidFill>
+                        <a:schemeClr val="tx1"/>
+                      </a:solidFill>
+                      <a:prstDash val="solid"/>
+                      <a:round/>
+                      <a:headEnd type="none" w="med" len="med"/>
+                      <a:tailEnd type="none" w="med" len="med"/>
+                    </a:lnT>
+                    <a:lnB w="12700" cap="flat" cmpd="sng" algn="ctr">
+                      <a:solidFill>
+                        <a:schemeClr val="tx1"/>
+                      </a:solidFill>
+                      <a:prstDash val="solid"/>
+                      <a:round/>
+                      <a:headEnd type="none" w="med" len="med"/>
+                      <a:tailEnd type="none" w="med" len="med"/>
+                    </a:lnB>
+                    <a:solidFill>
+                      <a:schemeClr val="bg1"/>
+                    </a:solidFill>
+                  </a:tcPr>
+                </a:tc>
+                <a:tc>
+                  <a:txBody>
+                    <a:bodyPr/>
+                    <a:lstStyle/>
+                    <a:p>
+                      <a:pPr algn="ctr"/>
+                      <a:r>
+                        <a:rPr lang="en-US" altLang="zh-CN" sz="1600" b="0" dirty="0">
+                          <a:solidFill>
+                            <a:sysClr val="windowText" lastClr="000000"/>
+                          </a:solidFill>
+                          <a:latin typeface="Noto Sans CJK SC Regular" panose="020B0500000000000000" pitchFamily="34" charset="-122"/>
+                          <a:ea typeface="Noto Sans CJK SC Regular" panose="020B0500000000000000" pitchFamily="34" charset="-122"/>
+                        </a:rPr>
+                        <a:t>s</a:t>
+                      </a:r>
+                      <a:endParaRPr lang="zh-CN" altLang="en-US" sz="1600" b="0" dirty="0">
+                        <a:solidFill>
+                          <a:sysClr val="windowText" lastClr="000000"/>
+                        </a:solidFill>
+                        <a:latin typeface="Noto Sans CJK SC Regular" panose="020B0500000000000000" pitchFamily="34" charset="-122"/>
+                        <a:ea typeface="Noto Sans CJK SC Regular" panose="020B0500000000000000" pitchFamily="34" charset="-122"/>
+                      </a:endParaRPr>
+                    </a:p>
+                  </a:txBody>
+                  <a:tcPr anchor="ctr">
+                    <a:lnL w="12700" cap="flat" cmpd="sng" algn="ctr">
+                      <a:solidFill>
+                        <a:schemeClr val="tx1"/>
+                      </a:solidFill>
+                      <a:prstDash val="solid"/>
+                      <a:round/>
+                      <a:headEnd type="none" w="med" len="med"/>
+                      <a:tailEnd type="none" w="med" len="med"/>
+                    </a:lnL>
+                    <a:lnR w="12700" cap="flat" cmpd="sng" algn="ctr">
+                      <a:solidFill>
+                        <a:schemeClr val="tx1"/>
+                      </a:solidFill>
+                      <a:prstDash val="solid"/>
+                      <a:round/>
+                      <a:headEnd type="none" w="med" len="med"/>
+                      <a:tailEnd type="none" w="med" len="med"/>
+                    </a:lnR>
+                    <a:lnT w="12700" cap="flat" cmpd="sng" algn="ctr">
+                      <a:solidFill>
+                        <a:schemeClr val="tx1"/>
+                      </a:solidFill>
+                      <a:prstDash val="solid"/>
+                      <a:round/>
+                      <a:headEnd type="none" w="med" len="med"/>
+                      <a:tailEnd type="none" w="med" len="med"/>
+                    </a:lnT>
+                    <a:lnB w="12700" cap="flat" cmpd="sng" algn="ctr">
+                      <a:solidFill>
+                        <a:schemeClr val="tx1"/>
+                      </a:solidFill>
+                      <a:prstDash val="solid"/>
+                      <a:round/>
+                      <a:headEnd type="none" w="med" len="med"/>
+                      <a:tailEnd type="none" w="med" len="med"/>
+                    </a:lnB>
+                    <a:solidFill>
+                      <a:schemeClr val="bg1"/>
+                    </a:solidFill>
+                  </a:tcPr>
+                </a:tc>
+                <a:tc>
+                  <a:txBody>
+                    <a:bodyPr/>
+                    <a:lstStyle/>
+                    <a:p>
+                      <a:pPr algn="ctr"/>
+                      <a:r>
+                        <a:rPr lang="en-US" altLang="zh-CN" sz="1600" b="0" dirty="0">
+                          <a:solidFill>
+                            <a:sysClr val="windowText" lastClr="000000"/>
+                          </a:solidFill>
+                          <a:latin typeface="Noto Sans CJK SC Regular" panose="020B0500000000000000" pitchFamily="34" charset="-122"/>
+                          <a:ea typeface="Noto Sans CJK SC Regular" panose="020B0500000000000000" pitchFamily="34" charset="-122"/>
+                        </a:rPr>
+                        <a:t>t</a:t>
+                      </a:r>
+                      <a:endParaRPr lang="zh-CN" altLang="en-US" sz="1600" b="0" dirty="0">
+                        <a:solidFill>
+                          <a:sysClr val="windowText" lastClr="000000"/>
+                        </a:solidFill>
+                        <a:latin typeface="Noto Sans CJK SC Regular" panose="020B0500000000000000" pitchFamily="34" charset="-122"/>
+                        <a:ea typeface="Noto Sans CJK SC Regular" panose="020B0500000000000000" pitchFamily="34" charset="-122"/>
+                      </a:endParaRPr>
+                    </a:p>
+                  </a:txBody>
+                  <a:tcPr anchor="ctr">
+                    <a:lnL w="12700" cap="flat" cmpd="sng" algn="ctr">
+                      <a:solidFill>
+                        <a:schemeClr val="tx1"/>
+                      </a:solidFill>
+                      <a:prstDash val="solid"/>
+                      <a:round/>
+                      <a:headEnd type="none" w="med" len="med"/>
+                      <a:tailEnd type="none" w="med" len="med"/>
+                    </a:lnL>
+                    <a:lnR w="12700" cap="flat" cmpd="sng" algn="ctr">
+                      <a:solidFill>
+                        <a:schemeClr val="tx1"/>
+                      </a:solidFill>
+                      <a:prstDash val="solid"/>
+                      <a:round/>
+                      <a:headEnd type="none" w="med" len="med"/>
+                      <a:tailEnd type="none" w="med" len="med"/>
+                    </a:lnR>
+                    <a:lnT w="12700" cap="flat" cmpd="sng" algn="ctr">
+                      <a:solidFill>
+                        <a:schemeClr val="tx1"/>
+                      </a:solidFill>
+                      <a:prstDash val="solid"/>
+                      <a:round/>
+                      <a:headEnd type="none" w="med" len="med"/>
+                      <a:tailEnd type="none" w="med" len="med"/>
+                    </a:lnT>
+                    <a:lnB w="12700" cap="flat" cmpd="sng" algn="ctr">
+                      <a:solidFill>
+                        <a:schemeClr val="tx1"/>
+                      </a:solidFill>
+                      <a:prstDash val="solid"/>
+                      <a:round/>
+                      <a:headEnd type="none" w="med" len="med"/>
+                      <a:tailEnd type="none" w="med" len="med"/>
+                    </a:lnB>
+                    <a:solidFill>
+                      <a:schemeClr val="bg2">
+                        <a:lumMod val="90000"/>
+                      </a:schemeClr>
+                    </a:solidFill>
+                  </a:tcPr>
+                </a:tc>
+                <a:extLst>
+                  <a:ext uri="{0D108BD9-81ED-4DB2-BD59-A6C34878D82A}">
+                    <a16:rowId xmlns:a16="http://schemas.microsoft.com/office/drawing/2014/main" val="2317917805"/>
+                  </a:ext>
+                </a:extLst>
+              </a:tr>
+            </a:tbl>
+          </a:graphicData>
+        </a:graphic>
+      </p:graphicFrame>
+      <p:cxnSp>
+        <p:nvCxnSpPr>
+          <p:cNvPr id="12" name="直接箭头连接符 11">
+            <a:extLst>
+              <a:ext uri="{FF2B5EF4-FFF2-40B4-BE49-F238E27FC236}">
+                <a16:creationId xmlns:a16="http://schemas.microsoft.com/office/drawing/2014/main" id="{1822E5CC-8042-4837-B59B-B765BD82C7CE}"/>
+              </a:ext>
+            </a:extLst>
+          </p:cNvPr>
+          <p:cNvCxnSpPr/>
+          <p:nvPr/>
+        </p:nvCxnSpPr>
+        <p:spPr>
+          <a:xfrm>
+            <a:off x="8344548" y="2227811"/>
+            <a:ext cx="440575" cy="0"/>
+          </a:xfrm>
+          <a:prstGeom prst="straightConnector1">
+            <a:avLst/>
+          </a:prstGeom>
+          <a:ln w="38100">
+            <a:tailEnd type="triangle"/>
+          </a:ln>
+        </p:spPr>
+        <p:style>
+          <a:lnRef idx="1">
+            <a:schemeClr val="dk1"/>
+          </a:lnRef>
+          <a:fillRef idx="0">
+            <a:schemeClr val="dk1"/>
+          </a:fillRef>
+          <a:effectRef idx="0">
+            <a:schemeClr val="dk1"/>
+          </a:effectRef>
+          <a:fontRef idx="minor">
+            <a:schemeClr val="tx1"/>
+          </a:fontRef>
+        </p:style>
+      </p:cxnSp>
+      <p:sp>
+        <p:nvSpPr>
+          <p:cNvPr id="13" name="矩形 12">
+            <a:extLst>
+              <a:ext uri="{FF2B5EF4-FFF2-40B4-BE49-F238E27FC236}">
+                <a16:creationId xmlns:a16="http://schemas.microsoft.com/office/drawing/2014/main" id="{F08747A7-9EC0-41E0-90A5-8028EF84B565}"/>
+              </a:ext>
+            </a:extLst>
+          </p:cNvPr>
+          <p:cNvSpPr/>
+          <p:nvPr/>
+        </p:nvSpPr>
+        <p:spPr>
+          <a:xfrm>
+            <a:off x="1511707" y="3728258"/>
+            <a:ext cx="153785" cy="153785"/>
+          </a:xfrm>
+          <a:prstGeom prst="rect">
+            <a:avLst/>
+          </a:prstGeom>
+          <a:solidFill>
+            <a:schemeClr val="accent6">
+              <a:lumMod val="60000"/>
+              <a:lumOff val="40000"/>
+            </a:schemeClr>
+          </a:solidFill>
+        </p:spPr>
+        <p:style>
+          <a:lnRef idx="2">
+            <a:schemeClr val="accent1">
+              <a:shade val="50000"/>
+            </a:schemeClr>
+          </a:lnRef>
+          <a:fillRef idx="1">
+            <a:schemeClr val="accent1"/>
+          </a:fillRef>
+          <a:effectRef idx="0">
+            <a:schemeClr val="accent1"/>
+          </a:effectRef>
+          <a:fontRef idx="minor">
+            <a:schemeClr val="lt1"/>
+          </a:fontRef>
+        </p:style>
+        <p:txBody>
+          <a:bodyPr rtlCol="0" anchor="ctr"/>
+          <a:lstStyle/>
+          <a:p>
+            <a:pPr algn="ctr"/>
+            <a:endParaRPr lang="zh-CN" altLang="en-US"/>
+          </a:p>
+        </p:txBody>
+      </p:sp>
+      <p:sp>
+        <p:nvSpPr>
+          <p:cNvPr id="14" name="文本框 13">
+            <a:extLst>
+              <a:ext uri="{FF2B5EF4-FFF2-40B4-BE49-F238E27FC236}">
+                <a16:creationId xmlns:a16="http://schemas.microsoft.com/office/drawing/2014/main" id="{A5227B41-19EB-4E4C-8535-9727FF5BA05F}"/>
+              </a:ext>
+            </a:extLst>
+          </p:cNvPr>
+          <p:cNvSpPr txBox="1"/>
+          <p:nvPr/>
+        </p:nvSpPr>
+        <p:spPr>
+          <a:xfrm>
+            <a:off x="1789743" y="3620484"/>
+            <a:ext cx="927310" cy="369332"/>
+          </a:xfrm>
+          <a:prstGeom prst="rect">
+            <a:avLst/>
+          </a:prstGeom>
+          <a:noFill/>
+        </p:spPr>
+        <p:txBody>
+          <a:bodyPr wrap="square" rtlCol="0">
+            <a:spAutoFit/>
+          </a:bodyPr>
+          <a:lstStyle/>
+          <a:p>
+            <a:pPr algn="ctr"/>
+            <a:r>
+              <a:rPr lang="en-US" altLang="zh-CN" dirty="0"/>
+              <a:t>Insert</a:t>
+            </a:r>
+            <a:endParaRPr lang="zh-CN" altLang="en-US" dirty="0"/>
+          </a:p>
+        </p:txBody>
+      </p:sp>
+      <p:sp>
+        <p:nvSpPr>
+          <p:cNvPr id="15" name="矩形 14">
+            <a:extLst>
+              <a:ext uri="{FF2B5EF4-FFF2-40B4-BE49-F238E27FC236}">
+                <a16:creationId xmlns:a16="http://schemas.microsoft.com/office/drawing/2014/main" id="{34618E35-4ED2-4373-A06A-BC7663DCE88A}"/>
+              </a:ext>
+            </a:extLst>
+          </p:cNvPr>
+          <p:cNvSpPr/>
+          <p:nvPr/>
+        </p:nvSpPr>
+        <p:spPr>
+          <a:xfrm>
+            <a:off x="3116061" y="3726855"/>
+            <a:ext cx="153785" cy="153785"/>
+          </a:xfrm>
+          <a:prstGeom prst="rect">
+            <a:avLst/>
+          </a:prstGeom>
+          <a:solidFill>
+            <a:schemeClr val="accent2">
+              <a:lumMod val="60000"/>
+              <a:lumOff val="40000"/>
+            </a:schemeClr>
+          </a:solidFill>
+        </p:spPr>
+        <p:style>
+          <a:lnRef idx="2">
+            <a:schemeClr val="accent1">
+              <a:shade val="50000"/>
+            </a:schemeClr>
+          </a:lnRef>
+          <a:fillRef idx="1">
+            <a:schemeClr val="accent1"/>
+          </a:fillRef>
+          <a:effectRef idx="0">
+            <a:schemeClr val="accent1"/>
+          </a:effectRef>
+          <a:fontRef idx="minor">
+            <a:schemeClr val="lt1"/>
+          </a:fontRef>
+        </p:style>
+        <p:txBody>
+          <a:bodyPr rtlCol="0" anchor="ctr"/>
+          <a:lstStyle/>
+          <a:p>
+            <a:pPr algn="ctr"/>
+            <a:endParaRPr lang="zh-CN" altLang="en-US"/>
+          </a:p>
+        </p:txBody>
+      </p:sp>
+      <p:sp>
+        <p:nvSpPr>
+          <p:cNvPr id="16" name="文本框 15">
+            <a:extLst>
+              <a:ext uri="{FF2B5EF4-FFF2-40B4-BE49-F238E27FC236}">
+                <a16:creationId xmlns:a16="http://schemas.microsoft.com/office/drawing/2014/main" id="{47105BEB-7F77-4451-8E87-D6CB52B9E473}"/>
+              </a:ext>
+            </a:extLst>
+          </p:cNvPr>
+          <p:cNvSpPr txBox="1"/>
+          <p:nvPr/>
+        </p:nvSpPr>
+        <p:spPr>
+          <a:xfrm>
+            <a:off x="3394097" y="3619081"/>
+            <a:ext cx="927310" cy="369332"/>
+          </a:xfrm>
+          <a:prstGeom prst="rect">
+            <a:avLst/>
+          </a:prstGeom>
+          <a:noFill/>
+        </p:spPr>
+        <p:txBody>
+          <a:bodyPr wrap="square" rtlCol="0">
+            <a:spAutoFit/>
+          </a:bodyPr>
+          <a:lstStyle/>
+          <a:p>
+            <a:pPr algn="ctr"/>
+            <a:r>
+              <a:rPr lang="en-US" altLang="zh-CN" dirty="0"/>
+              <a:t>Delete</a:t>
+            </a:r>
+            <a:endParaRPr lang="zh-CN" altLang="en-US" dirty="0"/>
+          </a:p>
+        </p:txBody>
+      </p:sp>
+      <p:sp>
+        <p:nvSpPr>
+          <p:cNvPr id="17" name="矩形 16">
+            <a:extLst>
+              <a:ext uri="{FF2B5EF4-FFF2-40B4-BE49-F238E27FC236}">
+                <a16:creationId xmlns:a16="http://schemas.microsoft.com/office/drawing/2014/main" id="{83EE2C3F-5321-48F1-80E6-AB610117D7BA}"/>
+              </a:ext>
+            </a:extLst>
+          </p:cNvPr>
+          <p:cNvSpPr/>
+          <p:nvPr/>
+        </p:nvSpPr>
+        <p:spPr>
+          <a:xfrm>
+            <a:off x="4720415" y="3726855"/>
+            <a:ext cx="153785" cy="153785"/>
+          </a:xfrm>
+          <a:prstGeom prst="rect">
+            <a:avLst/>
+          </a:prstGeom>
+          <a:solidFill>
+            <a:schemeClr val="bg2">
+              <a:lumMod val="90000"/>
+            </a:schemeClr>
+          </a:solidFill>
+        </p:spPr>
+        <p:style>
+          <a:lnRef idx="2">
+            <a:schemeClr val="accent1">
+              <a:shade val="50000"/>
+            </a:schemeClr>
+          </a:lnRef>
+          <a:fillRef idx="1">
+            <a:schemeClr val="accent1"/>
+          </a:fillRef>
+          <a:effectRef idx="0">
+            <a:schemeClr val="accent1"/>
+          </a:effectRef>
+          <a:fontRef idx="minor">
+            <a:schemeClr val="lt1"/>
+          </a:fontRef>
+        </p:style>
+        <p:txBody>
+          <a:bodyPr rtlCol="0" anchor="ctr"/>
+          <a:lstStyle/>
+          <a:p>
+            <a:pPr algn="ctr"/>
+            <a:endParaRPr lang="zh-CN" altLang="en-US"/>
+          </a:p>
+        </p:txBody>
+      </p:sp>
+      <p:sp>
+        <p:nvSpPr>
+          <p:cNvPr id="18" name="文本框 17">
+            <a:extLst>
+              <a:ext uri="{FF2B5EF4-FFF2-40B4-BE49-F238E27FC236}">
+                <a16:creationId xmlns:a16="http://schemas.microsoft.com/office/drawing/2014/main" id="{4112284A-85DE-453D-A9F5-A73A0C1468E6}"/>
+              </a:ext>
+            </a:extLst>
+          </p:cNvPr>
+          <p:cNvSpPr txBox="1"/>
+          <p:nvPr/>
+        </p:nvSpPr>
+        <p:spPr>
+          <a:xfrm>
+            <a:off x="4915319" y="3619081"/>
+            <a:ext cx="1093574" cy="369332"/>
+          </a:xfrm>
+          <a:prstGeom prst="rect">
+            <a:avLst/>
+          </a:prstGeom>
+          <a:noFill/>
+        </p:spPr>
+        <p:txBody>
+          <a:bodyPr wrap="square" rtlCol="0">
+            <a:spAutoFit/>
+          </a:bodyPr>
+          <a:lstStyle/>
+          <a:p>
+            <a:pPr algn="ctr"/>
+            <a:r>
+              <a:rPr lang="en-US" altLang="zh-CN" dirty="0"/>
+              <a:t>Replace</a:t>
+            </a:r>
+            <a:endParaRPr lang="zh-CN" altLang="en-US" dirty="0"/>
+          </a:p>
+        </p:txBody>
+      </p:sp>
+      <p:sp>
+        <p:nvSpPr>
+          <p:cNvPr id="19" name="矩形 18">
+            <a:extLst>
+              <a:ext uri="{FF2B5EF4-FFF2-40B4-BE49-F238E27FC236}">
+                <a16:creationId xmlns:a16="http://schemas.microsoft.com/office/drawing/2014/main" id="{10B76353-9CF2-4E1A-9D04-41CCD12A8AC1}"/>
+              </a:ext>
+            </a:extLst>
+          </p:cNvPr>
+          <p:cNvSpPr/>
+          <p:nvPr/>
+        </p:nvSpPr>
+        <p:spPr>
+          <a:xfrm>
+            <a:off x="6407901" y="3726855"/>
+            <a:ext cx="153785" cy="153785"/>
+          </a:xfrm>
+          <a:prstGeom prst="rect">
+            <a:avLst/>
+          </a:prstGeom>
+          <a:solidFill>
+            <a:schemeClr val="bg1"/>
+          </a:solidFill>
+        </p:spPr>
+        <p:style>
+          <a:lnRef idx="2">
+            <a:schemeClr val="accent1">
+              <a:shade val="50000"/>
+            </a:schemeClr>
+          </a:lnRef>
+          <a:fillRef idx="1">
+            <a:schemeClr val="accent1"/>
+          </a:fillRef>
+          <a:effectRef idx="0">
+            <a:schemeClr val="accent1"/>
+          </a:effectRef>
+          <a:fontRef idx="minor">
+            <a:schemeClr val="lt1"/>
+          </a:fontRef>
+        </p:style>
+        <p:txBody>
+          <a:bodyPr rtlCol="0" anchor="ctr"/>
+          <a:lstStyle/>
+          <a:p>
+            <a:pPr algn="ctr"/>
+            <a:endParaRPr lang="zh-CN" altLang="en-US"/>
+          </a:p>
+        </p:txBody>
+      </p:sp>
+      <p:sp>
+        <p:nvSpPr>
+          <p:cNvPr id="20" name="文本框 19">
+            <a:extLst>
+              <a:ext uri="{FF2B5EF4-FFF2-40B4-BE49-F238E27FC236}">
+                <a16:creationId xmlns:a16="http://schemas.microsoft.com/office/drawing/2014/main" id="{C7725155-C888-41A2-9F14-37A0061F282B}"/>
+              </a:ext>
+            </a:extLst>
+          </p:cNvPr>
+          <p:cNvSpPr txBox="1"/>
+          <p:nvPr/>
+        </p:nvSpPr>
+        <p:spPr>
+          <a:xfrm>
+            <a:off x="6602804" y="3619081"/>
+            <a:ext cx="1567397" cy="369332"/>
+          </a:xfrm>
+          <a:prstGeom prst="rect">
+            <a:avLst/>
+          </a:prstGeom>
+          <a:noFill/>
+        </p:spPr>
+        <p:txBody>
+          <a:bodyPr wrap="square" rtlCol="0">
+            <a:spAutoFit/>
+          </a:bodyPr>
+          <a:lstStyle/>
+          <a:p>
+            <a:pPr algn="ctr"/>
+            <a:r>
+              <a:rPr lang="en-US" altLang="zh-CN" dirty="0"/>
+              <a:t>No operation</a:t>
+            </a:r>
+            <a:endParaRPr lang="zh-CN" altLang="en-US" dirty="0"/>
+          </a:p>
+        </p:txBody>
+      </p:sp>
+    </p:spTree>
+    <p:extLst>
+      <p:ext uri="{BB962C8B-B14F-4D97-AF65-F5344CB8AC3E}">
+        <p14:creationId xmlns:p14="http://schemas.microsoft.com/office/powerpoint/2010/main" val="2902348570"/>
+      </p:ext>
+    </p:extLst>
+  </p:cSld>
+  <p:clrMapOvr>
+    <a:masterClrMapping/>
+  </p:clrMapOvr>
+</p:sld>
+</file>
+
 <file path=ppt/theme/theme1.xml><?xml version="1.0" encoding="utf-8"?>
 <a:theme xmlns:a="http://schemas.openxmlformats.org/drawingml/2006/main" name="Office 主题​​">
   <a:themeElements>
